--- a/Slides/Lesson 9.3 Functions vs Classes.pptx
+++ b/Slides/Lesson 9.3 Functions vs Classes.pptx
@@ -2,29 +2,35 @@
 <file path=ppt/presentation.xml><?xml version="1.0" encoding="utf-8"?>
 <p:presentation xmlns:a="http://schemas.openxmlformats.org/drawingml/2006/main" xmlns:r="http://schemas.openxmlformats.org/officeDocument/2006/relationships" xmlns:p="http://schemas.openxmlformats.org/presentationml/2006/main" saveSubsetFonts="1">
   <p:sldMasterIdLst>
-    <p:sldMasterId id="2147483648" r:id="rId1"/>
+    <p:sldMasterId id="2147483661" r:id="rId1"/>
   </p:sldMasterIdLst>
   <p:notesMasterIdLst>
-    <p:notesMasterId r:id="rId14"/>
+    <p:notesMasterId r:id="rId20"/>
   </p:notesMasterIdLst>
   <p:sldIdLst>
     <p:sldId id="256" r:id="rId2"/>
     <p:sldId id="353" r:id="rId3"/>
     <p:sldId id="349" r:id="rId4"/>
-    <p:sldId id="283" r:id="rId5"/>
-    <p:sldId id="284" r:id="rId6"/>
-    <p:sldId id="282" r:id="rId7"/>
-    <p:sldId id="350" r:id="rId8"/>
-    <p:sldId id="351" r:id="rId9"/>
-    <p:sldId id="352" r:id="rId10"/>
-    <p:sldId id="318" r:id="rId11"/>
-    <p:sldId id="355" r:id="rId12"/>
-    <p:sldId id="356" r:id="rId13"/>
+    <p:sldId id="358" r:id="rId5"/>
+    <p:sldId id="359" r:id="rId6"/>
+    <p:sldId id="360" r:id="rId7"/>
+    <p:sldId id="363" r:id="rId8"/>
+    <p:sldId id="361" r:id="rId9"/>
+    <p:sldId id="362" r:id="rId10"/>
+    <p:sldId id="283" r:id="rId11"/>
+    <p:sldId id="284" r:id="rId12"/>
+    <p:sldId id="282" r:id="rId13"/>
+    <p:sldId id="350" r:id="rId14"/>
+    <p:sldId id="351" r:id="rId15"/>
+    <p:sldId id="352" r:id="rId16"/>
+    <p:sldId id="318" r:id="rId17"/>
+    <p:sldId id="355" r:id="rId18"/>
+    <p:sldId id="356" r:id="rId19"/>
   </p:sldIdLst>
   <p:sldSz cx="9144000" cy="6858000" type="screen4x3"/>
   <p:notesSz cx="6858000" cy="9144000"/>
   <p:custDataLst>
-    <p:tags r:id="rId15"/>
+    <p:tags r:id="rId21"/>
   </p:custDataLst>
   <p:defaultTextStyle>
     <a:defPPr>
@@ -222,7 +228,7 @@
           <a:p>
             <a:fld id="{36D53524-F9CC-4A8B-8CCD-2FA372311425}" type="datetimeFigureOut">
               <a:rPr lang="en-US" smtClean="0"/>
-              <a:t>11/7/2014</a:t>
+              <a:t>10/31/2015</a:t>
             </a:fld>
             <a:endParaRPr lang="en-US"/>
           </a:p>
@@ -753,9 +759,9 @@
           <a:bodyPr/>
           <a:lstStyle/>
           <a:p>
-            <a:fld id="{78EC1EBB-3798-4DBC-9F46-BA3F25E8B29C}" type="datetime1">
+            <a:fld id="{2F1F79F5-7BEC-496A-AFC7-876E38F64D71}" type="datetime1">
               <a:rPr lang="en-US" smtClean="0"/>
-              <a:t>11/7/2014</a:t>
+              <a:t>10/31/2015</a:t>
             </a:fld>
             <a:endParaRPr lang="en-US"/>
           </a:p>
@@ -795,9 +801,8 @@
           <a:bodyPr/>
           <a:lstStyle/>
           <a:p>
-            <a:fld id="{B6F15528-21DE-4FAA-801E-634DDDAF4B2B}" type="slidenum">
+            <a:fld id="{2AF3B5EA-18B6-4040-9F78-6052AF49C681}" type="slidenum">
               <a:rPr lang="en-US" smtClean="0"/>
-              <a:pPr/>
               <a:t>‹#›</a:t>
             </a:fld>
             <a:endParaRPr lang="en-US"/>
@@ -805,6 +810,11 @@
         </p:txBody>
       </p:sp>
     </p:spTree>
+    <p:extLst>
+      <p:ext uri="{BB962C8B-B14F-4D97-AF65-F5344CB8AC3E}">
+        <p14:creationId xmlns:p14="http://schemas.microsoft.com/office/powerpoint/2010/main" val="2791636636"/>
+      </p:ext>
+    </p:extLst>
   </p:cSld>
   <p:clrMapOvr>
     <a:masterClrMapping/>
@@ -820,6 +830,503 @@
 </file>
 
 <file path=ppt/slideLayouts/slideLayout10.xml><?xml version="1.0" encoding="utf-8"?>
+<p:sldLayout xmlns:a="http://schemas.openxmlformats.org/drawingml/2006/main" xmlns:r="http://schemas.openxmlformats.org/officeDocument/2006/relationships" xmlns:p="http://schemas.openxmlformats.org/presentationml/2006/main" type="titleOnly" preserve="1">
+  <p:cSld name="Title Only">
+    <p:spTree>
+      <p:nvGrpSpPr>
+        <p:cNvPr id="1" name=""/>
+        <p:cNvGrpSpPr/>
+        <p:nvPr/>
+      </p:nvGrpSpPr>
+      <p:grpSpPr>
+        <a:xfrm>
+          <a:off x="0" y="0"/>
+          <a:ext cx="0" cy="0"/>
+          <a:chOff x="0" y="0"/>
+          <a:chExt cx="0" cy="0"/>
+        </a:xfrm>
+      </p:grpSpPr>
+      <p:sp>
+        <p:nvSpPr>
+          <p:cNvPr id="2" name="Title 1"/>
+          <p:cNvSpPr>
+            <a:spLocks noGrp="1"/>
+          </p:cNvSpPr>
+          <p:nvPr>
+            <p:ph type="title"/>
+          </p:nvPr>
+        </p:nvSpPr>
+        <p:spPr/>
+        <p:txBody>
+          <a:bodyPr/>
+          <a:lstStyle/>
+          <a:p>
+            <a:r>
+              <a:rPr lang="en-US" smtClean="0"/>
+              <a:t>Click to edit Master title style</a:t>
+            </a:r>
+            <a:endParaRPr lang="en-US"/>
+          </a:p>
+        </p:txBody>
+      </p:sp>
+      <p:sp>
+        <p:nvSpPr>
+          <p:cNvPr id="3" name="Date Placeholder 2"/>
+          <p:cNvSpPr>
+            <a:spLocks noGrp="1"/>
+          </p:cNvSpPr>
+          <p:nvPr>
+            <p:ph type="dt" sz="half" idx="10"/>
+          </p:nvPr>
+        </p:nvSpPr>
+        <p:spPr/>
+        <p:txBody>
+          <a:bodyPr/>
+          <a:lstStyle/>
+          <a:p>
+            <a:fld id="{2F7B77F5-1464-4F6B-92A8-64FC8A508293}" type="datetime1">
+              <a:rPr lang="en-US" smtClean="0"/>
+              <a:t>10/31/2015</a:t>
+            </a:fld>
+            <a:endParaRPr lang="en-US"/>
+          </a:p>
+        </p:txBody>
+      </p:sp>
+      <p:sp>
+        <p:nvSpPr>
+          <p:cNvPr id="4" name="Footer Placeholder 3"/>
+          <p:cNvSpPr>
+            <a:spLocks noGrp="1"/>
+          </p:cNvSpPr>
+          <p:nvPr>
+            <p:ph type="ftr" sz="quarter" idx="11"/>
+          </p:nvPr>
+        </p:nvSpPr>
+        <p:spPr/>
+        <p:txBody>
+          <a:bodyPr/>
+          <a:lstStyle/>
+          <a:p>
+            <a:endParaRPr lang="en-US"/>
+          </a:p>
+        </p:txBody>
+      </p:sp>
+      <p:sp>
+        <p:nvSpPr>
+          <p:cNvPr id="5" name="Slide Number Placeholder 4"/>
+          <p:cNvSpPr>
+            <a:spLocks noGrp="1"/>
+          </p:cNvSpPr>
+          <p:nvPr>
+            <p:ph type="sldNum" sz="quarter" idx="12"/>
+          </p:nvPr>
+        </p:nvSpPr>
+        <p:spPr/>
+        <p:txBody>
+          <a:bodyPr/>
+          <a:lstStyle/>
+          <a:p>
+            <a:fld id="{2AF3B5EA-18B6-4040-9F78-6052AF49C681}" type="slidenum">
+              <a:rPr lang="en-US" smtClean="0"/>
+              <a:t>‹#›</a:t>
+            </a:fld>
+            <a:endParaRPr lang="en-US"/>
+          </a:p>
+        </p:txBody>
+      </p:sp>
+    </p:spTree>
+    <p:extLst>
+      <p:ext uri="{BB962C8B-B14F-4D97-AF65-F5344CB8AC3E}">
+        <p14:creationId xmlns:p14="http://schemas.microsoft.com/office/powerpoint/2010/main" val="1534132907"/>
+      </p:ext>
+    </p:extLst>
+  </p:cSld>
+  <p:clrMapOvr>
+    <a:masterClrMapping/>
+  </p:clrMapOvr>
+  <p:timing>
+    <p:tnLst>
+      <p:par>
+        <p:cTn id="1" dur="indefinite" restart="never" nodeType="tmRoot"/>
+      </p:par>
+    </p:tnLst>
+  </p:timing>
+</p:sldLayout>
+</file>
+
+<file path=ppt/slideLayouts/slideLayout11.xml><?xml version="1.0" encoding="utf-8"?>
+<p:sldLayout xmlns:a="http://schemas.openxmlformats.org/drawingml/2006/main" xmlns:r="http://schemas.openxmlformats.org/officeDocument/2006/relationships" xmlns:p="http://schemas.openxmlformats.org/presentationml/2006/main" type="blank" preserve="1">
+  <p:cSld name="Blank">
+    <p:spTree>
+      <p:nvGrpSpPr>
+        <p:cNvPr id="1" name=""/>
+        <p:cNvGrpSpPr/>
+        <p:nvPr/>
+      </p:nvGrpSpPr>
+      <p:grpSpPr>
+        <a:xfrm>
+          <a:off x="0" y="0"/>
+          <a:ext cx="0" cy="0"/>
+          <a:chOff x="0" y="0"/>
+          <a:chExt cx="0" cy="0"/>
+        </a:xfrm>
+      </p:grpSpPr>
+      <p:sp>
+        <p:nvSpPr>
+          <p:cNvPr id="2" name="Date Placeholder 1"/>
+          <p:cNvSpPr>
+            <a:spLocks noGrp="1"/>
+          </p:cNvSpPr>
+          <p:nvPr>
+            <p:ph type="dt" sz="half" idx="10"/>
+          </p:nvPr>
+        </p:nvSpPr>
+        <p:spPr/>
+        <p:txBody>
+          <a:bodyPr/>
+          <a:lstStyle/>
+          <a:p>
+            <a:fld id="{0A05703A-7669-4FEA-9056-25299B4D29D4}" type="datetime1">
+              <a:rPr lang="en-US" smtClean="0"/>
+              <a:t>10/31/2015</a:t>
+            </a:fld>
+            <a:endParaRPr lang="en-US"/>
+          </a:p>
+        </p:txBody>
+      </p:sp>
+      <p:sp>
+        <p:nvSpPr>
+          <p:cNvPr id="3" name="Footer Placeholder 2"/>
+          <p:cNvSpPr>
+            <a:spLocks noGrp="1"/>
+          </p:cNvSpPr>
+          <p:nvPr>
+            <p:ph type="ftr" sz="quarter" idx="11"/>
+          </p:nvPr>
+        </p:nvSpPr>
+        <p:spPr/>
+        <p:txBody>
+          <a:bodyPr/>
+          <a:lstStyle/>
+          <a:p>
+            <a:endParaRPr lang="en-US"/>
+          </a:p>
+        </p:txBody>
+      </p:sp>
+      <p:sp>
+        <p:nvSpPr>
+          <p:cNvPr id="4" name="Slide Number Placeholder 3"/>
+          <p:cNvSpPr>
+            <a:spLocks noGrp="1"/>
+          </p:cNvSpPr>
+          <p:nvPr>
+            <p:ph type="sldNum" sz="quarter" idx="12"/>
+          </p:nvPr>
+        </p:nvSpPr>
+        <p:spPr/>
+        <p:txBody>
+          <a:bodyPr/>
+          <a:lstStyle/>
+          <a:p>
+            <a:fld id="{2AF3B5EA-18B6-4040-9F78-6052AF49C681}" type="slidenum">
+              <a:rPr lang="en-US" smtClean="0"/>
+              <a:t>‹#›</a:t>
+            </a:fld>
+            <a:endParaRPr lang="en-US"/>
+          </a:p>
+        </p:txBody>
+      </p:sp>
+    </p:spTree>
+    <p:extLst>
+      <p:ext uri="{BB962C8B-B14F-4D97-AF65-F5344CB8AC3E}">
+        <p14:creationId xmlns:p14="http://schemas.microsoft.com/office/powerpoint/2010/main" val="3277286679"/>
+      </p:ext>
+    </p:extLst>
+  </p:cSld>
+  <p:clrMapOvr>
+    <a:masterClrMapping/>
+  </p:clrMapOvr>
+</p:sldLayout>
+</file>
+
+<file path=ppt/slideLayouts/slideLayout12.xml><?xml version="1.0" encoding="utf-8"?>
+<p:sldLayout xmlns:a="http://schemas.openxmlformats.org/drawingml/2006/main" xmlns:r="http://schemas.openxmlformats.org/officeDocument/2006/relationships" xmlns:p="http://schemas.openxmlformats.org/presentationml/2006/main" type="objTx" preserve="1">
+  <p:cSld name="Content with Caption">
+    <p:spTree>
+      <p:nvGrpSpPr>
+        <p:cNvPr id="1" name=""/>
+        <p:cNvGrpSpPr/>
+        <p:nvPr/>
+      </p:nvGrpSpPr>
+      <p:grpSpPr>
+        <a:xfrm>
+          <a:off x="0" y="0"/>
+          <a:ext cx="0" cy="0"/>
+          <a:chOff x="0" y="0"/>
+          <a:chExt cx="0" cy="0"/>
+        </a:xfrm>
+      </p:grpSpPr>
+      <p:sp>
+        <p:nvSpPr>
+          <p:cNvPr id="2" name="Title 1"/>
+          <p:cNvSpPr>
+            <a:spLocks noGrp="1"/>
+          </p:cNvSpPr>
+          <p:nvPr>
+            <p:ph type="title"/>
+          </p:nvPr>
+        </p:nvSpPr>
+        <p:spPr>
+          <a:xfrm>
+            <a:off x="457200" y="273050"/>
+            <a:ext cx="3008313" cy="1162050"/>
+          </a:xfrm>
+        </p:spPr>
+        <p:txBody>
+          <a:bodyPr anchor="b"/>
+          <a:lstStyle>
+            <a:lvl1pPr algn="l">
+              <a:defRPr sz="2000" b="1"/>
+            </a:lvl1pPr>
+          </a:lstStyle>
+          <a:p>
+            <a:r>
+              <a:rPr lang="en-US" smtClean="0"/>
+              <a:t>Click to edit Master title style</a:t>
+            </a:r>
+            <a:endParaRPr lang="en-US"/>
+          </a:p>
+        </p:txBody>
+      </p:sp>
+      <p:sp>
+        <p:nvSpPr>
+          <p:cNvPr id="3" name="Content Placeholder 2"/>
+          <p:cNvSpPr>
+            <a:spLocks noGrp="1"/>
+          </p:cNvSpPr>
+          <p:nvPr>
+            <p:ph idx="1"/>
+          </p:nvPr>
+        </p:nvSpPr>
+        <p:spPr>
+          <a:xfrm>
+            <a:off x="3575050" y="273050"/>
+            <a:ext cx="5111750" cy="5853113"/>
+          </a:xfrm>
+        </p:spPr>
+        <p:txBody>
+          <a:bodyPr/>
+          <a:lstStyle>
+            <a:lvl1pPr>
+              <a:defRPr sz="3200"/>
+            </a:lvl1pPr>
+            <a:lvl2pPr>
+              <a:defRPr sz="2800"/>
+            </a:lvl2pPr>
+            <a:lvl3pPr>
+              <a:defRPr sz="2400"/>
+            </a:lvl3pPr>
+            <a:lvl4pPr>
+              <a:defRPr sz="2000"/>
+            </a:lvl4pPr>
+            <a:lvl5pPr>
+              <a:defRPr sz="2000"/>
+            </a:lvl5pPr>
+            <a:lvl6pPr>
+              <a:defRPr sz="2000"/>
+            </a:lvl6pPr>
+            <a:lvl7pPr>
+              <a:defRPr sz="2000"/>
+            </a:lvl7pPr>
+            <a:lvl8pPr>
+              <a:defRPr sz="2000"/>
+            </a:lvl8pPr>
+            <a:lvl9pPr>
+              <a:defRPr sz="2000"/>
+            </a:lvl9pPr>
+          </a:lstStyle>
+          <a:p>
+            <a:pPr lvl="0"/>
+            <a:r>
+              <a:rPr lang="en-US" smtClean="0"/>
+              <a:t>Click to edit Master text styles</a:t>
+            </a:r>
+          </a:p>
+          <a:p>
+            <a:pPr lvl="1"/>
+            <a:r>
+              <a:rPr lang="en-US" smtClean="0"/>
+              <a:t>Second level</a:t>
+            </a:r>
+          </a:p>
+          <a:p>
+            <a:pPr lvl="2"/>
+            <a:r>
+              <a:rPr lang="en-US" smtClean="0"/>
+              <a:t>Third level</a:t>
+            </a:r>
+          </a:p>
+          <a:p>
+            <a:pPr lvl="3"/>
+            <a:r>
+              <a:rPr lang="en-US" smtClean="0"/>
+              <a:t>Fourth level</a:t>
+            </a:r>
+          </a:p>
+          <a:p>
+            <a:pPr lvl="4"/>
+            <a:r>
+              <a:rPr lang="en-US" smtClean="0"/>
+              <a:t>Fifth level</a:t>
+            </a:r>
+            <a:endParaRPr lang="en-US"/>
+          </a:p>
+        </p:txBody>
+      </p:sp>
+      <p:sp>
+        <p:nvSpPr>
+          <p:cNvPr id="4" name="Text Placeholder 3"/>
+          <p:cNvSpPr>
+            <a:spLocks noGrp="1"/>
+          </p:cNvSpPr>
+          <p:nvPr>
+            <p:ph type="body" sz="half" idx="2"/>
+          </p:nvPr>
+        </p:nvSpPr>
+        <p:spPr>
+          <a:xfrm>
+            <a:off x="457200" y="1435100"/>
+            <a:ext cx="3008313" cy="4691063"/>
+          </a:xfrm>
+        </p:spPr>
+        <p:txBody>
+          <a:bodyPr/>
+          <a:lstStyle>
+            <a:lvl1pPr marL="0" indent="0">
+              <a:buNone/>
+              <a:defRPr sz="1400"/>
+            </a:lvl1pPr>
+            <a:lvl2pPr marL="457200" indent="0">
+              <a:buNone/>
+              <a:defRPr sz="1200"/>
+            </a:lvl2pPr>
+            <a:lvl3pPr marL="914400" indent="0">
+              <a:buNone/>
+              <a:defRPr sz="1000"/>
+            </a:lvl3pPr>
+            <a:lvl4pPr marL="1371600" indent="0">
+              <a:buNone/>
+              <a:defRPr sz="900"/>
+            </a:lvl4pPr>
+            <a:lvl5pPr marL="1828800" indent="0">
+              <a:buNone/>
+              <a:defRPr sz="900"/>
+            </a:lvl5pPr>
+            <a:lvl6pPr marL="2286000" indent="0">
+              <a:buNone/>
+              <a:defRPr sz="900"/>
+            </a:lvl6pPr>
+            <a:lvl7pPr marL="2743200" indent="0">
+              <a:buNone/>
+              <a:defRPr sz="900"/>
+            </a:lvl7pPr>
+            <a:lvl8pPr marL="3200400" indent="0">
+              <a:buNone/>
+              <a:defRPr sz="900"/>
+            </a:lvl8pPr>
+            <a:lvl9pPr marL="3657600" indent="0">
+              <a:buNone/>
+              <a:defRPr sz="900"/>
+            </a:lvl9pPr>
+          </a:lstStyle>
+          <a:p>
+            <a:pPr lvl="0"/>
+            <a:r>
+              <a:rPr lang="en-US" smtClean="0"/>
+              <a:t>Click to edit Master text styles</a:t>
+            </a:r>
+          </a:p>
+        </p:txBody>
+      </p:sp>
+      <p:sp>
+        <p:nvSpPr>
+          <p:cNvPr id="5" name="Date Placeholder 4"/>
+          <p:cNvSpPr>
+            <a:spLocks noGrp="1"/>
+          </p:cNvSpPr>
+          <p:nvPr>
+            <p:ph type="dt" sz="half" idx="10"/>
+          </p:nvPr>
+        </p:nvSpPr>
+        <p:spPr/>
+        <p:txBody>
+          <a:bodyPr/>
+          <a:lstStyle/>
+          <a:p>
+            <a:fld id="{6E5077B5-BB57-49DB-88CA-226A139E5C01}" type="datetime1">
+              <a:rPr lang="en-US" smtClean="0"/>
+              <a:t>10/31/2015</a:t>
+            </a:fld>
+            <a:endParaRPr lang="en-US"/>
+          </a:p>
+        </p:txBody>
+      </p:sp>
+      <p:sp>
+        <p:nvSpPr>
+          <p:cNvPr id="6" name="Footer Placeholder 5"/>
+          <p:cNvSpPr>
+            <a:spLocks noGrp="1"/>
+          </p:cNvSpPr>
+          <p:nvPr>
+            <p:ph type="ftr" sz="quarter" idx="11"/>
+          </p:nvPr>
+        </p:nvSpPr>
+        <p:spPr/>
+        <p:txBody>
+          <a:bodyPr/>
+          <a:lstStyle/>
+          <a:p>
+            <a:endParaRPr lang="en-US"/>
+          </a:p>
+        </p:txBody>
+      </p:sp>
+      <p:sp>
+        <p:nvSpPr>
+          <p:cNvPr id="7" name="Slide Number Placeholder 6"/>
+          <p:cNvSpPr>
+            <a:spLocks noGrp="1"/>
+          </p:cNvSpPr>
+          <p:nvPr>
+            <p:ph type="sldNum" sz="quarter" idx="12"/>
+          </p:nvPr>
+        </p:nvSpPr>
+        <p:spPr/>
+        <p:txBody>
+          <a:bodyPr/>
+          <a:lstStyle/>
+          <a:p>
+            <a:fld id="{2AF3B5EA-18B6-4040-9F78-6052AF49C681}" type="slidenum">
+              <a:rPr lang="en-US" smtClean="0"/>
+              <a:t>‹#›</a:t>
+            </a:fld>
+            <a:endParaRPr lang="en-US"/>
+          </a:p>
+        </p:txBody>
+      </p:sp>
+    </p:spTree>
+    <p:extLst>
+      <p:ext uri="{BB962C8B-B14F-4D97-AF65-F5344CB8AC3E}">
+        <p14:creationId xmlns:p14="http://schemas.microsoft.com/office/powerpoint/2010/main" val="3707388520"/>
+      </p:ext>
+    </p:extLst>
+  </p:cSld>
+  <p:clrMapOvr>
+    <a:masterClrMapping/>
+  </p:clrMapOvr>
+</p:sldLayout>
+</file>
+
+<file path=ppt/slideLayouts/slideLayout13.xml><?xml version="1.0" encoding="utf-8"?>
 <p:sldLayout xmlns:a="http://schemas.openxmlformats.org/drawingml/2006/main" xmlns:r="http://schemas.openxmlformats.org/officeDocument/2006/relationships" xmlns:p="http://schemas.openxmlformats.org/presentationml/2006/main" type="picTx" preserve="1">
   <p:cSld name="Picture with Caption">
     <p:spTree>
@@ -1009,9 +1516,9 @@
           <a:bodyPr/>
           <a:lstStyle/>
           <a:p>
-            <a:fld id="{2CF6E2A0-8109-4C62-B2B5-A0671EB51A20}" type="datetime1">
+            <a:fld id="{C48D9447-CBD6-49A1-89FD-8512A8CF8999}" type="datetime1">
               <a:rPr lang="en-US" smtClean="0"/>
-              <a:t>11/7/2014</a:t>
+              <a:t>10/31/2015</a:t>
             </a:fld>
             <a:endParaRPr lang="en-US"/>
           </a:p>
@@ -1051,9 +1558,8 @@
           <a:bodyPr/>
           <a:lstStyle/>
           <a:p>
-            <a:fld id="{B6F15528-21DE-4FAA-801E-634DDDAF4B2B}" type="slidenum">
+            <a:fld id="{2AF3B5EA-18B6-4040-9F78-6052AF49C681}" type="slidenum">
               <a:rPr lang="en-US" smtClean="0"/>
-              <a:pPr/>
               <a:t>‹#›</a:t>
             </a:fld>
             <a:endParaRPr lang="en-US"/>
@@ -1061,6 +1567,11 @@
         </p:txBody>
       </p:sp>
     </p:spTree>
+    <p:extLst>
+      <p:ext uri="{BB962C8B-B14F-4D97-AF65-F5344CB8AC3E}">
+        <p14:creationId xmlns:p14="http://schemas.microsoft.com/office/powerpoint/2010/main" val="3778539463"/>
+      </p:ext>
+    </p:extLst>
   </p:cSld>
   <p:clrMapOvr>
     <a:masterClrMapping/>
@@ -1068,7 +1579,7 @@
 </p:sldLayout>
 </file>
 
-<file path=ppt/slideLayouts/slideLayout11.xml><?xml version="1.0" encoding="utf-8"?>
+<file path=ppt/slideLayouts/slideLayout14.xml><?xml version="1.0" encoding="utf-8"?>
 <p:sldLayout xmlns:a="http://schemas.openxmlformats.org/drawingml/2006/main" xmlns:r="http://schemas.openxmlformats.org/officeDocument/2006/relationships" xmlns:p="http://schemas.openxmlformats.org/presentationml/2006/main" type="vertTx" preserve="1">
   <p:cSld name="Title and Vertical Text">
     <p:spTree>
@@ -1175,9 +1686,9 @@
           <a:bodyPr/>
           <a:lstStyle/>
           <a:p>
-            <a:fld id="{C1D86CFF-5C5C-4D4D-B559-31E89B4CB360}" type="datetime1">
+            <a:fld id="{A3639A2A-823D-48B7-9ACE-7FAF42870BA9}" type="datetime1">
               <a:rPr lang="en-US" smtClean="0"/>
-              <a:t>11/7/2014</a:t>
+              <a:t>10/31/2015</a:t>
             </a:fld>
             <a:endParaRPr lang="en-US"/>
           </a:p>
@@ -1217,9 +1728,8 @@
           <a:bodyPr/>
           <a:lstStyle/>
           <a:p>
-            <a:fld id="{B6F15528-21DE-4FAA-801E-634DDDAF4B2B}" type="slidenum">
+            <a:fld id="{2AF3B5EA-18B6-4040-9F78-6052AF49C681}" type="slidenum">
               <a:rPr lang="en-US" smtClean="0"/>
-              <a:pPr/>
               <a:t>‹#›</a:t>
             </a:fld>
             <a:endParaRPr lang="en-US"/>
@@ -1227,6 +1737,11 @@
         </p:txBody>
       </p:sp>
     </p:spTree>
+    <p:extLst>
+      <p:ext uri="{BB962C8B-B14F-4D97-AF65-F5344CB8AC3E}">
+        <p14:creationId xmlns:p14="http://schemas.microsoft.com/office/powerpoint/2010/main" val="2509363696"/>
+      </p:ext>
+    </p:extLst>
   </p:cSld>
   <p:clrMapOvr>
     <a:masterClrMapping/>
@@ -1234,7 +1749,7 @@
 </p:sldLayout>
 </file>
 
-<file path=ppt/slideLayouts/slideLayout12.xml><?xml version="1.0" encoding="utf-8"?>
+<file path=ppt/slideLayouts/slideLayout15.xml><?xml version="1.0" encoding="utf-8"?>
 <p:sldLayout xmlns:a="http://schemas.openxmlformats.org/drawingml/2006/main" xmlns:r="http://schemas.openxmlformats.org/officeDocument/2006/relationships" xmlns:p="http://schemas.openxmlformats.org/presentationml/2006/main" type="vertTitleAndTx" preserve="1">
   <p:cSld name="Vertical Title and Text">
     <p:spTree>
@@ -1351,9 +1866,9 @@
           <a:bodyPr/>
           <a:lstStyle/>
           <a:p>
-            <a:fld id="{9F52ADC7-004F-4539-A47D-B4D87E5E2676}" type="datetime1">
+            <a:fld id="{ED1B6996-82E9-463C-972C-7B56056E426C}" type="datetime1">
               <a:rPr lang="en-US" smtClean="0"/>
-              <a:t>11/7/2014</a:t>
+              <a:t>10/31/2015</a:t>
             </a:fld>
             <a:endParaRPr lang="en-US"/>
           </a:p>
@@ -1393,9 +1908,8 @@
           <a:bodyPr/>
           <a:lstStyle/>
           <a:p>
-            <a:fld id="{B6F15528-21DE-4FAA-801E-634DDDAF4B2B}" type="slidenum">
+            <a:fld id="{2AF3B5EA-18B6-4040-9F78-6052AF49C681}" type="slidenum">
               <a:rPr lang="en-US" smtClean="0"/>
-              <a:pPr/>
               <a:t>‹#›</a:t>
             </a:fld>
             <a:endParaRPr lang="en-US"/>
@@ -1403,6 +1917,11 @@
         </p:txBody>
       </p:sp>
     </p:spTree>
+    <p:extLst>
+      <p:ext uri="{BB962C8B-B14F-4D97-AF65-F5344CB8AC3E}">
+        <p14:creationId xmlns:p14="http://schemas.microsoft.com/office/powerpoint/2010/main" val="3241015216"/>
+      </p:ext>
+    </p:extLst>
   </p:cSld>
   <p:clrMapOvr>
     <a:masterClrMapping/>
@@ -1411,6 +1930,302 @@
 </file>
 
 <file path=ppt/slideLayouts/slideLayout2.xml><?xml version="1.0" encoding="utf-8"?>
+<p:sldLayout xmlns:a="http://schemas.openxmlformats.org/drawingml/2006/main" xmlns:r="http://schemas.openxmlformats.org/officeDocument/2006/relationships" xmlns:p="http://schemas.openxmlformats.org/presentationml/2006/main" type="twoObj" preserve="1">
+  <p:cSld name="Code_two_columns">
+    <p:spTree>
+      <p:nvGrpSpPr>
+        <p:cNvPr id="1" name=""/>
+        <p:cNvGrpSpPr/>
+        <p:nvPr/>
+      </p:nvGrpSpPr>
+      <p:grpSpPr>
+        <a:xfrm>
+          <a:off x="0" y="0"/>
+          <a:ext cx="0" cy="0"/>
+          <a:chOff x="0" y="0"/>
+          <a:chExt cx="0" cy="0"/>
+        </a:xfrm>
+      </p:grpSpPr>
+      <p:sp>
+        <p:nvSpPr>
+          <p:cNvPr id="2" name="Title 1"/>
+          <p:cNvSpPr>
+            <a:spLocks noGrp="1"/>
+          </p:cNvSpPr>
+          <p:nvPr>
+            <p:ph type="title"/>
+          </p:nvPr>
+        </p:nvSpPr>
+        <p:spPr/>
+        <p:txBody>
+          <a:bodyPr/>
+          <a:lstStyle/>
+          <a:p>
+            <a:r>
+              <a:rPr lang="en-US" smtClean="0"/>
+              <a:t>Click to edit Master title style</a:t>
+            </a:r>
+            <a:endParaRPr lang="en-US"/>
+          </a:p>
+        </p:txBody>
+      </p:sp>
+      <p:sp>
+        <p:nvSpPr>
+          <p:cNvPr id="3" name="Content Placeholder 2"/>
+          <p:cNvSpPr>
+            <a:spLocks noGrp="1"/>
+          </p:cNvSpPr>
+          <p:nvPr>
+            <p:ph sz="half" idx="1"/>
+          </p:nvPr>
+        </p:nvSpPr>
+        <p:spPr>
+          <a:xfrm>
+            <a:off x="457200" y="1600200"/>
+            <a:ext cx="4038600" cy="4525963"/>
+          </a:xfrm>
+        </p:spPr>
+        <p:txBody>
+          <a:bodyPr/>
+          <a:lstStyle>
+            <a:lvl1pPr marL="0" indent="0">
+              <a:buNone/>
+              <a:defRPr sz="2400" b="1">
+                <a:latin typeface="Consolas" panose="020B0609020204030204" pitchFamily="49" charset="0"/>
+                <a:cs typeface="Consolas" panose="020B0609020204030204" pitchFamily="49" charset="0"/>
+              </a:defRPr>
+            </a:lvl1pPr>
+            <a:lvl2pPr>
+              <a:defRPr sz="2400"/>
+            </a:lvl2pPr>
+            <a:lvl3pPr>
+              <a:defRPr sz="2000"/>
+            </a:lvl3pPr>
+            <a:lvl4pPr>
+              <a:defRPr sz="1800"/>
+            </a:lvl4pPr>
+            <a:lvl5pPr>
+              <a:defRPr sz="1800"/>
+            </a:lvl5pPr>
+            <a:lvl6pPr>
+              <a:defRPr sz="1800"/>
+            </a:lvl6pPr>
+            <a:lvl7pPr>
+              <a:defRPr sz="1800"/>
+            </a:lvl7pPr>
+            <a:lvl8pPr>
+              <a:defRPr sz="1800"/>
+            </a:lvl8pPr>
+            <a:lvl9pPr>
+              <a:defRPr sz="1800"/>
+            </a:lvl9pPr>
+          </a:lstStyle>
+          <a:p>
+            <a:pPr lvl="0"/>
+            <a:r>
+              <a:rPr lang="en-US" dirty="0" smtClean="0"/>
+              <a:t>Click to edit Master text styles</a:t>
+            </a:r>
+          </a:p>
+          <a:p>
+            <a:pPr lvl="1"/>
+            <a:r>
+              <a:rPr lang="en-US" dirty="0" smtClean="0"/>
+              <a:t>Second level</a:t>
+            </a:r>
+          </a:p>
+          <a:p>
+            <a:pPr lvl="2"/>
+            <a:r>
+              <a:rPr lang="en-US" dirty="0" smtClean="0"/>
+              <a:t>Third level</a:t>
+            </a:r>
+          </a:p>
+          <a:p>
+            <a:pPr lvl="3"/>
+            <a:r>
+              <a:rPr lang="en-US" dirty="0" smtClean="0"/>
+              <a:t>Fourth level</a:t>
+            </a:r>
+          </a:p>
+          <a:p>
+            <a:pPr lvl="4"/>
+            <a:r>
+              <a:rPr lang="en-US" dirty="0" smtClean="0"/>
+              <a:t>Fifth level</a:t>
+            </a:r>
+            <a:endParaRPr lang="en-US" dirty="0"/>
+          </a:p>
+        </p:txBody>
+      </p:sp>
+      <p:sp>
+        <p:nvSpPr>
+          <p:cNvPr id="4" name="Content Placeholder 3"/>
+          <p:cNvSpPr>
+            <a:spLocks noGrp="1"/>
+          </p:cNvSpPr>
+          <p:nvPr>
+            <p:ph sz="half" idx="2"/>
+          </p:nvPr>
+        </p:nvSpPr>
+        <p:spPr>
+          <a:xfrm>
+            <a:off x="4648200" y="1600200"/>
+            <a:ext cx="4038600" cy="4525963"/>
+          </a:xfrm>
+        </p:spPr>
+        <p:txBody>
+          <a:bodyPr/>
+          <a:lstStyle>
+            <a:lvl1pPr marL="0" indent="0">
+              <a:buNone/>
+              <a:defRPr sz="2400" b="1">
+                <a:latin typeface="Consolas" panose="020B0609020204030204" pitchFamily="49" charset="0"/>
+                <a:cs typeface="Consolas" panose="020B0609020204030204" pitchFamily="49" charset="0"/>
+              </a:defRPr>
+            </a:lvl1pPr>
+            <a:lvl2pPr>
+              <a:defRPr sz="2400"/>
+            </a:lvl2pPr>
+            <a:lvl3pPr>
+              <a:defRPr sz="2000"/>
+            </a:lvl3pPr>
+            <a:lvl4pPr>
+              <a:defRPr sz="1800"/>
+            </a:lvl4pPr>
+            <a:lvl5pPr>
+              <a:defRPr sz="1800"/>
+            </a:lvl5pPr>
+            <a:lvl6pPr>
+              <a:defRPr sz="1800"/>
+            </a:lvl6pPr>
+            <a:lvl7pPr>
+              <a:defRPr sz="1800"/>
+            </a:lvl7pPr>
+            <a:lvl8pPr>
+              <a:defRPr sz="1800"/>
+            </a:lvl8pPr>
+            <a:lvl9pPr>
+              <a:defRPr sz="1800"/>
+            </a:lvl9pPr>
+          </a:lstStyle>
+          <a:p>
+            <a:pPr lvl="0"/>
+            <a:r>
+              <a:rPr lang="en-US" dirty="0" smtClean="0"/>
+              <a:t>Click to edit Master text styles</a:t>
+            </a:r>
+          </a:p>
+          <a:p>
+            <a:pPr lvl="1"/>
+            <a:r>
+              <a:rPr lang="en-US" dirty="0" smtClean="0"/>
+              <a:t>Second level</a:t>
+            </a:r>
+          </a:p>
+          <a:p>
+            <a:pPr lvl="2"/>
+            <a:r>
+              <a:rPr lang="en-US" dirty="0" smtClean="0"/>
+              <a:t>Third level</a:t>
+            </a:r>
+          </a:p>
+          <a:p>
+            <a:pPr lvl="3"/>
+            <a:r>
+              <a:rPr lang="en-US" dirty="0" smtClean="0"/>
+              <a:t>Fourth level</a:t>
+            </a:r>
+          </a:p>
+          <a:p>
+            <a:pPr lvl="4"/>
+            <a:r>
+              <a:rPr lang="en-US" dirty="0" smtClean="0"/>
+              <a:t>Fifth level</a:t>
+            </a:r>
+            <a:endParaRPr lang="en-US" dirty="0"/>
+          </a:p>
+        </p:txBody>
+      </p:sp>
+      <p:sp>
+        <p:nvSpPr>
+          <p:cNvPr id="5" name="Date Placeholder 4"/>
+          <p:cNvSpPr>
+            <a:spLocks noGrp="1"/>
+          </p:cNvSpPr>
+          <p:nvPr>
+            <p:ph type="dt" sz="half" idx="10"/>
+          </p:nvPr>
+        </p:nvSpPr>
+        <p:spPr/>
+        <p:txBody>
+          <a:bodyPr/>
+          <a:lstStyle/>
+          <a:p>
+            <a:fld id="{5D1846AD-9252-4647-9435-4C2AC365653A}" type="datetime1">
+              <a:rPr lang="en-US" smtClean="0"/>
+              <a:t>10/31/2015</a:t>
+            </a:fld>
+            <a:endParaRPr lang="en-US"/>
+          </a:p>
+        </p:txBody>
+      </p:sp>
+      <p:sp>
+        <p:nvSpPr>
+          <p:cNvPr id="6" name="Footer Placeholder 5"/>
+          <p:cNvSpPr>
+            <a:spLocks noGrp="1"/>
+          </p:cNvSpPr>
+          <p:nvPr>
+            <p:ph type="ftr" sz="quarter" idx="11"/>
+          </p:nvPr>
+        </p:nvSpPr>
+        <p:spPr/>
+        <p:txBody>
+          <a:bodyPr/>
+          <a:lstStyle/>
+          <a:p>
+            <a:endParaRPr lang="en-US"/>
+          </a:p>
+        </p:txBody>
+      </p:sp>
+      <p:sp>
+        <p:nvSpPr>
+          <p:cNvPr id="7" name="Slide Number Placeholder 6"/>
+          <p:cNvSpPr>
+            <a:spLocks noGrp="1"/>
+          </p:cNvSpPr>
+          <p:nvPr>
+            <p:ph type="sldNum" sz="quarter" idx="12"/>
+          </p:nvPr>
+        </p:nvSpPr>
+        <p:spPr/>
+        <p:txBody>
+          <a:bodyPr/>
+          <a:lstStyle/>
+          <a:p>
+            <a:fld id="{2AF3B5EA-18B6-4040-9F78-6052AF49C681}" type="slidenum">
+              <a:rPr lang="en-US" smtClean="0"/>
+              <a:t>‹#›</a:t>
+            </a:fld>
+            <a:endParaRPr lang="en-US"/>
+          </a:p>
+        </p:txBody>
+      </p:sp>
+    </p:spTree>
+    <p:extLst>
+      <p:ext uri="{BB962C8B-B14F-4D97-AF65-F5344CB8AC3E}">
+        <p14:creationId xmlns:p14="http://schemas.microsoft.com/office/powerpoint/2010/main" val="4101149878"/>
+      </p:ext>
+    </p:extLst>
+  </p:cSld>
+  <p:clrMapOvr>
+    <a:masterClrMapping/>
+  </p:clrMapOvr>
+</p:sldLayout>
+</file>
+
+<file path=ppt/slideLayouts/slideLayout3.xml><?xml version="1.0" encoding="utf-8"?>
 <p:sldLayout xmlns:a="http://schemas.openxmlformats.org/drawingml/2006/main" xmlns:r="http://schemas.openxmlformats.org/officeDocument/2006/relationships" xmlns:p="http://schemas.openxmlformats.org/presentationml/2006/main" type="obj" preserve="1">
   <p:cSld name="Title and Content">
     <p:spTree>
@@ -1437,16 +2252,22 @@
             <p:ph type="title"/>
           </p:nvPr>
         </p:nvSpPr>
-        <p:spPr/>
+        <p:spPr>
+          <a:ln w="28575">
+            <a:solidFill>
+              <a:schemeClr val="accent1"/>
+            </a:solidFill>
+          </a:ln>
+        </p:spPr>
         <p:txBody>
           <a:bodyPr/>
           <a:lstStyle/>
           <a:p>
             <a:r>
-              <a:rPr lang="en-US" smtClean="0"/>
+              <a:rPr lang="en-US" dirty="0" smtClean="0"/>
               <a:t>Click to edit Master title style</a:t>
             </a:r>
-            <a:endParaRPr lang="en-US"/>
+            <a:endParaRPr lang="en-US" dirty="0"/>
           </a:p>
         </p:txBody>
       </p:sp>
@@ -1517,9 +2338,9 @@
           <a:bodyPr/>
           <a:lstStyle/>
           <a:p>
-            <a:fld id="{B978E08A-687B-4410-93F3-32E440D63A7E}" type="datetime1">
+            <a:fld id="{E22ED4DA-448D-4BB1-B935-CC112220207B}" type="datetime1">
               <a:rPr lang="en-US" smtClean="0"/>
-              <a:t>11/7/2014</a:t>
+              <a:t>10/31/2015</a:t>
             </a:fld>
             <a:endParaRPr lang="en-US"/>
           </a:p>
@@ -1559,9 +2380,8 @@
           <a:bodyPr/>
           <a:lstStyle/>
           <a:p>
-            <a:fld id="{B6F15528-21DE-4FAA-801E-634DDDAF4B2B}" type="slidenum">
+            <a:fld id="{2AF3B5EA-18B6-4040-9F78-6052AF49C681}" type="slidenum">
               <a:rPr lang="en-US" smtClean="0"/>
-              <a:pPr/>
               <a:t>‹#›</a:t>
             </a:fld>
             <a:endParaRPr lang="en-US"/>
@@ -1569,124 +2389,9 @@
         </p:txBody>
       </p:sp>
     </p:spTree>
-  </p:cSld>
-  <p:clrMapOvr>
-    <a:masterClrMapping/>
-  </p:clrMapOvr>
-  <p:timing>
-    <p:tnLst>
-      <p:par>
-        <p:cTn id="1" dur="indefinite" restart="never" nodeType="tmRoot"/>
-      </p:par>
-    </p:tnLst>
-  </p:timing>
-</p:sldLayout>
-</file>
-
-<file path=ppt/slideLayouts/slideLayout3.xml><?xml version="1.0" encoding="utf-8"?>
-<p:sldLayout xmlns:a="http://schemas.openxmlformats.org/drawingml/2006/main" xmlns:r="http://schemas.openxmlformats.org/officeDocument/2006/relationships" xmlns:p="http://schemas.openxmlformats.org/presentationml/2006/main" type="obj" preserve="1">
-  <p:cSld name="Code">
-    <p:spTree>
-      <p:nvGrpSpPr>
-        <p:cNvPr id="1" name=""/>
-        <p:cNvGrpSpPr/>
-        <p:nvPr/>
-      </p:nvGrpSpPr>
-      <p:grpSpPr>
-        <a:xfrm>
-          <a:off x="0" y="0"/>
-          <a:ext cx="0" cy="0"/>
-          <a:chOff x="0" y="0"/>
-          <a:chExt cx="0" cy="0"/>
-        </a:xfrm>
-      </p:grpSpPr>
-      <p:sp>
-        <p:nvSpPr>
-          <p:cNvPr id="2" name="Title 1"/>
-          <p:cNvSpPr>
-            <a:spLocks noGrp="1"/>
-          </p:cNvSpPr>
-          <p:nvPr>
-            <p:ph type="title"/>
-          </p:nvPr>
-        </p:nvSpPr>
-        <p:spPr/>
-        <p:txBody>
-          <a:bodyPr/>
-          <a:lstStyle/>
-          <a:p>
-            <a:r>
-              <a:rPr lang="en-US" smtClean="0"/>
-              <a:t>Click to edit Master title style</a:t>
-            </a:r>
-            <a:endParaRPr lang="en-US"/>
-          </a:p>
-        </p:txBody>
-      </p:sp>
-      <p:sp>
-        <p:nvSpPr>
-          <p:cNvPr id="3" name="Content Placeholder 2"/>
-          <p:cNvSpPr>
-            <a:spLocks noGrp="1"/>
-          </p:cNvSpPr>
-          <p:nvPr>
-            <p:ph idx="1"/>
-          </p:nvPr>
-        </p:nvSpPr>
-        <p:spPr/>
-        <p:txBody>
-          <a:bodyPr/>
-          <a:lstStyle>
-            <a:lvl1pPr marL="0" indent="0">
-              <a:buNone/>
-              <a:defRPr b="1">
-                <a:latin typeface="Consolas" pitchFamily="49" charset="0"/>
-                <a:cs typeface="Consolas" pitchFamily="49" charset="0"/>
-              </a:defRPr>
-            </a:lvl1pPr>
-          </a:lstStyle>
-          <a:p>
-            <a:pPr lvl="0"/>
-            <a:r>
-              <a:rPr lang="en-US" dirty="0" smtClean="0"/>
-              <a:t>Click to edit Master text styles</a:t>
-            </a:r>
-          </a:p>
-          <a:p>
-            <a:pPr lvl="1"/>
-            <a:r>
-              <a:rPr lang="en-US" dirty="0" smtClean="0"/>
-              <a:t>Second level</a:t>
-            </a:r>
-          </a:p>
-          <a:p>
-            <a:pPr lvl="2"/>
-            <a:r>
-              <a:rPr lang="en-US" dirty="0" smtClean="0"/>
-              <a:t>Third level</a:t>
-            </a:r>
-          </a:p>
-          <a:p>
-            <a:pPr lvl="3"/>
-            <a:r>
-              <a:rPr lang="en-US" dirty="0" smtClean="0"/>
-              <a:t>Fourth level</a:t>
-            </a:r>
-          </a:p>
-          <a:p>
-            <a:pPr lvl="4"/>
-            <a:r>
-              <a:rPr lang="en-US" dirty="0" smtClean="0"/>
-              <a:t>Fifth level</a:t>
-            </a:r>
-            <a:endParaRPr lang="en-US" dirty="0"/>
-          </a:p>
-        </p:txBody>
-      </p:sp>
-    </p:spTree>
     <p:extLst>
       <p:ext uri="{BB962C8B-B14F-4D97-AF65-F5344CB8AC3E}">
-        <p14:creationId xmlns:p14="http://schemas.microsoft.com/office/powerpoint/2010/main" val="1196166264"/>
+        <p14:creationId xmlns:p14="http://schemas.microsoft.com/office/powerpoint/2010/main" val="1399711021"/>
       </p:ext>
     </p:extLst>
   </p:cSld>
@@ -1704,6 +2409,691 @@
 </file>
 
 <file path=ppt/slideLayouts/slideLayout4.xml><?xml version="1.0" encoding="utf-8"?>
+<p:sldLayout xmlns:a="http://schemas.openxmlformats.org/drawingml/2006/main" xmlns:r="http://schemas.openxmlformats.org/officeDocument/2006/relationships" xmlns:p="http://schemas.openxmlformats.org/presentationml/2006/main" type="obj" preserve="1">
+  <p:cSld name="Video">
+    <p:spTree>
+      <p:nvGrpSpPr>
+        <p:cNvPr id="1" name=""/>
+        <p:cNvGrpSpPr/>
+        <p:nvPr/>
+      </p:nvGrpSpPr>
+      <p:grpSpPr>
+        <a:xfrm>
+          <a:off x="0" y="0"/>
+          <a:ext cx="0" cy="0"/>
+          <a:chOff x="0" y="0"/>
+          <a:chExt cx="0" cy="0"/>
+        </a:xfrm>
+      </p:grpSpPr>
+      <p:sp>
+        <p:nvSpPr>
+          <p:cNvPr id="2" name="Title 1"/>
+          <p:cNvSpPr>
+            <a:spLocks noGrp="1"/>
+          </p:cNvSpPr>
+          <p:nvPr>
+            <p:ph type="title"/>
+          </p:nvPr>
+        </p:nvSpPr>
+        <p:spPr/>
+        <p:txBody>
+          <a:bodyPr/>
+          <a:lstStyle/>
+          <a:p>
+            <a:r>
+              <a:rPr lang="en-US" smtClean="0"/>
+              <a:t>Click to edit Master title style</a:t>
+            </a:r>
+            <a:endParaRPr lang="en-US"/>
+          </a:p>
+        </p:txBody>
+      </p:sp>
+      <p:sp>
+        <p:nvSpPr>
+          <p:cNvPr id="3" name="Content Placeholder 2"/>
+          <p:cNvSpPr>
+            <a:spLocks noGrp="1"/>
+          </p:cNvSpPr>
+          <p:nvPr>
+            <p:ph idx="1"/>
+          </p:nvPr>
+        </p:nvSpPr>
+        <p:spPr>
+          <a:xfrm>
+            <a:off x="1523999" y="2590798"/>
+            <a:ext cx="6096000" cy="2544763"/>
+          </a:xfrm>
+        </p:spPr>
+        <p:txBody>
+          <a:bodyPr/>
+          <a:lstStyle/>
+          <a:p>
+            <a:pPr lvl="0"/>
+            <a:r>
+              <a:rPr lang="en-US" dirty="0" smtClean="0"/>
+              <a:t>Click to edit Master text styles</a:t>
+            </a:r>
+          </a:p>
+          <a:p>
+            <a:pPr lvl="1"/>
+            <a:r>
+              <a:rPr lang="en-US" dirty="0" smtClean="0"/>
+              <a:t>Second level</a:t>
+            </a:r>
+          </a:p>
+          <a:p>
+            <a:pPr lvl="2"/>
+            <a:r>
+              <a:rPr lang="en-US" dirty="0" smtClean="0"/>
+              <a:t>Third level</a:t>
+            </a:r>
+          </a:p>
+          <a:p>
+            <a:pPr lvl="3"/>
+            <a:r>
+              <a:rPr lang="en-US" dirty="0" smtClean="0"/>
+              <a:t>Fourth level</a:t>
+            </a:r>
+          </a:p>
+          <a:p>
+            <a:pPr lvl="4"/>
+            <a:r>
+              <a:rPr lang="en-US" dirty="0" smtClean="0"/>
+              <a:t>Fifth level</a:t>
+            </a:r>
+            <a:endParaRPr lang="en-US" dirty="0"/>
+          </a:p>
+        </p:txBody>
+      </p:sp>
+      <p:sp>
+        <p:nvSpPr>
+          <p:cNvPr id="4" name="Date Placeholder 3"/>
+          <p:cNvSpPr>
+            <a:spLocks noGrp="1"/>
+          </p:cNvSpPr>
+          <p:nvPr>
+            <p:ph type="dt" sz="half" idx="10"/>
+          </p:nvPr>
+        </p:nvSpPr>
+        <p:spPr/>
+        <p:txBody>
+          <a:bodyPr/>
+          <a:lstStyle/>
+          <a:p>
+            <a:fld id="{E22ED4DA-448D-4BB1-B935-CC112220207B}" type="datetime1">
+              <a:rPr lang="en-US" smtClean="0"/>
+              <a:t>10/31/2015</a:t>
+            </a:fld>
+            <a:endParaRPr lang="en-US"/>
+          </a:p>
+        </p:txBody>
+      </p:sp>
+      <p:sp>
+        <p:nvSpPr>
+          <p:cNvPr id="5" name="Footer Placeholder 4"/>
+          <p:cNvSpPr>
+            <a:spLocks noGrp="1"/>
+          </p:cNvSpPr>
+          <p:nvPr>
+            <p:ph type="ftr" sz="quarter" idx="11"/>
+          </p:nvPr>
+        </p:nvSpPr>
+        <p:spPr/>
+        <p:txBody>
+          <a:bodyPr/>
+          <a:lstStyle/>
+          <a:p>
+            <a:endParaRPr lang="en-US"/>
+          </a:p>
+        </p:txBody>
+      </p:sp>
+      <p:sp>
+        <p:nvSpPr>
+          <p:cNvPr id="6" name="Slide Number Placeholder 5"/>
+          <p:cNvSpPr>
+            <a:spLocks noGrp="1"/>
+          </p:cNvSpPr>
+          <p:nvPr>
+            <p:ph type="sldNum" sz="quarter" idx="12"/>
+          </p:nvPr>
+        </p:nvSpPr>
+        <p:spPr/>
+        <p:txBody>
+          <a:bodyPr/>
+          <a:lstStyle/>
+          <a:p>
+            <a:fld id="{2AF3B5EA-18B6-4040-9F78-6052AF49C681}" type="slidenum">
+              <a:rPr lang="en-US" smtClean="0"/>
+              <a:t>‹#›</a:t>
+            </a:fld>
+            <a:endParaRPr lang="en-US"/>
+          </a:p>
+        </p:txBody>
+      </p:sp>
+      <p:sp>
+        <p:nvSpPr>
+          <p:cNvPr id="7" name="Rectangle 6"/>
+          <p:cNvSpPr/>
+          <p:nvPr userDrawn="1"/>
+        </p:nvSpPr>
+        <p:spPr>
+          <a:xfrm>
+            <a:off x="794551" y="1719223"/>
+            <a:ext cx="7554897" cy="4287915"/>
+          </a:xfrm>
+          <a:prstGeom prst="rect">
+            <a:avLst/>
+          </a:prstGeom>
+          <a:noFill/>
+          <a:ln w="12700">
+            <a:solidFill>
+              <a:schemeClr val="tx1"/>
+            </a:solidFill>
+          </a:ln>
+        </p:spPr>
+        <p:style>
+          <a:lnRef idx="2">
+            <a:schemeClr val="accent1">
+              <a:shade val="50000"/>
+            </a:schemeClr>
+          </a:lnRef>
+          <a:fillRef idx="1">
+            <a:schemeClr val="accent1"/>
+          </a:fillRef>
+          <a:effectRef idx="0">
+            <a:schemeClr val="accent1"/>
+          </a:effectRef>
+          <a:fontRef idx="minor">
+            <a:schemeClr val="lt1"/>
+          </a:fontRef>
+        </p:style>
+        <p:txBody>
+          <a:bodyPr rtlCol="0" anchor="ctr"/>
+          <a:lstStyle/>
+          <a:p>
+            <a:pPr algn="ctr"/>
+            <a:endParaRPr lang="en-US" dirty="0" smtClean="0">
+              <a:solidFill>
+                <a:schemeClr val="tx1"/>
+              </a:solidFill>
+            </a:endParaRPr>
+          </a:p>
+        </p:txBody>
+      </p:sp>
+      <p:sp>
+        <p:nvSpPr>
+          <p:cNvPr id="8" name="TextBox 7"/>
+          <p:cNvSpPr txBox="1"/>
+          <p:nvPr userDrawn="1"/>
+        </p:nvSpPr>
+        <p:spPr>
+          <a:xfrm>
+            <a:off x="5943600" y="1793674"/>
+            <a:ext cx="2286000" cy="646331"/>
+          </a:xfrm>
+          <a:prstGeom prst="rect">
+            <a:avLst/>
+          </a:prstGeom>
+          <a:noFill/>
+        </p:spPr>
+        <p:txBody>
+          <a:bodyPr wrap="square" rtlCol="0">
+            <a:spAutoFit/>
+          </a:bodyPr>
+          <a:lstStyle/>
+          <a:p>
+            <a:r>
+              <a:rPr lang="en-US" dirty="0" smtClean="0"/>
+              <a:t>Resize video to this</a:t>
+            </a:r>
+            <a:r>
+              <a:rPr lang="en-US" baseline="0" dirty="0" smtClean="0"/>
+              <a:t> box.</a:t>
+            </a:r>
+            <a:endParaRPr lang="en-US" dirty="0"/>
+          </a:p>
+        </p:txBody>
+      </p:sp>
+    </p:spTree>
+    <p:extLst>
+      <p:ext uri="{BB962C8B-B14F-4D97-AF65-F5344CB8AC3E}">
+        <p14:creationId xmlns:p14="http://schemas.microsoft.com/office/powerpoint/2010/main" val="1606938677"/>
+      </p:ext>
+    </p:extLst>
+  </p:cSld>
+  <p:clrMapOvr>
+    <a:masterClrMapping/>
+  </p:clrMapOvr>
+  <p:timing>
+    <p:tnLst>
+      <p:par>
+        <p:cTn id="1" dur="indefinite" restart="never" nodeType="tmRoot"/>
+      </p:par>
+    </p:tnLst>
+  </p:timing>
+</p:sldLayout>
+</file>
+
+<file path=ppt/slideLayouts/slideLayout5.xml><?xml version="1.0" encoding="utf-8"?>
+<p:sldLayout xmlns:a="http://schemas.openxmlformats.org/drawingml/2006/main" xmlns:r="http://schemas.openxmlformats.org/officeDocument/2006/relationships" xmlns:p="http://schemas.openxmlformats.org/presentationml/2006/main" type="obj" preserve="1">
+  <p:cSld name="Code">
+    <p:spTree>
+      <p:nvGrpSpPr>
+        <p:cNvPr id="1" name=""/>
+        <p:cNvGrpSpPr/>
+        <p:nvPr/>
+      </p:nvGrpSpPr>
+      <p:grpSpPr>
+        <a:xfrm>
+          <a:off x="0" y="0"/>
+          <a:ext cx="0" cy="0"/>
+          <a:chOff x="0" y="0"/>
+          <a:chExt cx="0" cy="0"/>
+        </a:xfrm>
+      </p:grpSpPr>
+      <p:sp>
+        <p:nvSpPr>
+          <p:cNvPr id="2" name="Title 1"/>
+          <p:cNvSpPr>
+            <a:spLocks noGrp="1"/>
+          </p:cNvSpPr>
+          <p:nvPr>
+            <p:ph type="title"/>
+          </p:nvPr>
+        </p:nvSpPr>
+        <p:spPr/>
+        <p:txBody>
+          <a:bodyPr/>
+          <a:lstStyle/>
+          <a:p>
+            <a:r>
+              <a:rPr lang="en-US" smtClean="0"/>
+              <a:t>Click to edit Master title style</a:t>
+            </a:r>
+            <a:endParaRPr lang="en-US"/>
+          </a:p>
+        </p:txBody>
+      </p:sp>
+      <p:sp>
+        <p:nvSpPr>
+          <p:cNvPr id="3" name="Content Placeholder 2"/>
+          <p:cNvSpPr>
+            <a:spLocks noGrp="1"/>
+          </p:cNvSpPr>
+          <p:nvPr>
+            <p:ph idx="1"/>
+          </p:nvPr>
+        </p:nvSpPr>
+        <p:spPr/>
+        <p:txBody>
+          <a:bodyPr/>
+          <a:lstStyle>
+            <a:lvl1pPr marL="0" indent="0">
+              <a:buNone/>
+              <a:defRPr b="1">
+                <a:latin typeface="Consolas" pitchFamily="49" charset="0"/>
+                <a:cs typeface="Consolas" pitchFamily="49" charset="0"/>
+              </a:defRPr>
+            </a:lvl1pPr>
+          </a:lstStyle>
+          <a:p>
+            <a:pPr lvl="0"/>
+            <a:r>
+              <a:rPr lang="en-US" dirty="0" smtClean="0"/>
+              <a:t>Click to edit Master text styles</a:t>
+            </a:r>
+          </a:p>
+          <a:p>
+            <a:pPr lvl="1"/>
+            <a:r>
+              <a:rPr lang="en-US" dirty="0" smtClean="0"/>
+              <a:t>Second level</a:t>
+            </a:r>
+          </a:p>
+          <a:p>
+            <a:pPr lvl="2"/>
+            <a:r>
+              <a:rPr lang="en-US" dirty="0" smtClean="0"/>
+              <a:t>Third level</a:t>
+            </a:r>
+          </a:p>
+          <a:p>
+            <a:pPr lvl="3"/>
+            <a:r>
+              <a:rPr lang="en-US" dirty="0" smtClean="0"/>
+              <a:t>Fourth level</a:t>
+            </a:r>
+          </a:p>
+          <a:p>
+            <a:pPr lvl="4"/>
+            <a:r>
+              <a:rPr lang="en-US" dirty="0" smtClean="0"/>
+              <a:t>Fifth level</a:t>
+            </a:r>
+            <a:endParaRPr lang="en-US" dirty="0"/>
+          </a:p>
+        </p:txBody>
+      </p:sp>
+      <p:sp>
+        <p:nvSpPr>
+          <p:cNvPr id="4" name="Date Placeholder 3"/>
+          <p:cNvSpPr>
+            <a:spLocks noGrp="1"/>
+          </p:cNvSpPr>
+          <p:nvPr>
+            <p:ph type="dt" sz="half" idx="10"/>
+          </p:nvPr>
+        </p:nvSpPr>
+        <p:spPr/>
+        <p:txBody>
+          <a:bodyPr/>
+          <a:lstStyle/>
+          <a:p>
+            <a:fld id="{FF5D65A6-AB94-4435-B0B7-3743215FA46C}" type="datetime1">
+              <a:rPr lang="en-US" smtClean="0"/>
+              <a:t>10/31/2015</a:t>
+            </a:fld>
+            <a:endParaRPr lang="en-US"/>
+          </a:p>
+        </p:txBody>
+      </p:sp>
+      <p:sp>
+        <p:nvSpPr>
+          <p:cNvPr id="5" name="Footer Placeholder 4"/>
+          <p:cNvSpPr>
+            <a:spLocks noGrp="1"/>
+          </p:cNvSpPr>
+          <p:nvPr>
+            <p:ph type="ftr" sz="quarter" idx="11"/>
+          </p:nvPr>
+        </p:nvSpPr>
+        <p:spPr/>
+        <p:txBody>
+          <a:bodyPr/>
+          <a:lstStyle/>
+          <a:p>
+            <a:endParaRPr lang="en-US"/>
+          </a:p>
+        </p:txBody>
+      </p:sp>
+      <p:sp>
+        <p:nvSpPr>
+          <p:cNvPr id="6" name="Slide Number Placeholder 5"/>
+          <p:cNvSpPr>
+            <a:spLocks noGrp="1"/>
+          </p:cNvSpPr>
+          <p:nvPr>
+            <p:ph type="sldNum" sz="quarter" idx="12"/>
+          </p:nvPr>
+        </p:nvSpPr>
+        <p:spPr/>
+        <p:txBody>
+          <a:bodyPr/>
+          <a:lstStyle/>
+          <a:p>
+            <a:fld id="{2AF3B5EA-18B6-4040-9F78-6052AF49C681}" type="slidenum">
+              <a:rPr lang="en-US" smtClean="0"/>
+              <a:t>‹#›</a:t>
+            </a:fld>
+            <a:endParaRPr lang="en-US"/>
+          </a:p>
+        </p:txBody>
+      </p:sp>
+    </p:spTree>
+    <p:extLst>
+      <p:ext uri="{BB962C8B-B14F-4D97-AF65-F5344CB8AC3E}">
+        <p14:creationId xmlns:p14="http://schemas.microsoft.com/office/powerpoint/2010/main" val="4206116297"/>
+      </p:ext>
+    </p:extLst>
+  </p:cSld>
+  <p:clrMapOvr>
+    <a:masterClrMapping/>
+  </p:clrMapOvr>
+  <p:timing>
+    <p:tnLst>
+      <p:par>
+        <p:cTn id="1" dur="indefinite" restart="never" nodeType="tmRoot"/>
+      </p:par>
+    </p:tnLst>
+  </p:timing>
+</p:sldLayout>
+</file>
+
+<file path=ppt/slideLayouts/slideLayout6.xml><?xml version="1.0" encoding="utf-8"?>
+<p:sldLayout xmlns:a="http://schemas.openxmlformats.org/drawingml/2006/main" xmlns:r="http://schemas.openxmlformats.org/officeDocument/2006/relationships" xmlns:p="http://schemas.openxmlformats.org/presentationml/2006/main" type="obj" preserve="1">
+  <p:cSld name="Video Clip">
+    <p:spTree>
+      <p:nvGrpSpPr>
+        <p:cNvPr id="1" name=""/>
+        <p:cNvGrpSpPr/>
+        <p:nvPr/>
+      </p:nvGrpSpPr>
+      <p:grpSpPr>
+        <a:xfrm>
+          <a:off x="0" y="0"/>
+          <a:ext cx="0" cy="0"/>
+          <a:chOff x="0" y="0"/>
+          <a:chExt cx="0" cy="0"/>
+        </a:xfrm>
+      </p:grpSpPr>
+      <p:sp>
+        <p:nvSpPr>
+          <p:cNvPr id="2" name="Title 1"/>
+          <p:cNvSpPr>
+            <a:spLocks noGrp="1"/>
+          </p:cNvSpPr>
+          <p:nvPr>
+            <p:ph type="title"/>
+          </p:nvPr>
+        </p:nvSpPr>
+        <p:spPr/>
+        <p:txBody>
+          <a:bodyPr/>
+          <a:lstStyle/>
+          <a:p>
+            <a:r>
+              <a:rPr lang="en-US" smtClean="0"/>
+              <a:t>Click to edit Master title style</a:t>
+            </a:r>
+            <a:endParaRPr lang="en-US"/>
+          </a:p>
+        </p:txBody>
+      </p:sp>
+      <p:sp>
+        <p:nvSpPr>
+          <p:cNvPr id="3" name="Content Placeholder 2"/>
+          <p:cNvSpPr>
+            <a:spLocks noGrp="1"/>
+          </p:cNvSpPr>
+          <p:nvPr>
+            <p:ph idx="1"/>
+          </p:nvPr>
+        </p:nvSpPr>
+        <p:spPr/>
+        <p:txBody>
+          <a:bodyPr/>
+          <a:lstStyle>
+            <a:lvl1pPr marL="0" indent="0">
+              <a:buNone/>
+              <a:defRPr b="1">
+                <a:latin typeface="Consolas" pitchFamily="49" charset="0"/>
+                <a:cs typeface="Consolas" pitchFamily="49" charset="0"/>
+              </a:defRPr>
+            </a:lvl1pPr>
+          </a:lstStyle>
+          <a:p>
+            <a:pPr lvl="0"/>
+            <a:r>
+              <a:rPr lang="en-US" dirty="0" smtClean="0"/>
+              <a:t>Click to edit Master text styles</a:t>
+            </a:r>
+          </a:p>
+          <a:p>
+            <a:pPr lvl="1"/>
+            <a:r>
+              <a:rPr lang="en-US" dirty="0" smtClean="0"/>
+              <a:t>Second level</a:t>
+            </a:r>
+          </a:p>
+          <a:p>
+            <a:pPr lvl="2"/>
+            <a:r>
+              <a:rPr lang="en-US" dirty="0" smtClean="0"/>
+              <a:t>Third level</a:t>
+            </a:r>
+          </a:p>
+          <a:p>
+            <a:pPr lvl="3"/>
+            <a:r>
+              <a:rPr lang="en-US" dirty="0" smtClean="0"/>
+              <a:t>Fourth level</a:t>
+            </a:r>
+          </a:p>
+          <a:p>
+            <a:pPr lvl="4"/>
+            <a:r>
+              <a:rPr lang="en-US" dirty="0" smtClean="0"/>
+              <a:t>Fifth level</a:t>
+            </a:r>
+            <a:endParaRPr lang="en-US" dirty="0"/>
+          </a:p>
+        </p:txBody>
+      </p:sp>
+      <p:sp>
+        <p:nvSpPr>
+          <p:cNvPr id="4" name="Date Placeholder 3"/>
+          <p:cNvSpPr>
+            <a:spLocks noGrp="1"/>
+          </p:cNvSpPr>
+          <p:nvPr>
+            <p:ph type="dt" sz="half" idx="10"/>
+          </p:nvPr>
+        </p:nvSpPr>
+        <p:spPr/>
+        <p:txBody>
+          <a:bodyPr/>
+          <a:lstStyle/>
+          <a:p>
+            <a:fld id="{FF5D65A6-AB94-4435-B0B7-3743215FA46C}" type="datetime1">
+              <a:rPr lang="en-US" smtClean="0"/>
+              <a:t>10/31/2015</a:t>
+            </a:fld>
+            <a:endParaRPr lang="en-US"/>
+          </a:p>
+        </p:txBody>
+      </p:sp>
+      <p:sp>
+        <p:nvSpPr>
+          <p:cNvPr id="5" name="Footer Placeholder 4"/>
+          <p:cNvSpPr>
+            <a:spLocks noGrp="1"/>
+          </p:cNvSpPr>
+          <p:nvPr>
+            <p:ph type="ftr" sz="quarter" idx="11"/>
+          </p:nvPr>
+        </p:nvSpPr>
+        <p:spPr/>
+        <p:txBody>
+          <a:bodyPr/>
+          <a:lstStyle/>
+          <a:p>
+            <a:endParaRPr lang="en-US"/>
+          </a:p>
+        </p:txBody>
+      </p:sp>
+      <p:sp>
+        <p:nvSpPr>
+          <p:cNvPr id="7" name="Rectangle 6"/>
+          <p:cNvSpPr/>
+          <p:nvPr userDrawn="1"/>
+        </p:nvSpPr>
+        <p:spPr>
+          <a:xfrm>
+            <a:off x="609600" y="1676400"/>
+            <a:ext cx="7924800" cy="4343400"/>
+          </a:xfrm>
+          <a:prstGeom prst="rect">
+            <a:avLst/>
+          </a:prstGeom>
+          <a:noFill/>
+          <a:ln/>
+        </p:spPr>
+        <p:style>
+          <a:lnRef idx="2">
+            <a:schemeClr val="dk1"/>
+          </a:lnRef>
+          <a:fillRef idx="1">
+            <a:schemeClr val="lt1"/>
+          </a:fillRef>
+          <a:effectRef idx="0">
+            <a:schemeClr val="dk1"/>
+          </a:effectRef>
+          <a:fontRef idx="minor">
+            <a:schemeClr val="dk1"/>
+          </a:fontRef>
+        </p:style>
+        <p:txBody>
+          <a:bodyPr rot="0" spcFirstLastPara="0" vertOverflow="overflow" horzOverflow="overflow" vert="horz" wrap="square" lIns="91440" tIns="45720" rIns="91440" bIns="45720" numCol="1" spcCol="0" rtlCol="0" fromWordArt="0" anchor="ctr" anchorCtr="0" forceAA="0" compatLnSpc="1">
+            <a:prstTxWarp prst="textNoShape">
+              <a:avLst/>
+            </a:prstTxWarp>
+            <a:noAutofit/>
+          </a:bodyPr>
+          <a:lstStyle/>
+          <a:p>
+            <a:pPr algn="ctr"/>
+            <a:endParaRPr lang="en-US" dirty="0">
+              <a:solidFill>
+                <a:schemeClr val="tx1"/>
+              </a:solidFill>
+            </a:endParaRPr>
+          </a:p>
+        </p:txBody>
+      </p:sp>
+      <p:sp>
+        <p:nvSpPr>
+          <p:cNvPr id="6" name="Slide Number Placeholder 5"/>
+          <p:cNvSpPr>
+            <a:spLocks noGrp="1"/>
+          </p:cNvSpPr>
+          <p:nvPr>
+            <p:ph type="sldNum" sz="quarter" idx="12"/>
+          </p:nvPr>
+        </p:nvSpPr>
+        <p:spPr/>
+        <p:txBody>
+          <a:bodyPr/>
+          <a:lstStyle/>
+          <a:p>
+            <a:fld id="{2AF3B5EA-18B6-4040-9F78-6052AF49C681}" type="slidenum">
+              <a:rPr lang="en-US" smtClean="0"/>
+              <a:t>‹#›</a:t>
+            </a:fld>
+            <a:endParaRPr lang="en-US"/>
+          </a:p>
+        </p:txBody>
+      </p:sp>
+    </p:spTree>
+    <p:extLst>
+      <p:ext uri="{BB962C8B-B14F-4D97-AF65-F5344CB8AC3E}">
+        <p14:creationId xmlns:p14="http://schemas.microsoft.com/office/powerpoint/2010/main" val="3761075060"/>
+      </p:ext>
+    </p:extLst>
+  </p:cSld>
+  <p:clrMapOvr>
+    <a:masterClrMapping/>
+  </p:clrMapOvr>
+  <p:timing>
+    <p:tnLst>
+      <p:par>
+        <p:cTn id="1" dur="indefinite" restart="never" nodeType="tmRoot"/>
+      </p:par>
+    </p:tnLst>
+  </p:timing>
+</p:sldLayout>
+</file>
+
+<file path=ppt/slideLayouts/slideLayout7.xml><?xml version="1.0" encoding="utf-8"?>
 <p:sldLayout xmlns:a="http://schemas.openxmlformats.org/drawingml/2006/main" xmlns:r="http://schemas.openxmlformats.org/officeDocument/2006/relationships" xmlns:p="http://schemas.openxmlformats.org/presentationml/2006/main" type="secHead" preserve="1">
   <p:cSld name="Section Header">
     <p:spTree>
@@ -1886,9 +3276,9 @@
           <a:bodyPr/>
           <a:lstStyle/>
           <a:p>
-            <a:fld id="{72E41DA3-1B36-468B-A478-16EBF56E6222}" type="datetime1">
+            <a:fld id="{7C193DC4-6EF0-48C9-B29C-616106A645E1}" type="datetime1">
               <a:rPr lang="en-US" smtClean="0"/>
-              <a:t>11/7/2014</a:t>
+              <a:t>10/31/2015</a:t>
             </a:fld>
             <a:endParaRPr lang="en-US"/>
           </a:p>
@@ -1928,9 +3318,8 @@
           <a:bodyPr/>
           <a:lstStyle/>
           <a:p>
-            <a:fld id="{B6F15528-21DE-4FAA-801E-634DDDAF4B2B}" type="slidenum">
+            <a:fld id="{2AF3B5EA-18B6-4040-9F78-6052AF49C681}" type="slidenum">
               <a:rPr lang="en-US" smtClean="0"/>
-              <a:pPr/>
               <a:t>‹#›</a:t>
             </a:fld>
             <a:endParaRPr lang="en-US"/>
@@ -1938,6 +3327,11 @@
         </p:txBody>
       </p:sp>
     </p:spTree>
+    <p:extLst>
+      <p:ext uri="{BB962C8B-B14F-4D97-AF65-F5344CB8AC3E}">
+        <p14:creationId xmlns:p14="http://schemas.microsoft.com/office/powerpoint/2010/main" val="2301175950"/>
+      </p:ext>
+    </p:extLst>
   </p:cSld>
   <p:clrMapOvr>
     <a:masterClrMapping/>
@@ -1945,7 +3339,7 @@
 </p:sldLayout>
 </file>
 
-<file path=ppt/slideLayouts/slideLayout5.xml><?xml version="1.0" encoding="utf-8"?>
+<file path=ppt/slideLayouts/slideLayout8.xml><?xml version="1.0" encoding="utf-8"?>
 <p:sldLayout xmlns:a="http://schemas.openxmlformats.org/drawingml/2006/main" xmlns:r="http://schemas.openxmlformats.org/officeDocument/2006/relationships" xmlns:p="http://schemas.openxmlformats.org/presentationml/2006/main" type="twoObj" preserve="1">
   <p:cSld name="Two Content">
     <p:spTree>
@@ -2170,9 +3564,9 @@
           <a:bodyPr/>
           <a:lstStyle/>
           <a:p>
-            <a:fld id="{784B118A-FB9E-48C8-A00E-478051ACAF33}" type="datetime1">
+            <a:fld id="{5D1846AD-9252-4647-9435-4C2AC365653A}" type="datetime1">
               <a:rPr lang="en-US" smtClean="0"/>
-              <a:t>11/7/2014</a:t>
+              <a:t>10/31/2015</a:t>
             </a:fld>
             <a:endParaRPr lang="en-US"/>
           </a:p>
@@ -2212,9 +3606,8 @@
           <a:bodyPr/>
           <a:lstStyle/>
           <a:p>
-            <a:fld id="{B6F15528-21DE-4FAA-801E-634DDDAF4B2B}" type="slidenum">
+            <a:fld id="{2AF3B5EA-18B6-4040-9F78-6052AF49C681}" type="slidenum">
               <a:rPr lang="en-US" smtClean="0"/>
-              <a:pPr/>
               <a:t>‹#›</a:t>
             </a:fld>
             <a:endParaRPr lang="en-US"/>
@@ -2222,6 +3615,11 @@
         </p:txBody>
       </p:sp>
     </p:spTree>
+    <p:extLst>
+      <p:ext uri="{BB962C8B-B14F-4D97-AF65-F5344CB8AC3E}">
+        <p14:creationId xmlns:p14="http://schemas.microsoft.com/office/powerpoint/2010/main" val="2418961651"/>
+      </p:ext>
+    </p:extLst>
   </p:cSld>
   <p:clrMapOvr>
     <a:masterClrMapping/>
@@ -2229,7 +3627,7 @@
 </p:sldLayout>
 </file>
 
-<file path=ppt/slideLayouts/slideLayout6.xml><?xml version="1.0" encoding="utf-8"?>
+<file path=ppt/slideLayouts/slideLayout9.xml><?xml version="1.0" encoding="utf-8"?>
 <p:sldLayout xmlns:a="http://schemas.openxmlformats.org/drawingml/2006/main" xmlns:r="http://schemas.openxmlformats.org/officeDocument/2006/relationships" xmlns:p="http://schemas.openxmlformats.org/presentationml/2006/main" type="twoTxTwoObj" preserve="1">
   <p:cSld name="Comparison">
     <p:spTree>
@@ -2588,9 +3986,9 @@
           <a:bodyPr/>
           <a:lstStyle/>
           <a:p>
-            <a:fld id="{EEF88E52-4A21-4FBF-B02B-1AF96857040C}" type="datetime1">
+            <a:fld id="{CE56DC10-3561-4063-A6AF-C1CC7A41040A}" type="datetime1">
               <a:rPr lang="en-US" smtClean="0"/>
-              <a:t>11/7/2014</a:t>
+              <a:t>10/31/2015</a:t>
             </a:fld>
             <a:endParaRPr lang="en-US"/>
           </a:p>
@@ -2630,9 +4028,8 @@
           <a:bodyPr/>
           <a:lstStyle/>
           <a:p>
-            <a:fld id="{B6F15528-21DE-4FAA-801E-634DDDAF4B2B}" type="slidenum">
+            <a:fld id="{2AF3B5EA-18B6-4040-9F78-6052AF49C681}" type="slidenum">
               <a:rPr lang="en-US" smtClean="0"/>
-              <a:pPr/>
               <a:t>‹#›</a:t>
             </a:fld>
             <a:endParaRPr lang="en-US"/>
@@ -2640,491 +4037,11 @@
         </p:txBody>
       </p:sp>
     </p:spTree>
-  </p:cSld>
-  <p:clrMapOvr>
-    <a:masterClrMapping/>
-  </p:clrMapOvr>
-</p:sldLayout>
-</file>
-
-<file path=ppt/slideLayouts/slideLayout7.xml><?xml version="1.0" encoding="utf-8"?>
-<p:sldLayout xmlns:a="http://schemas.openxmlformats.org/drawingml/2006/main" xmlns:r="http://schemas.openxmlformats.org/officeDocument/2006/relationships" xmlns:p="http://schemas.openxmlformats.org/presentationml/2006/main" type="titleOnly" preserve="1">
-  <p:cSld name="Title Only">
-    <p:spTree>
-      <p:nvGrpSpPr>
-        <p:cNvPr id="1" name=""/>
-        <p:cNvGrpSpPr/>
-        <p:nvPr/>
-      </p:nvGrpSpPr>
-      <p:grpSpPr>
-        <a:xfrm>
-          <a:off x="0" y="0"/>
-          <a:ext cx="0" cy="0"/>
-          <a:chOff x="0" y="0"/>
-          <a:chExt cx="0" cy="0"/>
-        </a:xfrm>
-      </p:grpSpPr>
-      <p:sp>
-        <p:nvSpPr>
-          <p:cNvPr id="2" name="Title 1"/>
-          <p:cNvSpPr>
-            <a:spLocks noGrp="1"/>
-          </p:cNvSpPr>
-          <p:nvPr>
-            <p:ph type="title"/>
-          </p:nvPr>
-        </p:nvSpPr>
-        <p:spPr/>
-        <p:txBody>
-          <a:bodyPr/>
-          <a:lstStyle/>
-          <a:p>
-            <a:r>
-              <a:rPr lang="en-US" smtClean="0"/>
-              <a:t>Click to edit Master title style</a:t>
-            </a:r>
-            <a:endParaRPr lang="en-US"/>
-          </a:p>
-        </p:txBody>
-      </p:sp>
-      <p:sp>
-        <p:nvSpPr>
-          <p:cNvPr id="3" name="Date Placeholder 2"/>
-          <p:cNvSpPr>
-            <a:spLocks noGrp="1"/>
-          </p:cNvSpPr>
-          <p:nvPr>
-            <p:ph type="dt" sz="half" idx="10"/>
-          </p:nvPr>
-        </p:nvSpPr>
-        <p:spPr/>
-        <p:txBody>
-          <a:bodyPr/>
-          <a:lstStyle/>
-          <a:p>
-            <a:fld id="{282DF675-CE60-4B08-99EB-0D33DFA9E394}" type="datetime1">
-              <a:rPr lang="en-US" smtClean="0"/>
-              <a:t>11/7/2014</a:t>
-            </a:fld>
-            <a:endParaRPr lang="en-US"/>
-          </a:p>
-        </p:txBody>
-      </p:sp>
-      <p:sp>
-        <p:nvSpPr>
-          <p:cNvPr id="4" name="Footer Placeholder 3"/>
-          <p:cNvSpPr>
-            <a:spLocks noGrp="1"/>
-          </p:cNvSpPr>
-          <p:nvPr>
-            <p:ph type="ftr" sz="quarter" idx="11"/>
-          </p:nvPr>
-        </p:nvSpPr>
-        <p:spPr/>
-        <p:txBody>
-          <a:bodyPr/>
-          <a:lstStyle/>
-          <a:p>
-            <a:endParaRPr lang="en-US"/>
-          </a:p>
-        </p:txBody>
-      </p:sp>
-      <p:sp>
-        <p:nvSpPr>
-          <p:cNvPr id="5" name="Slide Number Placeholder 4"/>
-          <p:cNvSpPr>
-            <a:spLocks noGrp="1"/>
-          </p:cNvSpPr>
-          <p:nvPr>
-            <p:ph type="sldNum" sz="quarter" idx="12"/>
-          </p:nvPr>
-        </p:nvSpPr>
-        <p:spPr/>
-        <p:txBody>
-          <a:bodyPr/>
-          <a:lstStyle/>
-          <a:p>
-            <a:fld id="{B6F15528-21DE-4FAA-801E-634DDDAF4B2B}" type="slidenum">
-              <a:rPr lang="en-US" smtClean="0"/>
-              <a:pPr/>
-              <a:t>‹#›</a:t>
-            </a:fld>
-            <a:endParaRPr lang="en-US"/>
-          </a:p>
-        </p:txBody>
-      </p:sp>
-    </p:spTree>
-  </p:cSld>
-  <p:clrMapOvr>
-    <a:masterClrMapping/>
-  </p:clrMapOvr>
-  <p:timing>
-    <p:tnLst>
-      <p:par>
-        <p:cTn id="1" dur="indefinite" restart="never" nodeType="tmRoot"/>
-      </p:par>
-    </p:tnLst>
-  </p:timing>
-</p:sldLayout>
-</file>
-
-<file path=ppt/slideLayouts/slideLayout8.xml><?xml version="1.0" encoding="utf-8"?>
-<p:sldLayout xmlns:a="http://schemas.openxmlformats.org/drawingml/2006/main" xmlns:r="http://schemas.openxmlformats.org/officeDocument/2006/relationships" xmlns:p="http://schemas.openxmlformats.org/presentationml/2006/main" type="blank" preserve="1">
-  <p:cSld name="Blank">
-    <p:spTree>
-      <p:nvGrpSpPr>
-        <p:cNvPr id="1" name=""/>
-        <p:cNvGrpSpPr/>
-        <p:nvPr/>
-      </p:nvGrpSpPr>
-      <p:grpSpPr>
-        <a:xfrm>
-          <a:off x="0" y="0"/>
-          <a:ext cx="0" cy="0"/>
-          <a:chOff x="0" y="0"/>
-          <a:chExt cx="0" cy="0"/>
-        </a:xfrm>
-      </p:grpSpPr>
-      <p:sp>
-        <p:nvSpPr>
-          <p:cNvPr id="2" name="Date Placeholder 1"/>
-          <p:cNvSpPr>
-            <a:spLocks noGrp="1"/>
-          </p:cNvSpPr>
-          <p:nvPr>
-            <p:ph type="dt" sz="half" idx="10"/>
-          </p:nvPr>
-        </p:nvSpPr>
-        <p:spPr/>
-        <p:txBody>
-          <a:bodyPr/>
-          <a:lstStyle/>
-          <a:p>
-            <a:fld id="{BF15A44E-D623-4EE9-882C-86C84CDE1BC1}" type="datetime1">
-              <a:rPr lang="en-US" smtClean="0"/>
-              <a:t>11/7/2014</a:t>
-            </a:fld>
-            <a:endParaRPr lang="en-US"/>
-          </a:p>
-        </p:txBody>
-      </p:sp>
-      <p:sp>
-        <p:nvSpPr>
-          <p:cNvPr id="3" name="Footer Placeholder 2"/>
-          <p:cNvSpPr>
-            <a:spLocks noGrp="1"/>
-          </p:cNvSpPr>
-          <p:nvPr>
-            <p:ph type="ftr" sz="quarter" idx="11"/>
-          </p:nvPr>
-        </p:nvSpPr>
-        <p:spPr/>
-        <p:txBody>
-          <a:bodyPr/>
-          <a:lstStyle/>
-          <a:p>
-            <a:endParaRPr lang="en-US"/>
-          </a:p>
-        </p:txBody>
-      </p:sp>
-      <p:sp>
-        <p:nvSpPr>
-          <p:cNvPr id="4" name="Slide Number Placeholder 3"/>
-          <p:cNvSpPr>
-            <a:spLocks noGrp="1"/>
-          </p:cNvSpPr>
-          <p:nvPr>
-            <p:ph type="sldNum" sz="quarter" idx="12"/>
-          </p:nvPr>
-        </p:nvSpPr>
-        <p:spPr/>
-        <p:txBody>
-          <a:bodyPr/>
-          <a:lstStyle/>
-          <a:p>
-            <a:fld id="{B6F15528-21DE-4FAA-801E-634DDDAF4B2B}" type="slidenum">
-              <a:rPr lang="en-US" smtClean="0"/>
-              <a:pPr/>
-              <a:t>‹#›</a:t>
-            </a:fld>
-            <a:endParaRPr lang="en-US"/>
-          </a:p>
-        </p:txBody>
-      </p:sp>
-    </p:spTree>
-  </p:cSld>
-  <p:clrMapOvr>
-    <a:masterClrMapping/>
-  </p:clrMapOvr>
-</p:sldLayout>
-</file>
-
-<file path=ppt/slideLayouts/slideLayout9.xml><?xml version="1.0" encoding="utf-8"?>
-<p:sldLayout xmlns:a="http://schemas.openxmlformats.org/drawingml/2006/main" xmlns:r="http://schemas.openxmlformats.org/officeDocument/2006/relationships" xmlns:p="http://schemas.openxmlformats.org/presentationml/2006/main" type="objTx" preserve="1">
-  <p:cSld name="Content with Caption">
-    <p:spTree>
-      <p:nvGrpSpPr>
-        <p:cNvPr id="1" name=""/>
-        <p:cNvGrpSpPr/>
-        <p:nvPr/>
-      </p:nvGrpSpPr>
-      <p:grpSpPr>
-        <a:xfrm>
-          <a:off x="0" y="0"/>
-          <a:ext cx="0" cy="0"/>
-          <a:chOff x="0" y="0"/>
-          <a:chExt cx="0" cy="0"/>
-        </a:xfrm>
-      </p:grpSpPr>
-      <p:sp>
-        <p:nvSpPr>
-          <p:cNvPr id="2" name="Title 1"/>
-          <p:cNvSpPr>
-            <a:spLocks noGrp="1"/>
-          </p:cNvSpPr>
-          <p:nvPr>
-            <p:ph type="title"/>
-          </p:nvPr>
-        </p:nvSpPr>
-        <p:spPr>
-          <a:xfrm>
-            <a:off x="457200" y="273050"/>
-            <a:ext cx="3008313" cy="1162050"/>
-          </a:xfrm>
-        </p:spPr>
-        <p:txBody>
-          <a:bodyPr anchor="b"/>
-          <a:lstStyle>
-            <a:lvl1pPr algn="l">
-              <a:defRPr sz="2000" b="1"/>
-            </a:lvl1pPr>
-          </a:lstStyle>
-          <a:p>
-            <a:r>
-              <a:rPr lang="en-US" smtClean="0"/>
-              <a:t>Click to edit Master title style</a:t>
-            </a:r>
-            <a:endParaRPr lang="en-US"/>
-          </a:p>
-        </p:txBody>
-      </p:sp>
-      <p:sp>
-        <p:nvSpPr>
-          <p:cNvPr id="3" name="Content Placeholder 2"/>
-          <p:cNvSpPr>
-            <a:spLocks noGrp="1"/>
-          </p:cNvSpPr>
-          <p:nvPr>
-            <p:ph idx="1"/>
-          </p:nvPr>
-        </p:nvSpPr>
-        <p:spPr>
-          <a:xfrm>
-            <a:off x="3575050" y="273050"/>
-            <a:ext cx="5111750" cy="5853113"/>
-          </a:xfrm>
-        </p:spPr>
-        <p:txBody>
-          <a:bodyPr/>
-          <a:lstStyle>
-            <a:lvl1pPr>
-              <a:defRPr sz="3200"/>
-            </a:lvl1pPr>
-            <a:lvl2pPr>
-              <a:defRPr sz="2800"/>
-            </a:lvl2pPr>
-            <a:lvl3pPr>
-              <a:defRPr sz="2400"/>
-            </a:lvl3pPr>
-            <a:lvl4pPr>
-              <a:defRPr sz="2000"/>
-            </a:lvl4pPr>
-            <a:lvl5pPr>
-              <a:defRPr sz="2000"/>
-            </a:lvl5pPr>
-            <a:lvl6pPr>
-              <a:defRPr sz="2000"/>
-            </a:lvl6pPr>
-            <a:lvl7pPr>
-              <a:defRPr sz="2000"/>
-            </a:lvl7pPr>
-            <a:lvl8pPr>
-              <a:defRPr sz="2000"/>
-            </a:lvl8pPr>
-            <a:lvl9pPr>
-              <a:defRPr sz="2000"/>
-            </a:lvl9pPr>
-          </a:lstStyle>
-          <a:p>
-            <a:pPr lvl="0"/>
-            <a:r>
-              <a:rPr lang="en-US" smtClean="0"/>
-              <a:t>Click to edit Master text styles</a:t>
-            </a:r>
-          </a:p>
-          <a:p>
-            <a:pPr lvl="1"/>
-            <a:r>
-              <a:rPr lang="en-US" smtClean="0"/>
-              <a:t>Second level</a:t>
-            </a:r>
-          </a:p>
-          <a:p>
-            <a:pPr lvl="2"/>
-            <a:r>
-              <a:rPr lang="en-US" smtClean="0"/>
-              <a:t>Third level</a:t>
-            </a:r>
-          </a:p>
-          <a:p>
-            <a:pPr lvl="3"/>
-            <a:r>
-              <a:rPr lang="en-US" smtClean="0"/>
-              <a:t>Fourth level</a:t>
-            </a:r>
-          </a:p>
-          <a:p>
-            <a:pPr lvl="4"/>
-            <a:r>
-              <a:rPr lang="en-US" smtClean="0"/>
-              <a:t>Fifth level</a:t>
-            </a:r>
-            <a:endParaRPr lang="en-US"/>
-          </a:p>
-        </p:txBody>
-      </p:sp>
-      <p:sp>
-        <p:nvSpPr>
-          <p:cNvPr id="4" name="Text Placeholder 3"/>
-          <p:cNvSpPr>
-            <a:spLocks noGrp="1"/>
-          </p:cNvSpPr>
-          <p:nvPr>
-            <p:ph type="body" sz="half" idx="2"/>
-          </p:nvPr>
-        </p:nvSpPr>
-        <p:spPr>
-          <a:xfrm>
-            <a:off x="457200" y="1435100"/>
-            <a:ext cx="3008313" cy="4691063"/>
-          </a:xfrm>
-        </p:spPr>
-        <p:txBody>
-          <a:bodyPr/>
-          <a:lstStyle>
-            <a:lvl1pPr marL="0" indent="0">
-              <a:buNone/>
-              <a:defRPr sz="1400"/>
-            </a:lvl1pPr>
-            <a:lvl2pPr marL="457200" indent="0">
-              <a:buNone/>
-              <a:defRPr sz="1200"/>
-            </a:lvl2pPr>
-            <a:lvl3pPr marL="914400" indent="0">
-              <a:buNone/>
-              <a:defRPr sz="1000"/>
-            </a:lvl3pPr>
-            <a:lvl4pPr marL="1371600" indent="0">
-              <a:buNone/>
-              <a:defRPr sz="900"/>
-            </a:lvl4pPr>
-            <a:lvl5pPr marL="1828800" indent="0">
-              <a:buNone/>
-              <a:defRPr sz="900"/>
-            </a:lvl5pPr>
-            <a:lvl6pPr marL="2286000" indent="0">
-              <a:buNone/>
-              <a:defRPr sz="900"/>
-            </a:lvl6pPr>
-            <a:lvl7pPr marL="2743200" indent="0">
-              <a:buNone/>
-              <a:defRPr sz="900"/>
-            </a:lvl7pPr>
-            <a:lvl8pPr marL="3200400" indent="0">
-              <a:buNone/>
-              <a:defRPr sz="900"/>
-            </a:lvl8pPr>
-            <a:lvl9pPr marL="3657600" indent="0">
-              <a:buNone/>
-              <a:defRPr sz="900"/>
-            </a:lvl9pPr>
-          </a:lstStyle>
-          <a:p>
-            <a:pPr lvl="0"/>
-            <a:r>
-              <a:rPr lang="en-US" smtClean="0"/>
-              <a:t>Click to edit Master text styles</a:t>
-            </a:r>
-          </a:p>
-        </p:txBody>
-      </p:sp>
-      <p:sp>
-        <p:nvSpPr>
-          <p:cNvPr id="5" name="Date Placeholder 4"/>
-          <p:cNvSpPr>
-            <a:spLocks noGrp="1"/>
-          </p:cNvSpPr>
-          <p:nvPr>
-            <p:ph type="dt" sz="half" idx="10"/>
-          </p:nvPr>
-        </p:nvSpPr>
-        <p:spPr/>
-        <p:txBody>
-          <a:bodyPr/>
-          <a:lstStyle/>
-          <a:p>
-            <a:fld id="{B4D79E2A-9648-4673-AFB8-CC0A55F3E233}" type="datetime1">
-              <a:rPr lang="en-US" smtClean="0"/>
-              <a:t>11/7/2014</a:t>
-            </a:fld>
-            <a:endParaRPr lang="en-US"/>
-          </a:p>
-        </p:txBody>
-      </p:sp>
-      <p:sp>
-        <p:nvSpPr>
-          <p:cNvPr id="6" name="Footer Placeholder 5"/>
-          <p:cNvSpPr>
-            <a:spLocks noGrp="1"/>
-          </p:cNvSpPr>
-          <p:nvPr>
-            <p:ph type="ftr" sz="quarter" idx="11"/>
-          </p:nvPr>
-        </p:nvSpPr>
-        <p:spPr/>
-        <p:txBody>
-          <a:bodyPr/>
-          <a:lstStyle/>
-          <a:p>
-            <a:endParaRPr lang="en-US"/>
-          </a:p>
-        </p:txBody>
-      </p:sp>
-      <p:sp>
-        <p:nvSpPr>
-          <p:cNvPr id="7" name="Slide Number Placeholder 6"/>
-          <p:cNvSpPr>
-            <a:spLocks noGrp="1"/>
-          </p:cNvSpPr>
-          <p:nvPr>
-            <p:ph type="sldNum" sz="quarter" idx="12"/>
-          </p:nvPr>
-        </p:nvSpPr>
-        <p:spPr/>
-        <p:txBody>
-          <a:bodyPr/>
-          <a:lstStyle/>
-          <a:p>
-            <a:fld id="{B6F15528-21DE-4FAA-801E-634DDDAF4B2B}" type="slidenum">
-              <a:rPr lang="en-US" smtClean="0"/>
-              <a:pPr/>
-              <a:t>‹#›</a:t>
-            </a:fld>
-            <a:endParaRPr lang="en-US"/>
-          </a:p>
-        </p:txBody>
-      </p:sp>
-    </p:spTree>
+    <p:extLst>
+      <p:ext uri="{BB962C8B-B14F-4D97-AF65-F5344CB8AC3E}">
+        <p14:creationId xmlns:p14="http://schemas.microsoft.com/office/powerpoint/2010/main" val="3549951233"/>
+      </p:ext>
+    </p:extLst>
   </p:cSld>
   <p:clrMapOvr>
     <a:masterClrMapping/>
@@ -3133,7 +4050,7 @@
 </file>
 
 <file path=ppt/slideMasters/slideMaster1.xml><?xml version="1.0" encoding="utf-8"?>
-<p:sldMaster xmlns:a="http://schemas.openxmlformats.org/drawingml/2006/main" xmlns:r="http://schemas.openxmlformats.org/officeDocument/2006/relationships" xmlns:p="http://schemas.openxmlformats.org/presentationml/2006/main">
+<p:sldMaster xmlns:a="http://schemas.openxmlformats.org/drawingml/2006/main" xmlns:r="http://schemas.openxmlformats.org/officeDocument/2006/relationships" xmlns:p="http://schemas.openxmlformats.org/presentationml/2006/main" preserve="1">
   <p:cSld>
     <p:bg>
       <p:bgRef idx="1001">
@@ -3173,6 +4090,18 @@
             <a:avLst/>
           </a:prstGeom>
         </p:spPr>
+        <p:style>
+          <a:lnRef idx="2">
+            <a:schemeClr val="accent1"/>
+          </a:lnRef>
+          <a:fillRef idx="1">
+            <a:schemeClr val="lt1"/>
+          </a:fillRef>
+          <a:effectRef idx="0">
+            <a:schemeClr val="accent1"/>
+          </a:effectRef>
+          <a:fontRef idx="none"/>
+        </p:style>
         <p:txBody>
           <a:bodyPr vert="horz" lIns="91440" tIns="45720" rIns="91440" bIns="45720" rtlCol="0" anchor="ctr">
             <a:normAutofit/>
@@ -3282,9 +4211,9 @@
             </a:lvl1pPr>
           </a:lstStyle>
           <a:p>
-            <a:fld id="{D6C46453-BE7B-4847-9026-79845F76D39E}" type="datetime1">
+            <a:fld id="{02B3F677-983B-48DB-ADFD-63FE6CBC7FB2}" type="datetime1">
               <a:rPr lang="en-US" smtClean="0"/>
-              <a:t>11/7/2014</a:t>
+              <a:t>10/31/2015</a:t>
             </a:fld>
             <a:endParaRPr lang="en-US"/>
           </a:p>
@@ -3360,9 +4289,8 @@
             </a:lvl1pPr>
           </a:lstStyle>
           <a:p>
-            <a:fld id="{B6F15528-21DE-4FAA-801E-634DDDAF4B2B}" type="slidenum">
+            <a:fld id="{2AF3B5EA-18B6-4040-9F78-6052AF49C681}" type="slidenum">
               <a:rPr lang="en-US" smtClean="0"/>
-              <a:pPr/>
               <a:t>‹#›</a:t>
             </a:fld>
             <a:endParaRPr lang="en-US"/>
@@ -3370,21 +4298,29 @@
         </p:txBody>
       </p:sp>
     </p:spTree>
+    <p:extLst>
+      <p:ext uri="{BB962C8B-B14F-4D97-AF65-F5344CB8AC3E}">
+        <p14:creationId xmlns:p14="http://schemas.microsoft.com/office/powerpoint/2010/main" val="3605300758"/>
+      </p:ext>
+    </p:extLst>
   </p:cSld>
   <p:clrMap bg1="lt1" tx1="dk1" bg2="lt2" tx2="dk2" accent1="accent1" accent2="accent2" accent3="accent3" accent4="accent4" accent5="accent5" accent6="accent6" hlink="hlink" folHlink="folHlink"/>
   <p:sldLayoutIdLst>
-    <p:sldLayoutId id="2147483649" r:id="rId1"/>
-    <p:sldLayoutId id="2147483650" r:id="rId2"/>
-    <p:sldLayoutId id="2147483660" r:id="rId3"/>
-    <p:sldLayoutId id="2147483651" r:id="rId4"/>
-    <p:sldLayoutId id="2147483652" r:id="rId5"/>
-    <p:sldLayoutId id="2147483653" r:id="rId6"/>
-    <p:sldLayoutId id="2147483654" r:id="rId7"/>
-    <p:sldLayoutId id="2147483655" r:id="rId8"/>
-    <p:sldLayoutId id="2147483656" r:id="rId9"/>
-    <p:sldLayoutId id="2147483657" r:id="rId10"/>
-    <p:sldLayoutId id="2147483658" r:id="rId11"/>
-    <p:sldLayoutId id="2147483659" r:id="rId12"/>
+    <p:sldLayoutId id="2147483662" r:id="rId1"/>
+    <p:sldLayoutId id="2147483663" r:id="rId2"/>
+    <p:sldLayoutId id="2147483664" r:id="rId3"/>
+    <p:sldLayoutId id="2147483665" r:id="rId4"/>
+    <p:sldLayoutId id="2147483666" r:id="rId5"/>
+    <p:sldLayoutId id="2147483667" r:id="rId6"/>
+    <p:sldLayoutId id="2147483668" r:id="rId7"/>
+    <p:sldLayoutId id="2147483669" r:id="rId8"/>
+    <p:sldLayoutId id="2147483670" r:id="rId9"/>
+    <p:sldLayoutId id="2147483671" r:id="rId10"/>
+    <p:sldLayoutId id="2147483672" r:id="rId11"/>
+    <p:sldLayoutId id="2147483673" r:id="rId12"/>
+    <p:sldLayoutId id="2147483674" r:id="rId13"/>
+    <p:sldLayoutId id="2147483675" r:id="rId14"/>
+    <p:sldLayoutId id="2147483676" r:id="rId15"/>
   </p:sldLayoutIdLst>
   <p:timing>
     <p:tnLst>
@@ -3681,7 +4617,7 @@
           <a:p>
             <a:r>
               <a:rPr lang="en-US" dirty="0" smtClean="0"/>
-              <a:t>Classes, Objects, and Interfaces</a:t>
+              <a:t>Functions vs. Classes</a:t>
             </a:r>
             <a:endParaRPr lang="en-US" dirty="0"/>
           </a:p>
@@ -3723,10 +4659,42 @@
           </a:p>
           <a:p>
             <a:r>
+              <a:rPr lang="en-US" dirty="0" smtClean="0"/>
+              <a:t>Lesson </a:t>
+            </a:r>
+            <a:r>
+              <a:rPr lang="en-US" dirty="0"/>
+              <a:t>9</a:t>
+            </a:r>
+            <a:r>
+              <a:rPr lang="en-US" dirty="0" smtClean="0"/>
+              <a:t>.3</a:t>
+            </a:r>
+            <a:endParaRPr lang="en-US" dirty="0"/>
+          </a:p>
+        </p:txBody>
+      </p:sp>
+      <p:sp>
+        <p:nvSpPr>
+          <p:cNvPr id="10" name="Slide Number Placeholder 9"/>
+          <p:cNvSpPr>
+            <a:spLocks noGrp="1"/>
+          </p:cNvSpPr>
+          <p:nvPr>
+            <p:ph type="sldNum" sz="quarter" idx="12"/>
+          </p:nvPr>
+        </p:nvSpPr>
+        <p:spPr/>
+        <p:txBody>
+          <a:bodyPr/>
+          <a:lstStyle/>
+          <a:p>
+            <a:fld id="{B6F15528-21DE-4FAA-801E-634DDDAF4B2B}" type="slidenum">
               <a:rPr lang="en-US" smtClean="0"/>
-              <a:t>Lesson 10.3</a:t>
-            </a:r>
-            <a:endParaRPr lang="en-US" dirty="0"/>
+              <a:pPr/>
+              <a:t>1</a:t>
+            </a:fld>
+            <a:endParaRPr lang="en-US"/>
           </a:p>
         </p:txBody>
       </p:sp>
@@ -3802,8 +4770,9 @@
               </a:r>
               <a:r>
                 <a:rPr lang="en-US" sz="1000" dirty="0" smtClean="0"/>
-                <a:t>2012-2014</a:t>
+                <a:t>2012-2015</a:t>
               </a:r>
+              <a:endParaRPr lang="en-US" sz="1000" dirty="0" smtClean="0"/>
             </a:p>
             <a:p>
               <a:r>
@@ -3859,30 +4828,6 @@
           </p:txBody>
         </p:sp>
       </p:grpSp>
-      <p:sp>
-        <p:nvSpPr>
-          <p:cNvPr id="10" name="Slide Number Placeholder 9"/>
-          <p:cNvSpPr>
-            <a:spLocks noGrp="1"/>
-          </p:cNvSpPr>
-          <p:nvPr>
-            <p:ph type="sldNum" sz="quarter" idx="12"/>
-          </p:nvPr>
-        </p:nvSpPr>
-        <p:spPr/>
-        <p:txBody>
-          <a:bodyPr/>
-          <a:lstStyle/>
-          <a:p>
-            <a:fld id="{B6F15528-21DE-4FAA-801E-634DDDAF4B2B}" type="slidenum">
-              <a:rPr lang="en-US" smtClean="0"/>
-              <a:pPr/>
-              <a:t>1</a:t>
-            </a:fld>
-            <a:endParaRPr lang="en-US"/>
-          </a:p>
-        </p:txBody>
-      </p:sp>
     </p:spTree>
   </p:cSld>
   <p:clrMapOvr>
@@ -3932,7 +4877,7 @@
           <a:p>
             <a:r>
               <a:rPr lang="en-US" dirty="0" smtClean="0"/>
-              <a:t>What's the tradeoff?</a:t>
+              <a:t>The Big Picture: Functional</a:t>
             </a:r>
             <a:endParaRPr lang="en-US" dirty="0"/>
           </a:p>
@@ -3940,78 +4885,7 @@
       </p:sp>
       <p:sp>
         <p:nvSpPr>
-          <p:cNvPr id="3" name="Content Placeholder 2"/>
-          <p:cNvSpPr>
-            <a:spLocks noGrp="1"/>
-          </p:cNvSpPr>
-          <p:nvPr>
-            <p:ph idx="1"/>
-          </p:nvPr>
-        </p:nvSpPr>
-        <p:spPr/>
-        <p:txBody>
-          <a:bodyPr>
-            <a:normAutofit fontScale="85000" lnSpcReduction="10000"/>
-          </a:bodyPr>
-          <a:lstStyle/>
-          <a:p>
-            <a:r>
-              <a:rPr lang="en-US" dirty="0" smtClean="0"/>
-              <a:t>Object-oriented organization is better when new data variants are more likely than new operations.</a:t>
-            </a:r>
-          </a:p>
-          <a:p>
-            <a:r>
-              <a:rPr lang="en-US" dirty="0" smtClean="0"/>
-              <a:t>Functional organization is better when new operations are more likely than new data variants.</a:t>
-            </a:r>
-          </a:p>
-          <a:p>
-            <a:r>
-              <a:rPr lang="en-US" dirty="0" smtClean="0"/>
-              <a:t>In the real world, you may not have a choice: </a:t>
-            </a:r>
-          </a:p>
-          <a:p>
-            <a:pPr lvl="1"/>
-            <a:r>
-              <a:rPr lang="en-US" dirty="0" smtClean="0"/>
-              <a:t>this decision is up to the system architects</a:t>
-            </a:r>
-          </a:p>
-          <a:p>
-            <a:pPr lvl="1"/>
-            <a:r>
-              <a:rPr lang="en-US" dirty="0" smtClean="0"/>
-              <a:t>or may need compatibility with an existing system</a:t>
-            </a:r>
-          </a:p>
-          <a:p>
-            <a:r>
-              <a:rPr lang="en-US" dirty="0" smtClean="0"/>
-              <a:t>There are ways to get the best of both worlds </a:t>
-            </a:r>
-          </a:p>
-          <a:p>
-            <a:pPr lvl="1"/>
-            <a:r>
-              <a:rPr lang="en-US" dirty="0" smtClean="0"/>
-              <a:t>but these are beyond the scope of this course</a:t>
-            </a:r>
-          </a:p>
-          <a:p>
-            <a:pPr lvl="1"/>
-            <a:r>
-              <a:rPr lang="en-US" dirty="0" smtClean="0"/>
-              <a:t>this is called "the expression problem"</a:t>
-            </a:r>
-            <a:endParaRPr lang="en-US" dirty="0"/>
-          </a:p>
-        </p:txBody>
-      </p:sp>
-      <p:sp>
-        <p:nvSpPr>
-          <p:cNvPr id="4" name="Slide Number Placeholder 3"/>
+          <p:cNvPr id="10" name="Slide Number Placeholder 9"/>
           <p:cNvSpPr>
             <a:spLocks noGrp="1"/>
           </p:cNvSpPr>
@@ -4030,513 +4904,6 @@
               <a:t>10</a:t>
             </a:fld>
             <a:endParaRPr lang="en-US"/>
-          </a:p>
-        </p:txBody>
-      </p:sp>
-    </p:spTree>
-    <p:extLst>
-      <p:ext uri="{BB962C8B-B14F-4D97-AF65-F5344CB8AC3E}">
-        <p14:creationId xmlns:p14="http://schemas.microsoft.com/office/powerpoint/2010/main" val="3746357049"/>
-      </p:ext>
-    </p:extLst>
-  </p:cSld>
-  <p:clrMapOvr>
-    <a:masterClrMapping/>
-  </p:clrMapOvr>
-  <p:timing>
-    <p:tnLst>
-      <p:par>
-        <p:cTn id="1" dur="indefinite" restart="never" nodeType="tmRoot"/>
-      </p:par>
-    </p:tnLst>
-  </p:timing>
-</p:sld>
-</file>
-
-<file path=ppt/slides/slide11.xml><?xml version="1.0" encoding="utf-8"?>
-<p:sld xmlns:a="http://schemas.openxmlformats.org/drawingml/2006/main" xmlns:r="http://schemas.openxmlformats.org/officeDocument/2006/relationships" xmlns:p="http://schemas.openxmlformats.org/presentationml/2006/main">
-  <p:cSld>
-    <p:spTree>
-      <p:nvGrpSpPr>
-        <p:cNvPr id="1" name=""/>
-        <p:cNvGrpSpPr/>
-        <p:nvPr/>
-      </p:nvGrpSpPr>
-      <p:grpSpPr>
-        <a:xfrm>
-          <a:off x="0" y="0"/>
-          <a:ext cx="0" cy="0"/>
-          <a:chOff x="0" y="0"/>
-          <a:chExt cx="0" cy="0"/>
-        </a:xfrm>
-      </p:grpSpPr>
-      <p:sp>
-        <p:nvSpPr>
-          <p:cNvPr id="2" name="Title 1"/>
-          <p:cNvSpPr>
-            <a:spLocks noGrp="1"/>
-          </p:cNvSpPr>
-          <p:nvPr>
-            <p:ph type="title"/>
-          </p:nvPr>
-        </p:nvSpPr>
-        <p:spPr/>
-        <p:txBody>
-          <a:bodyPr/>
-          <a:lstStyle/>
-          <a:p>
-            <a:r>
-              <a:rPr lang="en-US" dirty="0" smtClean="0"/>
-              <a:t>Summary</a:t>
-            </a:r>
-            <a:endParaRPr lang="en-US" dirty="0"/>
-          </a:p>
-        </p:txBody>
-      </p:sp>
-      <p:sp>
-        <p:nvSpPr>
-          <p:cNvPr id="3" name="Content Placeholder 2"/>
-          <p:cNvSpPr>
-            <a:spLocks noGrp="1"/>
-          </p:cNvSpPr>
-          <p:nvPr>
-            <p:ph idx="1"/>
-          </p:nvPr>
-        </p:nvSpPr>
-        <p:spPr/>
-        <p:txBody>
-          <a:bodyPr/>
-          <a:lstStyle/>
-          <a:p>
-            <a:r>
-              <a:rPr lang="en-US" dirty="0" smtClean="0"/>
-              <a:t>You should now be able to draw diagrams that explain the organization of O-O programs vs. functional programs.</a:t>
-            </a:r>
-            <a:endParaRPr lang="en-US" dirty="0"/>
-          </a:p>
-        </p:txBody>
-      </p:sp>
-      <p:sp>
-        <p:nvSpPr>
-          <p:cNvPr id="4" name="Slide Number Placeholder 3"/>
-          <p:cNvSpPr>
-            <a:spLocks noGrp="1"/>
-          </p:cNvSpPr>
-          <p:nvPr>
-            <p:ph type="sldNum" sz="quarter" idx="12"/>
-          </p:nvPr>
-        </p:nvSpPr>
-        <p:spPr/>
-        <p:txBody>
-          <a:bodyPr/>
-          <a:lstStyle/>
-          <a:p>
-            <a:fld id="{2AF3B5EA-18B6-4040-9F78-6052AF49C681}" type="slidenum">
-              <a:rPr lang="en-US" smtClean="0"/>
-              <a:t>11</a:t>
-            </a:fld>
-            <a:endParaRPr lang="en-US"/>
-          </a:p>
-        </p:txBody>
-      </p:sp>
-    </p:spTree>
-    <p:extLst>
-      <p:ext uri="{BB962C8B-B14F-4D97-AF65-F5344CB8AC3E}">
-        <p14:creationId xmlns:p14="http://schemas.microsoft.com/office/powerpoint/2010/main" val="110263791"/>
-      </p:ext>
-    </p:extLst>
-  </p:cSld>
-  <p:clrMapOvr>
-    <a:masterClrMapping/>
-  </p:clrMapOvr>
-  <p:timing>
-    <p:tnLst>
-      <p:par>
-        <p:cTn id="1" dur="indefinite" restart="never" nodeType="tmRoot"/>
-      </p:par>
-    </p:tnLst>
-  </p:timing>
-</p:sld>
-</file>
-
-<file path=ppt/slides/slide12.xml><?xml version="1.0" encoding="utf-8"?>
-<p:sld xmlns:a="http://schemas.openxmlformats.org/drawingml/2006/main" xmlns:r="http://schemas.openxmlformats.org/officeDocument/2006/relationships" xmlns:p="http://schemas.openxmlformats.org/presentationml/2006/main">
-  <p:cSld>
-    <p:spTree>
-      <p:nvGrpSpPr>
-        <p:cNvPr id="1" name=""/>
-        <p:cNvGrpSpPr/>
-        <p:nvPr/>
-      </p:nvGrpSpPr>
-      <p:grpSpPr>
-        <a:xfrm>
-          <a:off x="0" y="0"/>
-          <a:ext cx="0" cy="0"/>
-          <a:chOff x="0" y="0"/>
-          <a:chExt cx="0" cy="0"/>
-        </a:xfrm>
-      </p:grpSpPr>
-      <p:sp>
-        <p:nvSpPr>
-          <p:cNvPr id="2" name="Title 1"/>
-          <p:cNvSpPr>
-            <a:spLocks noGrp="1"/>
-          </p:cNvSpPr>
-          <p:nvPr>
-            <p:ph type="title"/>
-          </p:nvPr>
-        </p:nvSpPr>
-        <p:spPr/>
-        <p:txBody>
-          <a:bodyPr/>
-          <a:lstStyle/>
-          <a:p>
-            <a:r>
-              <a:rPr lang="en-US" dirty="0" smtClean="0"/>
-              <a:t>Next Steps</a:t>
-            </a:r>
-            <a:endParaRPr lang="en-US" dirty="0"/>
-          </a:p>
-        </p:txBody>
-      </p:sp>
-      <p:sp>
-        <p:nvSpPr>
-          <p:cNvPr id="3" name="Content Placeholder 2"/>
-          <p:cNvSpPr>
-            <a:spLocks noGrp="1"/>
-          </p:cNvSpPr>
-          <p:nvPr>
-            <p:ph idx="1"/>
-          </p:nvPr>
-        </p:nvSpPr>
-        <p:spPr/>
-        <p:txBody>
-          <a:bodyPr/>
-          <a:lstStyle/>
-          <a:p>
-            <a:r>
-              <a:rPr lang="en-US" dirty="0" smtClean="0"/>
-              <a:t>Review examples 10-4 through 10-8 in the examples folder.</a:t>
-            </a:r>
-          </a:p>
-          <a:p>
-            <a:r>
-              <a:rPr lang="en-US" dirty="0" smtClean="0"/>
-              <a:t>If </a:t>
-            </a:r>
-            <a:r>
-              <a:rPr lang="en-US" dirty="0" smtClean="0"/>
-              <a:t>you have questions about this lesson, ask them on the Discussion Board</a:t>
-            </a:r>
-          </a:p>
-          <a:p>
-            <a:r>
-              <a:rPr lang="en-US" dirty="0" smtClean="0"/>
-              <a:t>Go on to the next lesson</a:t>
-            </a:r>
-            <a:endParaRPr lang="en-US" dirty="0"/>
-          </a:p>
-        </p:txBody>
-      </p:sp>
-      <p:sp>
-        <p:nvSpPr>
-          <p:cNvPr id="4" name="Slide Number Placeholder 3"/>
-          <p:cNvSpPr>
-            <a:spLocks noGrp="1"/>
-          </p:cNvSpPr>
-          <p:nvPr>
-            <p:ph type="sldNum" sz="quarter" idx="12"/>
-          </p:nvPr>
-        </p:nvSpPr>
-        <p:spPr/>
-        <p:txBody>
-          <a:bodyPr/>
-          <a:lstStyle/>
-          <a:p>
-            <a:fld id="{2AF3B5EA-18B6-4040-9F78-6052AF49C681}" type="slidenum">
-              <a:rPr lang="en-US" smtClean="0"/>
-              <a:t>12</a:t>
-            </a:fld>
-            <a:endParaRPr lang="en-US"/>
-          </a:p>
-        </p:txBody>
-      </p:sp>
-    </p:spTree>
-    <p:extLst>
-      <p:ext uri="{BB962C8B-B14F-4D97-AF65-F5344CB8AC3E}">
-        <p14:creationId xmlns:p14="http://schemas.microsoft.com/office/powerpoint/2010/main" val="3095478119"/>
-      </p:ext>
-    </p:extLst>
-  </p:cSld>
-  <p:clrMapOvr>
-    <a:masterClrMapping/>
-  </p:clrMapOvr>
-  <p:timing>
-    <p:tnLst>
-      <p:par>
-        <p:cTn id="1" dur="indefinite" restart="never" nodeType="tmRoot"/>
-      </p:par>
-    </p:tnLst>
-  </p:timing>
-</p:sld>
-</file>
-
-<file path=ppt/slides/slide2.xml><?xml version="1.0" encoding="utf-8"?>
-<p:sld xmlns:a="http://schemas.openxmlformats.org/drawingml/2006/main" xmlns:r="http://schemas.openxmlformats.org/officeDocument/2006/relationships" xmlns:p="http://schemas.openxmlformats.org/presentationml/2006/main">
-  <p:cSld>
-    <p:spTree>
-      <p:nvGrpSpPr>
-        <p:cNvPr id="1" name=""/>
-        <p:cNvGrpSpPr/>
-        <p:nvPr/>
-      </p:nvGrpSpPr>
-      <p:grpSpPr>
-        <a:xfrm>
-          <a:off x="0" y="0"/>
-          <a:ext cx="0" cy="0"/>
-          <a:chOff x="0" y="0"/>
-          <a:chExt cx="0" cy="0"/>
-        </a:xfrm>
-      </p:grpSpPr>
-      <p:sp>
-        <p:nvSpPr>
-          <p:cNvPr id="2" name="Title 1"/>
-          <p:cNvSpPr>
-            <a:spLocks noGrp="1"/>
-          </p:cNvSpPr>
-          <p:nvPr>
-            <p:ph type="title"/>
-          </p:nvPr>
-        </p:nvSpPr>
-        <p:spPr/>
-        <p:txBody>
-          <a:bodyPr/>
-          <a:lstStyle/>
-          <a:p>
-            <a:r>
-              <a:rPr lang="en-US" dirty="0" smtClean="0"/>
-              <a:t>Goals for this Lesson</a:t>
-            </a:r>
-            <a:endParaRPr lang="en-US" dirty="0"/>
-          </a:p>
-        </p:txBody>
-      </p:sp>
-      <p:sp>
-        <p:nvSpPr>
-          <p:cNvPr id="3" name="Content Placeholder 2"/>
-          <p:cNvSpPr>
-            <a:spLocks noGrp="1"/>
-          </p:cNvSpPr>
-          <p:nvPr>
-            <p:ph idx="1"/>
-          </p:nvPr>
-        </p:nvSpPr>
-        <p:spPr/>
-        <p:txBody>
-          <a:bodyPr/>
-          <a:lstStyle/>
-          <a:p>
-            <a:r>
-              <a:rPr lang="en-US" dirty="0" smtClean="0"/>
-              <a:t>In this lesson, we’ll illustrate the relationship between the functional version of the shapes and the object-oriented version.</a:t>
-            </a:r>
-            <a:endParaRPr lang="en-US" dirty="0"/>
-          </a:p>
-        </p:txBody>
-      </p:sp>
-      <p:sp>
-        <p:nvSpPr>
-          <p:cNvPr id="4" name="Slide Number Placeholder 3"/>
-          <p:cNvSpPr>
-            <a:spLocks noGrp="1"/>
-          </p:cNvSpPr>
-          <p:nvPr>
-            <p:ph type="sldNum" sz="quarter" idx="12"/>
-          </p:nvPr>
-        </p:nvSpPr>
-        <p:spPr/>
-        <p:txBody>
-          <a:bodyPr/>
-          <a:lstStyle/>
-          <a:p>
-            <a:fld id="{B6F15528-21DE-4FAA-801E-634DDDAF4B2B}" type="slidenum">
-              <a:rPr lang="en-US" smtClean="0"/>
-              <a:pPr/>
-              <a:t>2</a:t>
-            </a:fld>
-            <a:endParaRPr lang="en-US"/>
-          </a:p>
-        </p:txBody>
-      </p:sp>
-    </p:spTree>
-    <p:extLst>
-      <p:ext uri="{BB962C8B-B14F-4D97-AF65-F5344CB8AC3E}">
-        <p14:creationId xmlns:p14="http://schemas.microsoft.com/office/powerpoint/2010/main" val="3862800046"/>
-      </p:ext>
-    </p:extLst>
-  </p:cSld>
-  <p:clrMapOvr>
-    <a:masterClrMapping/>
-  </p:clrMapOvr>
-</p:sld>
-</file>
-
-<file path=ppt/slides/slide3.xml><?xml version="1.0" encoding="utf-8"?>
-<p:sld xmlns:a="http://schemas.openxmlformats.org/drawingml/2006/main" xmlns:r="http://schemas.openxmlformats.org/officeDocument/2006/relationships" xmlns:p="http://schemas.openxmlformats.org/presentationml/2006/main">
-  <p:cSld>
-    <p:spTree>
-      <p:nvGrpSpPr>
-        <p:cNvPr id="1" name=""/>
-        <p:cNvGrpSpPr/>
-        <p:nvPr/>
-      </p:nvGrpSpPr>
-      <p:grpSpPr>
-        <a:xfrm>
-          <a:off x="0" y="0"/>
-          <a:ext cx="0" cy="0"/>
-          <a:chOff x="0" y="0"/>
-          <a:chExt cx="0" cy="0"/>
-        </a:xfrm>
-      </p:grpSpPr>
-      <p:sp>
-        <p:nvSpPr>
-          <p:cNvPr id="2" name="Title 1"/>
-          <p:cNvSpPr>
-            <a:spLocks noGrp="1"/>
-          </p:cNvSpPr>
-          <p:nvPr>
-            <p:ph type="title"/>
-          </p:nvPr>
-        </p:nvSpPr>
-        <p:spPr/>
-        <p:txBody>
-          <a:bodyPr/>
-          <a:lstStyle/>
-          <a:p>
-            <a:r>
-              <a:rPr lang="en-US" dirty="0" smtClean="0"/>
-              <a:t>The Big Picture</a:t>
-            </a:r>
-            <a:endParaRPr lang="en-US" dirty="0"/>
-          </a:p>
-        </p:txBody>
-      </p:sp>
-      <p:sp>
-        <p:nvSpPr>
-          <p:cNvPr id="3" name="Content Placeholder 2"/>
-          <p:cNvSpPr>
-            <a:spLocks noGrp="1"/>
-          </p:cNvSpPr>
-          <p:nvPr>
-            <p:ph idx="1"/>
-          </p:nvPr>
-        </p:nvSpPr>
-        <p:spPr/>
-        <p:txBody>
-          <a:bodyPr/>
-          <a:lstStyle/>
-          <a:p>
-            <a:r>
-              <a:rPr lang="en-US" dirty="0" smtClean="0"/>
-              <a:t>The functional version and the OO version are really the same.  They just have the pieces grouped differently.</a:t>
-            </a:r>
-          </a:p>
-          <a:p>
-            <a:r>
-              <a:rPr lang="en-US" dirty="0" smtClean="0"/>
-              <a:t>Here are a couple of slides that illustrate what happened.</a:t>
-            </a:r>
-          </a:p>
-          <a:p>
-            <a:r>
-              <a:rPr lang="en-US" dirty="0" smtClean="0"/>
-              <a:t>We had 6 little functions to write.  Let's see where they wound up in the functional version, and then in the OO version.</a:t>
-            </a:r>
-            <a:endParaRPr lang="en-US" dirty="0"/>
-          </a:p>
-        </p:txBody>
-      </p:sp>
-      <p:sp>
-        <p:nvSpPr>
-          <p:cNvPr id="4" name="Slide Number Placeholder 3"/>
-          <p:cNvSpPr>
-            <a:spLocks noGrp="1"/>
-          </p:cNvSpPr>
-          <p:nvPr>
-            <p:ph type="sldNum" sz="quarter" idx="12"/>
-          </p:nvPr>
-        </p:nvSpPr>
-        <p:spPr/>
-        <p:txBody>
-          <a:bodyPr/>
-          <a:lstStyle/>
-          <a:p>
-            <a:fld id="{B6F15528-21DE-4FAA-801E-634DDDAF4B2B}" type="slidenum">
-              <a:rPr lang="en-US" smtClean="0"/>
-              <a:pPr/>
-              <a:t>3</a:t>
-            </a:fld>
-            <a:endParaRPr lang="en-US"/>
-          </a:p>
-        </p:txBody>
-      </p:sp>
-    </p:spTree>
-    <p:extLst>
-      <p:ext uri="{BB962C8B-B14F-4D97-AF65-F5344CB8AC3E}">
-        <p14:creationId xmlns:p14="http://schemas.microsoft.com/office/powerpoint/2010/main" val="1845265975"/>
-      </p:ext>
-    </p:extLst>
-  </p:cSld>
-  <p:clrMapOvr>
-    <a:masterClrMapping/>
-  </p:clrMapOvr>
-  <p:timing>
-    <p:tnLst>
-      <p:par>
-        <p:cTn id="1" dur="indefinite" restart="never" nodeType="tmRoot"/>
-      </p:par>
-    </p:tnLst>
-  </p:timing>
-</p:sld>
-</file>
-
-<file path=ppt/slides/slide4.xml><?xml version="1.0" encoding="utf-8"?>
-<p:sld xmlns:a="http://schemas.openxmlformats.org/drawingml/2006/main" xmlns:r="http://schemas.openxmlformats.org/officeDocument/2006/relationships" xmlns:p="http://schemas.openxmlformats.org/presentationml/2006/main">
-  <p:cSld>
-    <p:spTree>
-      <p:nvGrpSpPr>
-        <p:cNvPr id="1" name=""/>
-        <p:cNvGrpSpPr/>
-        <p:nvPr/>
-      </p:nvGrpSpPr>
-      <p:grpSpPr>
-        <a:xfrm>
-          <a:off x="0" y="0"/>
-          <a:ext cx="0" cy="0"/>
-          <a:chOff x="0" y="0"/>
-          <a:chExt cx="0" cy="0"/>
-        </a:xfrm>
-      </p:grpSpPr>
-      <p:sp>
-        <p:nvSpPr>
-          <p:cNvPr id="2" name="Title 1"/>
-          <p:cNvSpPr>
-            <a:spLocks noGrp="1"/>
-          </p:cNvSpPr>
-          <p:nvPr>
-            <p:ph type="title"/>
-          </p:nvPr>
-        </p:nvSpPr>
-        <p:spPr/>
-        <p:txBody>
-          <a:bodyPr/>
-          <a:lstStyle/>
-          <a:p>
-            <a:r>
-              <a:rPr lang="en-US" dirty="0" smtClean="0"/>
-              <a:t>The Big Picture: Functional</a:t>
-            </a:r>
-            <a:endParaRPr lang="en-US" dirty="0"/>
           </a:p>
         </p:txBody>
       </p:sp>
@@ -5542,30 +5909,6 @@
                 <a:schemeClr val="tx1"/>
               </a:solidFill>
             </a:endParaRPr>
-          </a:p>
-        </p:txBody>
-      </p:sp>
-      <p:sp>
-        <p:nvSpPr>
-          <p:cNvPr id="10" name="Slide Number Placeholder 9"/>
-          <p:cNvSpPr>
-            <a:spLocks noGrp="1"/>
-          </p:cNvSpPr>
-          <p:nvPr>
-            <p:ph type="sldNum" sz="quarter" idx="12"/>
-          </p:nvPr>
-        </p:nvSpPr>
-        <p:spPr/>
-        <p:txBody>
-          <a:bodyPr/>
-          <a:lstStyle/>
-          <a:p>
-            <a:fld id="{B6F15528-21DE-4FAA-801E-634DDDAF4B2B}" type="slidenum">
-              <a:rPr lang="en-US" smtClean="0"/>
-              <a:pPr/>
-              <a:t>4</a:t>
-            </a:fld>
-            <a:endParaRPr lang="en-US"/>
           </a:p>
         </p:txBody>
       </p:sp>
@@ -6239,7 +6582,7 @@
 </p:sld>
 </file>
 
-<file path=ppt/slides/slide5.xml><?xml version="1.0" encoding="utf-8"?>
+<file path=ppt/slides/slide11.xml><?xml version="1.0" encoding="utf-8"?>
 <p:sld xmlns:a="http://schemas.openxmlformats.org/drawingml/2006/main" xmlns:r="http://schemas.openxmlformats.org/officeDocument/2006/relationships" xmlns:p="http://schemas.openxmlformats.org/presentationml/2006/main">
   <p:cSld>
     <p:spTree>
@@ -6276,6 +6619,30 @@
               <a:t>The Big Picture: Classes</a:t>
             </a:r>
             <a:endParaRPr lang="en-US" dirty="0"/>
+          </a:p>
+        </p:txBody>
+      </p:sp>
+      <p:sp>
+        <p:nvSpPr>
+          <p:cNvPr id="10" name="Slide Number Placeholder 9"/>
+          <p:cNvSpPr>
+            <a:spLocks noGrp="1"/>
+          </p:cNvSpPr>
+          <p:nvPr>
+            <p:ph type="sldNum" sz="quarter" idx="12"/>
+          </p:nvPr>
+        </p:nvSpPr>
+        <p:spPr/>
+        <p:txBody>
+          <a:bodyPr/>
+          <a:lstStyle/>
+          <a:p>
+            <a:fld id="{B6F15528-21DE-4FAA-801E-634DDDAF4B2B}" type="slidenum">
+              <a:rPr lang="en-US" smtClean="0"/>
+              <a:pPr/>
+              <a:t>11</a:t>
+            </a:fld>
+            <a:endParaRPr lang="en-US"/>
           </a:p>
         </p:txBody>
       </p:sp>
@@ -7337,30 +7704,6 @@
               <a:t>.</a:t>
             </a:r>
             <a:endParaRPr lang="en-US" sz="1600" dirty="0"/>
-          </a:p>
-        </p:txBody>
-      </p:sp>
-      <p:sp>
-        <p:nvSpPr>
-          <p:cNvPr id="10" name="Slide Number Placeholder 9"/>
-          <p:cNvSpPr>
-            <a:spLocks noGrp="1"/>
-          </p:cNvSpPr>
-          <p:nvPr>
-            <p:ph type="sldNum" sz="quarter" idx="12"/>
-          </p:nvPr>
-        </p:nvSpPr>
-        <p:spPr/>
-        <p:txBody>
-          <a:bodyPr/>
-          <a:lstStyle/>
-          <a:p>
-            <a:fld id="{B6F15528-21DE-4FAA-801E-634DDDAF4B2B}" type="slidenum">
-              <a:rPr lang="en-US" smtClean="0"/>
-              <a:pPr/>
-              <a:t>5</a:t>
-            </a:fld>
-            <a:endParaRPr lang="en-US"/>
           </a:p>
         </p:txBody>
       </p:sp>
@@ -8106,7 +8449,7 @@
 </p:sld>
 </file>
 
-<file path=ppt/slides/slide6.xml><?xml version="1.0" encoding="utf-8"?>
+<file path=ppt/slides/slide12.xml><?xml version="1.0" encoding="utf-8"?>
 <p:sld xmlns:a="http://schemas.openxmlformats.org/drawingml/2006/main" xmlns:r="http://schemas.openxmlformats.org/officeDocument/2006/relationships" xmlns:p="http://schemas.openxmlformats.org/presentationml/2006/main">
   <p:cSld>
     <p:spTree>
@@ -8380,6 +8723,30 @@
           </a:graphicData>
         </a:graphic>
       </p:graphicFrame>
+      <p:sp>
+        <p:nvSpPr>
+          <p:cNvPr id="13" name="Slide Number Placeholder 12"/>
+          <p:cNvSpPr>
+            <a:spLocks noGrp="1"/>
+          </p:cNvSpPr>
+          <p:nvPr>
+            <p:ph type="sldNum" sz="quarter" idx="12"/>
+          </p:nvPr>
+        </p:nvSpPr>
+        <p:spPr/>
+        <p:txBody>
+          <a:bodyPr/>
+          <a:lstStyle/>
+          <a:p>
+            <a:fld id="{B6F15528-21DE-4FAA-801E-634DDDAF4B2B}" type="slidenum">
+              <a:rPr lang="en-US" smtClean="0"/>
+              <a:pPr/>
+              <a:t>12</a:t>
+            </a:fld>
+            <a:endParaRPr lang="en-US"/>
+          </a:p>
+        </p:txBody>
+      </p:sp>
       <p:graphicFrame>
         <p:nvGraphicFramePr>
           <p:cNvPr id="5" name="Content Placeholder 3"/>
@@ -9097,30 +9464,6 @@
                 <a:schemeClr val="tx1"/>
               </a:solidFill>
             </a:endParaRPr>
-          </a:p>
-        </p:txBody>
-      </p:sp>
-      <p:sp>
-        <p:nvSpPr>
-          <p:cNvPr id="13" name="Slide Number Placeholder 12"/>
-          <p:cNvSpPr>
-            <a:spLocks noGrp="1"/>
-          </p:cNvSpPr>
-          <p:nvPr>
-            <p:ph type="sldNum" sz="quarter" idx="12"/>
-          </p:nvPr>
-        </p:nvSpPr>
-        <p:spPr/>
-        <p:txBody>
-          <a:bodyPr/>
-          <a:lstStyle/>
-          <a:p>
-            <a:fld id="{B6F15528-21DE-4FAA-801E-634DDDAF4B2B}" type="slidenum">
-              <a:rPr lang="en-US" smtClean="0"/>
-              <a:pPr/>
-              <a:t>6</a:t>
-            </a:fld>
-            <a:endParaRPr lang="en-US"/>
           </a:p>
         </p:txBody>
       </p:sp>
@@ -9452,7 +9795,7 @@
 </p:sld>
 </file>
 
-<file path=ppt/slides/slide7.xml><?xml version="1.0" encoding="utf-8"?>
+<file path=ppt/slides/slide13.xml><?xml version="1.0" encoding="utf-8"?>
 <p:sld xmlns:a="http://schemas.openxmlformats.org/drawingml/2006/main" xmlns:r="http://schemas.openxmlformats.org/officeDocument/2006/relationships" xmlns:p="http://schemas.openxmlformats.org/presentationml/2006/main">
   <p:cSld>
     <p:spTree>
@@ -9801,6 +10144,30 @@
           </a:graphicData>
         </a:graphic>
       </p:graphicFrame>
+      <p:sp>
+        <p:nvSpPr>
+          <p:cNvPr id="3" name="Slide Number Placeholder 2"/>
+          <p:cNvSpPr>
+            <a:spLocks noGrp="1"/>
+          </p:cNvSpPr>
+          <p:nvPr>
+            <p:ph type="sldNum" sz="quarter" idx="12"/>
+          </p:nvPr>
+        </p:nvSpPr>
+        <p:spPr/>
+        <p:txBody>
+          <a:bodyPr/>
+          <a:lstStyle/>
+          <a:p>
+            <a:fld id="{B6F15528-21DE-4FAA-801E-634DDDAF4B2B}" type="slidenum">
+              <a:rPr lang="en-US" smtClean="0"/>
+              <a:pPr/>
+              <a:t>13</a:t>
+            </a:fld>
+            <a:endParaRPr lang="en-US"/>
+          </a:p>
+        </p:txBody>
+      </p:sp>
       <p:graphicFrame>
         <p:nvGraphicFramePr>
           <p:cNvPr id="5" name="Content Placeholder 3"/>
@@ -10821,30 +11188,6 @@
           </a:p>
         </p:txBody>
       </p:sp>
-      <p:sp>
-        <p:nvSpPr>
-          <p:cNvPr id="3" name="Slide Number Placeholder 2"/>
-          <p:cNvSpPr>
-            <a:spLocks noGrp="1"/>
-          </p:cNvSpPr>
-          <p:nvPr>
-            <p:ph type="sldNum" sz="quarter" idx="12"/>
-          </p:nvPr>
-        </p:nvSpPr>
-        <p:spPr/>
-        <p:txBody>
-          <a:bodyPr/>
-          <a:lstStyle/>
-          <a:p>
-            <a:fld id="{B6F15528-21DE-4FAA-801E-634DDDAF4B2B}" type="slidenum">
-              <a:rPr lang="en-US" smtClean="0"/>
-              <a:pPr/>
-              <a:t>7</a:t>
-            </a:fld>
-            <a:endParaRPr lang="en-US"/>
-          </a:p>
-        </p:txBody>
-      </p:sp>
     </p:spTree>
     <p:extLst>
       <p:ext uri="{BB962C8B-B14F-4D97-AF65-F5344CB8AC3E}">
@@ -11088,7 +11431,7 @@
 </p:sld>
 </file>
 
-<file path=ppt/slides/slide8.xml><?xml version="1.0" encoding="utf-8"?>
+<file path=ppt/slides/slide14.xml><?xml version="1.0" encoding="utf-8"?>
 <p:sld xmlns:a="http://schemas.openxmlformats.org/drawingml/2006/main" xmlns:r="http://schemas.openxmlformats.org/officeDocument/2006/relationships" xmlns:p="http://schemas.openxmlformats.org/presentationml/2006/main">
   <p:cSld>
     <p:spTree>
@@ -11451,6 +11794,30 @@
       </p:graphicFrame>
       <p:sp>
         <p:nvSpPr>
+          <p:cNvPr id="3" name="Slide Number Placeholder 2"/>
+          <p:cNvSpPr>
+            <a:spLocks noGrp="1"/>
+          </p:cNvSpPr>
+          <p:nvPr>
+            <p:ph type="sldNum" sz="quarter" idx="12"/>
+          </p:nvPr>
+        </p:nvSpPr>
+        <p:spPr/>
+        <p:txBody>
+          <a:bodyPr/>
+          <a:lstStyle/>
+          <a:p>
+            <a:fld id="{B6F15528-21DE-4FAA-801E-634DDDAF4B2B}" type="slidenum">
+              <a:rPr lang="en-US" smtClean="0"/>
+              <a:pPr/>
+              <a:t>14</a:t>
+            </a:fld>
+            <a:endParaRPr lang="en-US"/>
+          </a:p>
+        </p:txBody>
+      </p:sp>
+      <p:sp>
+        <p:nvSpPr>
           <p:cNvPr id="7" name="Rounded Rectangle 6"/>
           <p:cNvSpPr/>
           <p:nvPr/>
@@ -12376,30 +12743,6 @@
           </a:p>
         </p:txBody>
       </p:sp>
-      <p:sp>
-        <p:nvSpPr>
-          <p:cNvPr id="3" name="Slide Number Placeholder 2"/>
-          <p:cNvSpPr>
-            <a:spLocks noGrp="1"/>
-          </p:cNvSpPr>
-          <p:nvPr>
-            <p:ph type="sldNum" sz="quarter" idx="12"/>
-          </p:nvPr>
-        </p:nvSpPr>
-        <p:spPr/>
-        <p:txBody>
-          <a:bodyPr/>
-          <a:lstStyle/>
-          <a:p>
-            <a:fld id="{B6F15528-21DE-4FAA-801E-634DDDAF4B2B}" type="slidenum">
-              <a:rPr lang="en-US" smtClean="0"/>
-              <a:pPr/>
-              <a:t>8</a:t>
-            </a:fld>
-            <a:endParaRPr lang="en-US"/>
-          </a:p>
-        </p:txBody>
-      </p:sp>
     </p:spTree>
     <p:extLst>
       <p:ext uri="{BB962C8B-B14F-4D97-AF65-F5344CB8AC3E}">
@@ -12616,7 +12959,7 @@
 </p:sld>
 </file>
 
-<file path=ppt/slides/slide9.xml><?xml version="1.0" encoding="utf-8"?>
+<file path=ppt/slides/slide15.xml><?xml version="1.0" encoding="utf-8"?>
 <p:sld xmlns:a="http://schemas.openxmlformats.org/drawingml/2006/main" xmlns:r="http://schemas.openxmlformats.org/officeDocument/2006/relationships" xmlns:p="http://schemas.openxmlformats.org/presentationml/2006/main">
   <p:cSld>
     <p:spTree>
@@ -12885,7 +13228,7 @@
             <a:fld id="{B6F15528-21DE-4FAA-801E-634DDDAF4B2B}" type="slidenum">
               <a:rPr lang="en-US" smtClean="0"/>
               <a:pPr/>
-              <a:t>9</a:t>
+              <a:t>15</a:t>
             </a:fld>
             <a:endParaRPr lang="en-US"/>
           </a:p>
@@ -12911,6 +13254,2663 @@
 </p:sld>
 </file>
 
+<file path=ppt/slides/slide16.xml><?xml version="1.0" encoding="utf-8"?>
+<p:sld xmlns:a="http://schemas.openxmlformats.org/drawingml/2006/main" xmlns:r="http://schemas.openxmlformats.org/officeDocument/2006/relationships" xmlns:p="http://schemas.openxmlformats.org/presentationml/2006/main">
+  <p:cSld>
+    <p:spTree>
+      <p:nvGrpSpPr>
+        <p:cNvPr id="1" name=""/>
+        <p:cNvGrpSpPr/>
+        <p:nvPr/>
+      </p:nvGrpSpPr>
+      <p:grpSpPr>
+        <a:xfrm>
+          <a:off x="0" y="0"/>
+          <a:ext cx="0" cy="0"/>
+          <a:chOff x="0" y="0"/>
+          <a:chExt cx="0" cy="0"/>
+        </a:xfrm>
+      </p:grpSpPr>
+      <p:sp>
+        <p:nvSpPr>
+          <p:cNvPr id="2" name="Title 1"/>
+          <p:cNvSpPr>
+            <a:spLocks noGrp="1"/>
+          </p:cNvSpPr>
+          <p:nvPr>
+            <p:ph type="title"/>
+          </p:nvPr>
+        </p:nvSpPr>
+        <p:spPr/>
+        <p:txBody>
+          <a:bodyPr/>
+          <a:lstStyle/>
+          <a:p>
+            <a:r>
+              <a:rPr lang="en-US" dirty="0" smtClean="0"/>
+              <a:t>What's the tradeoff?</a:t>
+            </a:r>
+            <a:endParaRPr lang="en-US" dirty="0"/>
+          </a:p>
+        </p:txBody>
+      </p:sp>
+      <p:sp>
+        <p:nvSpPr>
+          <p:cNvPr id="3" name="Content Placeholder 2"/>
+          <p:cNvSpPr>
+            <a:spLocks noGrp="1"/>
+          </p:cNvSpPr>
+          <p:nvPr>
+            <p:ph idx="1"/>
+          </p:nvPr>
+        </p:nvSpPr>
+        <p:spPr/>
+        <p:txBody>
+          <a:bodyPr>
+            <a:normAutofit fontScale="85000" lnSpcReduction="10000"/>
+          </a:bodyPr>
+          <a:lstStyle/>
+          <a:p>
+            <a:r>
+              <a:rPr lang="en-US" dirty="0" smtClean="0"/>
+              <a:t>Object-oriented organization is better when new data variants are more likely than new operations.</a:t>
+            </a:r>
+          </a:p>
+          <a:p>
+            <a:r>
+              <a:rPr lang="en-US" dirty="0" smtClean="0"/>
+              <a:t>Functional organization is better when new operations are more likely than new data variants.</a:t>
+            </a:r>
+          </a:p>
+          <a:p>
+            <a:r>
+              <a:rPr lang="en-US" dirty="0" smtClean="0"/>
+              <a:t>In the real world, you may not have a choice: </a:t>
+            </a:r>
+          </a:p>
+          <a:p>
+            <a:pPr lvl="1"/>
+            <a:r>
+              <a:rPr lang="en-US" dirty="0" smtClean="0"/>
+              <a:t>this decision is up to the system architects</a:t>
+            </a:r>
+          </a:p>
+          <a:p>
+            <a:pPr lvl="1"/>
+            <a:r>
+              <a:rPr lang="en-US" dirty="0" smtClean="0"/>
+              <a:t>or may need compatibility with an existing system</a:t>
+            </a:r>
+          </a:p>
+          <a:p>
+            <a:r>
+              <a:rPr lang="en-US" dirty="0" smtClean="0"/>
+              <a:t>There are ways to get the best of both worlds </a:t>
+            </a:r>
+          </a:p>
+          <a:p>
+            <a:pPr lvl="1"/>
+            <a:r>
+              <a:rPr lang="en-US" dirty="0" smtClean="0"/>
+              <a:t>but these are beyond the scope of this course</a:t>
+            </a:r>
+          </a:p>
+          <a:p>
+            <a:pPr lvl="1"/>
+            <a:r>
+              <a:rPr lang="en-US" dirty="0" smtClean="0"/>
+              <a:t>this is called "the expression problem"</a:t>
+            </a:r>
+            <a:endParaRPr lang="en-US" dirty="0"/>
+          </a:p>
+        </p:txBody>
+      </p:sp>
+      <p:sp>
+        <p:nvSpPr>
+          <p:cNvPr id="4" name="Slide Number Placeholder 3"/>
+          <p:cNvSpPr>
+            <a:spLocks noGrp="1"/>
+          </p:cNvSpPr>
+          <p:nvPr>
+            <p:ph type="sldNum" sz="quarter" idx="12"/>
+          </p:nvPr>
+        </p:nvSpPr>
+        <p:spPr/>
+        <p:txBody>
+          <a:bodyPr/>
+          <a:lstStyle/>
+          <a:p>
+            <a:fld id="{B6F15528-21DE-4FAA-801E-634DDDAF4B2B}" type="slidenum">
+              <a:rPr lang="en-US" smtClean="0"/>
+              <a:pPr/>
+              <a:t>16</a:t>
+            </a:fld>
+            <a:endParaRPr lang="en-US"/>
+          </a:p>
+        </p:txBody>
+      </p:sp>
+    </p:spTree>
+    <p:extLst>
+      <p:ext uri="{BB962C8B-B14F-4D97-AF65-F5344CB8AC3E}">
+        <p14:creationId xmlns:p14="http://schemas.microsoft.com/office/powerpoint/2010/main" val="3746357049"/>
+      </p:ext>
+    </p:extLst>
+  </p:cSld>
+  <p:clrMapOvr>
+    <a:masterClrMapping/>
+  </p:clrMapOvr>
+  <p:timing>
+    <p:tnLst>
+      <p:par>
+        <p:cTn id="1" dur="indefinite" restart="never" nodeType="tmRoot"/>
+      </p:par>
+    </p:tnLst>
+  </p:timing>
+</p:sld>
+</file>
+
+<file path=ppt/slides/slide17.xml><?xml version="1.0" encoding="utf-8"?>
+<p:sld xmlns:a="http://schemas.openxmlformats.org/drawingml/2006/main" xmlns:r="http://schemas.openxmlformats.org/officeDocument/2006/relationships" xmlns:p="http://schemas.openxmlformats.org/presentationml/2006/main">
+  <p:cSld>
+    <p:spTree>
+      <p:nvGrpSpPr>
+        <p:cNvPr id="1" name=""/>
+        <p:cNvGrpSpPr/>
+        <p:nvPr/>
+      </p:nvGrpSpPr>
+      <p:grpSpPr>
+        <a:xfrm>
+          <a:off x="0" y="0"/>
+          <a:ext cx="0" cy="0"/>
+          <a:chOff x="0" y="0"/>
+          <a:chExt cx="0" cy="0"/>
+        </a:xfrm>
+      </p:grpSpPr>
+      <p:sp>
+        <p:nvSpPr>
+          <p:cNvPr id="2" name="Title 1"/>
+          <p:cNvSpPr>
+            <a:spLocks noGrp="1"/>
+          </p:cNvSpPr>
+          <p:nvPr>
+            <p:ph type="title"/>
+          </p:nvPr>
+        </p:nvSpPr>
+        <p:spPr/>
+        <p:txBody>
+          <a:bodyPr/>
+          <a:lstStyle/>
+          <a:p>
+            <a:r>
+              <a:rPr lang="en-US" dirty="0" smtClean="0"/>
+              <a:t>Summary</a:t>
+            </a:r>
+            <a:endParaRPr lang="en-US" dirty="0"/>
+          </a:p>
+        </p:txBody>
+      </p:sp>
+      <p:sp>
+        <p:nvSpPr>
+          <p:cNvPr id="3" name="Content Placeholder 2"/>
+          <p:cNvSpPr>
+            <a:spLocks noGrp="1"/>
+          </p:cNvSpPr>
+          <p:nvPr>
+            <p:ph idx="1"/>
+          </p:nvPr>
+        </p:nvSpPr>
+        <p:spPr/>
+        <p:txBody>
+          <a:bodyPr/>
+          <a:lstStyle/>
+          <a:p>
+            <a:r>
+              <a:rPr lang="en-US" dirty="0" smtClean="0"/>
+              <a:t>You should now be able to draw diagrams that explain the organization of O-O programs vs. functional programs.</a:t>
+            </a:r>
+            <a:endParaRPr lang="en-US" dirty="0"/>
+          </a:p>
+        </p:txBody>
+      </p:sp>
+      <p:sp>
+        <p:nvSpPr>
+          <p:cNvPr id="4" name="Slide Number Placeholder 3"/>
+          <p:cNvSpPr>
+            <a:spLocks noGrp="1"/>
+          </p:cNvSpPr>
+          <p:nvPr>
+            <p:ph type="sldNum" sz="quarter" idx="12"/>
+          </p:nvPr>
+        </p:nvSpPr>
+        <p:spPr/>
+        <p:txBody>
+          <a:bodyPr/>
+          <a:lstStyle/>
+          <a:p>
+            <a:fld id="{2AF3B5EA-18B6-4040-9F78-6052AF49C681}" type="slidenum">
+              <a:rPr lang="en-US" smtClean="0"/>
+              <a:t>17</a:t>
+            </a:fld>
+            <a:endParaRPr lang="en-US"/>
+          </a:p>
+        </p:txBody>
+      </p:sp>
+    </p:spTree>
+    <p:extLst>
+      <p:ext uri="{BB962C8B-B14F-4D97-AF65-F5344CB8AC3E}">
+        <p14:creationId xmlns:p14="http://schemas.microsoft.com/office/powerpoint/2010/main" val="110263791"/>
+      </p:ext>
+    </p:extLst>
+  </p:cSld>
+  <p:clrMapOvr>
+    <a:masterClrMapping/>
+  </p:clrMapOvr>
+  <p:timing>
+    <p:tnLst>
+      <p:par>
+        <p:cTn id="1" dur="indefinite" restart="never" nodeType="tmRoot"/>
+      </p:par>
+    </p:tnLst>
+  </p:timing>
+</p:sld>
+</file>
+
+<file path=ppt/slides/slide18.xml><?xml version="1.0" encoding="utf-8"?>
+<p:sld xmlns:a="http://schemas.openxmlformats.org/drawingml/2006/main" xmlns:r="http://schemas.openxmlformats.org/officeDocument/2006/relationships" xmlns:p="http://schemas.openxmlformats.org/presentationml/2006/main">
+  <p:cSld>
+    <p:spTree>
+      <p:nvGrpSpPr>
+        <p:cNvPr id="1" name=""/>
+        <p:cNvGrpSpPr/>
+        <p:nvPr/>
+      </p:nvGrpSpPr>
+      <p:grpSpPr>
+        <a:xfrm>
+          <a:off x="0" y="0"/>
+          <a:ext cx="0" cy="0"/>
+          <a:chOff x="0" y="0"/>
+          <a:chExt cx="0" cy="0"/>
+        </a:xfrm>
+      </p:grpSpPr>
+      <p:sp>
+        <p:nvSpPr>
+          <p:cNvPr id="2" name="Title 1"/>
+          <p:cNvSpPr>
+            <a:spLocks noGrp="1"/>
+          </p:cNvSpPr>
+          <p:nvPr>
+            <p:ph type="title"/>
+          </p:nvPr>
+        </p:nvSpPr>
+        <p:spPr/>
+        <p:txBody>
+          <a:bodyPr/>
+          <a:lstStyle/>
+          <a:p>
+            <a:r>
+              <a:rPr lang="en-US" dirty="0" smtClean="0"/>
+              <a:t>Next Steps</a:t>
+            </a:r>
+            <a:endParaRPr lang="en-US" dirty="0"/>
+          </a:p>
+        </p:txBody>
+      </p:sp>
+      <p:sp>
+        <p:nvSpPr>
+          <p:cNvPr id="3" name="Content Placeholder 2"/>
+          <p:cNvSpPr>
+            <a:spLocks noGrp="1"/>
+          </p:cNvSpPr>
+          <p:nvPr>
+            <p:ph idx="1"/>
+          </p:nvPr>
+        </p:nvSpPr>
+        <p:spPr/>
+        <p:txBody>
+          <a:bodyPr/>
+          <a:lstStyle/>
+          <a:p>
+            <a:r>
+              <a:rPr lang="en-US" dirty="0" smtClean="0"/>
+              <a:t>Review examples </a:t>
+            </a:r>
+            <a:r>
+              <a:rPr lang="en-US" dirty="0" smtClean="0"/>
+              <a:t>09-3</a:t>
+            </a:r>
+            <a:r>
+              <a:rPr lang="en-US" dirty="0" smtClean="0"/>
+              <a:t> </a:t>
+            </a:r>
+            <a:r>
+              <a:rPr lang="en-US" dirty="0" smtClean="0"/>
+              <a:t>through </a:t>
+            </a:r>
+            <a:r>
+              <a:rPr lang="en-US" dirty="0" smtClean="0"/>
+              <a:t>09-5</a:t>
+            </a:r>
+            <a:r>
+              <a:rPr lang="en-US" dirty="0" smtClean="0"/>
+              <a:t> </a:t>
+            </a:r>
+            <a:r>
+              <a:rPr lang="en-US" dirty="0" smtClean="0"/>
+              <a:t>in the examples folder.</a:t>
+            </a:r>
+          </a:p>
+          <a:p>
+            <a:r>
+              <a:rPr lang="en-US" dirty="0" smtClean="0"/>
+              <a:t>If you have questions about this lesson, ask them on the Discussion Board</a:t>
+            </a:r>
+          </a:p>
+          <a:p>
+            <a:r>
+              <a:rPr lang="en-US" dirty="0" smtClean="0"/>
+              <a:t>Go on to the next lesson</a:t>
+            </a:r>
+            <a:endParaRPr lang="en-US" dirty="0"/>
+          </a:p>
+        </p:txBody>
+      </p:sp>
+      <p:sp>
+        <p:nvSpPr>
+          <p:cNvPr id="4" name="Slide Number Placeholder 3"/>
+          <p:cNvSpPr>
+            <a:spLocks noGrp="1"/>
+          </p:cNvSpPr>
+          <p:nvPr>
+            <p:ph type="sldNum" sz="quarter" idx="12"/>
+          </p:nvPr>
+        </p:nvSpPr>
+        <p:spPr/>
+        <p:txBody>
+          <a:bodyPr/>
+          <a:lstStyle/>
+          <a:p>
+            <a:fld id="{2AF3B5EA-18B6-4040-9F78-6052AF49C681}" type="slidenum">
+              <a:rPr lang="en-US" smtClean="0"/>
+              <a:t>18</a:t>
+            </a:fld>
+            <a:endParaRPr lang="en-US"/>
+          </a:p>
+        </p:txBody>
+      </p:sp>
+    </p:spTree>
+    <p:extLst>
+      <p:ext uri="{BB962C8B-B14F-4D97-AF65-F5344CB8AC3E}">
+        <p14:creationId xmlns:p14="http://schemas.microsoft.com/office/powerpoint/2010/main" val="3095478119"/>
+      </p:ext>
+    </p:extLst>
+  </p:cSld>
+  <p:clrMapOvr>
+    <a:masterClrMapping/>
+  </p:clrMapOvr>
+  <p:timing>
+    <p:tnLst>
+      <p:par>
+        <p:cTn id="1" dur="indefinite" restart="never" nodeType="tmRoot"/>
+      </p:par>
+    </p:tnLst>
+  </p:timing>
+</p:sld>
+</file>
+
+<file path=ppt/slides/slide2.xml><?xml version="1.0" encoding="utf-8"?>
+<p:sld xmlns:a="http://schemas.openxmlformats.org/drawingml/2006/main" xmlns:r="http://schemas.openxmlformats.org/officeDocument/2006/relationships" xmlns:p="http://schemas.openxmlformats.org/presentationml/2006/main">
+  <p:cSld>
+    <p:spTree>
+      <p:nvGrpSpPr>
+        <p:cNvPr id="1" name=""/>
+        <p:cNvGrpSpPr/>
+        <p:nvPr/>
+      </p:nvGrpSpPr>
+      <p:grpSpPr>
+        <a:xfrm>
+          <a:off x="0" y="0"/>
+          <a:ext cx="0" cy="0"/>
+          <a:chOff x="0" y="0"/>
+          <a:chExt cx="0" cy="0"/>
+        </a:xfrm>
+      </p:grpSpPr>
+      <p:sp>
+        <p:nvSpPr>
+          <p:cNvPr id="2" name="Title 1"/>
+          <p:cNvSpPr>
+            <a:spLocks noGrp="1"/>
+          </p:cNvSpPr>
+          <p:nvPr>
+            <p:ph type="title"/>
+          </p:nvPr>
+        </p:nvSpPr>
+        <p:spPr/>
+        <p:txBody>
+          <a:bodyPr/>
+          <a:lstStyle/>
+          <a:p>
+            <a:r>
+              <a:rPr lang="en-US" dirty="0" smtClean="0"/>
+              <a:t>Goals for this Lesson</a:t>
+            </a:r>
+            <a:endParaRPr lang="en-US" dirty="0"/>
+          </a:p>
+        </p:txBody>
+      </p:sp>
+      <p:sp>
+        <p:nvSpPr>
+          <p:cNvPr id="3" name="Content Placeholder 2"/>
+          <p:cNvSpPr>
+            <a:spLocks noGrp="1"/>
+          </p:cNvSpPr>
+          <p:nvPr>
+            <p:ph idx="1"/>
+          </p:nvPr>
+        </p:nvSpPr>
+        <p:spPr/>
+        <p:txBody>
+          <a:bodyPr/>
+          <a:lstStyle/>
+          <a:p>
+            <a:r>
+              <a:rPr lang="en-US" dirty="0" smtClean="0"/>
+              <a:t>In this lesson, we’ll illustrate the relationship between the functional version of the shapes and the object-oriented version.</a:t>
+            </a:r>
+            <a:endParaRPr lang="en-US" dirty="0"/>
+          </a:p>
+        </p:txBody>
+      </p:sp>
+      <p:sp>
+        <p:nvSpPr>
+          <p:cNvPr id="4" name="Slide Number Placeholder 3"/>
+          <p:cNvSpPr>
+            <a:spLocks noGrp="1"/>
+          </p:cNvSpPr>
+          <p:nvPr>
+            <p:ph type="sldNum" sz="quarter" idx="12"/>
+          </p:nvPr>
+        </p:nvSpPr>
+        <p:spPr/>
+        <p:txBody>
+          <a:bodyPr/>
+          <a:lstStyle/>
+          <a:p>
+            <a:fld id="{B6F15528-21DE-4FAA-801E-634DDDAF4B2B}" type="slidenum">
+              <a:rPr lang="en-US" smtClean="0"/>
+              <a:pPr/>
+              <a:t>2</a:t>
+            </a:fld>
+            <a:endParaRPr lang="en-US"/>
+          </a:p>
+        </p:txBody>
+      </p:sp>
+    </p:spTree>
+    <p:extLst>
+      <p:ext uri="{BB962C8B-B14F-4D97-AF65-F5344CB8AC3E}">
+        <p14:creationId xmlns:p14="http://schemas.microsoft.com/office/powerpoint/2010/main" val="3862800046"/>
+      </p:ext>
+    </p:extLst>
+  </p:cSld>
+  <p:clrMapOvr>
+    <a:masterClrMapping/>
+  </p:clrMapOvr>
+</p:sld>
+</file>
+
+<file path=ppt/slides/slide3.xml><?xml version="1.0" encoding="utf-8"?>
+<p:sld xmlns:a="http://schemas.openxmlformats.org/drawingml/2006/main" xmlns:r="http://schemas.openxmlformats.org/officeDocument/2006/relationships" xmlns:p="http://schemas.openxmlformats.org/presentationml/2006/main">
+  <p:cSld>
+    <p:spTree>
+      <p:nvGrpSpPr>
+        <p:cNvPr id="1" name=""/>
+        <p:cNvGrpSpPr/>
+        <p:nvPr/>
+      </p:nvGrpSpPr>
+      <p:grpSpPr>
+        <a:xfrm>
+          <a:off x="0" y="0"/>
+          <a:ext cx="0" cy="0"/>
+          <a:chOff x="0" y="0"/>
+          <a:chExt cx="0" cy="0"/>
+        </a:xfrm>
+      </p:grpSpPr>
+      <p:sp>
+        <p:nvSpPr>
+          <p:cNvPr id="2" name="Title 1"/>
+          <p:cNvSpPr>
+            <a:spLocks noGrp="1"/>
+          </p:cNvSpPr>
+          <p:nvPr>
+            <p:ph type="title"/>
+          </p:nvPr>
+        </p:nvSpPr>
+        <p:spPr/>
+        <p:txBody>
+          <a:bodyPr/>
+          <a:lstStyle/>
+          <a:p>
+            <a:r>
+              <a:rPr lang="en-US" dirty="0" smtClean="0"/>
+              <a:t>The Big Picture</a:t>
+            </a:r>
+            <a:endParaRPr lang="en-US" dirty="0"/>
+          </a:p>
+        </p:txBody>
+      </p:sp>
+      <p:sp>
+        <p:nvSpPr>
+          <p:cNvPr id="3" name="Content Placeholder 2"/>
+          <p:cNvSpPr>
+            <a:spLocks noGrp="1"/>
+          </p:cNvSpPr>
+          <p:nvPr>
+            <p:ph idx="1"/>
+          </p:nvPr>
+        </p:nvSpPr>
+        <p:spPr/>
+        <p:txBody>
+          <a:bodyPr/>
+          <a:lstStyle/>
+          <a:p>
+            <a:r>
+              <a:rPr lang="en-US" dirty="0" smtClean="0"/>
+              <a:t>The functional version and the OO version are really the same.  They just have the pieces grouped differently.</a:t>
+            </a:r>
+          </a:p>
+          <a:p>
+            <a:r>
+              <a:rPr lang="en-US" dirty="0" smtClean="0"/>
+              <a:t>Here are a couple of slides that illustrate what happened.</a:t>
+            </a:r>
+          </a:p>
+          <a:p>
+            <a:r>
+              <a:rPr lang="en-US" dirty="0" smtClean="0"/>
+              <a:t>We had 6 little functions to write.  Let's see where they wound up in the functional version, and then in the OO version.</a:t>
+            </a:r>
+            <a:endParaRPr lang="en-US" dirty="0"/>
+          </a:p>
+        </p:txBody>
+      </p:sp>
+      <p:sp>
+        <p:nvSpPr>
+          <p:cNvPr id="4" name="Slide Number Placeholder 3"/>
+          <p:cNvSpPr>
+            <a:spLocks noGrp="1"/>
+          </p:cNvSpPr>
+          <p:nvPr>
+            <p:ph type="sldNum" sz="quarter" idx="12"/>
+          </p:nvPr>
+        </p:nvSpPr>
+        <p:spPr/>
+        <p:txBody>
+          <a:bodyPr/>
+          <a:lstStyle/>
+          <a:p>
+            <a:fld id="{B6F15528-21DE-4FAA-801E-634DDDAF4B2B}" type="slidenum">
+              <a:rPr lang="en-US" smtClean="0"/>
+              <a:pPr/>
+              <a:t>3</a:t>
+            </a:fld>
+            <a:endParaRPr lang="en-US"/>
+          </a:p>
+        </p:txBody>
+      </p:sp>
+    </p:spTree>
+    <p:extLst>
+      <p:ext uri="{BB962C8B-B14F-4D97-AF65-F5344CB8AC3E}">
+        <p14:creationId xmlns:p14="http://schemas.microsoft.com/office/powerpoint/2010/main" val="1845265975"/>
+      </p:ext>
+    </p:extLst>
+  </p:cSld>
+  <p:clrMapOvr>
+    <a:masterClrMapping/>
+  </p:clrMapOvr>
+  <p:timing>
+    <p:tnLst>
+      <p:par>
+        <p:cTn id="1" dur="indefinite" restart="never" nodeType="tmRoot"/>
+      </p:par>
+    </p:tnLst>
+  </p:timing>
+</p:sld>
+</file>
+
+<file path=ppt/slides/slide4.xml><?xml version="1.0" encoding="utf-8"?>
+<p:sld xmlns:a="http://schemas.openxmlformats.org/drawingml/2006/main" xmlns:r="http://schemas.openxmlformats.org/officeDocument/2006/relationships" xmlns:p="http://schemas.openxmlformats.org/presentationml/2006/main">
+  <p:cSld>
+    <p:spTree>
+      <p:nvGrpSpPr>
+        <p:cNvPr id="1" name=""/>
+        <p:cNvGrpSpPr/>
+        <p:nvPr/>
+      </p:nvGrpSpPr>
+      <p:grpSpPr>
+        <a:xfrm>
+          <a:off x="0" y="0"/>
+          <a:ext cx="0" cy="0"/>
+          <a:chOff x="0" y="0"/>
+          <a:chExt cx="0" cy="0"/>
+        </a:xfrm>
+      </p:grpSpPr>
+      <p:sp>
+        <p:nvSpPr>
+          <p:cNvPr id="2" name="Title 1"/>
+          <p:cNvSpPr>
+            <a:spLocks noGrp="1"/>
+          </p:cNvSpPr>
+          <p:nvPr>
+            <p:ph type="title"/>
+          </p:nvPr>
+        </p:nvSpPr>
+        <p:spPr/>
+        <p:txBody>
+          <a:bodyPr/>
+          <a:lstStyle/>
+          <a:p>
+            <a:r>
+              <a:rPr lang="en-US" dirty="0" smtClean="0"/>
+              <a:t>System Requirements</a:t>
+            </a:r>
+            <a:endParaRPr lang="en-US" dirty="0"/>
+          </a:p>
+        </p:txBody>
+      </p:sp>
+      <p:sp>
+        <p:nvSpPr>
+          <p:cNvPr id="4" name="Content Placeholder 3"/>
+          <p:cNvSpPr>
+            <a:spLocks noGrp="1"/>
+          </p:cNvSpPr>
+          <p:nvPr>
+            <p:ph idx="1"/>
+          </p:nvPr>
+        </p:nvSpPr>
+        <p:spPr/>
+        <p:txBody>
+          <a:bodyPr>
+            <a:normAutofit fontScale="92500" lnSpcReduction="20000"/>
+          </a:bodyPr>
+          <a:lstStyle/>
+          <a:p>
+            <a:r>
+              <a:rPr lang="en-US" dirty="0" smtClean="0"/>
+              <a:t>Represent three kinds of shapes:</a:t>
+            </a:r>
+          </a:p>
+          <a:p>
+            <a:pPr lvl="1"/>
+            <a:r>
+              <a:rPr lang="en-US" dirty="0" smtClean="0"/>
+              <a:t>circle, </a:t>
+            </a:r>
+          </a:p>
+          <a:p>
+            <a:pPr lvl="1"/>
+            <a:r>
+              <a:rPr lang="en-US" dirty="0" smtClean="0"/>
+              <a:t>square</a:t>
+            </a:r>
+          </a:p>
+          <a:p>
+            <a:pPr lvl="1"/>
+            <a:r>
+              <a:rPr lang="en-US" dirty="0" smtClean="0"/>
+              <a:t>composite of two shapes </a:t>
+            </a:r>
+          </a:p>
+          <a:p>
+            <a:r>
+              <a:rPr lang="en-US" dirty="0" smtClean="0"/>
+              <a:t>Operations on shapes</a:t>
+            </a:r>
+          </a:p>
+          <a:p>
+            <a:pPr lvl="1"/>
+            <a:r>
+              <a:rPr lang="en-US" dirty="0" smtClean="0"/>
+              <a:t>weight : Shape -&gt; Number</a:t>
+            </a:r>
+          </a:p>
+          <a:p>
+            <a:pPr lvl="2"/>
+            <a:r>
+              <a:rPr lang="en-US" dirty="0" smtClean="0"/>
+              <a:t>RETURNS: the weight of the given shape, assuming that each shape weighs 1 gram per pixel of area</a:t>
+            </a:r>
+          </a:p>
+          <a:p>
+            <a:pPr lvl="1"/>
+            <a:r>
+              <a:rPr lang="en-US" dirty="0" smtClean="0"/>
+              <a:t>add-to-scene : Shape Scene -&gt; Scene</a:t>
+            </a:r>
+          </a:p>
+          <a:p>
+            <a:pPr lvl="2"/>
+            <a:r>
+              <a:rPr lang="en-US" dirty="0" smtClean="0"/>
+              <a:t>RETURNS: a scene like the given one, except that the given shape has been painted on it.</a:t>
+            </a:r>
+            <a:endParaRPr lang="en-US" dirty="0"/>
+          </a:p>
+        </p:txBody>
+      </p:sp>
+      <p:sp>
+        <p:nvSpPr>
+          <p:cNvPr id="3" name="Slide Number Placeholder 2"/>
+          <p:cNvSpPr>
+            <a:spLocks noGrp="1"/>
+          </p:cNvSpPr>
+          <p:nvPr>
+            <p:ph type="sldNum" sz="quarter" idx="12"/>
+          </p:nvPr>
+        </p:nvSpPr>
+        <p:spPr/>
+        <p:txBody>
+          <a:bodyPr/>
+          <a:lstStyle/>
+          <a:p>
+            <a:fld id="{B6F15528-21DE-4FAA-801E-634DDDAF4B2B}" type="slidenum">
+              <a:rPr lang="en-US" smtClean="0"/>
+              <a:pPr/>
+              <a:t>4</a:t>
+            </a:fld>
+            <a:endParaRPr lang="en-US"/>
+          </a:p>
+        </p:txBody>
+      </p:sp>
+    </p:spTree>
+    <p:extLst>
+      <p:ext uri="{BB962C8B-B14F-4D97-AF65-F5344CB8AC3E}">
+        <p14:creationId xmlns:p14="http://schemas.microsoft.com/office/powerpoint/2010/main" val="3777175434"/>
+      </p:ext>
+    </p:extLst>
+  </p:cSld>
+  <p:clrMapOvr>
+    <a:masterClrMapping/>
+  </p:clrMapOvr>
+  <p:timing>
+    <p:tnLst>
+      <p:par>
+        <p:cTn id="1" dur="indefinite" restart="never" nodeType="tmRoot"/>
+      </p:par>
+    </p:tnLst>
+  </p:timing>
+</p:sld>
+</file>
+
+<file path=ppt/slides/slide5.xml><?xml version="1.0" encoding="utf-8"?>
+<p:sld xmlns:a="http://schemas.openxmlformats.org/drawingml/2006/main" xmlns:r="http://schemas.openxmlformats.org/officeDocument/2006/relationships" xmlns:p="http://schemas.openxmlformats.org/presentationml/2006/main">
+  <p:cSld>
+    <p:spTree>
+      <p:nvGrpSpPr>
+        <p:cNvPr id="1" name=""/>
+        <p:cNvGrpSpPr/>
+        <p:nvPr/>
+      </p:nvGrpSpPr>
+      <p:grpSpPr>
+        <a:xfrm>
+          <a:off x="0" y="0"/>
+          <a:ext cx="0" cy="0"/>
+          <a:chOff x="0" y="0"/>
+          <a:chExt cx="0" cy="0"/>
+        </a:xfrm>
+      </p:grpSpPr>
+      <p:sp>
+        <p:nvSpPr>
+          <p:cNvPr id="2" name="Title 1"/>
+          <p:cNvSpPr>
+            <a:spLocks noGrp="1"/>
+          </p:cNvSpPr>
+          <p:nvPr>
+            <p:ph type="title"/>
+          </p:nvPr>
+        </p:nvSpPr>
+        <p:spPr/>
+        <p:txBody>
+          <a:bodyPr/>
+          <a:lstStyle/>
+          <a:p>
+            <a:r>
+              <a:rPr lang="en-US" dirty="0" smtClean="0"/>
+              <a:t>Code outline (functional version)</a:t>
+            </a:r>
+            <a:endParaRPr lang="en-US" dirty="0"/>
+          </a:p>
+        </p:txBody>
+      </p:sp>
+      <p:sp>
+        <p:nvSpPr>
+          <p:cNvPr id="5" name="Content Placeholder 4"/>
+          <p:cNvSpPr>
+            <a:spLocks noGrp="1"/>
+          </p:cNvSpPr>
+          <p:nvPr>
+            <p:ph idx="1"/>
+          </p:nvPr>
+        </p:nvSpPr>
+        <p:spPr/>
+        <p:txBody>
+          <a:bodyPr>
+            <a:normAutofit fontScale="92500" lnSpcReduction="20000"/>
+          </a:bodyPr>
+          <a:lstStyle/>
+          <a:p>
+            <a:r>
+              <a:rPr lang="en-US" sz="2000" dirty="0"/>
+              <a:t>(define-</a:t>
+            </a:r>
+            <a:r>
+              <a:rPr lang="en-US" sz="2000" dirty="0" err="1"/>
+              <a:t>struct</a:t>
+            </a:r>
+            <a:r>
+              <a:rPr lang="en-US" sz="2000" dirty="0"/>
+              <a:t> my-circle (x y r color</a:t>
+            </a:r>
+            <a:r>
+              <a:rPr lang="en-US" sz="2000" dirty="0" smtClean="0"/>
+              <a:t>))</a:t>
+            </a:r>
+            <a:endParaRPr lang="en-US" sz="2000" dirty="0"/>
+          </a:p>
+          <a:p>
+            <a:r>
+              <a:rPr lang="en-US" sz="2000" dirty="0"/>
+              <a:t>(define-</a:t>
+            </a:r>
+            <a:r>
+              <a:rPr lang="en-US" sz="2000" dirty="0" err="1"/>
+              <a:t>struct</a:t>
+            </a:r>
+            <a:r>
+              <a:rPr lang="en-US" sz="2000" dirty="0"/>
+              <a:t> my-square (x y l </a:t>
+            </a:r>
+            <a:r>
+              <a:rPr lang="en-US" sz="2000" dirty="0" smtClean="0"/>
+              <a:t>color))</a:t>
+            </a:r>
+            <a:endParaRPr lang="en-US" sz="2000" dirty="0"/>
+          </a:p>
+          <a:p>
+            <a:r>
+              <a:rPr lang="en-US" sz="2000" dirty="0"/>
+              <a:t>(</a:t>
+            </a:r>
+            <a:r>
+              <a:rPr lang="en-US" sz="2000" dirty="0" smtClean="0"/>
+              <a:t>define-</a:t>
+            </a:r>
+            <a:r>
+              <a:rPr lang="en-US" sz="2000" dirty="0" err="1" smtClean="0"/>
+              <a:t>struct</a:t>
+            </a:r>
+            <a:r>
+              <a:rPr lang="en-US" sz="2000" dirty="0" smtClean="0"/>
+              <a:t> </a:t>
+            </a:r>
+            <a:r>
+              <a:rPr lang="en-US" sz="2000" dirty="0"/>
+              <a:t>my-composite (front back</a:t>
+            </a:r>
+            <a:r>
+              <a:rPr lang="en-US" sz="2000" dirty="0" smtClean="0"/>
+              <a:t>))</a:t>
+            </a:r>
+          </a:p>
+          <a:p>
+            <a:endParaRPr lang="en-US" sz="2000" dirty="0"/>
+          </a:p>
+          <a:p>
+            <a:r>
+              <a:rPr lang="en-US" sz="2000" dirty="0"/>
+              <a:t>;; weight : Shape -&gt; Number</a:t>
+            </a:r>
+          </a:p>
+          <a:p>
+            <a:r>
+              <a:rPr lang="en-US" sz="2000" dirty="0"/>
+              <a:t>;; GIVEN: a shape</a:t>
+            </a:r>
+          </a:p>
+          <a:p>
+            <a:r>
+              <a:rPr lang="en-US" sz="2000" dirty="0"/>
+              <a:t>;; RETURNS: the weight of the shape, assuming that </a:t>
+            </a:r>
+            <a:r>
+              <a:rPr lang="en-US" sz="2000" dirty="0" smtClean="0"/>
+              <a:t>each</a:t>
+            </a:r>
+          </a:p>
+          <a:p>
+            <a:r>
+              <a:rPr lang="en-US" sz="2000" dirty="0" smtClean="0"/>
+              <a:t>;; </a:t>
+            </a:r>
+            <a:r>
+              <a:rPr lang="en-US" sz="2000" dirty="0"/>
+              <a:t>shape weighs </a:t>
+            </a:r>
+            <a:r>
+              <a:rPr lang="en-US" sz="2000" dirty="0" smtClean="0"/>
+              <a:t>1 </a:t>
+            </a:r>
+            <a:r>
+              <a:rPr lang="en-US" sz="2000" dirty="0"/>
+              <a:t>gram per pixel of area.</a:t>
+            </a:r>
+          </a:p>
+          <a:p>
+            <a:r>
+              <a:rPr lang="en-US" sz="2000" dirty="0"/>
+              <a:t>;; STRATEGY: Use template for </a:t>
+            </a:r>
+            <a:r>
+              <a:rPr lang="en-US" sz="2000" dirty="0" smtClean="0"/>
+              <a:t>Shape</a:t>
+            </a:r>
+          </a:p>
+          <a:p>
+            <a:endParaRPr lang="en-US" sz="2000" dirty="0"/>
+          </a:p>
+          <a:p>
+            <a:r>
+              <a:rPr lang="en-US" sz="2000" dirty="0"/>
+              <a:t>(define (weight s)</a:t>
+            </a:r>
+          </a:p>
+          <a:p>
+            <a:r>
+              <a:rPr lang="en-US" sz="2000" dirty="0"/>
+              <a:t>  (cond</a:t>
+            </a:r>
+          </a:p>
+          <a:p>
+            <a:r>
+              <a:rPr lang="en-US" sz="2000" dirty="0"/>
+              <a:t>    [(my-circle? s)    (my-circle-weight s)]</a:t>
+            </a:r>
+          </a:p>
+          <a:p>
+            <a:r>
+              <a:rPr lang="en-US" sz="2000" dirty="0"/>
+              <a:t>    [(my-square? s)    (my-square-weight s)]</a:t>
+            </a:r>
+          </a:p>
+          <a:p>
+            <a:r>
+              <a:rPr lang="en-US" sz="2000" dirty="0"/>
+              <a:t>    [(my-composite? s) (my-composite-weight s)]))</a:t>
+            </a:r>
+          </a:p>
+          <a:p>
+            <a:endParaRPr lang="en-US" sz="2000" dirty="0"/>
+          </a:p>
+        </p:txBody>
+      </p:sp>
+      <p:sp>
+        <p:nvSpPr>
+          <p:cNvPr id="4" name="Slide Number Placeholder 3"/>
+          <p:cNvSpPr>
+            <a:spLocks noGrp="1"/>
+          </p:cNvSpPr>
+          <p:nvPr>
+            <p:ph type="sldNum" sz="quarter" idx="12"/>
+          </p:nvPr>
+        </p:nvSpPr>
+        <p:spPr/>
+        <p:txBody>
+          <a:bodyPr/>
+          <a:lstStyle/>
+          <a:p>
+            <a:fld id="{2AF3B5EA-18B6-4040-9F78-6052AF49C681}" type="slidenum">
+              <a:rPr lang="en-US" smtClean="0"/>
+              <a:t>5</a:t>
+            </a:fld>
+            <a:endParaRPr lang="en-US"/>
+          </a:p>
+        </p:txBody>
+      </p:sp>
+    </p:spTree>
+    <p:extLst>
+      <p:ext uri="{BB962C8B-B14F-4D97-AF65-F5344CB8AC3E}">
+        <p14:creationId xmlns:p14="http://schemas.microsoft.com/office/powerpoint/2010/main" val="676982001"/>
+      </p:ext>
+    </p:extLst>
+  </p:cSld>
+  <p:clrMapOvr>
+    <a:masterClrMapping/>
+  </p:clrMapOvr>
+</p:sld>
+</file>
+
+<file path=ppt/slides/slide6.xml><?xml version="1.0" encoding="utf-8"?>
+<p:sld xmlns:a="http://schemas.openxmlformats.org/drawingml/2006/main" xmlns:r="http://schemas.openxmlformats.org/officeDocument/2006/relationships" xmlns:p="http://schemas.openxmlformats.org/presentationml/2006/main">
+  <p:cSld>
+    <p:spTree>
+      <p:nvGrpSpPr>
+        <p:cNvPr id="1" name=""/>
+        <p:cNvGrpSpPr/>
+        <p:nvPr/>
+      </p:nvGrpSpPr>
+      <p:grpSpPr>
+        <a:xfrm>
+          <a:off x="0" y="0"/>
+          <a:ext cx="0" cy="0"/>
+          <a:chOff x="0" y="0"/>
+          <a:chExt cx="0" cy="0"/>
+        </a:xfrm>
+      </p:grpSpPr>
+      <p:sp>
+        <p:nvSpPr>
+          <p:cNvPr id="2" name="Title 1"/>
+          <p:cNvSpPr>
+            <a:spLocks noGrp="1"/>
+          </p:cNvSpPr>
+          <p:nvPr>
+            <p:ph type="title"/>
+          </p:nvPr>
+        </p:nvSpPr>
+        <p:spPr/>
+        <p:txBody>
+          <a:bodyPr/>
+          <a:lstStyle/>
+          <a:p>
+            <a:r>
+              <a:rPr lang="en-US" dirty="0" smtClean="0"/>
+              <a:t>Code outline (2)</a:t>
+            </a:r>
+            <a:endParaRPr lang="en-US" dirty="0"/>
+          </a:p>
+        </p:txBody>
+      </p:sp>
+      <p:sp>
+        <p:nvSpPr>
+          <p:cNvPr id="3" name="Content Placeholder 2"/>
+          <p:cNvSpPr>
+            <a:spLocks noGrp="1"/>
+          </p:cNvSpPr>
+          <p:nvPr>
+            <p:ph idx="1"/>
+          </p:nvPr>
+        </p:nvSpPr>
+        <p:spPr>
+          <a:xfrm>
+            <a:off x="94343" y="1600200"/>
+            <a:ext cx="8955314" cy="4525963"/>
+          </a:xfrm>
+        </p:spPr>
+        <p:txBody>
+          <a:bodyPr>
+            <a:normAutofit/>
+          </a:bodyPr>
+          <a:lstStyle/>
+          <a:p>
+            <a:pPr>
+              <a:spcBef>
+                <a:spcPts val="0"/>
+              </a:spcBef>
+            </a:pPr>
+            <a:r>
+              <a:rPr lang="en-US" sz="2000" dirty="0"/>
+              <a:t>;; add-to-scene : Shape Scene -&gt; Scene</a:t>
+            </a:r>
+          </a:p>
+          <a:p>
+            <a:pPr>
+              <a:spcBef>
+                <a:spcPts val="0"/>
+              </a:spcBef>
+            </a:pPr>
+            <a:r>
+              <a:rPr lang="en-US" sz="2000" dirty="0"/>
+              <a:t>;; RETURNS: a scene like the given one, but with </a:t>
+            </a:r>
+            <a:r>
+              <a:rPr lang="en-US" sz="2000" dirty="0" smtClean="0"/>
+              <a:t>the</a:t>
+            </a:r>
+          </a:p>
+          <a:p>
+            <a:pPr>
+              <a:spcBef>
+                <a:spcPts val="0"/>
+              </a:spcBef>
+            </a:pPr>
+            <a:r>
+              <a:rPr lang="en-US" sz="2000" dirty="0" smtClean="0"/>
+              <a:t>;; </a:t>
+            </a:r>
+            <a:r>
+              <a:rPr lang="en-US" sz="2000" dirty="0"/>
+              <a:t>given </a:t>
+            </a:r>
+            <a:r>
+              <a:rPr lang="en-US" sz="2000" dirty="0" smtClean="0"/>
+              <a:t>shape </a:t>
+            </a:r>
+            <a:r>
+              <a:rPr lang="en-US" sz="2000" dirty="0"/>
+              <a:t>painted on it.</a:t>
+            </a:r>
+          </a:p>
+          <a:p>
+            <a:pPr>
+              <a:spcBef>
+                <a:spcPts val="0"/>
+              </a:spcBef>
+            </a:pPr>
+            <a:r>
+              <a:rPr lang="en-US" sz="2000" dirty="0"/>
+              <a:t>;; STRATEGY: Use template for Shape on </a:t>
+            </a:r>
+            <a:r>
+              <a:rPr lang="en-US" sz="2000" dirty="0" smtClean="0"/>
+              <a:t>s</a:t>
+            </a:r>
+          </a:p>
+          <a:p>
+            <a:pPr>
+              <a:spcBef>
+                <a:spcPts val="0"/>
+              </a:spcBef>
+            </a:pPr>
+            <a:endParaRPr lang="en-US" sz="2000" dirty="0"/>
+          </a:p>
+          <a:p>
+            <a:pPr>
+              <a:spcBef>
+                <a:spcPts val="0"/>
+              </a:spcBef>
+            </a:pPr>
+            <a:r>
+              <a:rPr lang="en-US" sz="2000" dirty="0"/>
+              <a:t>(define (add-to-scene s scene)</a:t>
+            </a:r>
+          </a:p>
+          <a:p>
+            <a:pPr>
+              <a:spcBef>
+                <a:spcPts val="0"/>
+              </a:spcBef>
+            </a:pPr>
+            <a:r>
+              <a:rPr lang="en-US" sz="2000" dirty="0"/>
+              <a:t>  (cond</a:t>
+            </a:r>
+          </a:p>
+          <a:p>
+            <a:pPr>
+              <a:spcBef>
+                <a:spcPts val="0"/>
+              </a:spcBef>
+            </a:pPr>
+            <a:r>
+              <a:rPr lang="en-US" sz="2000" dirty="0"/>
+              <a:t>    [(my-circle? s) (my-circle-add-to-scene s scene)]</a:t>
+            </a:r>
+          </a:p>
+          <a:p>
+            <a:pPr>
+              <a:spcBef>
+                <a:spcPts val="0"/>
+              </a:spcBef>
+            </a:pPr>
+            <a:r>
+              <a:rPr lang="en-US" sz="2000" dirty="0"/>
+              <a:t>    [(my-square? s) (my-square-add-to-scene s scene)]</a:t>
+            </a:r>
+          </a:p>
+          <a:p>
+            <a:pPr>
+              <a:spcBef>
+                <a:spcPts val="0"/>
+              </a:spcBef>
+            </a:pPr>
+            <a:r>
+              <a:rPr lang="en-US" sz="2000" dirty="0"/>
+              <a:t>    [(my-composite? s) </a:t>
+            </a:r>
+            <a:r>
+              <a:rPr lang="en-US" sz="2000" dirty="0" smtClean="0"/>
+              <a:t>(</a:t>
+            </a:r>
+            <a:r>
+              <a:rPr lang="en-US" sz="2000" dirty="0"/>
+              <a:t>my-composite-add-to-scene s scene)]))</a:t>
+            </a:r>
+          </a:p>
+        </p:txBody>
+      </p:sp>
+      <p:sp>
+        <p:nvSpPr>
+          <p:cNvPr id="4" name="Slide Number Placeholder 3"/>
+          <p:cNvSpPr>
+            <a:spLocks noGrp="1"/>
+          </p:cNvSpPr>
+          <p:nvPr>
+            <p:ph type="sldNum" sz="quarter" idx="12"/>
+          </p:nvPr>
+        </p:nvSpPr>
+        <p:spPr/>
+        <p:txBody>
+          <a:bodyPr/>
+          <a:lstStyle/>
+          <a:p>
+            <a:fld id="{2AF3B5EA-18B6-4040-9F78-6052AF49C681}" type="slidenum">
+              <a:rPr lang="en-US" smtClean="0"/>
+              <a:t>6</a:t>
+            </a:fld>
+            <a:endParaRPr lang="en-US"/>
+          </a:p>
+        </p:txBody>
+      </p:sp>
+      <p:sp>
+        <p:nvSpPr>
+          <p:cNvPr id="5" name="Rectangle 4"/>
+          <p:cNvSpPr/>
+          <p:nvPr/>
+        </p:nvSpPr>
+        <p:spPr>
+          <a:xfrm>
+            <a:off x="5109029" y="4724400"/>
+            <a:ext cx="3164114" cy="2133600"/>
+          </a:xfrm>
+          <a:prstGeom prst="rect">
+            <a:avLst/>
+          </a:prstGeom>
+          <a:solidFill>
+            <a:schemeClr val="accent3">
+              <a:lumMod val="40000"/>
+              <a:lumOff val="60000"/>
+            </a:schemeClr>
+          </a:solidFill>
+          <a:ln/>
+        </p:spPr>
+        <p:style>
+          <a:lnRef idx="2">
+            <a:schemeClr val="accent1"/>
+          </a:lnRef>
+          <a:fillRef idx="1">
+            <a:schemeClr val="lt1"/>
+          </a:fillRef>
+          <a:effectRef idx="0">
+            <a:schemeClr val="accent1"/>
+          </a:effectRef>
+          <a:fontRef idx="minor">
+            <a:schemeClr val="dk1"/>
+          </a:fontRef>
+        </p:style>
+        <p:txBody>
+          <a:bodyPr rot="0" spcFirstLastPara="0" vertOverflow="overflow" horzOverflow="overflow" vert="horz" wrap="square" lIns="91440" tIns="45720" rIns="91440" bIns="45720" numCol="1" spcCol="0" rtlCol="0" fromWordArt="0" anchor="t" anchorCtr="0" forceAA="0" compatLnSpc="1">
+            <a:prstTxWarp prst="textNoShape">
+              <a:avLst/>
+            </a:prstTxWarp>
+            <a:noAutofit/>
+          </a:bodyPr>
+          <a:lstStyle/>
+          <a:p>
+            <a:r>
+              <a:rPr lang="en-US" dirty="0" smtClean="0">
+                <a:solidFill>
+                  <a:schemeClr val="tx1"/>
+                </a:solidFill>
+              </a:rPr>
+              <a:t>6 small functions left to write:</a:t>
+            </a:r>
+          </a:p>
+          <a:p>
+            <a:pPr marL="285750" indent="-285750">
+              <a:buFont typeface="Arial" panose="020B0604020202020204" pitchFamily="34" charset="0"/>
+              <a:buChar char="•"/>
+            </a:pPr>
+            <a:r>
+              <a:rPr lang="en-US" dirty="0" smtClean="0">
+                <a:solidFill>
+                  <a:schemeClr val="tx1"/>
+                </a:solidFill>
+              </a:rPr>
+              <a:t>my-circle-add-to-scene</a:t>
+            </a:r>
+          </a:p>
+          <a:p>
+            <a:pPr marL="285750" indent="-285750">
+              <a:buFont typeface="Arial" panose="020B0604020202020204" pitchFamily="34" charset="0"/>
+              <a:buChar char="•"/>
+            </a:pPr>
+            <a:r>
+              <a:rPr lang="en-US" dirty="0" smtClean="0">
+                <a:solidFill>
+                  <a:schemeClr val="tx1"/>
+                </a:solidFill>
+              </a:rPr>
+              <a:t>my-square-add-to-scene</a:t>
+            </a:r>
+          </a:p>
+          <a:p>
+            <a:pPr marL="285750" indent="-285750">
+              <a:buFont typeface="Arial" panose="020B0604020202020204" pitchFamily="34" charset="0"/>
+              <a:buChar char="•"/>
+            </a:pPr>
+            <a:r>
+              <a:rPr lang="en-US" dirty="0" smtClean="0">
+                <a:solidFill>
+                  <a:schemeClr val="tx1"/>
+                </a:solidFill>
+              </a:rPr>
+              <a:t>my-composite-add-to-scene</a:t>
+            </a:r>
+          </a:p>
+          <a:p>
+            <a:pPr marL="285750" indent="-285750">
+              <a:buFont typeface="Arial" panose="020B0604020202020204" pitchFamily="34" charset="0"/>
+              <a:buChar char="•"/>
+            </a:pPr>
+            <a:r>
+              <a:rPr lang="en-US" dirty="0" smtClean="0">
+                <a:solidFill>
+                  <a:schemeClr val="tx1"/>
+                </a:solidFill>
+              </a:rPr>
+              <a:t>my-circle-weight</a:t>
+            </a:r>
+          </a:p>
+          <a:p>
+            <a:pPr marL="285750" indent="-285750">
+              <a:buFont typeface="Arial" panose="020B0604020202020204" pitchFamily="34" charset="0"/>
+              <a:buChar char="•"/>
+            </a:pPr>
+            <a:r>
+              <a:rPr lang="en-US" dirty="0" smtClean="0">
+                <a:solidFill>
+                  <a:schemeClr val="tx1"/>
+                </a:solidFill>
+              </a:rPr>
+              <a:t>my-square-weight</a:t>
+            </a:r>
+          </a:p>
+          <a:p>
+            <a:pPr marL="285750" indent="-285750">
+              <a:buFont typeface="Arial" panose="020B0604020202020204" pitchFamily="34" charset="0"/>
+              <a:buChar char="•"/>
+            </a:pPr>
+            <a:r>
+              <a:rPr lang="en-US" dirty="0" smtClean="0">
+                <a:solidFill>
+                  <a:schemeClr val="tx1"/>
+                </a:solidFill>
+              </a:rPr>
+              <a:t>my-composite-weight</a:t>
+            </a:r>
+            <a:endParaRPr lang="en-US" dirty="0">
+              <a:solidFill>
+                <a:schemeClr val="tx1"/>
+              </a:solidFill>
+            </a:endParaRPr>
+          </a:p>
+        </p:txBody>
+      </p:sp>
+    </p:spTree>
+    <p:extLst>
+      <p:ext uri="{BB962C8B-B14F-4D97-AF65-F5344CB8AC3E}">
+        <p14:creationId xmlns:p14="http://schemas.microsoft.com/office/powerpoint/2010/main" val="2682878692"/>
+      </p:ext>
+    </p:extLst>
+  </p:cSld>
+  <p:clrMapOvr>
+    <a:masterClrMapping/>
+  </p:clrMapOvr>
+</p:sld>
+</file>
+
+<file path=ppt/slides/slide7.xml><?xml version="1.0" encoding="utf-8"?>
+<p:sld xmlns:a="http://schemas.openxmlformats.org/drawingml/2006/main" xmlns:r="http://schemas.openxmlformats.org/officeDocument/2006/relationships" xmlns:p="http://schemas.openxmlformats.org/presentationml/2006/main">
+  <p:cSld>
+    <p:spTree>
+      <p:nvGrpSpPr>
+        <p:cNvPr id="1" name=""/>
+        <p:cNvGrpSpPr/>
+        <p:nvPr/>
+      </p:nvGrpSpPr>
+      <p:grpSpPr>
+        <a:xfrm>
+          <a:off x="0" y="0"/>
+          <a:ext cx="0" cy="0"/>
+          <a:chOff x="0" y="0"/>
+          <a:chExt cx="0" cy="0"/>
+        </a:xfrm>
+      </p:grpSpPr>
+      <p:sp>
+        <p:nvSpPr>
+          <p:cNvPr id="3" name="Content Placeholder 2"/>
+          <p:cNvSpPr>
+            <a:spLocks noGrp="1"/>
+          </p:cNvSpPr>
+          <p:nvPr>
+            <p:ph idx="1"/>
+          </p:nvPr>
+        </p:nvSpPr>
+        <p:spPr/>
+        <p:txBody>
+          <a:bodyPr>
+            <a:normAutofit/>
+          </a:bodyPr>
+          <a:lstStyle/>
+          <a:p>
+            <a:pPr>
+              <a:spcBef>
+                <a:spcPts val="0"/>
+              </a:spcBef>
+            </a:pPr>
+            <a:r>
+              <a:rPr lang="en-US" sz="1600" dirty="0"/>
+              <a:t>(define (my-circle-weight s) (* pi (my-circle-r s) (my-circle-r s)))</a:t>
+            </a:r>
+          </a:p>
+          <a:p>
+            <a:pPr>
+              <a:spcBef>
+                <a:spcPts val="0"/>
+              </a:spcBef>
+            </a:pPr>
+            <a:r>
+              <a:rPr lang="en-US" sz="1600" dirty="0"/>
+              <a:t>(define (my-square-weight s) (* (my-square-l s) (my-square-l s)))</a:t>
+            </a:r>
+          </a:p>
+          <a:p>
+            <a:pPr>
+              <a:spcBef>
+                <a:spcPts val="0"/>
+              </a:spcBef>
+            </a:pPr>
+            <a:r>
+              <a:rPr lang="en-US" sz="1600" dirty="0"/>
+              <a:t>(define (my-composite-weight s) (+ (weight (my-composite-front s))</a:t>
+            </a:r>
+          </a:p>
+          <a:p>
+            <a:pPr>
+              <a:spcBef>
+                <a:spcPts val="0"/>
+              </a:spcBef>
+            </a:pPr>
+            <a:r>
+              <a:rPr lang="en-US" sz="1600" dirty="0"/>
+              <a:t>                                   (weight (my-composite-back s</a:t>
+            </a:r>
+            <a:r>
+              <a:rPr lang="en-US" sz="1600" dirty="0" smtClean="0"/>
+              <a:t>))))</a:t>
+            </a:r>
+          </a:p>
+          <a:p>
+            <a:pPr>
+              <a:spcBef>
+                <a:spcPts val="0"/>
+              </a:spcBef>
+            </a:pPr>
+            <a:endParaRPr lang="en-US" sz="1600" dirty="0"/>
+          </a:p>
+          <a:p>
+            <a:pPr>
+              <a:spcBef>
+                <a:spcPts val="0"/>
+              </a:spcBef>
+            </a:pPr>
+            <a:r>
+              <a:rPr lang="en-US" sz="1600" dirty="0" smtClean="0"/>
+              <a:t>(</a:t>
+            </a:r>
+            <a:r>
+              <a:rPr lang="en-US" sz="1600" dirty="0"/>
+              <a:t>define (my-composite-add-to-scene s scene)</a:t>
+            </a:r>
+          </a:p>
+          <a:p>
+            <a:pPr>
+              <a:spcBef>
+                <a:spcPts val="0"/>
+              </a:spcBef>
+            </a:pPr>
+            <a:r>
+              <a:rPr lang="en-US" sz="1600" dirty="0"/>
+              <a:t>  ;; paint the back image first, </a:t>
+            </a:r>
+            <a:endParaRPr lang="en-US" sz="1600" dirty="0" smtClean="0"/>
+          </a:p>
+          <a:p>
+            <a:pPr>
+              <a:spcBef>
+                <a:spcPts val="0"/>
+              </a:spcBef>
+            </a:pPr>
+            <a:r>
+              <a:rPr lang="en-US" sz="1600" dirty="0"/>
+              <a:t> </a:t>
+            </a:r>
+            <a:r>
+              <a:rPr lang="en-US" sz="1600" dirty="0" smtClean="0"/>
+              <a:t> ;; then </a:t>
+            </a:r>
+            <a:r>
+              <a:rPr lang="en-US" sz="1600" dirty="0"/>
+              <a:t>the front image</a:t>
+            </a:r>
+          </a:p>
+          <a:p>
+            <a:pPr>
+              <a:spcBef>
+                <a:spcPts val="0"/>
+              </a:spcBef>
+            </a:pPr>
+            <a:r>
+              <a:rPr lang="en-US" sz="1600" dirty="0"/>
+              <a:t>  (add-to-scene (my-composite-front s)</a:t>
+            </a:r>
+          </a:p>
+          <a:p>
+            <a:pPr>
+              <a:spcBef>
+                <a:spcPts val="0"/>
+              </a:spcBef>
+            </a:pPr>
+            <a:r>
+              <a:rPr lang="en-US" sz="1600" dirty="0"/>
+              <a:t>    (add-to-scene (my-composite-back s)</a:t>
+            </a:r>
+          </a:p>
+          <a:p>
+            <a:pPr>
+              <a:spcBef>
+                <a:spcPts val="0"/>
+              </a:spcBef>
+            </a:pPr>
+            <a:r>
+              <a:rPr lang="en-US" sz="1600" dirty="0"/>
+              <a:t>      scene)))</a:t>
+            </a:r>
+          </a:p>
+        </p:txBody>
+      </p:sp>
+      <p:sp>
+        <p:nvSpPr>
+          <p:cNvPr id="2" name="Title 1"/>
+          <p:cNvSpPr>
+            <a:spLocks noGrp="1"/>
+          </p:cNvSpPr>
+          <p:nvPr>
+            <p:ph type="title"/>
+          </p:nvPr>
+        </p:nvSpPr>
+        <p:spPr/>
+        <p:txBody>
+          <a:bodyPr/>
+          <a:lstStyle/>
+          <a:p>
+            <a:r>
+              <a:rPr lang="en-US" dirty="0" smtClean="0"/>
+              <a:t>A few of  the help functions</a:t>
+            </a:r>
+            <a:endParaRPr lang="en-US" dirty="0"/>
+          </a:p>
+        </p:txBody>
+      </p:sp>
+      <p:sp>
+        <p:nvSpPr>
+          <p:cNvPr id="4" name="Slide Number Placeholder 3"/>
+          <p:cNvSpPr>
+            <a:spLocks noGrp="1"/>
+          </p:cNvSpPr>
+          <p:nvPr>
+            <p:ph type="sldNum" sz="quarter" idx="12"/>
+          </p:nvPr>
+        </p:nvSpPr>
+        <p:spPr/>
+        <p:txBody>
+          <a:bodyPr/>
+          <a:lstStyle/>
+          <a:p>
+            <a:fld id="{2AF3B5EA-18B6-4040-9F78-6052AF49C681}" type="slidenum">
+              <a:rPr lang="en-US" smtClean="0"/>
+              <a:t>7</a:t>
+            </a:fld>
+            <a:endParaRPr lang="en-US"/>
+          </a:p>
+        </p:txBody>
+      </p:sp>
+      <p:sp>
+        <p:nvSpPr>
+          <p:cNvPr id="5" name="Rectangle 4"/>
+          <p:cNvSpPr/>
+          <p:nvPr/>
+        </p:nvSpPr>
+        <p:spPr>
+          <a:xfrm>
+            <a:off x="5573486" y="3621314"/>
+            <a:ext cx="3280229" cy="703943"/>
+          </a:xfrm>
+          <a:prstGeom prst="rect">
+            <a:avLst/>
+          </a:prstGeom>
+          <a:solidFill>
+            <a:schemeClr val="accent3">
+              <a:lumMod val="40000"/>
+              <a:lumOff val="60000"/>
+            </a:schemeClr>
+          </a:solidFill>
+          <a:ln/>
+        </p:spPr>
+        <p:style>
+          <a:lnRef idx="2">
+            <a:schemeClr val="accent1"/>
+          </a:lnRef>
+          <a:fillRef idx="1">
+            <a:schemeClr val="lt1"/>
+          </a:fillRef>
+          <a:effectRef idx="0">
+            <a:schemeClr val="accent1"/>
+          </a:effectRef>
+          <a:fontRef idx="minor">
+            <a:schemeClr val="dk1"/>
+          </a:fontRef>
+        </p:style>
+        <p:txBody>
+          <a:bodyPr rot="0" spcFirstLastPara="0" vertOverflow="overflow" horzOverflow="overflow" vert="horz" wrap="square" lIns="91440" tIns="45720" rIns="91440" bIns="45720" numCol="1" spcCol="0" rtlCol="0" fromWordArt="0" anchor="ctr" anchorCtr="0" forceAA="0" compatLnSpc="1">
+            <a:prstTxWarp prst="textNoShape">
+              <a:avLst/>
+            </a:prstTxWarp>
+            <a:noAutofit/>
+          </a:bodyPr>
+          <a:lstStyle/>
+          <a:p>
+            <a:pPr algn="ctr"/>
+            <a:r>
+              <a:rPr lang="en-US" dirty="0" smtClean="0">
+                <a:solidFill>
+                  <a:schemeClr val="tx1"/>
+                </a:solidFill>
+              </a:rPr>
+              <a:t>See how this recurs back  through </a:t>
+            </a:r>
+            <a:r>
+              <a:rPr lang="en-US" b="1" dirty="0" smtClean="0">
+                <a:solidFill>
+                  <a:schemeClr val="tx1"/>
+                </a:solidFill>
+              </a:rPr>
+              <a:t>weight</a:t>
+            </a:r>
+            <a:endParaRPr lang="en-US" b="1" dirty="0">
+              <a:solidFill>
+                <a:schemeClr val="tx1"/>
+              </a:solidFill>
+            </a:endParaRPr>
+          </a:p>
+        </p:txBody>
+      </p:sp>
+      <p:cxnSp>
+        <p:nvCxnSpPr>
+          <p:cNvPr id="7" name="Straight Arrow Connector 6"/>
+          <p:cNvCxnSpPr>
+            <a:stCxn id="5" idx="0"/>
+          </p:cNvCxnSpPr>
+          <p:nvPr/>
+        </p:nvCxnSpPr>
+        <p:spPr>
+          <a:xfrm flipH="1" flipV="1">
+            <a:off x="6255659" y="2663370"/>
+            <a:ext cx="957942" cy="957944"/>
+          </a:xfrm>
+          <a:prstGeom prst="straightConnector1">
+            <a:avLst/>
+          </a:prstGeom>
+          <a:ln>
+            <a:tailEnd type="triangle"/>
+          </a:ln>
+        </p:spPr>
+        <p:style>
+          <a:lnRef idx="1">
+            <a:schemeClr val="accent1"/>
+          </a:lnRef>
+          <a:fillRef idx="0">
+            <a:schemeClr val="accent1"/>
+          </a:fillRef>
+          <a:effectRef idx="0">
+            <a:schemeClr val="accent1"/>
+          </a:effectRef>
+          <a:fontRef idx="minor">
+            <a:schemeClr val="tx1"/>
+          </a:fontRef>
+        </p:style>
+      </p:cxnSp>
+    </p:spTree>
+    <p:extLst>
+      <p:ext uri="{BB962C8B-B14F-4D97-AF65-F5344CB8AC3E}">
+        <p14:creationId xmlns:p14="http://schemas.microsoft.com/office/powerpoint/2010/main" val="4146822295"/>
+      </p:ext>
+    </p:extLst>
+  </p:cSld>
+  <p:clrMapOvr>
+    <a:masterClrMapping/>
+  </p:clrMapOvr>
+</p:sld>
+</file>
+
+<file path=ppt/slides/slide8.xml><?xml version="1.0" encoding="utf-8"?>
+<p:sld xmlns:a="http://schemas.openxmlformats.org/drawingml/2006/main" xmlns:r="http://schemas.openxmlformats.org/officeDocument/2006/relationships" xmlns:p="http://schemas.openxmlformats.org/presentationml/2006/main">
+  <p:cSld>
+    <p:spTree>
+      <p:nvGrpSpPr>
+        <p:cNvPr id="1" name=""/>
+        <p:cNvGrpSpPr/>
+        <p:nvPr/>
+      </p:nvGrpSpPr>
+      <p:grpSpPr>
+        <a:xfrm>
+          <a:off x="0" y="0"/>
+          <a:ext cx="0" cy="0"/>
+          <a:chOff x="0" y="0"/>
+          <a:chExt cx="0" cy="0"/>
+        </a:xfrm>
+      </p:grpSpPr>
+      <p:sp>
+        <p:nvSpPr>
+          <p:cNvPr id="2" name="Title 1"/>
+          <p:cNvSpPr>
+            <a:spLocks noGrp="1"/>
+          </p:cNvSpPr>
+          <p:nvPr>
+            <p:ph type="title"/>
+          </p:nvPr>
+        </p:nvSpPr>
+        <p:spPr/>
+        <p:txBody>
+          <a:bodyPr/>
+          <a:lstStyle/>
+          <a:p>
+            <a:r>
+              <a:rPr lang="en-US" dirty="0" smtClean="0"/>
+              <a:t>Code  Outline (OO version)</a:t>
+            </a:r>
+            <a:endParaRPr lang="en-US" dirty="0"/>
+          </a:p>
+        </p:txBody>
+      </p:sp>
+      <p:sp>
+        <p:nvSpPr>
+          <p:cNvPr id="3" name="Content Placeholder 2"/>
+          <p:cNvSpPr>
+            <a:spLocks noGrp="1"/>
+          </p:cNvSpPr>
+          <p:nvPr>
+            <p:ph idx="1"/>
+          </p:nvPr>
+        </p:nvSpPr>
+        <p:spPr/>
+        <p:txBody>
+          <a:bodyPr>
+            <a:normAutofit fontScale="47500" lnSpcReduction="20000"/>
+          </a:bodyPr>
+          <a:lstStyle/>
+          <a:p>
+            <a:r>
+              <a:rPr lang="en-US" dirty="0"/>
+              <a:t>;;; INTERFACE:</a:t>
+            </a:r>
+          </a:p>
+          <a:p>
+            <a:endParaRPr lang="en-US" dirty="0"/>
+          </a:p>
+          <a:p>
+            <a:r>
+              <a:rPr lang="en-US" dirty="0"/>
+              <a:t>;; all geometric shapes support these methods in all contexts</a:t>
+            </a:r>
+          </a:p>
+          <a:p>
+            <a:r>
+              <a:rPr lang="en-US" dirty="0"/>
+              <a:t>;; a Shape is an object of a class that implements Shape</a:t>
+            </a:r>
+            <a:r>
+              <a:rPr lang="en-US" dirty="0" smtClean="0"/>
+              <a:t>&lt;%&gt;.</a:t>
+            </a:r>
+          </a:p>
+          <a:p>
+            <a:endParaRPr lang="en-US" dirty="0"/>
+          </a:p>
+          <a:p>
+            <a:r>
+              <a:rPr lang="en-US" dirty="0"/>
+              <a:t>(define Shape&lt;%&gt; </a:t>
+            </a:r>
+          </a:p>
+          <a:p>
+            <a:r>
+              <a:rPr lang="en-US" dirty="0"/>
+              <a:t>  (interface ()</a:t>
+            </a:r>
+          </a:p>
+          <a:p>
+            <a:endParaRPr lang="en-US" dirty="0"/>
+          </a:p>
+          <a:p>
+            <a:r>
+              <a:rPr lang="en-US" dirty="0"/>
+              <a:t>    ;; weight : -&gt; Number</a:t>
+            </a:r>
+          </a:p>
+          <a:p>
+            <a:r>
+              <a:rPr lang="en-US" dirty="0"/>
+              <a:t>    ;; RETURNS: the weight of this shape</a:t>
+            </a:r>
+          </a:p>
+          <a:p>
+            <a:r>
+              <a:rPr lang="en-US" dirty="0"/>
+              <a:t>    weight </a:t>
+            </a:r>
+          </a:p>
+          <a:p>
+            <a:endParaRPr lang="en-US" dirty="0"/>
+          </a:p>
+          <a:p>
+            <a:r>
+              <a:rPr lang="en-US" dirty="0"/>
+              <a:t>    ;; add-to-scene : Scene -&gt; Scene</a:t>
+            </a:r>
+          </a:p>
+          <a:p>
+            <a:r>
+              <a:rPr lang="en-US" dirty="0"/>
+              <a:t>    ;; RETURNS: a scene like the given one, but with this shape</a:t>
+            </a:r>
+          </a:p>
+          <a:p>
+            <a:r>
+              <a:rPr lang="en-US" dirty="0"/>
+              <a:t>    ;; painted on it.</a:t>
+            </a:r>
+          </a:p>
+          <a:p>
+            <a:r>
+              <a:rPr lang="en-US" dirty="0"/>
+              <a:t>    add-to-scene</a:t>
+            </a:r>
+          </a:p>
+          <a:p>
+            <a:endParaRPr lang="en-US" dirty="0"/>
+          </a:p>
+          <a:p>
+            <a:r>
+              <a:rPr lang="en-US" dirty="0"/>
+              <a:t>    ))</a:t>
+            </a:r>
+          </a:p>
+        </p:txBody>
+      </p:sp>
+      <p:sp>
+        <p:nvSpPr>
+          <p:cNvPr id="4" name="Slide Number Placeholder 3"/>
+          <p:cNvSpPr>
+            <a:spLocks noGrp="1"/>
+          </p:cNvSpPr>
+          <p:nvPr>
+            <p:ph type="sldNum" sz="quarter" idx="12"/>
+          </p:nvPr>
+        </p:nvSpPr>
+        <p:spPr/>
+        <p:txBody>
+          <a:bodyPr/>
+          <a:lstStyle/>
+          <a:p>
+            <a:fld id="{2AF3B5EA-18B6-4040-9F78-6052AF49C681}" type="slidenum">
+              <a:rPr lang="en-US" smtClean="0"/>
+              <a:t>8</a:t>
+            </a:fld>
+            <a:endParaRPr lang="en-US"/>
+          </a:p>
+        </p:txBody>
+      </p:sp>
+    </p:spTree>
+    <p:extLst>
+      <p:ext uri="{BB962C8B-B14F-4D97-AF65-F5344CB8AC3E}">
+        <p14:creationId xmlns:p14="http://schemas.microsoft.com/office/powerpoint/2010/main" val="3383924093"/>
+      </p:ext>
+    </p:extLst>
+  </p:cSld>
+  <p:clrMapOvr>
+    <a:masterClrMapping/>
+  </p:clrMapOvr>
+</p:sld>
+</file>
+
+<file path=ppt/slides/slide9.xml><?xml version="1.0" encoding="utf-8"?>
+<p:sld xmlns:a="http://schemas.openxmlformats.org/drawingml/2006/main" xmlns:r="http://schemas.openxmlformats.org/officeDocument/2006/relationships" xmlns:p="http://schemas.openxmlformats.org/presentationml/2006/main">
+  <p:cSld>
+    <p:spTree>
+      <p:nvGrpSpPr>
+        <p:cNvPr id="1" name=""/>
+        <p:cNvGrpSpPr/>
+        <p:nvPr/>
+      </p:nvGrpSpPr>
+      <p:grpSpPr>
+        <a:xfrm>
+          <a:off x="0" y="0"/>
+          <a:ext cx="0" cy="0"/>
+          <a:chOff x="0" y="0"/>
+          <a:chExt cx="0" cy="0"/>
+        </a:xfrm>
+      </p:grpSpPr>
+      <p:sp>
+        <p:nvSpPr>
+          <p:cNvPr id="2" name="Title 1"/>
+          <p:cNvSpPr>
+            <a:spLocks noGrp="1"/>
+          </p:cNvSpPr>
+          <p:nvPr>
+            <p:ph type="title"/>
+          </p:nvPr>
+        </p:nvSpPr>
+        <p:spPr/>
+        <p:txBody>
+          <a:bodyPr/>
+          <a:lstStyle/>
+          <a:p>
+            <a:r>
+              <a:rPr lang="en-US" dirty="0" smtClean="0"/>
+              <a:t>Code Outline (OO:2)</a:t>
+            </a:r>
+            <a:endParaRPr lang="en-US" dirty="0"/>
+          </a:p>
+        </p:txBody>
+      </p:sp>
+      <p:sp>
+        <p:nvSpPr>
+          <p:cNvPr id="3" name="Content Placeholder 2"/>
+          <p:cNvSpPr>
+            <a:spLocks noGrp="1"/>
+          </p:cNvSpPr>
+          <p:nvPr>
+            <p:ph sz="half" idx="1"/>
+          </p:nvPr>
+        </p:nvSpPr>
+        <p:spPr/>
+        <p:txBody>
+          <a:bodyPr>
+            <a:noAutofit/>
+          </a:bodyPr>
+          <a:lstStyle/>
+          <a:p>
+            <a:pPr>
+              <a:spcBef>
+                <a:spcPts val="0"/>
+              </a:spcBef>
+            </a:pPr>
+            <a:r>
+              <a:rPr lang="en-US" sz="1200" dirty="0" smtClean="0"/>
+              <a:t>;; </a:t>
+            </a:r>
+            <a:r>
+              <a:rPr lang="en-US" sz="1200" dirty="0"/>
+              <a:t>A Circle is a </a:t>
+            </a:r>
+            <a:endParaRPr lang="en-US" sz="1200" dirty="0" smtClean="0"/>
+          </a:p>
+          <a:p>
+            <a:pPr>
+              <a:spcBef>
+                <a:spcPts val="0"/>
+              </a:spcBef>
+            </a:pPr>
+            <a:r>
+              <a:rPr lang="en-US" sz="1200" dirty="0" smtClean="0"/>
+              <a:t>;; (</a:t>
+            </a:r>
+            <a:r>
+              <a:rPr lang="en-US" sz="1200" dirty="0"/>
+              <a:t>new Circle% [x Integer][y Integer</a:t>
+            </a:r>
+            <a:r>
+              <a:rPr lang="en-US" sz="1200" dirty="0" smtClean="0"/>
+              <a:t>]</a:t>
+            </a:r>
+          </a:p>
+          <a:p>
+            <a:pPr>
+              <a:spcBef>
+                <a:spcPts val="0"/>
+              </a:spcBef>
+            </a:pPr>
+            <a:r>
+              <a:rPr lang="en-US" sz="1200" dirty="0" smtClean="0"/>
+              <a:t>;;              [</a:t>
+            </a:r>
+            <a:r>
+              <a:rPr lang="en-US" sz="1200" dirty="0"/>
+              <a:t>r Integer][c </a:t>
+            </a:r>
+            <a:r>
+              <a:rPr lang="en-US" sz="1200" dirty="0" err="1"/>
+              <a:t>ColorString</a:t>
+            </a:r>
+            <a:r>
+              <a:rPr lang="en-US" sz="1200" dirty="0"/>
+              <a:t>])</a:t>
+            </a:r>
+          </a:p>
+          <a:p>
+            <a:pPr>
+              <a:spcBef>
+                <a:spcPts val="0"/>
+              </a:spcBef>
+            </a:pPr>
+            <a:r>
+              <a:rPr lang="en-US" sz="1200" dirty="0"/>
+              <a:t>;; REPRESENTS: a circle on the canvas</a:t>
+            </a:r>
+          </a:p>
+          <a:p>
+            <a:pPr>
+              <a:spcBef>
+                <a:spcPts val="0"/>
+              </a:spcBef>
+            </a:pPr>
+            <a:r>
+              <a:rPr lang="en-US" sz="1200" dirty="0"/>
+              <a:t>(define Circle%</a:t>
+            </a:r>
+          </a:p>
+          <a:p>
+            <a:pPr>
+              <a:spcBef>
+                <a:spcPts val="0"/>
+              </a:spcBef>
+            </a:pPr>
+            <a:r>
+              <a:rPr lang="en-US" sz="1200" dirty="0"/>
+              <a:t>  (class* object% (Shape&lt;%&gt;)</a:t>
+            </a:r>
+          </a:p>
+          <a:p>
+            <a:pPr>
+              <a:spcBef>
+                <a:spcPts val="0"/>
+              </a:spcBef>
+            </a:pPr>
+            <a:r>
+              <a:rPr lang="en-US" sz="1200" dirty="0"/>
+              <a:t>    (</a:t>
+            </a:r>
+            <a:r>
+              <a:rPr lang="en-US" sz="1200" dirty="0" err="1"/>
+              <a:t>init</a:t>
+            </a:r>
+            <a:r>
+              <a:rPr lang="en-US" sz="1200" dirty="0"/>
+              <a:t>-field </a:t>
+            </a:r>
+          </a:p>
+          <a:p>
+            <a:pPr>
+              <a:spcBef>
+                <a:spcPts val="0"/>
+              </a:spcBef>
+            </a:pPr>
+            <a:r>
+              <a:rPr lang="en-US" sz="1200" dirty="0"/>
+              <a:t>      x </a:t>
+            </a:r>
+            <a:r>
+              <a:rPr lang="en-US" sz="1200" dirty="0" smtClean="0"/>
+              <a:t> ; </a:t>
+            </a:r>
+            <a:r>
+              <a:rPr lang="en-US" sz="1200" dirty="0"/>
+              <a:t>Integer, </a:t>
+            </a:r>
+            <a:r>
+              <a:rPr lang="en-US" sz="1200" dirty="0" smtClean="0"/>
+              <a:t>x-position of center</a:t>
+            </a:r>
+            <a:endParaRPr lang="en-US" sz="1200" dirty="0"/>
+          </a:p>
+          <a:p>
+            <a:pPr>
+              <a:spcBef>
+                <a:spcPts val="0"/>
+              </a:spcBef>
+            </a:pPr>
+            <a:r>
+              <a:rPr lang="en-US" sz="1200" dirty="0"/>
+              <a:t>      y  </a:t>
+            </a:r>
+            <a:r>
+              <a:rPr lang="en-US" sz="1200" dirty="0" smtClean="0"/>
+              <a:t>; </a:t>
+            </a:r>
+            <a:r>
+              <a:rPr lang="en-US" sz="1200" dirty="0"/>
+              <a:t>Integer, </a:t>
+            </a:r>
+            <a:r>
+              <a:rPr lang="en-US" sz="1200" dirty="0" smtClean="0"/>
+              <a:t>y-position of center </a:t>
+            </a:r>
+          </a:p>
+          <a:p>
+            <a:pPr>
+              <a:spcBef>
+                <a:spcPts val="0"/>
+              </a:spcBef>
+            </a:pPr>
+            <a:r>
+              <a:rPr lang="en-US" sz="1200" dirty="0" smtClean="0"/>
+              <a:t>      r  ; </a:t>
+            </a:r>
+            <a:r>
+              <a:rPr lang="en-US" sz="1200" dirty="0"/>
+              <a:t>Integer, </a:t>
+            </a:r>
+            <a:r>
+              <a:rPr lang="en-US" sz="1200" dirty="0" smtClean="0"/>
+              <a:t>radius</a:t>
+            </a:r>
+          </a:p>
+          <a:p>
+            <a:pPr>
+              <a:spcBef>
+                <a:spcPts val="0"/>
+              </a:spcBef>
+            </a:pPr>
+            <a:r>
+              <a:rPr lang="en-US" sz="1200" dirty="0" smtClean="0"/>
+              <a:t>      c)  ; </a:t>
+            </a:r>
+            <a:r>
+              <a:rPr lang="en-US" sz="1200" dirty="0" err="1" smtClean="0"/>
+              <a:t>ColorString</a:t>
+            </a:r>
+            <a:r>
+              <a:rPr lang="en-US" sz="1200" dirty="0" smtClean="0"/>
+              <a:t>, color of circle </a:t>
+            </a:r>
+          </a:p>
+          <a:p>
+            <a:pPr>
+              <a:spcBef>
+                <a:spcPts val="0"/>
+              </a:spcBef>
+            </a:pPr>
+            <a:endParaRPr lang="en-US" sz="1200" dirty="0"/>
+          </a:p>
+          <a:p>
+            <a:pPr>
+              <a:spcBef>
+                <a:spcPts val="0"/>
+              </a:spcBef>
+            </a:pPr>
+            <a:r>
+              <a:rPr lang="en-US" sz="1200" dirty="0"/>
+              <a:t>    (field [IMG (circle r "solid" c)])</a:t>
+            </a:r>
+          </a:p>
+          <a:p>
+            <a:pPr>
+              <a:spcBef>
+                <a:spcPts val="0"/>
+              </a:spcBef>
+            </a:pPr>
+            <a:endParaRPr lang="en-US" sz="1200" dirty="0"/>
+          </a:p>
+          <a:p>
+            <a:pPr>
+              <a:spcBef>
+                <a:spcPts val="0"/>
+              </a:spcBef>
+            </a:pPr>
+            <a:r>
+              <a:rPr lang="en-US" sz="1200" dirty="0"/>
+              <a:t>    (super-new)</a:t>
+            </a:r>
+          </a:p>
+          <a:p>
+            <a:pPr>
+              <a:spcBef>
+                <a:spcPts val="0"/>
+              </a:spcBef>
+            </a:pPr>
+            <a:endParaRPr lang="en-US" sz="1200" dirty="0"/>
+          </a:p>
+          <a:p>
+            <a:pPr>
+              <a:spcBef>
+                <a:spcPts val="0"/>
+              </a:spcBef>
+            </a:pPr>
+            <a:r>
+              <a:rPr lang="en-US" sz="1200" dirty="0"/>
+              <a:t>    </a:t>
+            </a:r>
+          </a:p>
+          <a:p>
+            <a:pPr>
+              <a:spcBef>
+                <a:spcPts val="0"/>
+              </a:spcBef>
+            </a:pPr>
+            <a:endParaRPr lang="en-US" sz="1200" dirty="0"/>
+          </a:p>
+        </p:txBody>
+      </p:sp>
+      <p:sp>
+        <p:nvSpPr>
+          <p:cNvPr id="5" name="Content Placeholder 4"/>
+          <p:cNvSpPr>
+            <a:spLocks noGrp="1"/>
+          </p:cNvSpPr>
+          <p:nvPr>
+            <p:ph sz="half" idx="2"/>
+          </p:nvPr>
+        </p:nvSpPr>
+        <p:spPr/>
+        <p:txBody>
+          <a:bodyPr>
+            <a:normAutofit/>
+          </a:bodyPr>
+          <a:lstStyle/>
+          <a:p>
+            <a:pPr>
+              <a:spcBef>
+                <a:spcPts val="0"/>
+              </a:spcBef>
+            </a:pPr>
+            <a:r>
+              <a:rPr lang="en-US" sz="1200" dirty="0"/>
+              <a:t> </a:t>
+            </a:r>
+            <a:r>
+              <a:rPr lang="en-US" sz="1200" dirty="0" smtClean="0"/>
+              <a:t>   ;; </a:t>
+            </a:r>
+            <a:r>
+              <a:rPr lang="en-US" sz="1200" dirty="0"/>
+              <a:t>weight : -&gt; Integer</a:t>
+            </a:r>
+          </a:p>
+          <a:p>
+            <a:pPr>
+              <a:spcBef>
+                <a:spcPts val="0"/>
+              </a:spcBef>
+            </a:pPr>
+            <a:r>
+              <a:rPr lang="en-US" sz="1200" dirty="0"/>
+              <a:t>    ;; RETURNS: the weight of this shape</a:t>
+            </a:r>
+          </a:p>
+          <a:p>
+            <a:pPr>
+              <a:spcBef>
+                <a:spcPts val="0"/>
+              </a:spcBef>
+            </a:pPr>
+            <a:r>
+              <a:rPr lang="en-US" sz="1200" dirty="0"/>
+              <a:t>    ;; DETAILS: this shape is a circle</a:t>
+            </a:r>
+          </a:p>
+          <a:p>
+            <a:pPr>
+              <a:spcBef>
+                <a:spcPts val="0"/>
+              </a:spcBef>
+            </a:pPr>
+            <a:r>
+              <a:rPr lang="en-US" sz="1200" dirty="0"/>
+              <a:t>    ;; STRATEGY: combine simpler functions</a:t>
+            </a:r>
+          </a:p>
+          <a:p>
+            <a:pPr>
+              <a:spcBef>
+                <a:spcPts val="0"/>
+              </a:spcBef>
+            </a:pPr>
+            <a:r>
+              <a:rPr lang="en-US" sz="1200" dirty="0"/>
+              <a:t>    (define/public (weight) (* pi r r))</a:t>
+            </a:r>
+          </a:p>
+          <a:p>
+            <a:pPr>
+              <a:spcBef>
+                <a:spcPts val="0"/>
+              </a:spcBef>
+            </a:pPr>
+            <a:endParaRPr lang="en-US" sz="1200" dirty="0"/>
+          </a:p>
+          <a:p>
+            <a:pPr>
+              <a:spcBef>
+                <a:spcPts val="0"/>
+              </a:spcBef>
+            </a:pPr>
+            <a:r>
+              <a:rPr lang="en-US" sz="1200" dirty="0"/>
+              <a:t>    ;; add-to-scene : Scene -&gt; Scene</a:t>
+            </a:r>
+          </a:p>
+          <a:p>
+            <a:pPr>
+              <a:spcBef>
+                <a:spcPts val="0"/>
+              </a:spcBef>
+            </a:pPr>
+            <a:r>
+              <a:rPr lang="en-US" sz="1200" dirty="0"/>
+              <a:t>    ;; RETURNS: a scene like the given one</a:t>
+            </a:r>
+            <a:r>
+              <a:rPr lang="en-US" sz="1200" dirty="0" smtClean="0"/>
+              <a:t>,</a:t>
+            </a:r>
+          </a:p>
+          <a:p>
+            <a:pPr>
+              <a:spcBef>
+                <a:spcPts val="0"/>
+              </a:spcBef>
+            </a:pPr>
+            <a:r>
+              <a:rPr lang="en-US" sz="1200" dirty="0" smtClean="0"/>
+              <a:t>    ;; </a:t>
+            </a:r>
+            <a:r>
+              <a:rPr lang="en-US" sz="1200" dirty="0"/>
+              <a:t>but with this </a:t>
+            </a:r>
+            <a:r>
+              <a:rPr lang="en-US" sz="1200" dirty="0" smtClean="0"/>
+              <a:t>shape </a:t>
+            </a:r>
+            <a:r>
+              <a:rPr lang="en-US" sz="1200" dirty="0"/>
+              <a:t>painted on it.</a:t>
+            </a:r>
+          </a:p>
+          <a:p>
+            <a:pPr>
+              <a:spcBef>
+                <a:spcPts val="0"/>
+              </a:spcBef>
+            </a:pPr>
+            <a:r>
+              <a:rPr lang="en-US" sz="1200" dirty="0"/>
+              <a:t>    ;; DETAILS: this shape is a circle</a:t>
+            </a:r>
+          </a:p>
+          <a:p>
+            <a:pPr>
+              <a:spcBef>
+                <a:spcPts val="0"/>
+              </a:spcBef>
+            </a:pPr>
+            <a:r>
+              <a:rPr lang="en-US" sz="1200" dirty="0"/>
+              <a:t>    ;; STRATEGY: call a more general function</a:t>
+            </a:r>
+          </a:p>
+          <a:p>
+            <a:pPr>
+              <a:spcBef>
+                <a:spcPts val="0"/>
+              </a:spcBef>
+            </a:pPr>
+            <a:r>
+              <a:rPr lang="en-US" sz="1200" dirty="0"/>
+              <a:t>    (define/public (add-to-scene s) </a:t>
+            </a:r>
+            <a:endParaRPr lang="en-US" sz="1200" dirty="0" smtClean="0"/>
+          </a:p>
+          <a:p>
+            <a:pPr>
+              <a:spcBef>
+                <a:spcPts val="0"/>
+              </a:spcBef>
+            </a:pPr>
+            <a:r>
+              <a:rPr lang="en-US" sz="1200" dirty="0"/>
+              <a:t> </a:t>
+            </a:r>
+            <a:r>
+              <a:rPr lang="en-US" sz="1200" dirty="0" smtClean="0"/>
+              <a:t>      (</a:t>
+            </a:r>
+            <a:r>
+              <a:rPr lang="en-US" sz="1200" dirty="0"/>
+              <a:t>place-image IMG x y s))</a:t>
+            </a:r>
+          </a:p>
+          <a:p>
+            <a:pPr>
+              <a:spcBef>
+                <a:spcPts val="0"/>
+              </a:spcBef>
+            </a:pPr>
+            <a:endParaRPr lang="en-US" sz="1200" dirty="0"/>
+          </a:p>
+          <a:p>
+            <a:pPr>
+              <a:spcBef>
+                <a:spcPts val="0"/>
+              </a:spcBef>
+            </a:pPr>
+            <a:r>
+              <a:rPr lang="en-US" sz="1200" dirty="0"/>
+              <a:t>    ))</a:t>
+            </a:r>
+          </a:p>
+        </p:txBody>
+      </p:sp>
+      <p:sp>
+        <p:nvSpPr>
+          <p:cNvPr id="4" name="Slide Number Placeholder 3"/>
+          <p:cNvSpPr>
+            <a:spLocks noGrp="1"/>
+          </p:cNvSpPr>
+          <p:nvPr>
+            <p:ph type="sldNum" sz="quarter" idx="12"/>
+          </p:nvPr>
+        </p:nvSpPr>
+        <p:spPr/>
+        <p:txBody>
+          <a:bodyPr/>
+          <a:lstStyle/>
+          <a:p>
+            <a:fld id="{2AF3B5EA-18B6-4040-9F78-6052AF49C681}" type="slidenum">
+              <a:rPr lang="en-US" smtClean="0"/>
+              <a:t>9</a:t>
+            </a:fld>
+            <a:endParaRPr lang="en-US"/>
+          </a:p>
+        </p:txBody>
+      </p:sp>
+      <p:sp>
+        <p:nvSpPr>
+          <p:cNvPr id="6" name="Rectangle 5"/>
+          <p:cNvSpPr/>
+          <p:nvPr/>
+        </p:nvSpPr>
+        <p:spPr>
+          <a:xfrm>
+            <a:off x="564243" y="4580165"/>
+            <a:ext cx="3824514" cy="1255712"/>
+          </a:xfrm>
+          <a:prstGeom prst="rect">
+            <a:avLst/>
+          </a:prstGeom>
+          <a:solidFill>
+            <a:schemeClr val="accent3">
+              <a:lumMod val="40000"/>
+              <a:lumOff val="60000"/>
+            </a:schemeClr>
+          </a:solidFill>
+          <a:ln/>
+        </p:spPr>
+        <p:style>
+          <a:lnRef idx="2">
+            <a:schemeClr val="accent1"/>
+          </a:lnRef>
+          <a:fillRef idx="1">
+            <a:schemeClr val="lt1"/>
+          </a:fillRef>
+          <a:effectRef idx="0">
+            <a:schemeClr val="accent1"/>
+          </a:effectRef>
+          <a:fontRef idx="minor">
+            <a:schemeClr val="dk1"/>
+          </a:fontRef>
+        </p:style>
+        <p:txBody>
+          <a:bodyPr rot="0" spcFirstLastPara="0" vertOverflow="overflow" horzOverflow="overflow" vert="horz" wrap="square" lIns="91440" tIns="45720" rIns="91440" bIns="45720" numCol="1" spcCol="0" rtlCol="0" fromWordArt="0" anchor="ctr" anchorCtr="0" forceAA="0" compatLnSpc="1">
+            <a:prstTxWarp prst="textNoShape">
+              <a:avLst/>
+            </a:prstTxWarp>
+            <a:noAutofit/>
+          </a:bodyPr>
+          <a:lstStyle/>
+          <a:p>
+            <a:pPr>
+              <a:spcBef>
+                <a:spcPts val="0"/>
+              </a:spcBef>
+            </a:pPr>
+            <a:r>
+              <a:rPr lang="en-US" dirty="0" smtClean="0"/>
+              <a:t>For </a:t>
+            </a:r>
+            <a:r>
+              <a:rPr lang="en-US" dirty="0"/>
+              <a:t>each method, we copy down the contract and </a:t>
+            </a:r>
+            <a:r>
+              <a:rPr lang="en-US" dirty="0" smtClean="0"/>
+              <a:t>purpose statement </a:t>
+            </a:r>
+            <a:r>
+              <a:rPr lang="en-US" dirty="0"/>
+              <a:t>from the </a:t>
+            </a:r>
+            <a:r>
+              <a:rPr lang="en-US" dirty="0" smtClean="0"/>
+              <a:t>interface, with </a:t>
+            </a:r>
+            <a:r>
+              <a:rPr lang="en-US" dirty="0"/>
+              <a:t>perhaps additional </a:t>
+            </a:r>
+            <a:r>
+              <a:rPr lang="en-US" dirty="0" smtClean="0"/>
+              <a:t>details relating </a:t>
+            </a:r>
+            <a:r>
+              <a:rPr lang="en-US" dirty="0"/>
+              <a:t>to this class.</a:t>
+            </a:r>
+            <a:endParaRPr lang="en-US" dirty="0"/>
+          </a:p>
+        </p:txBody>
+      </p:sp>
+      <p:cxnSp>
+        <p:nvCxnSpPr>
+          <p:cNvPr id="8" name="Straight Arrow Connector 7"/>
+          <p:cNvCxnSpPr>
+            <a:stCxn id="6" idx="3"/>
+          </p:cNvCxnSpPr>
+          <p:nvPr/>
+        </p:nvCxnSpPr>
+        <p:spPr>
+          <a:xfrm flipV="1">
+            <a:off x="4388757" y="2191657"/>
+            <a:ext cx="604157" cy="3016364"/>
+          </a:xfrm>
+          <a:prstGeom prst="straightConnector1">
+            <a:avLst/>
+          </a:prstGeom>
+          <a:ln>
+            <a:tailEnd type="triangle"/>
+          </a:ln>
+        </p:spPr>
+        <p:style>
+          <a:lnRef idx="1">
+            <a:schemeClr val="accent1"/>
+          </a:lnRef>
+          <a:fillRef idx="0">
+            <a:schemeClr val="accent1"/>
+          </a:fillRef>
+          <a:effectRef idx="0">
+            <a:schemeClr val="accent1"/>
+          </a:effectRef>
+          <a:fontRef idx="minor">
+            <a:schemeClr val="tx1"/>
+          </a:fontRef>
+        </p:style>
+      </p:cxnSp>
+      <p:cxnSp>
+        <p:nvCxnSpPr>
+          <p:cNvPr id="10" name="Straight Arrow Connector 9"/>
+          <p:cNvCxnSpPr>
+            <a:stCxn id="6" idx="3"/>
+          </p:cNvCxnSpPr>
+          <p:nvPr/>
+        </p:nvCxnSpPr>
+        <p:spPr>
+          <a:xfrm flipV="1">
+            <a:off x="4388757" y="3468914"/>
+            <a:ext cx="604157" cy="1739107"/>
+          </a:xfrm>
+          <a:prstGeom prst="straightConnector1">
+            <a:avLst/>
+          </a:prstGeom>
+          <a:ln>
+            <a:tailEnd type="triangle"/>
+          </a:ln>
+        </p:spPr>
+        <p:style>
+          <a:lnRef idx="1">
+            <a:schemeClr val="accent1"/>
+          </a:lnRef>
+          <a:fillRef idx="0">
+            <a:schemeClr val="accent1"/>
+          </a:fillRef>
+          <a:effectRef idx="0">
+            <a:schemeClr val="accent1"/>
+          </a:effectRef>
+          <a:fontRef idx="minor">
+            <a:schemeClr val="tx1"/>
+          </a:fontRef>
+        </p:style>
+      </p:cxnSp>
+    </p:spTree>
+    <p:extLst>
+      <p:ext uri="{BB962C8B-B14F-4D97-AF65-F5344CB8AC3E}">
+        <p14:creationId xmlns:p14="http://schemas.microsoft.com/office/powerpoint/2010/main" val="2352158669"/>
+      </p:ext>
+    </p:extLst>
+  </p:cSld>
+  <p:clrMapOvr>
+    <a:masterClrMapping/>
+  </p:clrMapOvr>
+</p:sld>
+</file>
+
 <file path=ppt/tags/tag1.xml><?xml version="1.0" encoding="utf-8"?>
 <p:tagLst xmlns:a="http://schemas.openxmlformats.org/drawingml/2006/main" xmlns:r="http://schemas.openxmlformats.org/officeDocument/2006/relationships" xmlns:p="http://schemas.openxmlformats.org/presentationml/2006/main">
   <p:tag name="ISPRING_RESOURCE_PATHS_HASH_PRESENTER" val="b513a312b5e619cdaf7b859ecfdd4ced86c96"/>
@@ -12919,7 +15919,7 @@
 </file>
 
 <file path=ppt/theme/theme1.xml><?xml version="1.0" encoding="utf-8"?>
-<a:theme xmlns:a="http://schemas.openxmlformats.org/drawingml/2006/main" name="Office Theme">
+<a:theme xmlns:a="http://schemas.openxmlformats.org/drawingml/2006/main" name="1_Office Theme">
   <a:themeElements>
     <a:clrScheme name="Office">
       <a:dk1>
@@ -12993,6 +15993,7 @@
         <a:font script="Mong" typeface="Mongolian Baiti"/>
         <a:font script="Viet" typeface="Times New Roman"/>
         <a:font script="Uigh" typeface="Microsoft Uighur"/>
+        <a:font script="Geor" typeface="Sylfaen"/>
       </a:majorFont>
       <a:minorFont>
         <a:latin typeface="Calibri"/>
@@ -13027,6 +16028,7 @@
         <a:font script="Mong" typeface="Mongolian Baiti"/>
         <a:font script="Viet" typeface="Arial"/>
         <a:font script="Uigh" typeface="Microsoft Uighur"/>
+        <a:font script="Geor" typeface="Sylfaen"/>
       </a:minorFont>
     </a:fontScheme>
     <a:fmtScheme name="Office">
@@ -13215,7 +16217,7 @@
       </a:bodyPr>
       <a:lstStyle>
         <a:defPPr>
-          <a:defRPr sz="2000" dirty="0" smtClean="0">
+          <a:defRPr dirty="0">
             <a:solidFill>
               <a:schemeClr val="tx1"/>
             </a:solidFill>
@@ -13237,32 +16239,6 @@
         </a:fontRef>
       </a:style>
     </a:spDef>
-    <a:lnDef>
-      <a:spPr>
-        <a:ln w="12700">
-          <a:solidFill>
-            <a:schemeClr val="tx1"/>
-          </a:solidFill>
-          <a:tailEnd type="stealth" w="lg" len="lg"/>
-        </a:ln>
-      </a:spPr>
-      <a:bodyPr/>
-      <a:lstStyle/>
-      <a:style>
-        <a:lnRef idx="1">
-          <a:schemeClr val="accent1"/>
-        </a:lnRef>
-        <a:fillRef idx="0">
-          <a:schemeClr val="accent1"/>
-        </a:fillRef>
-        <a:effectRef idx="0">
-          <a:schemeClr val="accent1"/>
-        </a:effectRef>
-        <a:fontRef idx="minor">
-          <a:schemeClr val="tx1"/>
-        </a:fontRef>
-      </a:style>
-    </a:lnDef>
   </a:objectDefaults>
   <a:extraClrSchemeLst/>
 </a:theme>

--- a/Slides/Lesson 9.3 Functions vs Classes.pptx
+++ b/Slides/Lesson 9.3 Functions vs Classes.pptx
@@ -5,32 +5,34 @@
     <p:sldMasterId id="2147483661" r:id="rId1"/>
   </p:sldMasterIdLst>
   <p:notesMasterIdLst>
-    <p:notesMasterId r:id="rId20"/>
+    <p:notesMasterId r:id="rId22"/>
   </p:notesMasterIdLst>
   <p:sldIdLst>
     <p:sldId id="256" r:id="rId2"/>
     <p:sldId id="353" r:id="rId3"/>
-    <p:sldId id="349" r:id="rId4"/>
-    <p:sldId id="358" r:id="rId5"/>
-    <p:sldId id="359" r:id="rId6"/>
-    <p:sldId id="360" r:id="rId7"/>
-    <p:sldId id="363" r:id="rId8"/>
-    <p:sldId id="361" r:id="rId9"/>
-    <p:sldId id="362" r:id="rId10"/>
-    <p:sldId id="283" r:id="rId11"/>
-    <p:sldId id="284" r:id="rId12"/>
-    <p:sldId id="282" r:id="rId13"/>
-    <p:sldId id="350" r:id="rId14"/>
-    <p:sldId id="351" r:id="rId15"/>
-    <p:sldId id="352" r:id="rId16"/>
-    <p:sldId id="318" r:id="rId17"/>
-    <p:sldId id="355" r:id="rId18"/>
-    <p:sldId id="356" r:id="rId19"/>
+    <p:sldId id="358" r:id="rId4"/>
+    <p:sldId id="359" r:id="rId5"/>
+    <p:sldId id="360" r:id="rId6"/>
+    <p:sldId id="363" r:id="rId7"/>
+    <p:sldId id="361" r:id="rId8"/>
+    <p:sldId id="362" r:id="rId9"/>
+    <p:sldId id="364" r:id="rId10"/>
+    <p:sldId id="365" r:id="rId11"/>
+    <p:sldId id="349" r:id="rId12"/>
+    <p:sldId id="283" r:id="rId13"/>
+    <p:sldId id="284" r:id="rId14"/>
+    <p:sldId id="282" r:id="rId15"/>
+    <p:sldId id="350" r:id="rId16"/>
+    <p:sldId id="351" r:id="rId17"/>
+    <p:sldId id="352" r:id="rId18"/>
+    <p:sldId id="318" r:id="rId19"/>
+    <p:sldId id="355" r:id="rId20"/>
+    <p:sldId id="356" r:id="rId21"/>
   </p:sldIdLst>
   <p:sldSz cx="9144000" cy="6858000" type="screen4x3"/>
   <p:notesSz cx="6858000" cy="9144000"/>
   <p:custDataLst>
-    <p:tags r:id="rId21"/>
+    <p:tags r:id="rId23"/>
   </p:custDataLst>
   <p:defaultTextStyle>
     <a:defPPr>
@@ -228,7 +230,7 @@
           <a:p>
             <a:fld id="{36D53524-F9CC-4A8B-8CCD-2FA372311425}" type="datetimeFigureOut">
               <a:rPr lang="en-US" smtClean="0"/>
-              <a:t>10/31/2015</a:t>
+              <a:t>11/4/2015</a:t>
             </a:fld>
             <a:endParaRPr lang="en-US"/>
           </a:p>
@@ -761,7 +763,7 @@
           <a:p>
             <a:fld id="{2F1F79F5-7BEC-496A-AFC7-876E38F64D71}" type="datetime1">
               <a:rPr lang="en-US" smtClean="0"/>
-              <a:t>10/31/2015</a:t>
+              <a:t>11/4/2015</a:t>
             </a:fld>
             <a:endParaRPr lang="en-US"/>
           </a:p>
@@ -886,7 +888,7 @@
           <a:p>
             <a:fld id="{2F7B77F5-1464-4F6B-92A8-64FC8A508293}" type="datetime1">
               <a:rPr lang="en-US" smtClean="0"/>
-              <a:t>10/31/2015</a:t>
+              <a:t>11/4/2015</a:t>
             </a:fld>
             <a:endParaRPr lang="en-US"/>
           </a:p>
@@ -988,7 +990,7 @@
           <a:p>
             <a:fld id="{0A05703A-7669-4FEA-9056-25299B4D29D4}" type="datetime1">
               <a:rPr lang="en-US" smtClean="0"/>
-              <a:t>10/31/2015</a:t>
+              <a:t>11/4/2015</a:t>
             </a:fld>
             <a:endParaRPr lang="en-US"/>
           </a:p>
@@ -1265,7 +1267,7 @@
           <a:p>
             <a:fld id="{6E5077B5-BB57-49DB-88CA-226A139E5C01}" type="datetime1">
               <a:rPr lang="en-US" smtClean="0"/>
-              <a:t>10/31/2015</a:t>
+              <a:t>11/4/2015</a:t>
             </a:fld>
             <a:endParaRPr lang="en-US"/>
           </a:p>
@@ -1518,7 +1520,7 @@
           <a:p>
             <a:fld id="{C48D9447-CBD6-49A1-89FD-8512A8CF8999}" type="datetime1">
               <a:rPr lang="en-US" smtClean="0"/>
-              <a:t>10/31/2015</a:t>
+              <a:t>11/4/2015</a:t>
             </a:fld>
             <a:endParaRPr lang="en-US"/>
           </a:p>
@@ -1688,7 +1690,7 @@
           <a:p>
             <a:fld id="{A3639A2A-823D-48B7-9ACE-7FAF42870BA9}" type="datetime1">
               <a:rPr lang="en-US" smtClean="0"/>
-              <a:t>10/31/2015</a:t>
+              <a:t>11/4/2015</a:t>
             </a:fld>
             <a:endParaRPr lang="en-US"/>
           </a:p>
@@ -1868,7 +1870,7 @@
           <a:p>
             <a:fld id="{ED1B6996-82E9-463C-972C-7B56056E426C}" type="datetime1">
               <a:rPr lang="en-US" smtClean="0"/>
-              <a:t>10/31/2015</a:t>
+              <a:t>11/4/2015</a:t>
             </a:fld>
             <a:endParaRPr lang="en-US"/>
           </a:p>
@@ -2164,7 +2166,7 @@
           <a:p>
             <a:fld id="{5D1846AD-9252-4647-9435-4C2AC365653A}" type="datetime1">
               <a:rPr lang="en-US" smtClean="0"/>
-              <a:t>10/31/2015</a:t>
+              <a:t>11/4/2015</a:t>
             </a:fld>
             <a:endParaRPr lang="en-US"/>
           </a:p>
@@ -2340,7 +2342,7 @@
           <a:p>
             <a:fld id="{E22ED4DA-448D-4BB1-B935-CC112220207B}" type="datetime1">
               <a:rPr lang="en-US" smtClean="0"/>
-              <a:t>10/31/2015</a:t>
+              <a:t>11/4/2015</a:t>
             </a:fld>
             <a:endParaRPr lang="en-US"/>
           </a:p>
@@ -2522,7 +2524,7 @@
           <a:p>
             <a:fld id="{E22ED4DA-448D-4BB1-B935-CC112220207B}" type="datetime1">
               <a:rPr lang="en-US" smtClean="0"/>
-              <a:t>10/31/2015</a:t>
+              <a:t>11/4/2015</a:t>
             </a:fld>
             <a:endParaRPr lang="en-US"/>
           </a:p>
@@ -2791,7 +2793,7 @@
           <a:p>
             <a:fld id="{FF5D65A6-AB94-4435-B0B7-3743215FA46C}" type="datetime1">
               <a:rPr lang="en-US" smtClean="0"/>
-              <a:t>10/31/2015</a:t>
+              <a:t>11/4/2015</a:t>
             </a:fld>
             <a:endParaRPr lang="en-US"/>
           </a:p>
@@ -2976,7 +2978,7 @@
           <a:p>
             <a:fld id="{FF5D65A6-AB94-4435-B0B7-3743215FA46C}" type="datetime1">
               <a:rPr lang="en-US" smtClean="0"/>
-              <a:t>10/31/2015</a:t>
+              <a:t>11/4/2015</a:t>
             </a:fld>
             <a:endParaRPr lang="en-US"/>
           </a:p>
@@ -3278,7 +3280,7 @@
           <a:p>
             <a:fld id="{7C193DC4-6EF0-48C9-B29C-616106A645E1}" type="datetime1">
               <a:rPr lang="en-US" smtClean="0"/>
-              <a:t>10/31/2015</a:t>
+              <a:t>11/4/2015</a:t>
             </a:fld>
             <a:endParaRPr lang="en-US"/>
           </a:p>
@@ -3566,7 +3568,7 @@
           <a:p>
             <a:fld id="{5D1846AD-9252-4647-9435-4C2AC365653A}" type="datetime1">
               <a:rPr lang="en-US" smtClean="0"/>
-              <a:t>10/31/2015</a:t>
+              <a:t>11/4/2015</a:t>
             </a:fld>
             <a:endParaRPr lang="en-US"/>
           </a:p>
@@ -3988,7 +3990,7 @@
           <a:p>
             <a:fld id="{CE56DC10-3561-4063-A6AF-C1CC7A41040A}" type="datetime1">
               <a:rPr lang="en-US" smtClean="0"/>
-              <a:t>10/31/2015</a:t>
+              <a:t>11/4/2015</a:t>
             </a:fld>
             <a:endParaRPr lang="en-US"/>
           </a:p>
@@ -4213,7 +4215,7 @@
           <a:p>
             <a:fld id="{02B3F677-983B-48DB-ADFD-63FE6CBC7FB2}" type="datetime1">
               <a:rPr lang="en-US" smtClean="0"/>
-              <a:t>10/31/2015</a:t>
+              <a:t>11/4/2015</a:t>
             </a:fld>
             <a:endParaRPr lang="en-US"/>
           </a:p>
@@ -4772,7 +4774,6 @@
                 <a:rPr lang="en-US" sz="1000" dirty="0" smtClean="0"/>
                 <a:t>2012-2015</a:t>
               </a:r>
-              <a:endParaRPr lang="en-US" sz="1000" dirty="0" smtClean="0"/>
             </a:p>
             <a:p>
               <a:r>
@@ -4877,6 +4878,556 @@
           <a:p>
             <a:r>
               <a:rPr lang="en-US" dirty="0" smtClean="0"/>
+              <a:t>Code Outline (OO:4)</a:t>
+            </a:r>
+            <a:endParaRPr lang="en-US" dirty="0"/>
+          </a:p>
+        </p:txBody>
+      </p:sp>
+      <p:sp>
+        <p:nvSpPr>
+          <p:cNvPr id="4" name="Content Placeholder 3"/>
+          <p:cNvSpPr>
+            <a:spLocks noGrp="1"/>
+          </p:cNvSpPr>
+          <p:nvPr>
+            <p:ph idx="1"/>
+          </p:nvPr>
+        </p:nvSpPr>
+        <p:spPr/>
+        <p:txBody>
+          <a:bodyPr>
+            <a:noAutofit/>
+          </a:bodyPr>
+          <a:lstStyle/>
+          <a:p>
+            <a:pPr>
+              <a:spcBef>
+                <a:spcPts val="0"/>
+              </a:spcBef>
+            </a:pPr>
+            <a:r>
+              <a:rPr lang="en-US" sz="1000" dirty="0"/>
+              <a:t>;; A Composite is a (new Composite% [front Shape][back Shape])</a:t>
+            </a:r>
+          </a:p>
+          <a:p>
+            <a:pPr>
+              <a:spcBef>
+                <a:spcPts val="0"/>
+              </a:spcBef>
+            </a:pPr>
+            <a:r>
+              <a:rPr lang="en-US" sz="1000" dirty="0"/>
+              <a:t>;; a composite of front and back</a:t>
+            </a:r>
+          </a:p>
+          <a:p>
+            <a:pPr>
+              <a:spcBef>
+                <a:spcPts val="0"/>
+              </a:spcBef>
+            </a:pPr>
+            <a:r>
+              <a:rPr lang="en-US" sz="1000" dirty="0"/>
+              <a:t>(define Composite%</a:t>
+            </a:r>
+          </a:p>
+          <a:p>
+            <a:pPr>
+              <a:spcBef>
+                <a:spcPts val="0"/>
+              </a:spcBef>
+            </a:pPr>
+            <a:r>
+              <a:rPr lang="en-US" sz="1000" dirty="0"/>
+              <a:t>  (class* object% (Shape&lt;%&gt;)</a:t>
+            </a:r>
+          </a:p>
+          <a:p>
+            <a:pPr>
+              <a:spcBef>
+                <a:spcPts val="0"/>
+              </a:spcBef>
+            </a:pPr>
+            <a:r>
+              <a:rPr lang="en-US" sz="1000" dirty="0"/>
+              <a:t>    (</a:t>
+            </a:r>
+            <a:r>
+              <a:rPr lang="en-US" sz="1000" dirty="0" err="1"/>
+              <a:t>init</a:t>
+            </a:r>
+            <a:r>
+              <a:rPr lang="en-US" sz="1000" dirty="0"/>
+              <a:t>-field </a:t>
+            </a:r>
+          </a:p>
+          <a:p>
+            <a:pPr>
+              <a:spcBef>
+                <a:spcPts val="0"/>
+              </a:spcBef>
+            </a:pPr>
+            <a:r>
+              <a:rPr lang="en-US" sz="1000" dirty="0"/>
+              <a:t>      front   ; Shape, the shape in front</a:t>
+            </a:r>
+          </a:p>
+          <a:p>
+            <a:pPr>
+              <a:spcBef>
+                <a:spcPts val="0"/>
+              </a:spcBef>
+            </a:pPr>
+            <a:r>
+              <a:rPr lang="en-US" sz="1000" dirty="0"/>
+              <a:t>      back    ; Shape, the shape in back</a:t>
+            </a:r>
+          </a:p>
+          <a:p>
+            <a:pPr>
+              <a:spcBef>
+                <a:spcPts val="0"/>
+              </a:spcBef>
+            </a:pPr>
+            <a:r>
+              <a:rPr lang="en-US" sz="1000" dirty="0"/>
+              <a:t>      )</a:t>
+            </a:r>
+          </a:p>
+          <a:p>
+            <a:pPr>
+              <a:spcBef>
+                <a:spcPts val="0"/>
+              </a:spcBef>
+            </a:pPr>
+            <a:endParaRPr lang="en-US" sz="1000" dirty="0"/>
+          </a:p>
+          <a:p>
+            <a:pPr>
+              <a:spcBef>
+                <a:spcPts val="0"/>
+              </a:spcBef>
+            </a:pPr>
+            <a:r>
+              <a:rPr lang="en-US" sz="1000" dirty="0"/>
+              <a:t>    (super-new)</a:t>
+            </a:r>
+          </a:p>
+          <a:p>
+            <a:pPr>
+              <a:spcBef>
+                <a:spcPts val="0"/>
+              </a:spcBef>
+            </a:pPr>
+            <a:endParaRPr lang="en-US" sz="1000" dirty="0"/>
+          </a:p>
+          <a:p>
+            <a:pPr>
+              <a:spcBef>
+                <a:spcPts val="0"/>
+              </a:spcBef>
+            </a:pPr>
+            <a:r>
+              <a:rPr lang="en-US" sz="1000" dirty="0"/>
+              <a:t>    ;; all we know here is that front and back implement Shape&lt;%&gt;.</a:t>
+            </a:r>
+          </a:p>
+          <a:p>
+            <a:pPr>
+              <a:spcBef>
+                <a:spcPts val="0"/>
+              </a:spcBef>
+            </a:pPr>
+            <a:r>
+              <a:rPr lang="en-US" sz="1000" dirty="0"/>
+              <a:t>    ;; we don't know if they are circles, squares, or other composites!</a:t>
+            </a:r>
+          </a:p>
+          <a:p>
+            <a:pPr>
+              <a:spcBef>
+                <a:spcPts val="0"/>
+              </a:spcBef>
+            </a:pPr>
+            <a:endParaRPr lang="en-US" sz="1000" dirty="0"/>
+          </a:p>
+          <a:p>
+            <a:pPr>
+              <a:spcBef>
+                <a:spcPts val="0"/>
+              </a:spcBef>
+            </a:pPr>
+            <a:r>
+              <a:rPr lang="en-US" sz="1000" dirty="0"/>
+              <a:t>    ;; weight : -&gt; Number</a:t>
+            </a:r>
+          </a:p>
+          <a:p>
+            <a:pPr>
+              <a:spcBef>
+                <a:spcPts val="0"/>
+              </a:spcBef>
+            </a:pPr>
+            <a:r>
+              <a:rPr lang="en-US" sz="1000" dirty="0"/>
+              <a:t>    ;; RETURNS: the weight of this shape</a:t>
+            </a:r>
+          </a:p>
+          <a:p>
+            <a:pPr>
+              <a:spcBef>
+                <a:spcPts val="0"/>
+              </a:spcBef>
+            </a:pPr>
+            <a:r>
+              <a:rPr lang="en-US" sz="1000" dirty="0"/>
+              <a:t>    ;; DETAILS: this shape is a composite</a:t>
+            </a:r>
+          </a:p>
+          <a:p>
+            <a:pPr>
+              <a:spcBef>
+                <a:spcPts val="0"/>
+              </a:spcBef>
+            </a:pPr>
+            <a:r>
+              <a:rPr lang="en-US" sz="1000" dirty="0"/>
+              <a:t>    ;; STRATEGY: recur on the components</a:t>
+            </a:r>
+          </a:p>
+          <a:p>
+            <a:pPr>
+              <a:spcBef>
+                <a:spcPts val="0"/>
+              </a:spcBef>
+            </a:pPr>
+            <a:r>
+              <a:rPr lang="en-US" sz="1000" dirty="0"/>
+              <a:t>    (define/public (weight) (+ (send front weight)</a:t>
+            </a:r>
+          </a:p>
+          <a:p>
+            <a:pPr>
+              <a:spcBef>
+                <a:spcPts val="0"/>
+              </a:spcBef>
+            </a:pPr>
+            <a:r>
+              <a:rPr lang="en-US" sz="1000" dirty="0"/>
+              <a:t>                              (send back weight)))</a:t>
+            </a:r>
+          </a:p>
+          <a:p>
+            <a:pPr>
+              <a:spcBef>
+                <a:spcPts val="0"/>
+              </a:spcBef>
+            </a:pPr>
+            <a:endParaRPr lang="en-US" sz="1000" dirty="0"/>
+          </a:p>
+          <a:p>
+            <a:pPr>
+              <a:spcBef>
+                <a:spcPts val="0"/>
+              </a:spcBef>
+            </a:pPr>
+            <a:r>
+              <a:rPr lang="en-US" sz="1000" dirty="0"/>
+              <a:t>    ;; add-to-scene : Scene -&gt; Scene</a:t>
+            </a:r>
+          </a:p>
+          <a:p>
+            <a:pPr>
+              <a:spcBef>
+                <a:spcPts val="0"/>
+              </a:spcBef>
+            </a:pPr>
+            <a:r>
+              <a:rPr lang="en-US" sz="1000" dirty="0"/>
+              <a:t>    ;; RETURNS: a scene like the given one, but with this shape</a:t>
+            </a:r>
+          </a:p>
+          <a:p>
+            <a:pPr>
+              <a:spcBef>
+                <a:spcPts val="0"/>
+              </a:spcBef>
+            </a:pPr>
+            <a:r>
+              <a:rPr lang="en-US" sz="1000" dirty="0"/>
+              <a:t>    ;; painted on it.</a:t>
+            </a:r>
+          </a:p>
+          <a:p>
+            <a:pPr>
+              <a:spcBef>
+                <a:spcPts val="0"/>
+              </a:spcBef>
+            </a:pPr>
+            <a:r>
+              <a:rPr lang="en-US" sz="1000" dirty="0"/>
+              <a:t>    ;; DETAILS: this shape is a composite</a:t>
+            </a:r>
+          </a:p>
+          <a:p>
+            <a:pPr>
+              <a:spcBef>
+                <a:spcPts val="0"/>
+              </a:spcBef>
+            </a:pPr>
+            <a:r>
+              <a:rPr lang="en-US" sz="1000" dirty="0"/>
+              <a:t>    ;; strategy: recur on the components</a:t>
+            </a:r>
+          </a:p>
+          <a:p>
+            <a:pPr>
+              <a:spcBef>
+                <a:spcPts val="0"/>
+              </a:spcBef>
+            </a:pPr>
+            <a:r>
+              <a:rPr lang="en-US" sz="1000" dirty="0"/>
+              <a:t>    (define/public (add-to-scene scene)</a:t>
+            </a:r>
+          </a:p>
+          <a:p>
+            <a:pPr>
+              <a:spcBef>
+                <a:spcPts val="0"/>
+              </a:spcBef>
+            </a:pPr>
+            <a:r>
+              <a:rPr lang="en-US" sz="1000" dirty="0"/>
+              <a:t>      (send front add-to-scene</a:t>
+            </a:r>
+          </a:p>
+          <a:p>
+            <a:pPr>
+              <a:spcBef>
+                <a:spcPts val="0"/>
+              </a:spcBef>
+            </a:pPr>
+            <a:r>
+              <a:rPr lang="en-US" sz="1000" dirty="0"/>
+              <a:t>        (send back add-to-scene scene)))</a:t>
+            </a:r>
+          </a:p>
+          <a:p>
+            <a:pPr>
+              <a:spcBef>
+                <a:spcPts val="0"/>
+              </a:spcBef>
+            </a:pPr>
+            <a:r>
+              <a:rPr lang="en-US" sz="1000" dirty="0"/>
+              <a:t>     </a:t>
+            </a:r>
+          </a:p>
+          <a:p>
+            <a:pPr>
+              <a:spcBef>
+                <a:spcPts val="0"/>
+              </a:spcBef>
+            </a:pPr>
+            <a:r>
+              <a:rPr lang="en-US" sz="1000" dirty="0"/>
+              <a:t>    ))</a:t>
+            </a:r>
+          </a:p>
+        </p:txBody>
+      </p:sp>
+      <p:sp>
+        <p:nvSpPr>
+          <p:cNvPr id="5" name="Slide Number Placeholder 4"/>
+          <p:cNvSpPr>
+            <a:spLocks noGrp="1"/>
+          </p:cNvSpPr>
+          <p:nvPr>
+            <p:ph type="sldNum" sz="quarter" idx="12"/>
+          </p:nvPr>
+        </p:nvSpPr>
+        <p:spPr/>
+        <p:txBody>
+          <a:bodyPr/>
+          <a:lstStyle/>
+          <a:p>
+            <a:fld id="{2AF3B5EA-18B6-4040-9F78-6052AF49C681}" type="slidenum">
+              <a:rPr lang="en-US" smtClean="0"/>
+              <a:t>10</a:t>
+            </a:fld>
+            <a:endParaRPr lang="en-US"/>
+          </a:p>
+        </p:txBody>
+      </p:sp>
+    </p:spTree>
+    <p:extLst>
+      <p:ext uri="{BB962C8B-B14F-4D97-AF65-F5344CB8AC3E}">
+        <p14:creationId xmlns:p14="http://schemas.microsoft.com/office/powerpoint/2010/main" val="1007364634"/>
+      </p:ext>
+    </p:extLst>
+  </p:cSld>
+  <p:clrMapOvr>
+    <a:masterClrMapping/>
+  </p:clrMapOvr>
+</p:sld>
+</file>
+
+<file path=ppt/slides/slide11.xml><?xml version="1.0" encoding="utf-8"?>
+<p:sld xmlns:a="http://schemas.openxmlformats.org/drawingml/2006/main" xmlns:r="http://schemas.openxmlformats.org/officeDocument/2006/relationships" xmlns:p="http://schemas.openxmlformats.org/presentationml/2006/main">
+  <p:cSld>
+    <p:spTree>
+      <p:nvGrpSpPr>
+        <p:cNvPr id="1" name=""/>
+        <p:cNvGrpSpPr/>
+        <p:nvPr/>
+      </p:nvGrpSpPr>
+      <p:grpSpPr>
+        <a:xfrm>
+          <a:off x="0" y="0"/>
+          <a:ext cx="0" cy="0"/>
+          <a:chOff x="0" y="0"/>
+          <a:chExt cx="0" cy="0"/>
+        </a:xfrm>
+      </p:grpSpPr>
+      <p:sp>
+        <p:nvSpPr>
+          <p:cNvPr id="2" name="Title 1"/>
+          <p:cNvSpPr>
+            <a:spLocks noGrp="1"/>
+          </p:cNvSpPr>
+          <p:nvPr>
+            <p:ph type="title"/>
+          </p:nvPr>
+        </p:nvSpPr>
+        <p:spPr/>
+        <p:txBody>
+          <a:bodyPr/>
+          <a:lstStyle/>
+          <a:p>
+            <a:r>
+              <a:rPr lang="en-US" dirty="0" smtClean="0"/>
+              <a:t>The Big Picture</a:t>
+            </a:r>
+            <a:endParaRPr lang="en-US" dirty="0"/>
+          </a:p>
+        </p:txBody>
+      </p:sp>
+      <p:sp>
+        <p:nvSpPr>
+          <p:cNvPr id="3" name="Content Placeholder 2"/>
+          <p:cNvSpPr>
+            <a:spLocks noGrp="1"/>
+          </p:cNvSpPr>
+          <p:nvPr>
+            <p:ph idx="1"/>
+          </p:nvPr>
+        </p:nvSpPr>
+        <p:spPr/>
+        <p:txBody>
+          <a:bodyPr/>
+          <a:lstStyle/>
+          <a:p>
+            <a:r>
+              <a:rPr lang="en-US" dirty="0" smtClean="0"/>
+              <a:t>The functional version and the OO version are really the same.  They just have the pieces grouped differently.</a:t>
+            </a:r>
+          </a:p>
+          <a:p>
+            <a:r>
+              <a:rPr lang="en-US" dirty="0" smtClean="0"/>
+              <a:t>Here are a couple of slides that illustrate what happened.</a:t>
+            </a:r>
+          </a:p>
+          <a:p>
+            <a:r>
+              <a:rPr lang="en-US" dirty="0" smtClean="0"/>
+              <a:t>We had 6 little functions to write.  Let's see where they wound up in the functional version, and then in the OO version.</a:t>
+            </a:r>
+            <a:endParaRPr lang="en-US" dirty="0"/>
+          </a:p>
+        </p:txBody>
+      </p:sp>
+      <p:sp>
+        <p:nvSpPr>
+          <p:cNvPr id="4" name="Slide Number Placeholder 3"/>
+          <p:cNvSpPr>
+            <a:spLocks noGrp="1"/>
+          </p:cNvSpPr>
+          <p:nvPr>
+            <p:ph type="sldNum" sz="quarter" idx="12"/>
+          </p:nvPr>
+        </p:nvSpPr>
+        <p:spPr/>
+        <p:txBody>
+          <a:bodyPr/>
+          <a:lstStyle/>
+          <a:p>
+            <a:fld id="{B6F15528-21DE-4FAA-801E-634DDDAF4B2B}" type="slidenum">
+              <a:rPr lang="en-US" smtClean="0"/>
+              <a:pPr/>
+              <a:t>11</a:t>
+            </a:fld>
+            <a:endParaRPr lang="en-US"/>
+          </a:p>
+        </p:txBody>
+      </p:sp>
+    </p:spTree>
+    <p:extLst>
+      <p:ext uri="{BB962C8B-B14F-4D97-AF65-F5344CB8AC3E}">
+        <p14:creationId xmlns:p14="http://schemas.microsoft.com/office/powerpoint/2010/main" val="1845265975"/>
+      </p:ext>
+    </p:extLst>
+  </p:cSld>
+  <p:clrMapOvr>
+    <a:masterClrMapping/>
+  </p:clrMapOvr>
+  <p:timing>
+    <p:tnLst>
+      <p:par>
+        <p:cTn id="1" dur="indefinite" restart="never" nodeType="tmRoot"/>
+      </p:par>
+    </p:tnLst>
+  </p:timing>
+</p:sld>
+</file>
+
+<file path=ppt/slides/slide12.xml><?xml version="1.0" encoding="utf-8"?>
+<p:sld xmlns:a="http://schemas.openxmlformats.org/drawingml/2006/main" xmlns:r="http://schemas.openxmlformats.org/officeDocument/2006/relationships" xmlns:p="http://schemas.openxmlformats.org/presentationml/2006/main">
+  <p:cSld>
+    <p:spTree>
+      <p:nvGrpSpPr>
+        <p:cNvPr id="1" name=""/>
+        <p:cNvGrpSpPr/>
+        <p:nvPr/>
+      </p:nvGrpSpPr>
+      <p:grpSpPr>
+        <a:xfrm>
+          <a:off x="0" y="0"/>
+          <a:ext cx="0" cy="0"/>
+          <a:chOff x="0" y="0"/>
+          <a:chExt cx="0" cy="0"/>
+        </a:xfrm>
+      </p:grpSpPr>
+      <p:sp>
+        <p:nvSpPr>
+          <p:cNvPr id="2" name="Title 1"/>
+          <p:cNvSpPr>
+            <a:spLocks noGrp="1"/>
+          </p:cNvSpPr>
+          <p:nvPr>
+            <p:ph type="title"/>
+          </p:nvPr>
+        </p:nvSpPr>
+        <p:spPr/>
+        <p:txBody>
+          <a:bodyPr/>
+          <a:lstStyle/>
+          <a:p>
+            <a:r>
+              <a:rPr lang="en-US" dirty="0" smtClean="0"/>
               <a:t>The Big Picture: Functional</a:t>
             </a:r>
             <a:endParaRPr lang="en-US" dirty="0"/>
@@ -4901,7 +5452,7 @@
             <a:fld id="{B6F15528-21DE-4FAA-801E-634DDDAF4B2B}" type="slidenum">
               <a:rPr lang="en-US" smtClean="0"/>
               <a:pPr/>
-              <a:t>10</a:t>
+              <a:t>12</a:t>
             </a:fld>
             <a:endParaRPr lang="en-US"/>
           </a:p>
@@ -6582,7 +7133,7 @@
 </p:sld>
 </file>
 
-<file path=ppt/slides/slide11.xml><?xml version="1.0" encoding="utf-8"?>
+<file path=ppt/slides/slide13.xml><?xml version="1.0" encoding="utf-8"?>
 <p:sld xmlns:a="http://schemas.openxmlformats.org/drawingml/2006/main" xmlns:r="http://schemas.openxmlformats.org/officeDocument/2006/relationships" xmlns:p="http://schemas.openxmlformats.org/presentationml/2006/main">
   <p:cSld>
     <p:spTree>
@@ -6640,7 +7191,7 @@
             <a:fld id="{B6F15528-21DE-4FAA-801E-634DDDAF4B2B}" type="slidenum">
               <a:rPr lang="en-US" smtClean="0"/>
               <a:pPr/>
-              <a:t>11</a:t>
+              <a:t>13</a:t>
             </a:fld>
             <a:endParaRPr lang="en-US"/>
           </a:p>
@@ -8449,7 +9000,7 @@
 </p:sld>
 </file>
 
-<file path=ppt/slides/slide12.xml><?xml version="1.0" encoding="utf-8"?>
+<file path=ppt/slides/slide14.xml><?xml version="1.0" encoding="utf-8"?>
 <p:sld xmlns:a="http://schemas.openxmlformats.org/drawingml/2006/main" xmlns:r="http://schemas.openxmlformats.org/officeDocument/2006/relationships" xmlns:p="http://schemas.openxmlformats.org/presentationml/2006/main">
   <p:cSld>
     <p:spTree>
@@ -8741,7 +9292,7 @@
             <a:fld id="{B6F15528-21DE-4FAA-801E-634DDDAF4B2B}" type="slidenum">
               <a:rPr lang="en-US" smtClean="0"/>
               <a:pPr/>
-              <a:t>12</a:t>
+              <a:t>14</a:t>
             </a:fld>
             <a:endParaRPr lang="en-US"/>
           </a:p>
@@ -9795,7 +10346,7 @@
 </p:sld>
 </file>
 
-<file path=ppt/slides/slide13.xml><?xml version="1.0" encoding="utf-8"?>
+<file path=ppt/slides/slide15.xml><?xml version="1.0" encoding="utf-8"?>
 <p:sld xmlns:a="http://schemas.openxmlformats.org/drawingml/2006/main" xmlns:r="http://schemas.openxmlformats.org/officeDocument/2006/relationships" xmlns:p="http://schemas.openxmlformats.org/presentationml/2006/main">
   <p:cSld>
     <p:spTree>
@@ -10162,7 +10713,7 @@
             <a:fld id="{B6F15528-21DE-4FAA-801E-634DDDAF4B2B}" type="slidenum">
               <a:rPr lang="en-US" smtClean="0"/>
               <a:pPr/>
-              <a:t>13</a:t>
+              <a:t>15</a:t>
             </a:fld>
             <a:endParaRPr lang="en-US"/>
           </a:p>
@@ -11431,7 +11982,7 @@
 </p:sld>
 </file>
 
-<file path=ppt/slides/slide14.xml><?xml version="1.0" encoding="utf-8"?>
+<file path=ppt/slides/slide16.xml><?xml version="1.0" encoding="utf-8"?>
 <p:sld xmlns:a="http://schemas.openxmlformats.org/drawingml/2006/main" xmlns:r="http://schemas.openxmlformats.org/officeDocument/2006/relationships" xmlns:p="http://schemas.openxmlformats.org/presentationml/2006/main">
   <p:cSld>
     <p:spTree>
@@ -11810,7 +12361,7 @@
             <a:fld id="{B6F15528-21DE-4FAA-801E-634DDDAF4B2B}" type="slidenum">
               <a:rPr lang="en-US" smtClean="0"/>
               <a:pPr/>
-              <a:t>14</a:t>
+              <a:t>16</a:t>
             </a:fld>
             <a:endParaRPr lang="en-US"/>
           </a:p>
@@ -12959,7 +13510,7 @@
 </p:sld>
 </file>
 
-<file path=ppt/slides/slide15.xml><?xml version="1.0" encoding="utf-8"?>
+<file path=ppt/slides/slide17.xml><?xml version="1.0" encoding="utf-8"?>
 <p:sld xmlns:a="http://schemas.openxmlformats.org/drawingml/2006/main" xmlns:r="http://schemas.openxmlformats.org/officeDocument/2006/relationships" xmlns:p="http://schemas.openxmlformats.org/presentationml/2006/main">
   <p:cSld>
     <p:spTree>
@@ -13228,7 +13779,7 @@
             <a:fld id="{B6F15528-21DE-4FAA-801E-634DDDAF4B2B}" type="slidenum">
               <a:rPr lang="en-US" smtClean="0"/>
               <a:pPr/>
-              <a:t>15</a:t>
+              <a:t>17</a:t>
             </a:fld>
             <a:endParaRPr lang="en-US"/>
           </a:p>
@@ -13238,267 +13789,6 @@
     <p:extLst>
       <p:ext uri="{BB962C8B-B14F-4D97-AF65-F5344CB8AC3E}">
         <p14:creationId xmlns:p14="http://schemas.microsoft.com/office/powerpoint/2010/main" val="3974906101"/>
-      </p:ext>
-    </p:extLst>
-  </p:cSld>
-  <p:clrMapOvr>
-    <a:masterClrMapping/>
-  </p:clrMapOvr>
-  <p:timing>
-    <p:tnLst>
-      <p:par>
-        <p:cTn id="1" dur="indefinite" restart="never" nodeType="tmRoot"/>
-      </p:par>
-    </p:tnLst>
-  </p:timing>
-</p:sld>
-</file>
-
-<file path=ppt/slides/slide16.xml><?xml version="1.0" encoding="utf-8"?>
-<p:sld xmlns:a="http://schemas.openxmlformats.org/drawingml/2006/main" xmlns:r="http://schemas.openxmlformats.org/officeDocument/2006/relationships" xmlns:p="http://schemas.openxmlformats.org/presentationml/2006/main">
-  <p:cSld>
-    <p:spTree>
-      <p:nvGrpSpPr>
-        <p:cNvPr id="1" name=""/>
-        <p:cNvGrpSpPr/>
-        <p:nvPr/>
-      </p:nvGrpSpPr>
-      <p:grpSpPr>
-        <a:xfrm>
-          <a:off x="0" y="0"/>
-          <a:ext cx="0" cy="0"/>
-          <a:chOff x="0" y="0"/>
-          <a:chExt cx="0" cy="0"/>
-        </a:xfrm>
-      </p:grpSpPr>
-      <p:sp>
-        <p:nvSpPr>
-          <p:cNvPr id="2" name="Title 1"/>
-          <p:cNvSpPr>
-            <a:spLocks noGrp="1"/>
-          </p:cNvSpPr>
-          <p:nvPr>
-            <p:ph type="title"/>
-          </p:nvPr>
-        </p:nvSpPr>
-        <p:spPr/>
-        <p:txBody>
-          <a:bodyPr/>
-          <a:lstStyle/>
-          <a:p>
-            <a:r>
-              <a:rPr lang="en-US" dirty="0" smtClean="0"/>
-              <a:t>What's the tradeoff?</a:t>
-            </a:r>
-            <a:endParaRPr lang="en-US" dirty="0"/>
-          </a:p>
-        </p:txBody>
-      </p:sp>
-      <p:sp>
-        <p:nvSpPr>
-          <p:cNvPr id="3" name="Content Placeholder 2"/>
-          <p:cNvSpPr>
-            <a:spLocks noGrp="1"/>
-          </p:cNvSpPr>
-          <p:nvPr>
-            <p:ph idx="1"/>
-          </p:nvPr>
-        </p:nvSpPr>
-        <p:spPr/>
-        <p:txBody>
-          <a:bodyPr>
-            <a:normAutofit fontScale="85000" lnSpcReduction="10000"/>
-          </a:bodyPr>
-          <a:lstStyle/>
-          <a:p>
-            <a:r>
-              <a:rPr lang="en-US" dirty="0" smtClean="0"/>
-              <a:t>Object-oriented organization is better when new data variants are more likely than new operations.</a:t>
-            </a:r>
-          </a:p>
-          <a:p>
-            <a:r>
-              <a:rPr lang="en-US" dirty="0" smtClean="0"/>
-              <a:t>Functional organization is better when new operations are more likely than new data variants.</a:t>
-            </a:r>
-          </a:p>
-          <a:p>
-            <a:r>
-              <a:rPr lang="en-US" dirty="0" smtClean="0"/>
-              <a:t>In the real world, you may not have a choice: </a:t>
-            </a:r>
-          </a:p>
-          <a:p>
-            <a:pPr lvl="1"/>
-            <a:r>
-              <a:rPr lang="en-US" dirty="0" smtClean="0"/>
-              <a:t>this decision is up to the system architects</a:t>
-            </a:r>
-          </a:p>
-          <a:p>
-            <a:pPr lvl="1"/>
-            <a:r>
-              <a:rPr lang="en-US" dirty="0" smtClean="0"/>
-              <a:t>or may need compatibility with an existing system</a:t>
-            </a:r>
-          </a:p>
-          <a:p>
-            <a:r>
-              <a:rPr lang="en-US" dirty="0" smtClean="0"/>
-              <a:t>There are ways to get the best of both worlds </a:t>
-            </a:r>
-          </a:p>
-          <a:p>
-            <a:pPr lvl="1"/>
-            <a:r>
-              <a:rPr lang="en-US" dirty="0" smtClean="0"/>
-              <a:t>but these are beyond the scope of this course</a:t>
-            </a:r>
-          </a:p>
-          <a:p>
-            <a:pPr lvl="1"/>
-            <a:r>
-              <a:rPr lang="en-US" dirty="0" smtClean="0"/>
-              <a:t>this is called "the expression problem"</a:t>
-            </a:r>
-            <a:endParaRPr lang="en-US" dirty="0"/>
-          </a:p>
-        </p:txBody>
-      </p:sp>
-      <p:sp>
-        <p:nvSpPr>
-          <p:cNvPr id="4" name="Slide Number Placeholder 3"/>
-          <p:cNvSpPr>
-            <a:spLocks noGrp="1"/>
-          </p:cNvSpPr>
-          <p:nvPr>
-            <p:ph type="sldNum" sz="quarter" idx="12"/>
-          </p:nvPr>
-        </p:nvSpPr>
-        <p:spPr/>
-        <p:txBody>
-          <a:bodyPr/>
-          <a:lstStyle/>
-          <a:p>
-            <a:fld id="{B6F15528-21DE-4FAA-801E-634DDDAF4B2B}" type="slidenum">
-              <a:rPr lang="en-US" smtClean="0"/>
-              <a:pPr/>
-              <a:t>16</a:t>
-            </a:fld>
-            <a:endParaRPr lang="en-US"/>
-          </a:p>
-        </p:txBody>
-      </p:sp>
-    </p:spTree>
-    <p:extLst>
-      <p:ext uri="{BB962C8B-B14F-4D97-AF65-F5344CB8AC3E}">
-        <p14:creationId xmlns:p14="http://schemas.microsoft.com/office/powerpoint/2010/main" val="3746357049"/>
-      </p:ext>
-    </p:extLst>
-  </p:cSld>
-  <p:clrMapOvr>
-    <a:masterClrMapping/>
-  </p:clrMapOvr>
-  <p:timing>
-    <p:tnLst>
-      <p:par>
-        <p:cTn id="1" dur="indefinite" restart="never" nodeType="tmRoot"/>
-      </p:par>
-    </p:tnLst>
-  </p:timing>
-</p:sld>
-</file>
-
-<file path=ppt/slides/slide17.xml><?xml version="1.0" encoding="utf-8"?>
-<p:sld xmlns:a="http://schemas.openxmlformats.org/drawingml/2006/main" xmlns:r="http://schemas.openxmlformats.org/officeDocument/2006/relationships" xmlns:p="http://schemas.openxmlformats.org/presentationml/2006/main">
-  <p:cSld>
-    <p:spTree>
-      <p:nvGrpSpPr>
-        <p:cNvPr id="1" name=""/>
-        <p:cNvGrpSpPr/>
-        <p:nvPr/>
-      </p:nvGrpSpPr>
-      <p:grpSpPr>
-        <a:xfrm>
-          <a:off x="0" y="0"/>
-          <a:ext cx="0" cy="0"/>
-          <a:chOff x="0" y="0"/>
-          <a:chExt cx="0" cy="0"/>
-        </a:xfrm>
-      </p:grpSpPr>
-      <p:sp>
-        <p:nvSpPr>
-          <p:cNvPr id="2" name="Title 1"/>
-          <p:cNvSpPr>
-            <a:spLocks noGrp="1"/>
-          </p:cNvSpPr>
-          <p:nvPr>
-            <p:ph type="title"/>
-          </p:nvPr>
-        </p:nvSpPr>
-        <p:spPr/>
-        <p:txBody>
-          <a:bodyPr/>
-          <a:lstStyle/>
-          <a:p>
-            <a:r>
-              <a:rPr lang="en-US" dirty="0" smtClean="0"/>
-              <a:t>Summary</a:t>
-            </a:r>
-            <a:endParaRPr lang="en-US" dirty="0"/>
-          </a:p>
-        </p:txBody>
-      </p:sp>
-      <p:sp>
-        <p:nvSpPr>
-          <p:cNvPr id="3" name="Content Placeholder 2"/>
-          <p:cNvSpPr>
-            <a:spLocks noGrp="1"/>
-          </p:cNvSpPr>
-          <p:nvPr>
-            <p:ph idx="1"/>
-          </p:nvPr>
-        </p:nvSpPr>
-        <p:spPr/>
-        <p:txBody>
-          <a:bodyPr/>
-          <a:lstStyle/>
-          <a:p>
-            <a:r>
-              <a:rPr lang="en-US" dirty="0" smtClean="0"/>
-              <a:t>You should now be able to draw diagrams that explain the organization of O-O programs vs. functional programs.</a:t>
-            </a:r>
-            <a:endParaRPr lang="en-US" dirty="0"/>
-          </a:p>
-        </p:txBody>
-      </p:sp>
-      <p:sp>
-        <p:nvSpPr>
-          <p:cNvPr id="4" name="Slide Number Placeholder 3"/>
-          <p:cNvSpPr>
-            <a:spLocks noGrp="1"/>
-          </p:cNvSpPr>
-          <p:nvPr>
-            <p:ph type="sldNum" sz="quarter" idx="12"/>
-          </p:nvPr>
-        </p:nvSpPr>
-        <p:spPr/>
-        <p:txBody>
-          <a:bodyPr/>
-          <a:lstStyle/>
-          <a:p>
-            <a:fld id="{2AF3B5EA-18B6-4040-9F78-6052AF49C681}" type="slidenum">
-              <a:rPr lang="en-US" smtClean="0"/>
-              <a:t>17</a:t>
-            </a:fld>
-            <a:endParaRPr lang="en-US"/>
-          </a:p>
-        </p:txBody>
-      </p:sp>
-    </p:spTree>
-    <p:extLst>
-      <p:ext uri="{BB962C8B-B14F-4D97-AF65-F5344CB8AC3E}">
-        <p14:creationId xmlns:p14="http://schemas.microsoft.com/office/powerpoint/2010/main" val="110263791"/>
       </p:ext>
     </p:extLst>
   </p:cSld>
@@ -13549,7 +13839,7 @@
           <a:p>
             <a:r>
               <a:rPr lang="en-US" dirty="0" smtClean="0"/>
-              <a:t>Next Steps</a:t>
+              <a:t>What's the tradeoff?</a:t>
             </a:r>
             <a:endParaRPr lang="en-US" dirty="0"/>
           </a:p>
@@ -13567,48 +13857,60 @@
         </p:nvSpPr>
         <p:spPr/>
         <p:txBody>
-          <a:bodyPr/>
+          <a:bodyPr>
+            <a:normAutofit fontScale="85000" lnSpcReduction="10000"/>
+          </a:bodyPr>
           <a:lstStyle/>
           <a:p>
             <a:r>
               <a:rPr lang="en-US" dirty="0" smtClean="0"/>
-              <a:t>Review examples </a:t>
-            </a:r>
+              <a:t>Object-oriented organization is better when new data variants are more likely than new operations.</a:t>
+            </a:r>
+          </a:p>
+          <a:p>
             <a:r>
               <a:rPr lang="en-US" dirty="0" smtClean="0"/>
-              <a:t>09-3</a:t>
-            </a:r>
+              <a:t>Functional organization is better when new operations are more likely than new data variants.</a:t>
+            </a:r>
+          </a:p>
+          <a:p>
             <a:r>
               <a:rPr lang="en-US" dirty="0" smtClean="0"/>
-              <a:t> </a:t>
-            </a:r>
+              <a:t>In the real world, you may not have a choice: </a:t>
+            </a:r>
+          </a:p>
+          <a:p>
+            <a:pPr lvl="1"/>
             <a:r>
               <a:rPr lang="en-US" dirty="0" smtClean="0"/>
-              <a:t>through </a:t>
-            </a:r>
+              <a:t>this decision is up to the system architects</a:t>
+            </a:r>
+          </a:p>
+          <a:p>
+            <a:pPr lvl="1"/>
             <a:r>
               <a:rPr lang="en-US" dirty="0" smtClean="0"/>
-              <a:t>09-5</a:t>
-            </a:r>
+              <a:t>or may need compatibility with an existing system</a:t>
+            </a:r>
+          </a:p>
+          <a:p>
             <a:r>
               <a:rPr lang="en-US" dirty="0" smtClean="0"/>
-              <a:t> </a:t>
-            </a:r>
+              <a:t>There are ways to get the best of both worlds </a:t>
+            </a:r>
+          </a:p>
+          <a:p>
+            <a:pPr lvl="1"/>
             <a:r>
               <a:rPr lang="en-US" dirty="0" smtClean="0"/>
-              <a:t>in the examples folder.</a:t>
-            </a:r>
-          </a:p>
-          <a:p>
+              <a:t>but these are beyond the scope of this course</a:t>
+            </a:r>
+          </a:p>
+          <a:p>
+            <a:pPr lvl="1"/>
             <a:r>
               <a:rPr lang="en-US" dirty="0" smtClean="0"/>
-              <a:t>If you have questions about this lesson, ask them on the Discussion Board</a:t>
-            </a:r>
-          </a:p>
-          <a:p>
-            <a:r>
-              <a:rPr lang="en-US" dirty="0" smtClean="0"/>
-              <a:t>Go on to the next lesson</a:t>
+              <a:t>this is called "the expression problem"</a:t>
             </a:r>
             <a:endParaRPr lang="en-US" dirty="0"/>
           </a:p>
@@ -13629,8 +13931,9 @@
           <a:bodyPr/>
           <a:lstStyle/>
           <a:p>
-            <a:fld id="{2AF3B5EA-18B6-4040-9F78-6052AF49C681}" type="slidenum">
+            <a:fld id="{B6F15528-21DE-4FAA-801E-634DDDAF4B2B}" type="slidenum">
               <a:rPr lang="en-US" smtClean="0"/>
+              <a:pPr/>
               <a:t>18</a:t>
             </a:fld>
             <a:endParaRPr lang="en-US"/>
@@ -13640,7 +13943,113 @@
     </p:spTree>
     <p:extLst>
       <p:ext uri="{BB962C8B-B14F-4D97-AF65-F5344CB8AC3E}">
-        <p14:creationId xmlns:p14="http://schemas.microsoft.com/office/powerpoint/2010/main" val="3095478119"/>
+        <p14:creationId xmlns:p14="http://schemas.microsoft.com/office/powerpoint/2010/main" val="3746357049"/>
+      </p:ext>
+    </p:extLst>
+  </p:cSld>
+  <p:clrMapOvr>
+    <a:masterClrMapping/>
+  </p:clrMapOvr>
+  <p:timing>
+    <p:tnLst>
+      <p:par>
+        <p:cTn id="1" dur="indefinite" restart="never" nodeType="tmRoot"/>
+      </p:par>
+    </p:tnLst>
+  </p:timing>
+</p:sld>
+</file>
+
+<file path=ppt/slides/slide19.xml><?xml version="1.0" encoding="utf-8"?>
+<p:sld xmlns:a="http://schemas.openxmlformats.org/drawingml/2006/main" xmlns:r="http://schemas.openxmlformats.org/officeDocument/2006/relationships" xmlns:p="http://schemas.openxmlformats.org/presentationml/2006/main">
+  <p:cSld>
+    <p:spTree>
+      <p:nvGrpSpPr>
+        <p:cNvPr id="1" name=""/>
+        <p:cNvGrpSpPr/>
+        <p:nvPr/>
+      </p:nvGrpSpPr>
+      <p:grpSpPr>
+        <a:xfrm>
+          <a:off x="0" y="0"/>
+          <a:ext cx="0" cy="0"/>
+          <a:chOff x="0" y="0"/>
+          <a:chExt cx="0" cy="0"/>
+        </a:xfrm>
+      </p:grpSpPr>
+      <p:sp>
+        <p:nvSpPr>
+          <p:cNvPr id="2" name="Title 1"/>
+          <p:cNvSpPr>
+            <a:spLocks noGrp="1"/>
+          </p:cNvSpPr>
+          <p:nvPr>
+            <p:ph type="title"/>
+          </p:nvPr>
+        </p:nvSpPr>
+        <p:spPr/>
+        <p:txBody>
+          <a:bodyPr/>
+          <a:lstStyle/>
+          <a:p>
+            <a:r>
+              <a:rPr lang="en-US" dirty="0" smtClean="0"/>
+              <a:t>Summary</a:t>
+            </a:r>
+            <a:endParaRPr lang="en-US" dirty="0"/>
+          </a:p>
+        </p:txBody>
+      </p:sp>
+      <p:sp>
+        <p:nvSpPr>
+          <p:cNvPr id="3" name="Content Placeholder 2"/>
+          <p:cNvSpPr>
+            <a:spLocks noGrp="1"/>
+          </p:cNvSpPr>
+          <p:nvPr>
+            <p:ph idx="1"/>
+          </p:nvPr>
+        </p:nvSpPr>
+        <p:spPr/>
+        <p:txBody>
+          <a:bodyPr/>
+          <a:lstStyle/>
+          <a:p>
+            <a:r>
+              <a:rPr lang="en-US" dirty="0" smtClean="0"/>
+              <a:t>You should now be able to draw diagrams that explain the organization of O-O programs vs. functional programs.</a:t>
+            </a:r>
+            <a:endParaRPr lang="en-US" dirty="0"/>
+          </a:p>
+        </p:txBody>
+      </p:sp>
+      <p:sp>
+        <p:nvSpPr>
+          <p:cNvPr id="4" name="Slide Number Placeholder 3"/>
+          <p:cNvSpPr>
+            <a:spLocks noGrp="1"/>
+          </p:cNvSpPr>
+          <p:nvPr>
+            <p:ph type="sldNum" sz="quarter" idx="12"/>
+          </p:nvPr>
+        </p:nvSpPr>
+        <p:spPr/>
+        <p:txBody>
+          <a:bodyPr/>
+          <a:lstStyle/>
+          <a:p>
+            <a:fld id="{2AF3B5EA-18B6-4040-9F78-6052AF49C681}" type="slidenum">
+              <a:rPr lang="en-US" smtClean="0"/>
+              <a:t>19</a:t>
+            </a:fld>
+            <a:endParaRPr lang="en-US"/>
+          </a:p>
+        </p:txBody>
+      </p:sp>
+    </p:spTree>
+    <p:extLst>
+      <p:ext uri="{BB962C8B-B14F-4D97-AF65-F5344CB8AC3E}">
+        <p14:creationId xmlns:p14="http://schemas.microsoft.com/office/powerpoint/2010/main" val="110263791"/>
       </p:ext>
     </p:extLst>
   </p:cSld>
@@ -13757,6 +14166,124 @@
 </p:sld>
 </file>
 
+<file path=ppt/slides/slide20.xml><?xml version="1.0" encoding="utf-8"?>
+<p:sld xmlns:a="http://schemas.openxmlformats.org/drawingml/2006/main" xmlns:r="http://schemas.openxmlformats.org/officeDocument/2006/relationships" xmlns:p="http://schemas.openxmlformats.org/presentationml/2006/main">
+  <p:cSld>
+    <p:spTree>
+      <p:nvGrpSpPr>
+        <p:cNvPr id="1" name=""/>
+        <p:cNvGrpSpPr/>
+        <p:nvPr/>
+      </p:nvGrpSpPr>
+      <p:grpSpPr>
+        <a:xfrm>
+          <a:off x="0" y="0"/>
+          <a:ext cx="0" cy="0"/>
+          <a:chOff x="0" y="0"/>
+          <a:chExt cx="0" cy="0"/>
+        </a:xfrm>
+      </p:grpSpPr>
+      <p:sp>
+        <p:nvSpPr>
+          <p:cNvPr id="2" name="Title 1"/>
+          <p:cNvSpPr>
+            <a:spLocks noGrp="1"/>
+          </p:cNvSpPr>
+          <p:nvPr>
+            <p:ph type="title"/>
+          </p:nvPr>
+        </p:nvSpPr>
+        <p:spPr/>
+        <p:txBody>
+          <a:bodyPr/>
+          <a:lstStyle/>
+          <a:p>
+            <a:r>
+              <a:rPr lang="en-US" dirty="0" smtClean="0"/>
+              <a:t>Next Steps</a:t>
+            </a:r>
+            <a:endParaRPr lang="en-US" dirty="0"/>
+          </a:p>
+        </p:txBody>
+      </p:sp>
+      <p:sp>
+        <p:nvSpPr>
+          <p:cNvPr id="3" name="Content Placeholder 2"/>
+          <p:cNvSpPr>
+            <a:spLocks noGrp="1"/>
+          </p:cNvSpPr>
+          <p:nvPr>
+            <p:ph idx="1"/>
+          </p:nvPr>
+        </p:nvSpPr>
+        <p:spPr/>
+        <p:txBody>
+          <a:bodyPr/>
+          <a:lstStyle/>
+          <a:p>
+            <a:r>
+              <a:rPr lang="en-US" dirty="0" smtClean="0"/>
+              <a:t>Review examples 09-3 through 09-5 in the examples folder.</a:t>
+            </a:r>
+          </a:p>
+          <a:p>
+            <a:r>
+              <a:rPr lang="en-US" dirty="0" smtClean="0"/>
+              <a:t>If you have questions about this lesson, ask them on the Discussion Board</a:t>
+            </a:r>
+          </a:p>
+          <a:p>
+            <a:r>
+              <a:rPr lang="en-US" dirty="0" smtClean="0"/>
+              <a:t>Go on to the next lesson</a:t>
+            </a:r>
+            <a:endParaRPr lang="en-US" dirty="0"/>
+          </a:p>
+        </p:txBody>
+      </p:sp>
+      <p:sp>
+        <p:nvSpPr>
+          <p:cNvPr id="4" name="Slide Number Placeholder 3"/>
+          <p:cNvSpPr>
+            <a:spLocks noGrp="1"/>
+          </p:cNvSpPr>
+          <p:nvPr>
+            <p:ph type="sldNum" sz="quarter" idx="12"/>
+          </p:nvPr>
+        </p:nvSpPr>
+        <p:spPr/>
+        <p:txBody>
+          <a:bodyPr/>
+          <a:lstStyle/>
+          <a:p>
+            <a:fld id="{2AF3B5EA-18B6-4040-9F78-6052AF49C681}" type="slidenum">
+              <a:rPr lang="en-US" smtClean="0"/>
+              <a:t>20</a:t>
+            </a:fld>
+            <a:endParaRPr lang="en-US"/>
+          </a:p>
+        </p:txBody>
+      </p:sp>
+    </p:spTree>
+    <p:extLst>
+      <p:ext uri="{BB962C8B-B14F-4D97-AF65-F5344CB8AC3E}">
+        <p14:creationId xmlns:p14="http://schemas.microsoft.com/office/powerpoint/2010/main" val="3095478119"/>
+      </p:ext>
+    </p:extLst>
+  </p:cSld>
+  <p:clrMapOvr>
+    <a:masterClrMapping/>
+  </p:clrMapOvr>
+  <p:timing>
+    <p:tnLst>
+      <p:par>
+        <p:cTn id="1" dur="indefinite" restart="never" nodeType="tmRoot"/>
+      </p:par>
+    </p:tnLst>
+  </p:timing>
+</p:sld>
+</file>
+
 <file path=ppt/slides/slide3.xml><?xml version="1.0" encoding="utf-8"?>
 <p:sld xmlns:a="http://schemas.openxmlformats.org/drawingml/2006/main" xmlns:r="http://schemas.openxmlformats.org/officeDocument/2006/relationships" xmlns:p="http://schemas.openxmlformats.org/presentationml/2006/main">
   <p:cSld>
@@ -13791,7 +14318,7 @@
           <a:p>
             <a:r>
               <a:rPr lang="en-US" dirty="0" smtClean="0"/>
-              <a:t>The Big Picture</a:t>
+              <a:t>System Requirements</a:t>
             </a:r>
             <a:endParaRPr lang="en-US" dirty="0"/>
           </a:p>
@@ -13799,7 +14326,7 @@
       </p:sp>
       <p:sp>
         <p:nvSpPr>
-          <p:cNvPr id="3" name="Content Placeholder 2"/>
+          <p:cNvPr id="4" name="Content Placeholder 3"/>
           <p:cNvSpPr>
             <a:spLocks noGrp="1"/>
           </p:cNvSpPr>
@@ -13809,24 +14336,69 @@
         </p:nvSpPr>
         <p:spPr/>
         <p:txBody>
-          <a:bodyPr/>
+          <a:bodyPr>
+            <a:normAutofit fontScale="92500" lnSpcReduction="20000"/>
+          </a:bodyPr>
           <a:lstStyle/>
           <a:p>
             <a:r>
               <a:rPr lang="en-US" dirty="0" smtClean="0"/>
-              <a:t>The functional version and the OO version are really the same.  They just have the pieces grouped differently.</a:t>
-            </a:r>
-          </a:p>
-          <a:p>
+              <a:t>Represent three kinds of shapes:</a:t>
+            </a:r>
+          </a:p>
+          <a:p>
+            <a:pPr lvl="1"/>
             <a:r>
               <a:rPr lang="en-US" dirty="0" smtClean="0"/>
-              <a:t>Here are a couple of slides that illustrate what happened.</a:t>
-            </a:r>
-          </a:p>
-          <a:p>
+              <a:t>circle, </a:t>
+            </a:r>
+          </a:p>
+          <a:p>
+            <a:pPr lvl="1"/>
             <a:r>
               <a:rPr lang="en-US" dirty="0" smtClean="0"/>
-              <a:t>We had 6 little functions to write.  Let's see where they wound up in the functional version, and then in the OO version.</a:t>
+              <a:t>square</a:t>
+            </a:r>
+          </a:p>
+          <a:p>
+            <a:pPr lvl="1"/>
+            <a:r>
+              <a:rPr lang="en-US" dirty="0" smtClean="0"/>
+              <a:t>composite of two shapes </a:t>
+            </a:r>
+          </a:p>
+          <a:p>
+            <a:r>
+              <a:rPr lang="en-US" dirty="0" smtClean="0"/>
+              <a:t>Operations on shapes</a:t>
+            </a:r>
+          </a:p>
+          <a:p>
+            <a:pPr lvl="1"/>
+            <a:r>
+              <a:rPr lang="en-US" dirty="0" smtClean="0"/>
+              <a:t>weight : Shape -&gt; Number</a:t>
+            </a:r>
+          </a:p>
+          <a:p>
+            <a:pPr lvl="2"/>
+            <a:r>
+              <a:rPr lang="en-US" dirty="0" smtClean="0"/>
+              <a:t>RETURNS: the weight of the given shape, assuming that each shape weighs 1 gram per pixel of area</a:t>
+            </a:r>
+          </a:p>
+          <a:p>
+            <a:pPr lvl="1"/>
+            <a:r>
+              <a:rPr lang="en-US" dirty="0" smtClean="0"/>
+              <a:t>add-to-scene : Shape Scene -&gt; Scene</a:t>
+            </a:r>
+          </a:p>
+          <a:p>
+            <a:pPr lvl="2"/>
+            <a:r>
+              <a:rPr lang="en-US" dirty="0" smtClean="0"/>
+              <a:t>RETURNS: a scene like the given one, except that the given shape has been painted on it.</a:t>
             </a:r>
             <a:endParaRPr lang="en-US" dirty="0"/>
           </a:p>
@@ -13834,7 +14406,7 @@
       </p:sp>
       <p:sp>
         <p:nvSpPr>
-          <p:cNvPr id="4" name="Slide Number Placeholder 3"/>
+          <p:cNvPr id="3" name="Slide Number Placeholder 2"/>
           <p:cNvSpPr>
             <a:spLocks noGrp="1"/>
           </p:cNvSpPr>
@@ -13859,7 +14431,7 @@
     </p:spTree>
     <p:extLst>
       <p:ext uri="{BB962C8B-B14F-4D97-AF65-F5344CB8AC3E}">
-        <p14:creationId xmlns:p14="http://schemas.microsoft.com/office/powerpoint/2010/main" val="1845265975"/>
+        <p14:creationId xmlns:p14="http://schemas.microsoft.com/office/powerpoint/2010/main" val="3777175434"/>
       </p:ext>
     </p:extLst>
   </p:cSld>
@@ -13910,7 +14482,7 @@
           <a:p>
             <a:r>
               <a:rPr lang="en-US" dirty="0" smtClean="0"/>
-              <a:t>System Requirements</a:t>
+              <a:t>Code outline (functional version)</a:t>
             </a:r>
             <a:endParaRPr lang="en-US" dirty="0"/>
           </a:p>
@@ -13918,7 +14490,7 @@
       </p:sp>
       <p:sp>
         <p:nvSpPr>
-          <p:cNvPr id="4" name="Content Placeholder 3"/>
+          <p:cNvPr id="5" name="Content Placeholder 4"/>
           <p:cNvSpPr>
             <a:spLocks noGrp="1"/>
           </p:cNvSpPr>
@@ -13929,76 +14501,162 @@
         <p:spPr/>
         <p:txBody>
           <a:bodyPr>
-            <a:normAutofit fontScale="92500" lnSpcReduction="20000"/>
+            <a:normAutofit/>
           </a:bodyPr>
           <a:lstStyle/>
           <a:p>
             <a:r>
-              <a:rPr lang="en-US" dirty="0" smtClean="0"/>
-              <a:t>Represent three kinds of shapes:</a:t>
-            </a:r>
-          </a:p>
-          <a:p>
-            <a:pPr lvl="1"/>
-            <a:r>
-              <a:rPr lang="en-US" dirty="0" smtClean="0"/>
-              <a:t>circle, </a:t>
-            </a:r>
-          </a:p>
-          <a:p>
-            <a:pPr lvl="1"/>
-            <a:r>
-              <a:rPr lang="en-US" dirty="0" smtClean="0"/>
-              <a:t>square</a:t>
-            </a:r>
-          </a:p>
-          <a:p>
-            <a:pPr lvl="1"/>
-            <a:r>
-              <a:rPr lang="en-US" dirty="0" smtClean="0"/>
-              <a:t>composite of two shapes </a:t>
-            </a:r>
-          </a:p>
-          <a:p>
-            <a:r>
-              <a:rPr lang="en-US" dirty="0" smtClean="0"/>
-              <a:t>Operations on shapes</a:t>
-            </a:r>
-          </a:p>
-          <a:p>
-            <a:pPr lvl="1"/>
-            <a:r>
-              <a:rPr lang="en-US" dirty="0" smtClean="0"/>
-              <a:t>weight : Shape -&gt; Number</a:t>
-            </a:r>
-          </a:p>
-          <a:p>
-            <a:pPr lvl="2"/>
-            <a:r>
-              <a:rPr lang="en-US" dirty="0" smtClean="0"/>
-              <a:t>RETURNS: the weight of the given shape, assuming that each shape weighs 1 gram per pixel of area</a:t>
-            </a:r>
-          </a:p>
-          <a:p>
-            <a:pPr lvl="1"/>
-            <a:r>
-              <a:rPr lang="en-US" dirty="0" smtClean="0"/>
-              <a:t>add-to-scene : Shape Scene -&gt; Scene</a:t>
-            </a:r>
-          </a:p>
-          <a:p>
-            <a:pPr lvl="2"/>
-            <a:r>
-              <a:rPr lang="en-US" dirty="0" smtClean="0"/>
-              <a:t>RETURNS: a scene like the given one, except that the given shape has been painted on it.</a:t>
-            </a:r>
-            <a:endParaRPr lang="en-US" dirty="0"/>
-          </a:p>
-        </p:txBody>
-      </p:sp>
-      <p:sp>
-        <p:nvSpPr>
-          <p:cNvPr id="3" name="Slide Number Placeholder 2"/>
+              <a:rPr lang="en-US" sz="2000" dirty="0"/>
+              <a:t>(define-</a:t>
+            </a:r>
+            <a:r>
+              <a:rPr lang="en-US" sz="2000" dirty="0" err="1"/>
+              <a:t>struct</a:t>
+            </a:r>
+            <a:r>
+              <a:rPr lang="en-US" sz="2000" dirty="0"/>
+              <a:t> my-circle (x y r color</a:t>
+            </a:r>
+            <a:r>
+              <a:rPr lang="en-US" sz="2000" dirty="0" smtClean="0"/>
+              <a:t>))</a:t>
+            </a:r>
+            <a:endParaRPr lang="en-US" sz="2000" dirty="0"/>
+          </a:p>
+          <a:p>
+            <a:r>
+              <a:rPr lang="en-US" sz="2000" dirty="0"/>
+              <a:t>(define-</a:t>
+            </a:r>
+            <a:r>
+              <a:rPr lang="en-US" sz="2000" dirty="0" err="1"/>
+              <a:t>struct</a:t>
+            </a:r>
+            <a:r>
+              <a:rPr lang="en-US" sz="2000" dirty="0"/>
+              <a:t> my-square (x y l </a:t>
+            </a:r>
+            <a:r>
+              <a:rPr lang="en-US" sz="2000" dirty="0" smtClean="0"/>
+              <a:t>color))</a:t>
+            </a:r>
+            <a:endParaRPr lang="en-US" sz="2000" dirty="0"/>
+          </a:p>
+          <a:p>
+            <a:r>
+              <a:rPr lang="en-US" sz="2000" dirty="0"/>
+              <a:t>(</a:t>
+            </a:r>
+            <a:r>
+              <a:rPr lang="en-US" sz="2000" dirty="0" smtClean="0"/>
+              <a:t>define-</a:t>
+            </a:r>
+            <a:r>
+              <a:rPr lang="en-US" sz="2000" dirty="0" err="1" smtClean="0"/>
+              <a:t>struct</a:t>
+            </a:r>
+            <a:r>
+              <a:rPr lang="en-US" sz="2000" dirty="0" smtClean="0"/>
+              <a:t> </a:t>
+            </a:r>
+            <a:r>
+              <a:rPr lang="en-US" sz="2000" dirty="0"/>
+              <a:t>my-composite (front back</a:t>
+            </a:r>
+            <a:r>
+              <a:rPr lang="en-US" sz="2000" dirty="0" smtClean="0"/>
+              <a:t>))</a:t>
+            </a:r>
+          </a:p>
+          <a:p>
+            <a:endParaRPr lang="en-US" sz="2000" dirty="0"/>
+          </a:p>
+          <a:p>
+            <a:r>
+              <a:rPr lang="en-US" sz="2000" dirty="0"/>
+              <a:t>;; A Shape is one of</a:t>
+            </a:r>
+          </a:p>
+          <a:p>
+            <a:r>
+              <a:rPr lang="en-US" sz="2000" dirty="0"/>
+              <a:t>;; -- (make-my-circle Number </a:t>
+            </a:r>
+            <a:r>
+              <a:rPr lang="en-US" sz="2000" dirty="0" err="1"/>
+              <a:t>Number</a:t>
+            </a:r>
+            <a:r>
+              <a:rPr lang="en-US" sz="2000" dirty="0"/>
+              <a:t> </a:t>
+            </a:r>
+            <a:r>
+              <a:rPr lang="en-US" sz="2000" dirty="0" err="1"/>
+              <a:t>Number</a:t>
+            </a:r>
+            <a:r>
+              <a:rPr lang="en-US" sz="2000" dirty="0"/>
+              <a:t> </a:t>
+            </a:r>
+            <a:r>
+              <a:rPr lang="en-US" sz="2000" dirty="0" err="1"/>
+              <a:t>ColorString</a:t>
+            </a:r>
+            <a:r>
+              <a:rPr lang="en-US" sz="2000" dirty="0"/>
+              <a:t>)</a:t>
+            </a:r>
+          </a:p>
+          <a:p>
+            <a:r>
+              <a:rPr lang="en-US" sz="2000" dirty="0"/>
+              <a:t>;; -- (make-my-square Number </a:t>
+            </a:r>
+            <a:r>
+              <a:rPr lang="en-US" sz="2000" dirty="0" err="1"/>
+              <a:t>Number</a:t>
+            </a:r>
+            <a:r>
+              <a:rPr lang="en-US" sz="2000" dirty="0"/>
+              <a:t> </a:t>
+            </a:r>
+            <a:r>
+              <a:rPr lang="en-US" sz="2000" dirty="0" err="1"/>
+              <a:t>Number</a:t>
+            </a:r>
+            <a:r>
+              <a:rPr lang="en-US" sz="2000" dirty="0"/>
+              <a:t> </a:t>
+            </a:r>
+            <a:r>
+              <a:rPr lang="en-US" sz="2000" dirty="0" err="1"/>
+              <a:t>ColorString</a:t>
+            </a:r>
+            <a:r>
+              <a:rPr lang="en-US" sz="2000" dirty="0"/>
+              <a:t>)</a:t>
+            </a:r>
+          </a:p>
+          <a:p>
+            <a:r>
+              <a:rPr lang="en-US" sz="2000" dirty="0"/>
+              <a:t>;; -- (make-my-composite Shape Shape)</a:t>
+            </a:r>
+          </a:p>
+          <a:p>
+            <a:endParaRPr lang="en-US" sz="2000" dirty="0" smtClean="0"/>
+          </a:p>
+          <a:p>
+            <a:endParaRPr lang="en-US" sz="2000" dirty="0"/>
+          </a:p>
+          <a:p>
+            <a:endParaRPr lang="en-US" sz="2000" dirty="0"/>
+          </a:p>
+        </p:txBody>
+      </p:sp>
+      <p:sp>
+        <p:nvSpPr>
+          <p:cNvPr id="4" name="Slide Number Placeholder 3"/>
           <p:cNvSpPr>
             <a:spLocks noGrp="1"/>
           </p:cNvSpPr>
@@ -14011,9 +14669,8 @@
           <a:bodyPr/>
           <a:lstStyle/>
           <a:p>
-            <a:fld id="{B6F15528-21DE-4FAA-801E-634DDDAF4B2B}" type="slidenum">
+            <a:fld id="{2AF3B5EA-18B6-4040-9F78-6052AF49C681}" type="slidenum">
               <a:rPr lang="en-US" smtClean="0"/>
-              <a:pPr/>
               <a:t>4</a:t>
             </a:fld>
             <a:endParaRPr lang="en-US"/>
@@ -14023,20 +14680,13 @@
     </p:spTree>
     <p:extLst>
       <p:ext uri="{BB962C8B-B14F-4D97-AF65-F5344CB8AC3E}">
-        <p14:creationId xmlns:p14="http://schemas.microsoft.com/office/powerpoint/2010/main" val="3777175434"/>
+        <p14:creationId xmlns:p14="http://schemas.microsoft.com/office/powerpoint/2010/main" val="676982001"/>
       </p:ext>
     </p:extLst>
   </p:cSld>
   <p:clrMapOvr>
     <a:masterClrMapping/>
   </p:clrMapOvr>
-  <p:timing>
-    <p:tnLst>
-      <p:par>
-        <p:cTn id="1" dur="indefinite" restart="never" nodeType="tmRoot"/>
-      </p:par>
-    </p:tnLst>
-  </p:timing>
 </p:sld>
 </file>
 
@@ -14074,7 +14724,7 @@
           <a:p>
             <a:r>
               <a:rPr lang="en-US" dirty="0" smtClean="0"/>
-              <a:t>Code outline (functional version)</a:t>
+              <a:t>Code outline (2)</a:t>
             </a:r>
             <a:endParaRPr lang="en-US" dirty="0"/>
           </a:p>
@@ -14082,7 +14732,7 @@
       </p:sp>
       <p:sp>
         <p:nvSpPr>
-          <p:cNvPr id="5" name="Content Placeholder 4"/>
+          <p:cNvPr id="3" name="Content Placeholder 2"/>
           <p:cNvSpPr>
             <a:spLocks noGrp="1"/>
           </p:cNvSpPr>
@@ -14090,164 +14740,286 @@
             <p:ph idx="1"/>
           </p:nvPr>
         </p:nvSpPr>
-        <p:spPr/>
+        <p:spPr>
+          <a:xfrm>
+            <a:off x="94343" y="1600200"/>
+            <a:ext cx="8955314" cy="4525963"/>
+          </a:xfrm>
+        </p:spPr>
         <p:txBody>
           <a:bodyPr>
-            <a:normAutofit fontScale="92500" lnSpcReduction="20000"/>
+            <a:noAutofit/>
           </a:bodyPr>
           <a:lstStyle/>
           <a:p>
-            <a:r>
-              <a:rPr lang="en-US" sz="2000" dirty="0"/>
-              <a:t>(define-</a:t>
-            </a:r>
-            <a:r>
-              <a:rPr lang="en-US" sz="2000" dirty="0" err="1"/>
-              <a:t>struct</a:t>
-            </a:r>
-            <a:r>
-              <a:rPr lang="en-US" sz="2000" dirty="0"/>
-              <a:t> my-circle (x y r color</a:t>
-            </a:r>
-            <a:r>
-              <a:rPr lang="en-US" sz="2000" dirty="0" smtClean="0"/>
-              <a:t>))</a:t>
-            </a:r>
-            <a:endParaRPr lang="en-US" sz="2000" dirty="0"/>
-          </a:p>
-          <a:p>
-            <a:r>
-              <a:rPr lang="en-US" sz="2000" dirty="0"/>
-              <a:t>(define-</a:t>
-            </a:r>
-            <a:r>
-              <a:rPr lang="en-US" sz="2000" dirty="0" err="1"/>
-              <a:t>struct</a:t>
-            </a:r>
-            <a:r>
-              <a:rPr lang="en-US" sz="2000" dirty="0"/>
-              <a:t> my-square (x y l </a:t>
-            </a:r>
-            <a:r>
-              <a:rPr lang="en-US" sz="2000" dirty="0" smtClean="0"/>
-              <a:t>color))</a:t>
-            </a:r>
-            <a:endParaRPr lang="en-US" sz="2000" dirty="0"/>
-          </a:p>
-          <a:p>
-            <a:r>
-              <a:rPr lang="en-US" sz="2000" dirty="0"/>
+            <a:pPr>
+              <a:spcBef>
+                <a:spcPts val="0"/>
+              </a:spcBef>
+            </a:pPr>
+            <a:r>
+              <a:rPr lang="en-US" sz="1400" dirty="0"/>
+              <a:t>;; weight : Shape -&gt; Number</a:t>
+            </a:r>
+          </a:p>
+          <a:p>
+            <a:pPr>
+              <a:spcBef>
+                <a:spcPts val="0"/>
+              </a:spcBef>
+            </a:pPr>
+            <a:r>
+              <a:rPr lang="en-US" sz="1400" dirty="0"/>
+              <a:t>;; GIVEN: a shape</a:t>
+            </a:r>
+          </a:p>
+          <a:p>
+            <a:pPr>
+              <a:spcBef>
+                <a:spcPts val="0"/>
+              </a:spcBef>
+            </a:pPr>
+            <a:r>
+              <a:rPr lang="en-US" sz="1400" dirty="0"/>
+              <a:t>;; RETURNS: the weight of the shape, assuming that each</a:t>
+            </a:r>
+          </a:p>
+          <a:p>
+            <a:pPr>
+              <a:spcBef>
+                <a:spcPts val="0"/>
+              </a:spcBef>
+            </a:pPr>
+            <a:r>
+              <a:rPr lang="en-US" sz="1400" dirty="0"/>
+              <a:t>;; shape weighs 1 gram per pixel of area.</a:t>
+            </a:r>
+          </a:p>
+          <a:p>
+            <a:pPr>
+              <a:spcBef>
+                <a:spcPts val="0"/>
+              </a:spcBef>
+            </a:pPr>
+            <a:r>
+              <a:rPr lang="en-US" sz="1400" dirty="0"/>
+              <a:t>;; STRATEGY: Use template for </a:t>
+            </a:r>
+            <a:r>
+              <a:rPr lang="en-US" sz="1400" dirty="0" smtClean="0"/>
+              <a:t>Shape on s</a:t>
+            </a:r>
+            <a:endParaRPr lang="en-US" sz="1400" dirty="0"/>
+          </a:p>
+          <a:p>
+            <a:pPr>
+              <a:spcBef>
+                <a:spcPts val="0"/>
+              </a:spcBef>
+            </a:pPr>
+            <a:endParaRPr lang="en-US" sz="1400" dirty="0"/>
+          </a:p>
+          <a:p>
+            <a:pPr>
+              <a:spcBef>
+                <a:spcPts val="0"/>
+              </a:spcBef>
+            </a:pPr>
+            <a:r>
+              <a:rPr lang="en-US" sz="1400" dirty="0"/>
+              <a:t>(define (weight s)</a:t>
+            </a:r>
+          </a:p>
+          <a:p>
+            <a:pPr>
+              <a:spcBef>
+                <a:spcPts val="0"/>
+              </a:spcBef>
+            </a:pPr>
+            <a:r>
+              <a:rPr lang="en-US" sz="1400" dirty="0"/>
+              <a:t>  (cond</a:t>
+            </a:r>
+          </a:p>
+          <a:p>
+            <a:pPr>
+              <a:spcBef>
+                <a:spcPts val="0"/>
+              </a:spcBef>
+            </a:pPr>
+            <a:r>
+              <a:rPr lang="en-US" sz="1400" dirty="0"/>
+              <a:t>    [(my-circle? s)    (my-circle-weight s)]</a:t>
+            </a:r>
+          </a:p>
+          <a:p>
+            <a:pPr>
+              <a:spcBef>
+                <a:spcPts val="0"/>
+              </a:spcBef>
+            </a:pPr>
+            <a:r>
+              <a:rPr lang="en-US" sz="1400" dirty="0"/>
+              <a:t>    [(my-square? s)    (my-square-weight s)]</a:t>
+            </a:r>
+          </a:p>
+          <a:p>
+            <a:pPr>
+              <a:spcBef>
+                <a:spcPts val="0"/>
+              </a:spcBef>
+            </a:pPr>
+            <a:r>
+              <a:rPr lang="en-US" sz="1400" dirty="0"/>
+              <a:t>    [(my-composite? s) (my-composite-weight s)]))</a:t>
+            </a:r>
+          </a:p>
+          <a:p>
+            <a:pPr>
+              <a:spcBef>
+                <a:spcPts val="0"/>
+              </a:spcBef>
+            </a:pPr>
+            <a:endParaRPr lang="en-US" sz="1400" dirty="0" smtClean="0"/>
+          </a:p>
+          <a:p>
+            <a:pPr>
+              <a:spcBef>
+                <a:spcPts val="0"/>
+              </a:spcBef>
+            </a:pPr>
+            <a:r>
+              <a:rPr lang="en-US" sz="1400" dirty="0" smtClean="0"/>
+              <a:t>;; </a:t>
+            </a:r>
+            <a:r>
+              <a:rPr lang="en-US" sz="1400" dirty="0"/>
+              <a:t>add-to-scene : Shape Scene -&gt; Scene</a:t>
+            </a:r>
+          </a:p>
+          <a:p>
+            <a:pPr>
+              <a:spcBef>
+                <a:spcPts val="0"/>
+              </a:spcBef>
+            </a:pPr>
+            <a:r>
+              <a:rPr lang="en-US" sz="1400" dirty="0"/>
+              <a:t>;; RETURNS: a scene like the given one, but with </a:t>
+            </a:r>
+            <a:r>
+              <a:rPr lang="en-US" sz="1400" dirty="0" smtClean="0"/>
+              <a:t>the</a:t>
+            </a:r>
+          </a:p>
+          <a:p>
+            <a:pPr>
+              <a:spcBef>
+                <a:spcPts val="0"/>
+              </a:spcBef>
+            </a:pPr>
+            <a:r>
+              <a:rPr lang="en-US" sz="1400" dirty="0" smtClean="0"/>
+              <a:t>;; </a:t>
+            </a:r>
+            <a:r>
+              <a:rPr lang="en-US" sz="1400" dirty="0"/>
+              <a:t>given </a:t>
+            </a:r>
+            <a:r>
+              <a:rPr lang="en-US" sz="1400" dirty="0" smtClean="0"/>
+              <a:t>shape </a:t>
+            </a:r>
+            <a:r>
+              <a:rPr lang="en-US" sz="1400" dirty="0"/>
+              <a:t>painted on it.</a:t>
+            </a:r>
+          </a:p>
+          <a:p>
+            <a:pPr>
+              <a:spcBef>
+                <a:spcPts val="0"/>
+              </a:spcBef>
+            </a:pPr>
+            <a:r>
+              <a:rPr lang="en-US" sz="1400" dirty="0"/>
+              <a:t>;; STRATEGY: Use template for Shape on </a:t>
+            </a:r>
+            <a:r>
+              <a:rPr lang="en-US" sz="1400" dirty="0" smtClean="0"/>
+              <a:t>s</a:t>
+            </a:r>
+          </a:p>
+          <a:p>
+            <a:pPr>
+              <a:spcBef>
+                <a:spcPts val="0"/>
+              </a:spcBef>
+            </a:pPr>
+            <a:endParaRPr lang="en-US" sz="1400" dirty="0"/>
+          </a:p>
+          <a:p>
+            <a:pPr>
+              <a:spcBef>
+                <a:spcPts val="0"/>
+              </a:spcBef>
+            </a:pPr>
+            <a:r>
+              <a:rPr lang="en-US" sz="1400" dirty="0"/>
+              <a:t>(define (add-to-scene s scene)</a:t>
+            </a:r>
+          </a:p>
+          <a:p>
+            <a:pPr>
+              <a:spcBef>
+                <a:spcPts val="0"/>
+              </a:spcBef>
+            </a:pPr>
+            <a:r>
+              <a:rPr lang="en-US" sz="1400" dirty="0"/>
+              <a:t>  (cond</a:t>
+            </a:r>
+          </a:p>
+          <a:p>
+            <a:pPr>
+              <a:spcBef>
+                <a:spcPts val="0"/>
+              </a:spcBef>
+            </a:pPr>
+            <a:r>
+              <a:rPr lang="en-US" sz="1400" dirty="0"/>
+              <a:t>    [(my-circle? s) (my-circle-add-to-scene s scene)]</a:t>
+            </a:r>
+          </a:p>
+          <a:p>
+            <a:pPr>
+              <a:spcBef>
+                <a:spcPts val="0"/>
+              </a:spcBef>
+            </a:pPr>
+            <a:r>
+              <a:rPr lang="en-US" sz="1400" dirty="0"/>
+              <a:t>    [(my-square? s) (my-square-add-to-scene s scene)]</a:t>
+            </a:r>
+          </a:p>
+          <a:p>
+            <a:pPr>
+              <a:spcBef>
+                <a:spcPts val="0"/>
+              </a:spcBef>
+            </a:pPr>
+            <a:r>
+              <a:rPr lang="en-US" sz="1400" dirty="0"/>
+              <a:t>    [(my-composite? s) </a:t>
+            </a:r>
+            <a:r>
+              <a:rPr lang="en-US" sz="1400" dirty="0" smtClean="0"/>
               <a:t>(</a:t>
             </a:r>
             <a:r>
-              <a:rPr lang="en-US" sz="2000" dirty="0" smtClean="0"/>
-              <a:t>define-</a:t>
-            </a:r>
-            <a:r>
-              <a:rPr lang="en-US" sz="2000" dirty="0" err="1" smtClean="0"/>
-              <a:t>struct</a:t>
-            </a:r>
-            <a:r>
-              <a:rPr lang="en-US" sz="2000" dirty="0" smtClean="0"/>
-              <a:t> </a:t>
-            </a:r>
-            <a:r>
-              <a:rPr lang="en-US" sz="2000" dirty="0"/>
-              <a:t>my-composite (front back</a:t>
-            </a:r>
-            <a:r>
-              <a:rPr lang="en-US" sz="2000" dirty="0" smtClean="0"/>
-              <a:t>))</a:t>
-            </a:r>
-          </a:p>
-          <a:p>
-            <a:endParaRPr lang="en-US" sz="2000" dirty="0"/>
-          </a:p>
-          <a:p>
-            <a:r>
-              <a:rPr lang="en-US" sz="2000" dirty="0"/>
-              <a:t>;; weight : Shape -&gt; Number</a:t>
-            </a:r>
-          </a:p>
-          <a:p>
-            <a:r>
-              <a:rPr lang="en-US" sz="2000" dirty="0"/>
-              <a:t>;; GIVEN: a shape</a:t>
-            </a:r>
-          </a:p>
-          <a:p>
-            <a:r>
-              <a:rPr lang="en-US" sz="2000" dirty="0"/>
-              <a:t>;; RETURNS: the weight of the shape, assuming that </a:t>
-            </a:r>
-            <a:r>
-              <a:rPr lang="en-US" sz="2000" dirty="0" smtClean="0"/>
-              <a:t>each</a:t>
-            </a:r>
-          </a:p>
-          <a:p>
-            <a:r>
-              <a:rPr lang="en-US" sz="2000" dirty="0" smtClean="0"/>
-              <a:t>;; </a:t>
-            </a:r>
-            <a:r>
-              <a:rPr lang="en-US" sz="2000" dirty="0"/>
-              <a:t>shape weighs </a:t>
-            </a:r>
-            <a:r>
-              <a:rPr lang="en-US" sz="2000" dirty="0" smtClean="0"/>
-              <a:t>1 </a:t>
-            </a:r>
-            <a:r>
-              <a:rPr lang="en-US" sz="2000" dirty="0"/>
-              <a:t>gram per pixel of area.</a:t>
-            </a:r>
-          </a:p>
-          <a:p>
-            <a:r>
-              <a:rPr lang="en-US" sz="2000" dirty="0"/>
-              <a:t>;; STRATEGY: Use template for </a:t>
-            </a:r>
-            <a:r>
-              <a:rPr lang="en-US" sz="2000" dirty="0" smtClean="0"/>
-              <a:t>Shape</a:t>
-            </a:r>
-          </a:p>
-          <a:p>
-            <a:endParaRPr lang="en-US" sz="2000" dirty="0"/>
-          </a:p>
-          <a:p>
-            <a:r>
-              <a:rPr lang="en-US" sz="2000" dirty="0"/>
-              <a:t>(define (weight s)</a:t>
-            </a:r>
-          </a:p>
-          <a:p>
-            <a:r>
-              <a:rPr lang="en-US" sz="2000" dirty="0"/>
-              <a:t>  (cond</a:t>
-            </a:r>
-          </a:p>
-          <a:p>
-            <a:r>
-              <a:rPr lang="en-US" sz="2000" dirty="0"/>
-              <a:t>    [(my-circle? s)    (my-circle-weight s)]</a:t>
-            </a:r>
-          </a:p>
-          <a:p>
-            <a:r>
-              <a:rPr lang="en-US" sz="2000" dirty="0"/>
-              <a:t>    [(my-square? s)    (my-square-weight s)]</a:t>
-            </a:r>
-          </a:p>
-          <a:p>
-            <a:r>
-              <a:rPr lang="en-US" sz="2000" dirty="0"/>
-              <a:t>    [(my-composite? s) (my-composite-weight s)]))</a:t>
-            </a:r>
-          </a:p>
-          <a:p>
-            <a:endParaRPr lang="en-US" sz="2000" dirty="0"/>
+              <a:rPr lang="en-US" sz="1400" dirty="0"/>
+              <a:t>my-composite-add-to-scene s scene)]))</a:t>
+            </a:r>
           </a:p>
         </p:txBody>
       </p:sp>
@@ -14274,10 +15046,216 @@
           </a:p>
         </p:txBody>
       </p:sp>
+      <p:sp>
+        <p:nvSpPr>
+          <p:cNvPr id="5" name="Rectangle 4"/>
+          <p:cNvSpPr/>
+          <p:nvPr/>
+        </p:nvSpPr>
+        <p:spPr>
+          <a:xfrm>
+            <a:off x="6276753" y="3427227"/>
+            <a:ext cx="2772904" cy="2133600"/>
+          </a:xfrm>
+          <a:prstGeom prst="rect">
+            <a:avLst/>
+          </a:prstGeom>
+          <a:solidFill>
+            <a:schemeClr val="accent3">
+              <a:lumMod val="40000"/>
+              <a:lumOff val="60000"/>
+            </a:schemeClr>
+          </a:solidFill>
+          <a:ln/>
+        </p:spPr>
+        <p:style>
+          <a:lnRef idx="2">
+            <a:schemeClr val="accent1"/>
+          </a:lnRef>
+          <a:fillRef idx="1">
+            <a:schemeClr val="lt1"/>
+          </a:fillRef>
+          <a:effectRef idx="0">
+            <a:schemeClr val="accent1"/>
+          </a:effectRef>
+          <a:fontRef idx="minor">
+            <a:schemeClr val="dk1"/>
+          </a:fontRef>
+        </p:style>
+        <p:txBody>
+          <a:bodyPr rot="0" spcFirstLastPara="0" vertOverflow="overflow" horzOverflow="overflow" vert="horz" wrap="square" lIns="91440" tIns="45720" rIns="91440" bIns="45720" numCol="1" spcCol="0" rtlCol="0" fromWordArt="0" anchor="t" anchorCtr="0" forceAA="0" compatLnSpc="1">
+            <a:prstTxWarp prst="textNoShape">
+              <a:avLst/>
+            </a:prstTxWarp>
+            <a:noAutofit/>
+          </a:bodyPr>
+          <a:lstStyle/>
+          <a:p>
+            <a:r>
+              <a:rPr lang="en-US" sz="1600" dirty="0" smtClean="0">
+                <a:solidFill>
+                  <a:schemeClr val="tx1"/>
+                </a:solidFill>
+              </a:rPr>
+              <a:t>6 small functions left to write:</a:t>
+            </a:r>
+          </a:p>
+          <a:p>
+            <a:pPr marL="285750" indent="-285750">
+              <a:buFont typeface="Arial" panose="020B0604020202020204" pitchFamily="34" charset="0"/>
+              <a:buChar char="•"/>
+            </a:pPr>
+            <a:r>
+              <a:rPr lang="en-US" sz="1600" dirty="0" smtClean="0">
+                <a:solidFill>
+                  <a:schemeClr val="tx1"/>
+                </a:solidFill>
+              </a:rPr>
+              <a:t>my-circle-add-to-scene</a:t>
+            </a:r>
+          </a:p>
+          <a:p>
+            <a:pPr marL="285750" indent="-285750">
+              <a:buFont typeface="Arial" panose="020B0604020202020204" pitchFamily="34" charset="0"/>
+              <a:buChar char="•"/>
+            </a:pPr>
+            <a:r>
+              <a:rPr lang="en-US" sz="1600" dirty="0" smtClean="0">
+                <a:solidFill>
+                  <a:schemeClr val="tx1"/>
+                </a:solidFill>
+              </a:rPr>
+              <a:t>my-square-add-to-scene</a:t>
+            </a:r>
+          </a:p>
+          <a:p>
+            <a:pPr marL="285750" indent="-285750">
+              <a:buFont typeface="Arial" panose="020B0604020202020204" pitchFamily="34" charset="0"/>
+              <a:buChar char="•"/>
+            </a:pPr>
+            <a:r>
+              <a:rPr lang="en-US" sz="1600" dirty="0" smtClean="0">
+                <a:solidFill>
+                  <a:schemeClr val="tx1"/>
+                </a:solidFill>
+              </a:rPr>
+              <a:t>my-composite-add-to-scene</a:t>
+            </a:r>
+          </a:p>
+          <a:p>
+            <a:pPr marL="285750" indent="-285750">
+              <a:buFont typeface="Arial" panose="020B0604020202020204" pitchFamily="34" charset="0"/>
+              <a:buChar char="•"/>
+            </a:pPr>
+            <a:r>
+              <a:rPr lang="en-US" sz="1600" dirty="0" smtClean="0">
+                <a:solidFill>
+                  <a:schemeClr val="tx1"/>
+                </a:solidFill>
+              </a:rPr>
+              <a:t>my-circle-weight</a:t>
+            </a:r>
+          </a:p>
+          <a:p>
+            <a:pPr marL="285750" indent="-285750">
+              <a:buFont typeface="Arial" panose="020B0604020202020204" pitchFamily="34" charset="0"/>
+              <a:buChar char="•"/>
+            </a:pPr>
+            <a:r>
+              <a:rPr lang="en-US" sz="1600" dirty="0" smtClean="0">
+                <a:solidFill>
+                  <a:schemeClr val="tx1"/>
+                </a:solidFill>
+              </a:rPr>
+              <a:t>my-square-weight</a:t>
+            </a:r>
+          </a:p>
+          <a:p>
+            <a:pPr marL="285750" indent="-285750">
+              <a:buFont typeface="Arial" panose="020B0604020202020204" pitchFamily="34" charset="0"/>
+              <a:buChar char="•"/>
+            </a:pPr>
+            <a:r>
+              <a:rPr lang="en-US" sz="1600" dirty="0" smtClean="0">
+                <a:solidFill>
+                  <a:schemeClr val="tx1"/>
+                </a:solidFill>
+              </a:rPr>
+              <a:t>my-composite-weight</a:t>
+            </a:r>
+            <a:endParaRPr lang="en-US" sz="1600" dirty="0">
+              <a:solidFill>
+                <a:schemeClr val="tx1"/>
+              </a:solidFill>
+            </a:endParaRPr>
+          </a:p>
+        </p:txBody>
+      </p:sp>
+      <p:sp>
+        <p:nvSpPr>
+          <p:cNvPr id="6" name="Rectangle 5"/>
+          <p:cNvSpPr/>
+          <p:nvPr/>
+        </p:nvSpPr>
+        <p:spPr>
+          <a:xfrm>
+            <a:off x="6553200" y="1647825"/>
+            <a:ext cx="2282456" cy="1382232"/>
+          </a:xfrm>
+          <a:prstGeom prst="rect">
+            <a:avLst/>
+          </a:prstGeom>
+          <a:solidFill>
+            <a:schemeClr val="accent3">
+              <a:lumMod val="40000"/>
+              <a:lumOff val="60000"/>
+            </a:schemeClr>
+          </a:solidFill>
+          <a:ln/>
+        </p:spPr>
+        <p:style>
+          <a:lnRef idx="2">
+            <a:schemeClr val="accent1"/>
+          </a:lnRef>
+          <a:fillRef idx="1">
+            <a:schemeClr val="lt1"/>
+          </a:fillRef>
+          <a:effectRef idx="0">
+            <a:schemeClr val="accent1"/>
+          </a:effectRef>
+          <a:fontRef idx="minor">
+            <a:schemeClr val="dk1"/>
+          </a:fontRef>
+        </p:style>
+        <p:txBody>
+          <a:bodyPr rot="0" spcFirstLastPara="0" vertOverflow="overflow" horzOverflow="overflow" vert="horz" wrap="square" lIns="91440" tIns="45720" rIns="91440" bIns="45720" numCol="1" spcCol="0" rtlCol="0" fromWordArt="0" anchor="ctr" anchorCtr="0" forceAA="0" compatLnSpc="1">
+            <a:prstTxWarp prst="textNoShape">
+              <a:avLst/>
+            </a:prstTxWarp>
+            <a:noAutofit/>
+          </a:bodyPr>
+          <a:lstStyle/>
+          <a:p>
+            <a:r>
+              <a:rPr lang="en-US" sz="1600" dirty="0" smtClean="0">
+                <a:solidFill>
+                  <a:schemeClr val="tx1"/>
+                </a:solidFill>
+              </a:rPr>
+              <a:t>In real code, I probably wouldn’t break these out into help functions, but I’ve done it here to help make my point. </a:t>
+            </a:r>
+            <a:endParaRPr lang="en-US" sz="1600" dirty="0">
+              <a:solidFill>
+                <a:schemeClr val="tx1"/>
+              </a:solidFill>
+            </a:endParaRPr>
+          </a:p>
+        </p:txBody>
+      </p:sp>
     </p:spTree>
     <p:extLst>
       <p:ext uri="{BB962C8B-B14F-4D97-AF65-F5344CB8AC3E}">
-        <p14:creationId xmlns:p14="http://schemas.microsoft.com/office/powerpoint/2010/main" val="676982001"/>
+        <p14:creationId xmlns:p14="http://schemas.microsoft.com/office/powerpoint/2010/main" val="2682878692"/>
       </p:ext>
     </p:extLst>
   </p:cSld>
@@ -14306,6 +15284,159 @@
       </p:grpSpPr>
       <p:sp>
         <p:nvSpPr>
+          <p:cNvPr id="3" name="Content Placeholder 2"/>
+          <p:cNvSpPr>
+            <a:spLocks noGrp="1"/>
+          </p:cNvSpPr>
+          <p:nvPr>
+            <p:ph idx="1"/>
+          </p:nvPr>
+        </p:nvSpPr>
+        <p:spPr/>
+        <p:txBody>
+          <a:bodyPr>
+            <a:normAutofit/>
+          </a:bodyPr>
+          <a:lstStyle/>
+          <a:p>
+            <a:pPr>
+              <a:spcBef>
+                <a:spcPts val="0"/>
+              </a:spcBef>
+            </a:pPr>
+            <a:r>
+              <a:rPr lang="en-US" sz="1600" dirty="0"/>
+              <a:t>(define (my-circle-weight s) (* pi (my-circle-r s) (my-circle-r s)))</a:t>
+            </a:r>
+          </a:p>
+          <a:p>
+            <a:pPr>
+              <a:spcBef>
+                <a:spcPts val="0"/>
+              </a:spcBef>
+            </a:pPr>
+            <a:r>
+              <a:rPr lang="en-US" sz="1600" dirty="0"/>
+              <a:t>(define (my-square-weight s) (* (my-square-l s) (my-square-l s)))</a:t>
+            </a:r>
+          </a:p>
+          <a:p>
+            <a:pPr>
+              <a:spcBef>
+                <a:spcPts val="0"/>
+              </a:spcBef>
+            </a:pPr>
+            <a:r>
+              <a:rPr lang="en-US" sz="1600" dirty="0"/>
+              <a:t>(define (my-composite-weight s) (+ (weight (my-composite-front s))</a:t>
+            </a:r>
+          </a:p>
+          <a:p>
+            <a:pPr>
+              <a:spcBef>
+                <a:spcPts val="0"/>
+              </a:spcBef>
+            </a:pPr>
+            <a:r>
+              <a:rPr lang="en-US" sz="1600" dirty="0"/>
+              <a:t>                                   (weight (my-composite-back s</a:t>
+            </a:r>
+            <a:r>
+              <a:rPr lang="en-US" sz="1600" dirty="0" smtClean="0"/>
+              <a:t>))))</a:t>
+            </a:r>
+          </a:p>
+          <a:p>
+            <a:pPr>
+              <a:spcBef>
+                <a:spcPts val="0"/>
+              </a:spcBef>
+            </a:pPr>
+            <a:endParaRPr lang="en-US" sz="1600" dirty="0"/>
+          </a:p>
+          <a:p>
+            <a:pPr>
+              <a:spcBef>
+                <a:spcPts val="0"/>
+              </a:spcBef>
+            </a:pPr>
+            <a:r>
+              <a:rPr lang="en-US" sz="1600" dirty="0" smtClean="0"/>
+              <a:t>(</a:t>
+            </a:r>
+            <a:r>
+              <a:rPr lang="en-US" sz="1600" dirty="0"/>
+              <a:t>define (my-composite-add-to-scene s scene)</a:t>
+            </a:r>
+          </a:p>
+          <a:p>
+            <a:pPr>
+              <a:spcBef>
+                <a:spcPts val="0"/>
+              </a:spcBef>
+            </a:pPr>
+            <a:r>
+              <a:rPr lang="en-US" sz="1600" dirty="0"/>
+              <a:t>  ;; paint the back image first, </a:t>
+            </a:r>
+            <a:endParaRPr lang="en-US" sz="1600" dirty="0" smtClean="0"/>
+          </a:p>
+          <a:p>
+            <a:pPr>
+              <a:spcBef>
+                <a:spcPts val="0"/>
+              </a:spcBef>
+            </a:pPr>
+            <a:r>
+              <a:rPr lang="en-US" sz="1600" dirty="0"/>
+              <a:t> </a:t>
+            </a:r>
+            <a:r>
+              <a:rPr lang="en-US" sz="1600" dirty="0" smtClean="0"/>
+              <a:t> ;; then </a:t>
+            </a:r>
+            <a:r>
+              <a:rPr lang="en-US" sz="1600" dirty="0"/>
+              <a:t>the front image</a:t>
+            </a:r>
+          </a:p>
+          <a:p>
+            <a:pPr>
+              <a:spcBef>
+                <a:spcPts val="0"/>
+              </a:spcBef>
+            </a:pPr>
+            <a:r>
+              <a:rPr lang="en-US" sz="1600" dirty="0"/>
+              <a:t>  (add-to-scene (my-composite-front s)</a:t>
+            </a:r>
+          </a:p>
+          <a:p>
+            <a:pPr>
+              <a:spcBef>
+                <a:spcPts val="0"/>
+              </a:spcBef>
+            </a:pPr>
+            <a:r>
+              <a:rPr lang="en-US" sz="1600" dirty="0"/>
+              <a:t>    (add-to-scene (my-composite-back s)</a:t>
+            </a:r>
+          </a:p>
+          <a:p>
+            <a:pPr>
+              <a:spcBef>
+                <a:spcPts val="0"/>
+              </a:spcBef>
+            </a:pPr>
+            <a:r>
+              <a:rPr lang="en-US" sz="1600" dirty="0"/>
+              <a:t>      scene)))</a:t>
+            </a:r>
+          </a:p>
+        </p:txBody>
+      </p:sp>
+      <p:sp>
+        <p:nvSpPr>
           <p:cNvPr id="2" name="Title 1"/>
           <p:cNvSpPr>
             <a:spLocks noGrp="1"/>
@@ -14321,167 +15452,9 @@
           <a:p>
             <a:r>
               <a:rPr lang="en-US" dirty="0" smtClean="0"/>
-              <a:t>Code outline (2)</a:t>
+              <a:t>A few of  the help functions</a:t>
             </a:r>
             <a:endParaRPr lang="en-US" dirty="0"/>
-          </a:p>
-        </p:txBody>
-      </p:sp>
-      <p:sp>
-        <p:nvSpPr>
-          <p:cNvPr id="3" name="Content Placeholder 2"/>
-          <p:cNvSpPr>
-            <a:spLocks noGrp="1"/>
-          </p:cNvSpPr>
-          <p:nvPr>
-            <p:ph idx="1"/>
-          </p:nvPr>
-        </p:nvSpPr>
-        <p:spPr>
-          <a:xfrm>
-            <a:off x="94343" y="1600200"/>
-            <a:ext cx="8955314" cy="4525963"/>
-          </a:xfrm>
-        </p:spPr>
-        <p:txBody>
-          <a:bodyPr>
-            <a:normAutofit/>
-          </a:bodyPr>
-          <a:lstStyle/>
-          <a:p>
-            <a:pPr>
-              <a:spcBef>
-                <a:spcPts val="0"/>
-              </a:spcBef>
-            </a:pPr>
-            <a:r>
-              <a:rPr lang="en-US" sz="2000" dirty="0"/>
-              <a:t>;; add-to-scene : Shape Scene -&gt; Scene</a:t>
-            </a:r>
-          </a:p>
-          <a:p>
-            <a:pPr>
-              <a:spcBef>
-                <a:spcPts val="0"/>
-              </a:spcBef>
-            </a:pPr>
-            <a:r>
-              <a:rPr lang="en-US" sz="2000" dirty="0"/>
-              <a:t>;; RETURNS: a scene like the given one, but with </a:t>
-            </a:r>
-            <a:r>
-              <a:rPr lang="en-US" sz="2000" dirty="0" smtClean="0"/>
-              <a:t>the</a:t>
-            </a:r>
-          </a:p>
-          <a:p>
-            <a:pPr>
-              <a:spcBef>
-                <a:spcPts val="0"/>
-              </a:spcBef>
-            </a:pPr>
-            <a:r>
-              <a:rPr lang="en-US" sz="2000" dirty="0" smtClean="0"/>
-              <a:t>;; </a:t>
-            </a:r>
-            <a:r>
-              <a:rPr lang="en-US" sz="2000" dirty="0"/>
-              <a:t>given </a:t>
-            </a:r>
-            <a:r>
-              <a:rPr lang="en-US" sz="2000" dirty="0" smtClean="0"/>
-              <a:t>shape </a:t>
-            </a:r>
-            <a:r>
-              <a:rPr lang="en-US" sz="2000" dirty="0"/>
-              <a:t>painted on it.</a:t>
-            </a:r>
-          </a:p>
-          <a:p>
-            <a:pPr>
-              <a:spcBef>
-                <a:spcPts val="0"/>
-              </a:spcBef>
-            </a:pPr>
-            <a:r>
-              <a:rPr lang="en-US" sz="2000" dirty="0"/>
-              <a:t>;; STRATEGY: Use template for Shape on </a:t>
-            </a:r>
-            <a:r>
-              <a:rPr lang="en-US" sz="2000" dirty="0" smtClean="0"/>
-              <a:t>s</a:t>
-            </a:r>
-          </a:p>
-          <a:p>
-            <a:pPr>
-              <a:spcBef>
-                <a:spcPts val="0"/>
-              </a:spcBef>
-            </a:pPr>
-            <a:endParaRPr lang="en-US" sz="2000" dirty="0"/>
-          </a:p>
-          <a:p>
-            <a:pPr>
-              <a:spcBef>
-                <a:spcPts val="0"/>
-              </a:spcBef>
-            </a:pPr>
-            <a:r>
-              <a:rPr lang="en-US" sz="2000" dirty="0"/>
-              <a:t>(define (add-to-scene s scene)</a:t>
-            </a:r>
-          </a:p>
-          <a:p>
-            <a:pPr>
-              <a:spcBef>
-                <a:spcPts val="0"/>
-              </a:spcBef>
-            </a:pPr>
-            <a:r>
-              <a:rPr lang="en-US" sz="2000" dirty="0"/>
-              <a:t>  (cond</a:t>
-            </a:r>
-          </a:p>
-          <a:p>
-            <a:pPr>
-              <a:spcBef>
-                <a:spcPts val="0"/>
-              </a:spcBef>
-            </a:pPr>
-            <a:r>
-              <a:rPr lang="en-US" sz="2000" dirty="0"/>
-              <a:t>    [(my-circle? s) (my-circle-add-to-scene s scene)]</a:t>
-            </a:r>
-          </a:p>
-          <a:p>
-            <a:pPr>
-              <a:spcBef>
-                <a:spcPts val="0"/>
-              </a:spcBef>
-            </a:pPr>
-            <a:r>
-              <a:rPr lang="en-US" sz="2000" dirty="0"/>
-              <a:t>    [(my-square? s) (my-square-add-to-scene s scene)]</a:t>
-            </a:r>
-          </a:p>
-          <a:p>
-            <a:pPr>
-              <a:spcBef>
-                <a:spcPts val="0"/>
-              </a:spcBef>
-            </a:pPr>
-            <a:r>
-              <a:rPr lang="en-US" sz="2000" dirty="0"/>
-              <a:t>    [(my-composite? s) </a:t>
-            </a:r>
-            <a:r>
-              <a:rPr lang="en-US" sz="2000" dirty="0" smtClean="0"/>
-              <a:t>(</a:t>
-            </a:r>
-            <a:r>
-              <a:rPr lang="en-US" sz="2000" dirty="0"/>
-              <a:t>my-composite-add-to-scene s scene)]))</a:t>
-            </a:r>
           </a:p>
         </p:txBody>
       </p:sp>
@@ -14503,380 +15476,6 @@
             <a:fld id="{2AF3B5EA-18B6-4040-9F78-6052AF49C681}" type="slidenum">
               <a:rPr lang="en-US" smtClean="0"/>
               <a:t>6</a:t>
-            </a:fld>
-            <a:endParaRPr lang="en-US"/>
-          </a:p>
-        </p:txBody>
-      </p:sp>
-      <p:sp>
-        <p:nvSpPr>
-          <p:cNvPr id="5" name="Rectangle 4"/>
-          <p:cNvSpPr/>
-          <p:nvPr/>
-        </p:nvSpPr>
-        <p:spPr>
-          <a:xfrm>
-            <a:off x="5109029" y="4724400"/>
-            <a:ext cx="3164114" cy="2133600"/>
-          </a:xfrm>
-          <a:prstGeom prst="rect">
-            <a:avLst/>
-          </a:prstGeom>
-          <a:solidFill>
-            <a:schemeClr val="accent3">
-              <a:lumMod val="40000"/>
-              <a:lumOff val="60000"/>
-            </a:schemeClr>
-          </a:solidFill>
-          <a:ln/>
-        </p:spPr>
-        <p:style>
-          <a:lnRef idx="2">
-            <a:schemeClr val="accent1"/>
-          </a:lnRef>
-          <a:fillRef idx="1">
-            <a:schemeClr val="lt1"/>
-          </a:fillRef>
-          <a:effectRef idx="0">
-            <a:schemeClr val="accent1"/>
-          </a:effectRef>
-          <a:fontRef idx="minor">
-            <a:schemeClr val="dk1"/>
-          </a:fontRef>
-        </p:style>
-        <p:txBody>
-          <a:bodyPr rot="0" spcFirstLastPara="0" vertOverflow="overflow" horzOverflow="overflow" vert="horz" wrap="square" lIns="91440" tIns="45720" rIns="91440" bIns="45720" numCol="1" spcCol="0" rtlCol="0" fromWordArt="0" anchor="t" anchorCtr="0" forceAA="0" compatLnSpc="1">
-            <a:prstTxWarp prst="textNoShape">
-              <a:avLst/>
-            </a:prstTxWarp>
-            <a:noAutofit/>
-          </a:bodyPr>
-          <a:lstStyle/>
-          <a:p>
-            <a:r>
-              <a:rPr lang="en-US" dirty="0" smtClean="0">
-                <a:solidFill>
-                  <a:schemeClr val="tx1"/>
-                </a:solidFill>
-              </a:rPr>
-              <a:t>6 small functions left to write:</a:t>
-            </a:r>
-          </a:p>
-          <a:p>
-            <a:pPr marL="285750" indent="-285750">
-              <a:buFont typeface="Arial" panose="020B0604020202020204" pitchFamily="34" charset="0"/>
-              <a:buChar char="•"/>
-            </a:pPr>
-            <a:r>
-              <a:rPr lang="en-US" dirty="0" smtClean="0">
-                <a:solidFill>
-                  <a:schemeClr val="tx1"/>
-                </a:solidFill>
-              </a:rPr>
-              <a:t>my-circle-add-to-scene</a:t>
-            </a:r>
-          </a:p>
-          <a:p>
-            <a:pPr marL="285750" indent="-285750">
-              <a:buFont typeface="Arial" panose="020B0604020202020204" pitchFamily="34" charset="0"/>
-              <a:buChar char="•"/>
-            </a:pPr>
-            <a:r>
-              <a:rPr lang="en-US" dirty="0" smtClean="0">
-                <a:solidFill>
-                  <a:schemeClr val="tx1"/>
-                </a:solidFill>
-              </a:rPr>
-              <a:t>my-square-add-to-scene</a:t>
-            </a:r>
-          </a:p>
-          <a:p>
-            <a:pPr marL="285750" indent="-285750">
-              <a:buFont typeface="Arial" panose="020B0604020202020204" pitchFamily="34" charset="0"/>
-              <a:buChar char="•"/>
-            </a:pPr>
-            <a:r>
-              <a:rPr lang="en-US" dirty="0" smtClean="0">
-                <a:solidFill>
-                  <a:schemeClr val="tx1"/>
-                </a:solidFill>
-              </a:rPr>
-              <a:t>my-composite-add-to-scene</a:t>
-            </a:r>
-          </a:p>
-          <a:p>
-            <a:pPr marL="285750" indent="-285750">
-              <a:buFont typeface="Arial" panose="020B0604020202020204" pitchFamily="34" charset="0"/>
-              <a:buChar char="•"/>
-            </a:pPr>
-            <a:r>
-              <a:rPr lang="en-US" dirty="0" smtClean="0">
-                <a:solidFill>
-                  <a:schemeClr val="tx1"/>
-                </a:solidFill>
-              </a:rPr>
-              <a:t>my-circle-weight</a:t>
-            </a:r>
-          </a:p>
-          <a:p>
-            <a:pPr marL="285750" indent="-285750">
-              <a:buFont typeface="Arial" panose="020B0604020202020204" pitchFamily="34" charset="0"/>
-              <a:buChar char="•"/>
-            </a:pPr>
-            <a:r>
-              <a:rPr lang="en-US" dirty="0" smtClean="0">
-                <a:solidFill>
-                  <a:schemeClr val="tx1"/>
-                </a:solidFill>
-              </a:rPr>
-              <a:t>my-square-weight</a:t>
-            </a:r>
-          </a:p>
-          <a:p>
-            <a:pPr marL="285750" indent="-285750">
-              <a:buFont typeface="Arial" panose="020B0604020202020204" pitchFamily="34" charset="0"/>
-              <a:buChar char="•"/>
-            </a:pPr>
-            <a:r>
-              <a:rPr lang="en-US" dirty="0" smtClean="0">
-                <a:solidFill>
-                  <a:schemeClr val="tx1"/>
-                </a:solidFill>
-              </a:rPr>
-              <a:t>my-composite-weight</a:t>
-            </a:r>
-            <a:endParaRPr lang="en-US" dirty="0">
-              <a:solidFill>
-                <a:schemeClr val="tx1"/>
-              </a:solidFill>
-            </a:endParaRPr>
-          </a:p>
-        </p:txBody>
-      </p:sp>
-    </p:spTree>
-    <p:extLst>
-      <p:ext uri="{BB962C8B-B14F-4D97-AF65-F5344CB8AC3E}">
-        <p14:creationId xmlns:p14="http://schemas.microsoft.com/office/powerpoint/2010/main" val="2682878692"/>
-      </p:ext>
-    </p:extLst>
-  </p:cSld>
-  <p:clrMapOvr>
-    <a:masterClrMapping/>
-  </p:clrMapOvr>
-</p:sld>
-</file>
-
-<file path=ppt/slides/slide7.xml><?xml version="1.0" encoding="utf-8"?>
-<p:sld xmlns:a="http://schemas.openxmlformats.org/drawingml/2006/main" xmlns:r="http://schemas.openxmlformats.org/officeDocument/2006/relationships" xmlns:p="http://schemas.openxmlformats.org/presentationml/2006/main">
-  <p:cSld>
-    <p:spTree>
-      <p:nvGrpSpPr>
-        <p:cNvPr id="1" name=""/>
-        <p:cNvGrpSpPr/>
-        <p:nvPr/>
-      </p:nvGrpSpPr>
-      <p:grpSpPr>
-        <a:xfrm>
-          <a:off x="0" y="0"/>
-          <a:ext cx="0" cy="0"/>
-          <a:chOff x="0" y="0"/>
-          <a:chExt cx="0" cy="0"/>
-        </a:xfrm>
-      </p:grpSpPr>
-      <p:sp>
-        <p:nvSpPr>
-          <p:cNvPr id="3" name="Content Placeholder 2"/>
-          <p:cNvSpPr>
-            <a:spLocks noGrp="1"/>
-          </p:cNvSpPr>
-          <p:nvPr>
-            <p:ph idx="1"/>
-          </p:nvPr>
-        </p:nvSpPr>
-        <p:spPr/>
-        <p:txBody>
-          <a:bodyPr>
-            <a:normAutofit/>
-          </a:bodyPr>
-          <a:lstStyle/>
-          <a:p>
-            <a:pPr>
-              <a:spcBef>
-                <a:spcPts val="0"/>
-              </a:spcBef>
-            </a:pPr>
-            <a:r>
-              <a:rPr lang="en-US" sz="1600" dirty="0"/>
-              <a:t>(define (my-circle-weight s) (* pi (my-circle-r s) (my-circle-r s)))</a:t>
-            </a:r>
-          </a:p>
-          <a:p>
-            <a:pPr>
-              <a:spcBef>
-                <a:spcPts val="0"/>
-              </a:spcBef>
-            </a:pPr>
-            <a:r>
-              <a:rPr lang="en-US" sz="1600" dirty="0"/>
-              <a:t>(define (my-square-weight s) (* (my-square-l s) (my-square-l s)))</a:t>
-            </a:r>
-          </a:p>
-          <a:p>
-            <a:pPr>
-              <a:spcBef>
-                <a:spcPts val="0"/>
-              </a:spcBef>
-            </a:pPr>
-            <a:r>
-              <a:rPr lang="en-US" sz="1600" dirty="0"/>
-              <a:t>(define (my-composite-weight s) (+ (weight (my-composite-front s))</a:t>
-            </a:r>
-          </a:p>
-          <a:p>
-            <a:pPr>
-              <a:spcBef>
-                <a:spcPts val="0"/>
-              </a:spcBef>
-            </a:pPr>
-            <a:r>
-              <a:rPr lang="en-US" sz="1600" dirty="0"/>
-              <a:t>                                   (weight (my-composite-back s</a:t>
-            </a:r>
-            <a:r>
-              <a:rPr lang="en-US" sz="1600" dirty="0" smtClean="0"/>
-              <a:t>))))</a:t>
-            </a:r>
-          </a:p>
-          <a:p>
-            <a:pPr>
-              <a:spcBef>
-                <a:spcPts val="0"/>
-              </a:spcBef>
-            </a:pPr>
-            <a:endParaRPr lang="en-US" sz="1600" dirty="0"/>
-          </a:p>
-          <a:p>
-            <a:pPr>
-              <a:spcBef>
-                <a:spcPts val="0"/>
-              </a:spcBef>
-            </a:pPr>
-            <a:r>
-              <a:rPr lang="en-US" sz="1600" dirty="0" smtClean="0"/>
-              <a:t>(</a:t>
-            </a:r>
-            <a:r>
-              <a:rPr lang="en-US" sz="1600" dirty="0"/>
-              <a:t>define (my-composite-add-to-scene s scene)</a:t>
-            </a:r>
-          </a:p>
-          <a:p>
-            <a:pPr>
-              <a:spcBef>
-                <a:spcPts val="0"/>
-              </a:spcBef>
-            </a:pPr>
-            <a:r>
-              <a:rPr lang="en-US" sz="1600" dirty="0"/>
-              <a:t>  ;; paint the back image first, </a:t>
-            </a:r>
-            <a:endParaRPr lang="en-US" sz="1600" dirty="0" smtClean="0"/>
-          </a:p>
-          <a:p>
-            <a:pPr>
-              <a:spcBef>
-                <a:spcPts val="0"/>
-              </a:spcBef>
-            </a:pPr>
-            <a:r>
-              <a:rPr lang="en-US" sz="1600" dirty="0"/>
-              <a:t> </a:t>
-            </a:r>
-            <a:r>
-              <a:rPr lang="en-US" sz="1600" dirty="0" smtClean="0"/>
-              <a:t> ;; then </a:t>
-            </a:r>
-            <a:r>
-              <a:rPr lang="en-US" sz="1600" dirty="0"/>
-              <a:t>the front image</a:t>
-            </a:r>
-          </a:p>
-          <a:p>
-            <a:pPr>
-              <a:spcBef>
-                <a:spcPts val="0"/>
-              </a:spcBef>
-            </a:pPr>
-            <a:r>
-              <a:rPr lang="en-US" sz="1600" dirty="0"/>
-              <a:t>  (add-to-scene (my-composite-front s)</a:t>
-            </a:r>
-          </a:p>
-          <a:p>
-            <a:pPr>
-              <a:spcBef>
-                <a:spcPts val="0"/>
-              </a:spcBef>
-            </a:pPr>
-            <a:r>
-              <a:rPr lang="en-US" sz="1600" dirty="0"/>
-              <a:t>    (add-to-scene (my-composite-back s)</a:t>
-            </a:r>
-          </a:p>
-          <a:p>
-            <a:pPr>
-              <a:spcBef>
-                <a:spcPts val="0"/>
-              </a:spcBef>
-            </a:pPr>
-            <a:r>
-              <a:rPr lang="en-US" sz="1600" dirty="0"/>
-              <a:t>      scene)))</a:t>
-            </a:r>
-          </a:p>
-        </p:txBody>
-      </p:sp>
-      <p:sp>
-        <p:nvSpPr>
-          <p:cNvPr id="2" name="Title 1"/>
-          <p:cNvSpPr>
-            <a:spLocks noGrp="1"/>
-          </p:cNvSpPr>
-          <p:nvPr>
-            <p:ph type="title"/>
-          </p:nvPr>
-        </p:nvSpPr>
-        <p:spPr/>
-        <p:txBody>
-          <a:bodyPr/>
-          <a:lstStyle/>
-          <a:p>
-            <a:r>
-              <a:rPr lang="en-US" dirty="0" smtClean="0"/>
-              <a:t>A few of  the help functions</a:t>
-            </a:r>
-            <a:endParaRPr lang="en-US" dirty="0"/>
-          </a:p>
-        </p:txBody>
-      </p:sp>
-      <p:sp>
-        <p:nvSpPr>
-          <p:cNvPr id="4" name="Slide Number Placeholder 3"/>
-          <p:cNvSpPr>
-            <a:spLocks noGrp="1"/>
-          </p:cNvSpPr>
-          <p:nvPr>
-            <p:ph type="sldNum" sz="quarter" idx="12"/>
-          </p:nvPr>
-        </p:nvSpPr>
-        <p:spPr/>
-        <p:txBody>
-          <a:bodyPr/>
-          <a:lstStyle/>
-          <a:p>
-            <a:fld id="{2AF3B5EA-18B6-4040-9F78-6052AF49C681}" type="slidenum">
-              <a:rPr lang="en-US" smtClean="0"/>
-              <a:t>7</a:t>
             </a:fld>
             <a:endParaRPr lang="en-US"/>
           </a:p>
@@ -15000,6 +15599,197 @@
 </p:sld>
 </file>
 
+<file path=ppt/slides/slide7.xml><?xml version="1.0" encoding="utf-8"?>
+<p:sld xmlns:a="http://schemas.openxmlformats.org/drawingml/2006/main" xmlns:r="http://schemas.openxmlformats.org/officeDocument/2006/relationships" xmlns:p="http://schemas.openxmlformats.org/presentationml/2006/main">
+  <p:cSld>
+    <p:spTree>
+      <p:nvGrpSpPr>
+        <p:cNvPr id="1" name=""/>
+        <p:cNvGrpSpPr/>
+        <p:nvPr/>
+      </p:nvGrpSpPr>
+      <p:grpSpPr>
+        <a:xfrm>
+          <a:off x="0" y="0"/>
+          <a:ext cx="0" cy="0"/>
+          <a:chOff x="0" y="0"/>
+          <a:chExt cx="0" cy="0"/>
+        </a:xfrm>
+      </p:grpSpPr>
+      <p:sp>
+        <p:nvSpPr>
+          <p:cNvPr id="2" name="Title 1"/>
+          <p:cNvSpPr>
+            <a:spLocks noGrp="1"/>
+          </p:cNvSpPr>
+          <p:nvPr>
+            <p:ph type="title"/>
+          </p:nvPr>
+        </p:nvSpPr>
+        <p:spPr/>
+        <p:txBody>
+          <a:bodyPr/>
+          <a:lstStyle/>
+          <a:p>
+            <a:r>
+              <a:rPr lang="en-US" dirty="0" smtClean="0"/>
+              <a:t>Code  Outline (OO version)</a:t>
+            </a:r>
+            <a:endParaRPr lang="en-US" dirty="0"/>
+          </a:p>
+        </p:txBody>
+      </p:sp>
+      <p:sp>
+        <p:nvSpPr>
+          <p:cNvPr id="3" name="Content Placeholder 2"/>
+          <p:cNvSpPr>
+            <a:spLocks noGrp="1"/>
+          </p:cNvSpPr>
+          <p:nvPr>
+            <p:ph idx="1"/>
+          </p:nvPr>
+        </p:nvSpPr>
+        <p:spPr/>
+        <p:txBody>
+          <a:bodyPr>
+            <a:normAutofit fontScale="47500" lnSpcReduction="20000"/>
+          </a:bodyPr>
+          <a:lstStyle/>
+          <a:p>
+            <a:r>
+              <a:rPr lang="en-US" dirty="0"/>
+              <a:t>;;; INTERFACE:</a:t>
+            </a:r>
+          </a:p>
+          <a:p>
+            <a:endParaRPr lang="en-US" dirty="0"/>
+          </a:p>
+          <a:p>
+            <a:r>
+              <a:rPr lang="en-US" dirty="0"/>
+              <a:t>;; all geometric shapes support these methods in all contexts</a:t>
+            </a:r>
+          </a:p>
+          <a:p>
+            <a:r>
+              <a:rPr lang="en-US" dirty="0"/>
+              <a:t>;; a Shape is an object of a class that implements Shape</a:t>
+            </a:r>
+            <a:r>
+              <a:rPr lang="en-US" dirty="0" smtClean="0"/>
+              <a:t>&lt;%&gt;.</a:t>
+            </a:r>
+          </a:p>
+          <a:p>
+            <a:endParaRPr lang="en-US" dirty="0"/>
+          </a:p>
+          <a:p>
+            <a:r>
+              <a:rPr lang="en-US" dirty="0"/>
+              <a:t>(define Shape&lt;%&gt; </a:t>
+            </a:r>
+          </a:p>
+          <a:p>
+            <a:r>
+              <a:rPr lang="en-US" dirty="0"/>
+              <a:t>  (interface ()</a:t>
+            </a:r>
+          </a:p>
+          <a:p>
+            <a:endParaRPr lang="en-US" dirty="0"/>
+          </a:p>
+          <a:p>
+            <a:r>
+              <a:rPr lang="en-US" dirty="0"/>
+              <a:t>    ;; weight : -&gt; Number</a:t>
+            </a:r>
+          </a:p>
+          <a:p>
+            <a:r>
+              <a:rPr lang="en-US" dirty="0"/>
+              <a:t>    ;; RETURNS: the weight of this shape</a:t>
+            </a:r>
+          </a:p>
+          <a:p>
+            <a:r>
+              <a:rPr lang="en-US" dirty="0"/>
+              <a:t>    weight </a:t>
+            </a:r>
+          </a:p>
+          <a:p>
+            <a:endParaRPr lang="en-US" dirty="0"/>
+          </a:p>
+          <a:p>
+            <a:r>
+              <a:rPr lang="en-US" dirty="0"/>
+              <a:t>    ;; add-to-scene : Scene -&gt; Scene</a:t>
+            </a:r>
+          </a:p>
+          <a:p>
+            <a:r>
+              <a:rPr lang="en-US" dirty="0"/>
+              <a:t>    ;; RETURNS: a scene like the given one, but with this shape</a:t>
+            </a:r>
+          </a:p>
+          <a:p>
+            <a:r>
+              <a:rPr lang="en-US" dirty="0"/>
+              <a:t>    ;; painted on it.</a:t>
+            </a:r>
+          </a:p>
+          <a:p>
+            <a:r>
+              <a:rPr lang="en-US" dirty="0"/>
+              <a:t>    add-to-scene</a:t>
+            </a:r>
+          </a:p>
+          <a:p>
+            <a:endParaRPr lang="en-US" dirty="0"/>
+          </a:p>
+          <a:p>
+            <a:r>
+              <a:rPr lang="en-US" dirty="0"/>
+              <a:t>    ))</a:t>
+            </a:r>
+          </a:p>
+        </p:txBody>
+      </p:sp>
+      <p:sp>
+        <p:nvSpPr>
+          <p:cNvPr id="4" name="Slide Number Placeholder 3"/>
+          <p:cNvSpPr>
+            <a:spLocks noGrp="1"/>
+          </p:cNvSpPr>
+          <p:nvPr>
+            <p:ph type="sldNum" sz="quarter" idx="12"/>
+          </p:nvPr>
+        </p:nvSpPr>
+        <p:spPr/>
+        <p:txBody>
+          <a:bodyPr/>
+          <a:lstStyle/>
+          <a:p>
+            <a:fld id="{2AF3B5EA-18B6-4040-9F78-6052AF49C681}" type="slidenum">
+              <a:rPr lang="en-US" smtClean="0"/>
+              <a:t>7</a:t>
+            </a:fld>
+            <a:endParaRPr lang="en-US"/>
+          </a:p>
+        </p:txBody>
+      </p:sp>
+    </p:spTree>
+    <p:extLst>
+      <p:ext uri="{BB962C8B-B14F-4D97-AF65-F5344CB8AC3E}">
+        <p14:creationId xmlns:p14="http://schemas.microsoft.com/office/powerpoint/2010/main" val="3383924093"/>
+      </p:ext>
+    </p:extLst>
+  </p:cSld>
+  <p:clrMapOvr>
+    <a:masterClrMapping/>
+  </p:clrMapOvr>
+</p:sld>
+</file>
+
 <file path=ppt/slides/slide8.xml><?xml version="1.0" encoding="utf-8"?>
 <p:sld xmlns:a="http://schemas.openxmlformats.org/drawingml/2006/main" xmlns:r="http://schemas.openxmlformats.org/officeDocument/2006/relationships" xmlns:p="http://schemas.openxmlformats.org/presentationml/2006/main">
   <p:cSld>
@@ -15034,7 +15824,7 @@
           <a:p>
             <a:r>
               <a:rPr lang="en-US" dirty="0" smtClean="0"/>
-              <a:t>Code  Outline (OO version)</a:t>
+              <a:t>Code Outline (OO:2)</a:t>
             </a:r>
             <a:endParaRPr lang="en-US" dirty="0"/>
           </a:p>
@@ -15047,109 +15837,482 @@
             <a:spLocks noGrp="1"/>
           </p:cNvSpPr>
           <p:nvPr>
-            <p:ph idx="1"/>
+            <p:ph sz="half" idx="1"/>
           </p:nvPr>
         </p:nvSpPr>
         <p:spPr/>
         <p:txBody>
           <a:bodyPr>
-            <a:normAutofit fontScale="47500" lnSpcReduction="20000"/>
+            <a:noAutofit/>
           </a:bodyPr>
           <a:lstStyle/>
           <a:p>
-            <a:r>
-              <a:rPr lang="en-US" dirty="0"/>
-              <a:t>;;; INTERFACE:</a:t>
-            </a:r>
-          </a:p>
-          <a:p>
-            <a:endParaRPr lang="en-US" dirty="0"/>
-          </a:p>
-          <a:p>
-            <a:r>
-              <a:rPr lang="en-US" dirty="0"/>
-              <a:t>;; all geometric shapes support these methods in all contexts</a:t>
-            </a:r>
-          </a:p>
-          <a:p>
-            <a:r>
-              <a:rPr lang="en-US" dirty="0"/>
-              <a:t>;; a Shape is an object of a class that implements Shape</a:t>
-            </a:r>
-            <a:r>
-              <a:rPr lang="en-US" dirty="0" smtClean="0"/>
-              <a:t>&lt;%&gt;.</a:t>
-            </a:r>
-          </a:p>
-          <a:p>
-            <a:endParaRPr lang="en-US" dirty="0"/>
-          </a:p>
-          <a:p>
-            <a:r>
-              <a:rPr lang="en-US" dirty="0"/>
-              <a:t>(define Shape&lt;%&gt; </a:t>
-            </a:r>
-          </a:p>
-          <a:p>
-            <a:r>
-              <a:rPr lang="en-US" dirty="0"/>
-              <a:t>  (interface ()</a:t>
-            </a:r>
-          </a:p>
-          <a:p>
-            <a:endParaRPr lang="en-US" dirty="0"/>
-          </a:p>
-          <a:p>
-            <a:r>
-              <a:rPr lang="en-US" dirty="0"/>
-              <a:t>    ;; weight : -&gt; Number</a:t>
-            </a:r>
-          </a:p>
-          <a:p>
-            <a:r>
-              <a:rPr lang="en-US" dirty="0"/>
+            <a:pPr>
+              <a:spcBef>
+                <a:spcPts val="0"/>
+              </a:spcBef>
+            </a:pPr>
+            <a:r>
+              <a:rPr lang="en-US" sz="1200" dirty="0" smtClean="0"/>
+              <a:t>;; </a:t>
+            </a:r>
+            <a:r>
+              <a:rPr lang="en-US" sz="1200" dirty="0"/>
+              <a:t>A Circle is a </a:t>
+            </a:r>
+            <a:endParaRPr lang="en-US" sz="1200" dirty="0" smtClean="0"/>
+          </a:p>
+          <a:p>
+            <a:pPr>
+              <a:spcBef>
+                <a:spcPts val="0"/>
+              </a:spcBef>
+            </a:pPr>
+            <a:r>
+              <a:rPr lang="en-US" sz="1200" dirty="0" smtClean="0"/>
+              <a:t>;; (</a:t>
+            </a:r>
+            <a:r>
+              <a:rPr lang="en-US" sz="1200" dirty="0"/>
+              <a:t>new Circle% [x Integer][y Integer</a:t>
+            </a:r>
+            <a:r>
+              <a:rPr lang="en-US" sz="1200" dirty="0" smtClean="0"/>
+              <a:t>]</a:t>
+            </a:r>
+          </a:p>
+          <a:p>
+            <a:pPr>
+              <a:spcBef>
+                <a:spcPts val="0"/>
+              </a:spcBef>
+            </a:pPr>
+            <a:r>
+              <a:rPr lang="en-US" sz="1200" dirty="0" smtClean="0"/>
+              <a:t>;;              [</a:t>
+            </a:r>
+            <a:r>
+              <a:rPr lang="en-US" sz="1200" dirty="0"/>
+              <a:t>r Integer][c </a:t>
+            </a:r>
+            <a:r>
+              <a:rPr lang="en-US" sz="1200" dirty="0" err="1"/>
+              <a:t>ColorString</a:t>
+            </a:r>
+            <a:r>
+              <a:rPr lang="en-US" sz="1200" dirty="0"/>
+              <a:t>])</a:t>
+            </a:r>
+          </a:p>
+          <a:p>
+            <a:pPr>
+              <a:spcBef>
+                <a:spcPts val="0"/>
+              </a:spcBef>
+            </a:pPr>
+            <a:r>
+              <a:rPr lang="en-US" sz="1200" dirty="0"/>
+              <a:t>;; REPRESENTS: a circle on the canvas</a:t>
+            </a:r>
+          </a:p>
+          <a:p>
+            <a:pPr>
+              <a:spcBef>
+                <a:spcPts val="0"/>
+              </a:spcBef>
+            </a:pPr>
+            <a:r>
+              <a:rPr lang="en-US" sz="1200" dirty="0"/>
+              <a:t>(define Circle%</a:t>
+            </a:r>
+          </a:p>
+          <a:p>
+            <a:pPr>
+              <a:spcBef>
+                <a:spcPts val="0"/>
+              </a:spcBef>
+            </a:pPr>
+            <a:r>
+              <a:rPr lang="en-US" sz="1200" dirty="0"/>
+              <a:t>  (class* object% (Shape&lt;%&gt;)</a:t>
+            </a:r>
+          </a:p>
+          <a:p>
+            <a:pPr>
+              <a:spcBef>
+                <a:spcPts val="0"/>
+              </a:spcBef>
+            </a:pPr>
+            <a:r>
+              <a:rPr lang="en-US" sz="1200" dirty="0"/>
+              <a:t>    (</a:t>
+            </a:r>
+            <a:r>
+              <a:rPr lang="en-US" sz="1200" dirty="0" err="1"/>
+              <a:t>init</a:t>
+            </a:r>
+            <a:r>
+              <a:rPr lang="en-US" sz="1200" dirty="0"/>
+              <a:t>-field </a:t>
+            </a:r>
+          </a:p>
+          <a:p>
+            <a:pPr>
+              <a:spcBef>
+                <a:spcPts val="0"/>
+              </a:spcBef>
+            </a:pPr>
+            <a:r>
+              <a:rPr lang="en-US" sz="1200" dirty="0"/>
+              <a:t>      x </a:t>
+            </a:r>
+            <a:r>
+              <a:rPr lang="en-US" sz="1200" dirty="0" smtClean="0"/>
+              <a:t> ; </a:t>
+            </a:r>
+            <a:r>
+              <a:rPr lang="en-US" sz="1200" dirty="0"/>
+              <a:t>Integer, </a:t>
+            </a:r>
+            <a:r>
+              <a:rPr lang="en-US" sz="1200" dirty="0" smtClean="0"/>
+              <a:t>x-position of center</a:t>
+            </a:r>
+            <a:endParaRPr lang="en-US" sz="1200" dirty="0"/>
+          </a:p>
+          <a:p>
+            <a:pPr>
+              <a:spcBef>
+                <a:spcPts val="0"/>
+              </a:spcBef>
+            </a:pPr>
+            <a:r>
+              <a:rPr lang="en-US" sz="1200" dirty="0"/>
+              <a:t>      y  </a:t>
+            </a:r>
+            <a:r>
+              <a:rPr lang="en-US" sz="1200" dirty="0" smtClean="0"/>
+              <a:t>; </a:t>
+            </a:r>
+            <a:r>
+              <a:rPr lang="en-US" sz="1200" dirty="0"/>
+              <a:t>Integer, </a:t>
+            </a:r>
+            <a:r>
+              <a:rPr lang="en-US" sz="1200" dirty="0" smtClean="0"/>
+              <a:t>y-position of center </a:t>
+            </a:r>
+          </a:p>
+          <a:p>
+            <a:pPr>
+              <a:spcBef>
+                <a:spcPts val="0"/>
+              </a:spcBef>
+            </a:pPr>
+            <a:r>
+              <a:rPr lang="en-US" sz="1200" dirty="0" smtClean="0"/>
+              <a:t>      r  ; </a:t>
+            </a:r>
+            <a:r>
+              <a:rPr lang="en-US" sz="1200" dirty="0"/>
+              <a:t>Integer, </a:t>
+            </a:r>
+            <a:r>
+              <a:rPr lang="en-US" sz="1200" dirty="0" smtClean="0"/>
+              <a:t>radius</a:t>
+            </a:r>
+          </a:p>
+          <a:p>
+            <a:pPr>
+              <a:spcBef>
+                <a:spcPts val="0"/>
+              </a:spcBef>
+            </a:pPr>
+            <a:r>
+              <a:rPr lang="en-US" sz="1200" dirty="0" smtClean="0"/>
+              <a:t>      c)  ; </a:t>
+            </a:r>
+            <a:r>
+              <a:rPr lang="en-US" sz="1200" dirty="0" err="1" smtClean="0"/>
+              <a:t>ColorString</a:t>
+            </a:r>
+            <a:r>
+              <a:rPr lang="en-US" sz="1200" dirty="0" smtClean="0"/>
+              <a:t>, color of circle </a:t>
+            </a:r>
+          </a:p>
+          <a:p>
+            <a:pPr>
+              <a:spcBef>
+                <a:spcPts val="0"/>
+              </a:spcBef>
+            </a:pPr>
+            <a:endParaRPr lang="en-US" sz="1200" dirty="0"/>
+          </a:p>
+          <a:p>
+            <a:pPr>
+              <a:spcBef>
+                <a:spcPts val="0"/>
+              </a:spcBef>
+            </a:pPr>
+            <a:r>
+              <a:rPr lang="en-US" sz="1200" dirty="0"/>
+              <a:t>    (field [IMG (circle r "solid" c)])</a:t>
+            </a:r>
+          </a:p>
+          <a:p>
+            <a:pPr>
+              <a:spcBef>
+                <a:spcPts val="0"/>
+              </a:spcBef>
+            </a:pPr>
+            <a:endParaRPr lang="en-US" sz="1200" dirty="0"/>
+          </a:p>
+          <a:p>
+            <a:pPr>
+              <a:spcBef>
+                <a:spcPts val="0"/>
+              </a:spcBef>
+            </a:pPr>
+            <a:r>
+              <a:rPr lang="en-US" sz="1200" dirty="0"/>
+              <a:t>    (super-new)</a:t>
+            </a:r>
+          </a:p>
+          <a:p>
+            <a:pPr>
+              <a:spcBef>
+                <a:spcPts val="0"/>
+              </a:spcBef>
+            </a:pPr>
+            <a:endParaRPr lang="en-US" sz="1200" dirty="0"/>
+          </a:p>
+          <a:p>
+            <a:pPr>
+              <a:spcBef>
+                <a:spcPts val="0"/>
+              </a:spcBef>
+            </a:pPr>
+            <a:r>
+              <a:rPr lang="en-US" sz="1200" dirty="0"/>
+              <a:t>    </a:t>
+            </a:r>
+          </a:p>
+          <a:p>
+            <a:pPr>
+              <a:spcBef>
+                <a:spcPts val="0"/>
+              </a:spcBef>
+            </a:pPr>
+            <a:endParaRPr lang="en-US" sz="1200" dirty="0"/>
+          </a:p>
+        </p:txBody>
+      </p:sp>
+      <p:sp>
+        <p:nvSpPr>
+          <p:cNvPr id="5" name="Content Placeholder 4"/>
+          <p:cNvSpPr>
+            <a:spLocks noGrp="1"/>
+          </p:cNvSpPr>
+          <p:nvPr>
+            <p:ph sz="half" idx="2"/>
+          </p:nvPr>
+        </p:nvSpPr>
+        <p:spPr/>
+        <p:txBody>
+          <a:bodyPr>
+            <a:normAutofit/>
+          </a:bodyPr>
+          <a:lstStyle/>
+          <a:p>
+            <a:pPr>
+              <a:spcBef>
+                <a:spcPts val="0"/>
+              </a:spcBef>
+            </a:pPr>
+            <a:r>
+              <a:rPr lang="en-US" sz="1200" dirty="0"/>
+              <a:t> </a:t>
+            </a:r>
+            <a:r>
+              <a:rPr lang="en-US" sz="1200" dirty="0" smtClean="0"/>
+              <a:t>   ;; </a:t>
+            </a:r>
+            <a:r>
+              <a:rPr lang="en-US" sz="1200" dirty="0"/>
+              <a:t>weight : -&gt; Integer</a:t>
+            </a:r>
+          </a:p>
+          <a:p>
+            <a:pPr>
+              <a:spcBef>
+                <a:spcPts val="0"/>
+              </a:spcBef>
+            </a:pPr>
+            <a:r>
+              <a:rPr lang="en-US" sz="1200" dirty="0"/>
               <a:t>    ;; RETURNS: the weight of this shape</a:t>
             </a:r>
           </a:p>
           <a:p>
-            <a:r>
-              <a:rPr lang="en-US" dirty="0"/>
-              <a:t>    weight </a:t>
-            </a:r>
-          </a:p>
-          <a:p>
-            <a:endParaRPr lang="en-US" dirty="0"/>
-          </a:p>
-          <a:p>
-            <a:r>
-              <a:rPr lang="en-US" dirty="0"/>
+            <a:pPr>
+              <a:spcBef>
+                <a:spcPts val="0"/>
+              </a:spcBef>
+            </a:pPr>
+            <a:r>
+              <a:rPr lang="en-US" sz="1200" dirty="0"/>
+              <a:t>    ;; DETAILS: this shape is a circle</a:t>
+            </a:r>
+          </a:p>
+          <a:p>
+            <a:pPr>
+              <a:spcBef>
+                <a:spcPts val="0"/>
+              </a:spcBef>
+            </a:pPr>
+            <a:r>
+              <a:rPr lang="en-US" sz="1200" dirty="0"/>
+              <a:t>    ;; STRATEGY: combine simpler functions</a:t>
+            </a:r>
+          </a:p>
+          <a:p>
+            <a:pPr>
+              <a:spcBef>
+                <a:spcPts val="0"/>
+              </a:spcBef>
+            </a:pPr>
+            <a:r>
+              <a:rPr lang="en-US" sz="1200" dirty="0"/>
+              <a:t>    (define/public (weight) (* pi r r))</a:t>
+            </a:r>
+          </a:p>
+          <a:p>
+            <a:pPr>
+              <a:spcBef>
+                <a:spcPts val="0"/>
+              </a:spcBef>
+            </a:pPr>
+            <a:endParaRPr lang="en-US" sz="1200" dirty="0"/>
+          </a:p>
+          <a:p>
+            <a:pPr>
+              <a:spcBef>
+                <a:spcPts val="0"/>
+              </a:spcBef>
+            </a:pPr>
+            <a:r>
+              <a:rPr lang="en-US" sz="1200" dirty="0"/>
               <a:t>    ;; add-to-scene : Scene -&gt; Scene</a:t>
             </a:r>
           </a:p>
           <a:p>
-            <a:r>
-              <a:rPr lang="en-US" dirty="0"/>
-              <a:t>    ;; RETURNS: a scene like the given one, but with this shape</a:t>
-            </a:r>
-          </a:p>
-          <a:p>
-            <a:r>
-              <a:rPr lang="en-US" dirty="0"/>
-              <a:t>    ;; painted on it.</a:t>
-            </a:r>
-          </a:p>
-          <a:p>
-            <a:r>
-              <a:rPr lang="en-US" dirty="0"/>
-              <a:t>    add-to-scene</a:t>
-            </a:r>
-          </a:p>
-          <a:p>
-            <a:endParaRPr lang="en-US" dirty="0"/>
-          </a:p>
-          <a:p>
-            <a:r>
-              <a:rPr lang="en-US" dirty="0"/>
+            <a:pPr>
+              <a:spcBef>
+                <a:spcPts val="0"/>
+              </a:spcBef>
+            </a:pPr>
+            <a:r>
+              <a:rPr lang="en-US" sz="1200" dirty="0"/>
+              <a:t>    ;; RETURNS: a scene like the given one</a:t>
+            </a:r>
+            <a:r>
+              <a:rPr lang="en-US" sz="1200" dirty="0" smtClean="0"/>
+              <a:t>,</a:t>
+            </a:r>
+          </a:p>
+          <a:p>
+            <a:pPr>
+              <a:spcBef>
+                <a:spcPts val="0"/>
+              </a:spcBef>
+            </a:pPr>
+            <a:r>
+              <a:rPr lang="en-US" sz="1200" dirty="0" smtClean="0"/>
+              <a:t>    ;; </a:t>
+            </a:r>
+            <a:r>
+              <a:rPr lang="en-US" sz="1200" dirty="0"/>
+              <a:t>but with this </a:t>
+            </a:r>
+            <a:r>
+              <a:rPr lang="en-US" sz="1200" dirty="0" smtClean="0"/>
+              <a:t>shape </a:t>
+            </a:r>
+            <a:r>
+              <a:rPr lang="en-US" sz="1200" dirty="0"/>
+              <a:t>painted on it.</a:t>
+            </a:r>
+          </a:p>
+          <a:p>
+            <a:pPr>
+              <a:spcBef>
+                <a:spcPts val="0"/>
+              </a:spcBef>
+            </a:pPr>
+            <a:r>
+              <a:rPr lang="en-US" sz="1200" dirty="0"/>
+              <a:t>    ;; DETAILS: this shape is a circle</a:t>
+            </a:r>
+          </a:p>
+          <a:p>
+            <a:pPr>
+              <a:spcBef>
+                <a:spcPts val="0"/>
+              </a:spcBef>
+            </a:pPr>
+            <a:r>
+              <a:rPr lang="en-US" sz="1200" dirty="0"/>
+              <a:t>    ;; STRATEGY: call a more general function</a:t>
+            </a:r>
+          </a:p>
+          <a:p>
+            <a:pPr>
+              <a:spcBef>
+                <a:spcPts val="0"/>
+              </a:spcBef>
+            </a:pPr>
+            <a:r>
+              <a:rPr lang="en-US" sz="1200" dirty="0"/>
+              <a:t>    (define/public (add-to-scene s) </a:t>
+            </a:r>
+            <a:endParaRPr lang="en-US" sz="1200" dirty="0" smtClean="0"/>
+          </a:p>
+          <a:p>
+            <a:pPr>
+              <a:spcBef>
+                <a:spcPts val="0"/>
+              </a:spcBef>
+            </a:pPr>
+            <a:r>
+              <a:rPr lang="en-US" sz="1200" dirty="0"/>
+              <a:t> </a:t>
+            </a:r>
+            <a:r>
+              <a:rPr lang="en-US" sz="1200" dirty="0" smtClean="0"/>
+              <a:t>      (</a:t>
+            </a:r>
+            <a:r>
+              <a:rPr lang="en-US" sz="1200" dirty="0"/>
+              <a:t>place-image IMG x y s))</a:t>
+            </a:r>
+          </a:p>
+          <a:p>
+            <a:pPr>
+              <a:spcBef>
+                <a:spcPts val="0"/>
+              </a:spcBef>
+            </a:pPr>
+            <a:endParaRPr lang="en-US" sz="1200" dirty="0"/>
+          </a:p>
+          <a:p>
+            <a:pPr>
+              <a:spcBef>
+                <a:spcPts val="0"/>
+              </a:spcBef>
+            </a:pPr>
+            <a:r>
+              <a:rPr lang="en-US" sz="1200" dirty="0"/>
               <a:t>    ))</a:t>
             </a:r>
           </a:p>
@@ -15173,570 +16336,6 @@
             <a:fld id="{2AF3B5EA-18B6-4040-9F78-6052AF49C681}" type="slidenum">
               <a:rPr lang="en-US" smtClean="0"/>
               <a:t>8</a:t>
-            </a:fld>
-            <a:endParaRPr lang="en-US"/>
-          </a:p>
-        </p:txBody>
-      </p:sp>
-    </p:spTree>
-    <p:extLst>
-      <p:ext uri="{BB962C8B-B14F-4D97-AF65-F5344CB8AC3E}">
-        <p14:creationId xmlns:p14="http://schemas.microsoft.com/office/powerpoint/2010/main" val="3383924093"/>
-      </p:ext>
-    </p:extLst>
-  </p:cSld>
-  <p:clrMapOvr>
-    <a:masterClrMapping/>
-  </p:clrMapOvr>
-</p:sld>
-</file>
-
-<file path=ppt/slides/slide9.xml><?xml version="1.0" encoding="utf-8"?>
-<p:sld xmlns:a="http://schemas.openxmlformats.org/drawingml/2006/main" xmlns:r="http://schemas.openxmlformats.org/officeDocument/2006/relationships" xmlns:p="http://schemas.openxmlformats.org/presentationml/2006/main">
-  <p:cSld>
-    <p:spTree>
-      <p:nvGrpSpPr>
-        <p:cNvPr id="1" name=""/>
-        <p:cNvGrpSpPr/>
-        <p:nvPr/>
-      </p:nvGrpSpPr>
-      <p:grpSpPr>
-        <a:xfrm>
-          <a:off x="0" y="0"/>
-          <a:ext cx="0" cy="0"/>
-          <a:chOff x="0" y="0"/>
-          <a:chExt cx="0" cy="0"/>
-        </a:xfrm>
-      </p:grpSpPr>
-      <p:sp>
-        <p:nvSpPr>
-          <p:cNvPr id="2" name="Title 1"/>
-          <p:cNvSpPr>
-            <a:spLocks noGrp="1"/>
-          </p:cNvSpPr>
-          <p:nvPr>
-            <p:ph type="title"/>
-          </p:nvPr>
-        </p:nvSpPr>
-        <p:spPr/>
-        <p:txBody>
-          <a:bodyPr/>
-          <a:lstStyle/>
-          <a:p>
-            <a:r>
-              <a:rPr lang="en-US" dirty="0" smtClean="0"/>
-              <a:t>Code Outline (OO:2)</a:t>
-            </a:r>
-            <a:endParaRPr lang="en-US" dirty="0"/>
-          </a:p>
-        </p:txBody>
-      </p:sp>
-      <p:sp>
-        <p:nvSpPr>
-          <p:cNvPr id="3" name="Content Placeholder 2"/>
-          <p:cNvSpPr>
-            <a:spLocks noGrp="1"/>
-          </p:cNvSpPr>
-          <p:nvPr>
-            <p:ph sz="half" idx="1"/>
-          </p:nvPr>
-        </p:nvSpPr>
-        <p:spPr/>
-        <p:txBody>
-          <a:bodyPr>
-            <a:noAutofit/>
-          </a:bodyPr>
-          <a:lstStyle/>
-          <a:p>
-            <a:pPr>
-              <a:spcBef>
-                <a:spcPts val="0"/>
-              </a:spcBef>
-            </a:pPr>
-            <a:r>
-              <a:rPr lang="en-US" sz="1200" dirty="0" smtClean="0"/>
-              <a:t>;; </a:t>
-            </a:r>
-            <a:r>
-              <a:rPr lang="en-US" sz="1200" dirty="0"/>
-              <a:t>A Circle is a </a:t>
-            </a:r>
-            <a:endParaRPr lang="en-US" sz="1200" dirty="0" smtClean="0"/>
-          </a:p>
-          <a:p>
-            <a:pPr>
-              <a:spcBef>
-                <a:spcPts val="0"/>
-              </a:spcBef>
-            </a:pPr>
-            <a:r>
-              <a:rPr lang="en-US" sz="1200" dirty="0" smtClean="0"/>
-              <a:t>;; (</a:t>
-            </a:r>
-            <a:r>
-              <a:rPr lang="en-US" sz="1200" dirty="0"/>
-              <a:t>new Circle% [x Integer][y Integer</a:t>
-            </a:r>
-            <a:r>
-              <a:rPr lang="en-US" sz="1200" dirty="0" smtClean="0"/>
-              <a:t>]</a:t>
-            </a:r>
-          </a:p>
-          <a:p>
-            <a:pPr>
-              <a:spcBef>
-                <a:spcPts val="0"/>
-              </a:spcBef>
-            </a:pPr>
-            <a:r>
-              <a:rPr lang="en-US" sz="1200" dirty="0" smtClean="0"/>
-              <a:t>;;              [</a:t>
-            </a:r>
-            <a:r>
-              <a:rPr lang="en-US" sz="1200" dirty="0"/>
-              <a:t>r Integer][c </a:t>
-            </a:r>
-            <a:r>
-              <a:rPr lang="en-US" sz="1200" dirty="0" err="1"/>
-              <a:t>ColorString</a:t>
-            </a:r>
-            <a:r>
-              <a:rPr lang="en-US" sz="1200" dirty="0"/>
-              <a:t>])</a:t>
-            </a:r>
-          </a:p>
-          <a:p>
-            <a:pPr>
-              <a:spcBef>
-                <a:spcPts val="0"/>
-              </a:spcBef>
-            </a:pPr>
-            <a:r>
-              <a:rPr lang="en-US" sz="1200" dirty="0"/>
-              <a:t>;; REPRESENTS: a circle on the canvas</a:t>
-            </a:r>
-          </a:p>
-          <a:p>
-            <a:pPr>
-              <a:spcBef>
-                <a:spcPts val="0"/>
-              </a:spcBef>
-            </a:pPr>
-            <a:r>
-              <a:rPr lang="en-US" sz="1200" dirty="0"/>
-              <a:t>(define Circle%</a:t>
-            </a:r>
-          </a:p>
-          <a:p>
-            <a:pPr>
-              <a:spcBef>
-                <a:spcPts val="0"/>
-              </a:spcBef>
-            </a:pPr>
-            <a:r>
-              <a:rPr lang="en-US" sz="1200" dirty="0"/>
-              <a:t>  (class* object% (Shape&lt;%&gt;)</a:t>
-            </a:r>
-          </a:p>
-          <a:p>
-            <a:pPr>
-              <a:spcBef>
-                <a:spcPts val="0"/>
-              </a:spcBef>
-            </a:pPr>
-            <a:r>
-              <a:rPr lang="en-US" sz="1200" dirty="0"/>
-              <a:t>    (</a:t>
-            </a:r>
-            <a:r>
-              <a:rPr lang="en-US" sz="1200" dirty="0" err="1"/>
-              <a:t>init</a:t>
-            </a:r>
-            <a:r>
-              <a:rPr lang="en-US" sz="1200" dirty="0"/>
-              <a:t>-field </a:t>
-            </a:r>
-          </a:p>
-          <a:p>
-            <a:pPr>
-              <a:spcBef>
-                <a:spcPts val="0"/>
-              </a:spcBef>
-            </a:pPr>
-            <a:r>
-              <a:rPr lang="en-US" sz="1200" dirty="0"/>
-              <a:t>      x </a:t>
-            </a:r>
-            <a:r>
-              <a:rPr lang="en-US" sz="1200" dirty="0" smtClean="0"/>
-              <a:t> ; </a:t>
-            </a:r>
-            <a:r>
-              <a:rPr lang="en-US" sz="1200" dirty="0"/>
-              <a:t>Integer, </a:t>
-            </a:r>
-            <a:r>
-              <a:rPr lang="en-US" sz="1200" dirty="0" smtClean="0"/>
-              <a:t>x-position of center</a:t>
-            </a:r>
-            <a:endParaRPr lang="en-US" sz="1200" dirty="0"/>
-          </a:p>
-          <a:p>
-            <a:pPr>
-              <a:spcBef>
-                <a:spcPts val="0"/>
-              </a:spcBef>
-            </a:pPr>
-            <a:r>
-              <a:rPr lang="en-US" sz="1200" dirty="0"/>
-              <a:t>      y  </a:t>
-            </a:r>
-            <a:r>
-              <a:rPr lang="en-US" sz="1200" dirty="0" smtClean="0"/>
-              <a:t>; </a:t>
-            </a:r>
-            <a:r>
-              <a:rPr lang="en-US" sz="1200" dirty="0"/>
-              <a:t>Integer, </a:t>
-            </a:r>
-            <a:r>
-              <a:rPr lang="en-US" sz="1200" dirty="0" smtClean="0"/>
-              <a:t>y-position of center </a:t>
-            </a:r>
-          </a:p>
-          <a:p>
-            <a:pPr>
-              <a:spcBef>
-                <a:spcPts val="0"/>
-              </a:spcBef>
-            </a:pPr>
-            <a:r>
-              <a:rPr lang="en-US" sz="1200" dirty="0" smtClean="0"/>
-              <a:t>      r  ; </a:t>
-            </a:r>
-            <a:r>
-              <a:rPr lang="en-US" sz="1200" dirty="0"/>
-              <a:t>Integer, </a:t>
-            </a:r>
-            <a:r>
-              <a:rPr lang="en-US" sz="1200" dirty="0" smtClean="0"/>
-              <a:t>radius</a:t>
-            </a:r>
-          </a:p>
-          <a:p>
-            <a:pPr>
-              <a:spcBef>
-                <a:spcPts val="0"/>
-              </a:spcBef>
-            </a:pPr>
-            <a:r>
-              <a:rPr lang="en-US" sz="1200" dirty="0" smtClean="0"/>
-              <a:t>      c)  ; </a:t>
-            </a:r>
-            <a:r>
-              <a:rPr lang="en-US" sz="1200" dirty="0" err="1" smtClean="0"/>
-              <a:t>ColorString</a:t>
-            </a:r>
-            <a:r>
-              <a:rPr lang="en-US" sz="1200" dirty="0" smtClean="0"/>
-              <a:t>, color of circle </a:t>
-            </a:r>
-          </a:p>
-          <a:p>
-            <a:pPr>
-              <a:spcBef>
-                <a:spcPts val="0"/>
-              </a:spcBef>
-            </a:pPr>
-            <a:endParaRPr lang="en-US" sz="1200" dirty="0"/>
-          </a:p>
-          <a:p>
-            <a:pPr>
-              <a:spcBef>
-                <a:spcPts val="0"/>
-              </a:spcBef>
-            </a:pPr>
-            <a:r>
-              <a:rPr lang="en-US" sz="1200" dirty="0"/>
-              <a:t>    (field [IMG (circle r "solid" c)])</a:t>
-            </a:r>
-          </a:p>
-          <a:p>
-            <a:pPr>
-              <a:spcBef>
-                <a:spcPts val="0"/>
-              </a:spcBef>
-            </a:pPr>
-            <a:endParaRPr lang="en-US" sz="1200" dirty="0"/>
-          </a:p>
-          <a:p>
-            <a:pPr>
-              <a:spcBef>
-                <a:spcPts val="0"/>
-              </a:spcBef>
-            </a:pPr>
-            <a:r>
-              <a:rPr lang="en-US" sz="1200" dirty="0"/>
-              <a:t>    (super-new)</a:t>
-            </a:r>
-          </a:p>
-          <a:p>
-            <a:pPr>
-              <a:spcBef>
-                <a:spcPts val="0"/>
-              </a:spcBef>
-            </a:pPr>
-            <a:endParaRPr lang="en-US" sz="1200" dirty="0"/>
-          </a:p>
-          <a:p>
-            <a:pPr>
-              <a:spcBef>
-                <a:spcPts val="0"/>
-              </a:spcBef>
-            </a:pPr>
-            <a:r>
-              <a:rPr lang="en-US" sz="1200" dirty="0"/>
-              <a:t>    </a:t>
-            </a:r>
-          </a:p>
-          <a:p>
-            <a:pPr>
-              <a:spcBef>
-                <a:spcPts val="0"/>
-              </a:spcBef>
-            </a:pPr>
-            <a:endParaRPr lang="en-US" sz="1200" dirty="0"/>
-          </a:p>
-        </p:txBody>
-      </p:sp>
-      <p:sp>
-        <p:nvSpPr>
-          <p:cNvPr id="5" name="Content Placeholder 4"/>
-          <p:cNvSpPr>
-            <a:spLocks noGrp="1"/>
-          </p:cNvSpPr>
-          <p:nvPr>
-            <p:ph sz="half" idx="2"/>
-          </p:nvPr>
-        </p:nvSpPr>
-        <p:spPr/>
-        <p:txBody>
-          <a:bodyPr>
-            <a:normAutofit/>
-          </a:bodyPr>
-          <a:lstStyle/>
-          <a:p>
-            <a:pPr>
-              <a:spcBef>
-                <a:spcPts val="0"/>
-              </a:spcBef>
-            </a:pPr>
-            <a:r>
-              <a:rPr lang="en-US" sz="1200" dirty="0"/>
-              <a:t> </a:t>
-            </a:r>
-            <a:r>
-              <a:rPr lang="en-US" sz="1200" dirty="0" smtClean="0"/>
-              <a:t>   ;; </a:t>
-            </a:r>
-            <a:r>
-              <a:rPr lang="en-US" sz="1200" dirty="0"/>
-              <a:t>weight : -&gt; Integer</a:t>
-            </a:r>
-          </a:p>
-          <a:p>
-            <a:pPr>
-              <a:spcBef>
-                <a:spcPts val="0"/>
-              </a:spcBef>
-            </a:pPr>
-            <a:r>
-              <a:rPr lang="en-US" sz="1200" dirty="0"/>
-              <a:t>    ;; RETURNS: the weight of this shape</a:t>
-            </a:r>
-          </a:p>
-          <a:p>
-            <a:pPr>
-              <a:spcBef>
-                <a:spcPts val="0"/>
-              </a:spcBef>
-            </a:pPr>
-            <a:r>
-              <a:rPr lang="en-US" sz="1200" dirty="0"/>
-              <a:t>    ;; DETAILS: this shape is a circle</a:t>
-            </a:r>
-          </a:p>
-          <a:p>
-            <a:pPr>
-              <a:spcBef>
-                <a:spcPts val="0"/>
-              </a:spcBef>
-            </a:pPr>
-            <a:r>
-              <a:rPr lang="en-US" sz="1200" dirty="0"/>
-              <a:t>    ;; STRATEGY: combine simpler functions</a:t>
-            </a:r>
-          </a:p>
-          <a:p>
-            <a:pPr>
-              <a:spcBef>
-                <a:spcPts val="0"/>
-              </a:spcBef>
-            </a:pPr>
-            <a:r>
-              <a:rPr lang="en-US" sz="1200" dirty="0"/>
-              <a:t>    (define/public (weight) (* pi r r))</a:t>
-            </a:r>
-          </a:p>
-          <a:p>
-            <a:pPr>
-              <a:spcBef>
-                <a:spcPts val="0"/>
-              </a:spcBef>
-            </a:pPr>
-            <a:endParaRPr lang="en-US" sz="1200" dirty="0"/>
-          </a:p>
-          <a:p>
-            <a:pPr>
-              <a:spcBef>
-                <a:spcPts val="0"/>
-              </a:spcBef>
-            </a:pPr>
-            <a:r>
-              <a:rPr lang="en-US" sz="1200" dirty="0"/>
-              <a:t>    ;; add-to-scene : Scene -&gt; Scene</a:t>
-            </a:r>
-          </a:p>
-          <a:p>
-            <a:pPr>
-              <a:spcBef>
-                <a:spcPts val="0"/>
-              </a:spcBef>
-            </a:pPr>
-            <a:r>
-              <a:rPr lang="en-US" sz="1200" dirty="0"/>
-              <a:t>    ;; RETURNS: a scene like the given one</a:t>
-            </a:r>
-            <a:r>
-              <a:rPr lang="en-US" sz="1200" dirty="0" smtClean="0"/>
-              <a:t>,</a:t>
-            </a:r>
-          </a:p>
-          <a:p>
-            <a:pPr>
-              <a:spcBef>
-                <a:spcPts val="0"/>
-              </a:spcBef>
-            </a:pPr>
-            <a:r>
-              <a:rPr lang="en-US" sz="1200" dirty="0" smtClean="0"/>
-              <a:t>    ;; </a:t>
-            </a:r>
-            <a:r>
-              <a:rPr lang="en-US" sz="1200" dirty="0"/>
-              <a:t>but with this </a:t>
-            </a:r>
-            <a:r>
-              <a:rPr lang="en-US" sz="1200" dirty="0" smtClean="0"/>
-              <a:t>shape </a:t>
-            </a:r>
-            <a:r>
-              <a:rPr lang="en-US" sz="1200" dirty="0"/>
-              <a:t>painted on it.</a:t>
-            </a:r>
-          </a:p>
-          <a:p>
-            <a:pPr>
-              <a:spcBef>
-                <a:spcPts val="0"/>
-              </a:spcBef>
-            </a:pPr>
-            <a:r>
-              <a:rPr lang="en-US" sz="1200" dirty="0"/>
-              <a:t>    ;; DETAILS: this shape is a circle</a:t>
-            </a:r>
-          </a:p>
-          <a:p>
-            <a:pPr>
-              <a:spcBef>
-                <a:spcPts val="0"/>
-              </a:spcBef>
-            </a:pPr>
-            <a:r>
-              <a:rPr lang="en-US" sz="1200" dirty="0"/>
-              <a:t>    ;; STRATEGY: call a more general function</a:t>
-            </a:r>
-          </a:p>
-          <a:p>
-            <a:pPr>
-              <a:spcBef>
-                <a:spcPts val="0"/>
-              </a:spcBef>
-            </a:pPr>
-            <a:r>
-              <a:rPr lang="en-US" sz="1200" dirty="0"/>
-              <a:t>    (define/public (add-to-scene s) </a:t>
-            </a:r>
-            <a:endParaRPr lang="en-US" sz="1200" dirty="0" smtClean="0"/>
-          </a:p>
-          <a:p>
-            <a:pPr>
-              <a:spcBef>
-                <a:spcPts val="0"/>
-              </a:spcBef>
-            </a:pPr>
-            <a:r>
-              <a:rPr lang="en-US" sz="1200" dirty="0"/>
-              <a:t> </a:t>
-            </a:r>
-            <a:r>
-              <a:rPr lang="en-US" sz="1200" dirty="0" smtClean="0"/>
-              <a:t>      (</a:t>
-            </a:r>
-            <a:r>
-              <a:rPr lang="en-US" sz="1200" dirty="0"/>
-              <a:t>place-image IMG x y s))</a:t>
-            </a:r>
-          </a:p>
-          <a:p>
-            <a:pPr>
-              <a:spcBef>
-                <a:spcPts val="0"/>
-              </a:spcBef>
-            </a:pPr>
-            <a:endParaRPr lang="en-US" sz="1200" dirty="0"/>
-          </a:p>
-          <a:p>
-            <a:pPr>
-              <a:spcBef>
-                <a:spcPts val="0"/>
-              </a:spcBef>
-            </a:pPr>
-            <a:r>
-              <a:rPr lang="en-US" sz="1200" dirty="0"/>
-              <a:t>    ))</a:t>
-            </a:r>
-          </a:p>
-        </p:txBody>
-      </p:sp>
-      <p:sp>
-        <p:nvSpPr>
-          <p:cNvPr id="4" name="Slide Number Placeholder 3"/>
-          <p:cNvSpPr>
-            <a:spLocks noGrp="1"/>
-          </p:cNvSpPr>
-          <p:nvPr>
-            <p:ph type="sldNum" sz="quarter" idx="12"/>
-          </p:nvPr>
-        </p:nvSpPr>
-        <p:spPr/>
-        <p:txBody>
-          <a:bodyPr/>
-          <a:lstStyle/>
-          <a:p>
-            <a:fld id="{2AF3B5EA-18B6-4040-9F78-6052AF49C681}" type="slidenum">
-              <a:rPr lang="en-US" smtClean="0"/>
-              <a:t>9</a:t>
             </a:fld>
             <a:endParaRPr lang="en-US"/>
           </a:p>
@@ -15824,7 +16423,6 @@
               <a:rPr lang="en-US" dirty="0"/>
               <a:t>to this class.</a:t>
             </a:r>
-            <a:endParaRPr lang="en-US" dirty="0"/>
           </a:p>
         </p:txBody>
       </p:sp>
@@ -15902,6 +16500,486 @@
     <p:extLst>
       <p:ext uri="{BB962C8B-B14F-4D97-AF65-F5344CB8AC3E}">
         <p14:creationId xmlns:p14="http://schemas.microsoft.com/office/powerpoint/2010/main" val="2352158669"/>
+      </p:ext>
+    </p:extLst>
+  </p:cSld>
+  <p:clrMapOvr>
+    <a:masterClrMapping/>
+  </p:clrMapOvr>
+</p:sld>
+</file>
+
+<file path=ppt/slides/slide9.xml><?xml version="1.0" encoding="utf-8"?>
+<p:sld xmlns:a="http://schemas.openxmlformats.org/drawingml/2006/main" xmlns:r="http://schemas.openxmlformats.org/officeDocument/2006/relationships" xmlns:p="http://schemas.openxmlformats.org/presentationml/2006/main">
+  <p:cSld>
+    <p:spTree>
+      <p:nvGrpSpPr>
+        <p:cNvPr id="1" name=""/>
+        <p:cNvGrpSpPr/>
+        <p:nvPr/>
+      </p:nvGrpSpPr>
+      <p:grpSpPr>
+        <a:xfrm>
+          <a:off x="0" y="0"/>
+          <a:ext cx="0" cy="0"/>
+          <a:chOff x="0" y="0"/>
+          <a:chExt cx="0" cy="0"/>
+        </a:xfrm>
+      </p:grpSpPr>
+      <p:sp>
+        <p:nvSpPr>
+          <p:cNvPr id="2" name="Title 1"/>
+          <p:cNvSpPr>
+            <a:spLocks noGrp="1"/>
+          </p:cNvSpPr>
+          <p:nvPr>
+            <p:ph type="title"/>
+          </p:nvPr>
+        </p:nvSpPr>
+        <p:spPr/>
+        <p:txBody>
+          <a:bodyPr/>
+          <a:lstStyle/>
+          <a:p>
+            <a:r>
+              <a:rPr lang="en-US" dirty="0" smtClean="0"/>
+              <a:t>Code Outline (OO:3)</a:t>
+            </a:r>
+            <a:endParaRPr lang="en-US" dirty="0"/>
+          </a:p>
+        </p:txBody>
+      </p:sp>
+      <p:sp>
+        <p:nvSpPr>
+          <p:cNvPr id="3" name="Content Placeholder 2"/>
+          <p:cNvSpPr>
+            <a:spLocks noGrp="1"/>
+          </p:cNvSpPr>
+          <p:nvPr>
+            <p:ph idx="1"/>
+          </p:nvPr>
+        </p:nvSpPr>
+        <p:spPr/>
+        <p:txBody>
+          <a:bodyPr>
+            <a:noAutofit/>
+          </a:bodyPr>
+          <a:lstStyle/>
+          <a:p>
+            <a:pPr>
+              <a:spcBef>
+                <a:spcPts val="0"/>
+              </a:spcBef>
+            </a:pPr>
+            <a:r>
+              <a:rPr lang="en-US" sz="1000" dirty="0"/>
+              <a:t>;; A Square is a (new Square% [x Integer][y Integer</a:t>
+            </a:r>
+            <a:r>
+              <a:rPr lang="en-US" sz="1000" dirty="0" smtClean="0"/>
+              <a:t>][</a:t>
+            </a:r>
+            <a:r>
+              <a:rPr lang="en-US" sz="1000" dirty="0"/>
+              <a:t>l Integer][c </a:t>
+            </a:r>
+            <a:r>
+              <a:rPr lang="en-US" sz="1000" dirty="0" err="1"/>
+              <a:t>ColorString</a:t>
+            </a:r>
+            <a:r>
+              <a:rPr lang="en-US" sz="1000" dirty="0"/>
+              <a:t>])</a:t>
+            </a:r>
+          </a:p>
+          <a:p>
+            <a:pPr>
+              <a:spcBef>
+                <a:spcPts val="0"/>
+              </a:spcBef>
+            </a:pPr>
+            <a:endParaRPr lang="en-US" sz="1000" dirty="0" smtClean="0"/>
+          </a:p>
+          <a:p>
+            <a:pPr>
+              <a:spcBef>
+                <a:spcPts val="0"/>
+              </a:spcBef>
+            </a:pPr>
+            <a:r>
+              <a:rPr lang="en-US" sz="1000" dirty="0" smtClean="0"/>
+              <a:t>;; </a:t>
+            </a:r>
+            <a:r>
+              <a:rPr lang="en-US" sz="1000" dirty="0"/>
+              <a:t>REPRESENTS: a square parallel to sides of canvas </a:t>
+            </a:r>
+          </a:p>
+          <a:p>
+            <a:pPr>
+              <a:spcBef>
+                <a:spcPts val="0"/>
+              </a:spcBef>
+            </a:pPr>
+            <a:r>
+              <a:rPr lang="en-US" sz="1000" dirty="0"/>
+              <a:t>(define Square%</a:t>
+            </a:r>
+          </a:p>
+          <a:p>
+            <a:pPr>
+              <a:spcBef>
+                <a:spcPts val="0"/>
+              </a:spcBef>
+            </a:pPr>
+            <a:r>
+              <a:rPr lang="en-US" sz="1000" dirty="0"/>
+              <a:t>  (class* object% (Shape&lt;%&gt;)</a:t>
+            </a:r>
+          </a:p>
+          <a:p>
+            <a:pPr>
+              <a:spcBef>
+                <a:spcPts val="0"/>
+              </a:spcBef>
+            </a:pPr>
+            <a:r>
+              <a:rPr lang="en-US" sz="1000" dirty="0"/>
+              <a:t>    (</a:t>
+            </a:r>
+            <a:r>
+              <a:rPr lang="en-US" sz="1000" dirty="0" err="1"/>
+              <a:t>init</a:t>
+            </a:r>
+            <a:r>
+              <a:rPr lang="en-US" sz="1000" dirty="0"/>
+              <a:t>-field x  ; Integer, x pixels of center from left</a:t>
+            </a:r>
+          </a:p>
+          <a:p>
+            <a:pPr>
+              <a:spcBef>
+                <a:spcPts val="0"/>
+              </a:spcBef>
+            </a:pPr>
+            <a:r>
+              <a:rPr lang="en-US" sz="1000" dirty="0"/>
+              <a:t>                y  ; Integer, y pixels of center from </a:t>
+            </a:r>
+            <a:r>
+              <a:rPr lang="en-US" sz="1000" dirty="0" smtClean="0"/>
+              <a:t>top</a:t>
+            </a:r>
+          </a:p>
+          <a:p>
+            <a:pPr>
+              <a:spcBef>
+                <a:spcPts val="0"/>
+              </a:spcBef>
+            </a:pPr>
+            <a:r>
+              <a:rPr lang="en-US" sz="1000" dirty="0"/>
+              <a:t> </a:t>
+            </a:r>
+            <a:r>
+              <a:rPr lang="en-US" sz="1000" dirty="0" smtClean="0"/>
+              <a:t>               l  </a:t>
+            </a:r>
+            <a:r>
+              <a:rPr lang="en-US" sz="1000" dirty="0"/>
+              <a:t>; Integer, length of one side </a:t>
+            </a:r>
+          </a:p>
+          <a:p>
+            <a:pPr>
+              <a:spcBef>
+                <a:spcPts val="0"/>
+              </a:spcBef>
+            </a:pPr>
+            <a:r>
+              <a:rPr lang="en-US" sz="1000" dirty="0"/>
+              <a:t>	</a:t>
+            </a:r>
+            <a:r>
+              <a:rPr lang="en-US" sz="1000" dirty="0" smtClean="0"/>
+              <a:t>   c</a:t>
+            </a:r>
+            <a:r>
+              <a:rPr lang="en-US" sz="1000" dirty="0"/>
+              <a:t>) ; </a:t>
+            </a:r>
+            <a:r>
+              <a:rPr lang="en-US" sz="1000" dirty="0" err="1"/>
+              <a:t>ColorString</a:t>
+            </a:r>
+            <a:r>
+              <a:rPr lang="en-US" sz="1000" dirty="0"/>
+              <a:t> </a:t>
+            </a:r>
+          </a:p>
+          <a:p>
+            <a:pPr>
+              <a:spcBef>
+                <a:spcPts val="0"/>
+              </a:spcBef>
+            </a:pPr>
+            <a:endParaRPr lang="en-US" sz="1000" dirty="0"/>
+          </a:p>
+          <a:p>
+            <a:pPr>
+              <a:spcBef>
+                <a:spcPts val="0"/>
+              </a:spcBef>
+            </a:pPr>
+            <a:r>
+              <a:rPr lang="en-US" sz="1000" dirty="0"/>
+              <a:t>    (field [IMG (rectangle l </a:t>
+            </a:r>
+            <a:r>
+              <a:rPr lang="en-US" sz="1000" dirty="0" err="1"/>
+              <a:t>l</a:t>
+            </a:r>
+            <a:r>
+              <a:rPr lang="en-US" sz="1000" dirty="0"/>
+              <a:t> "solid" c)])</a:t>
+            </a:r>
+          </a:p>
+          <a:p>
+            <a:pPr>
+              <a:spcBef>
+                <a:spcPts val="0"/>
+              </a:spcBef>
+            </a:pPr>
+            <a:endParaRPr lang="en-US" sz="1000" dirty="0"/>
+          </a:p>
+          <a:p>
+            <a:pPr>
+              <a:spcBef>
+                <a:spcPts val="0"/>
+              </a:spcBef>
+            </a:pPr>
+            <a:r>
+              <a:rPr lang="en-US" sz="1000" dirty="0"/>
+              <a:t>    (super-new)</a:t>
+            </a:r>
+          </a:p>
+          <a:p>
+            <a:pPr>
+              <a:spcBef>
+                <a:spcPts val="0"/>
+              </a:spcBef>
+            </a:pPr>
+            <a:endParaRPr lang="en-US" sz="1000" dirty="0"/>
+          </a:p>
+          <a:p>
+            <a:pPr>
+              <a:spcBef>
+                <a:spcPts val="0"/>
+              </a:spcBef>
+            </a:pPr>
+            <a:r>
+              <a:rPr lang="en-US" sz="1000" dirty="0"/>
+              <a:t>    ;; weight : -&gt; Real</a:t>
+            </a:r>
+          </a:p>
+          <a:p>
+            <a:pPr>
+              <a:spcBef>
+                <a:spcPts val="0"/>
+              </a:spcBef>
+            </a:pPr>
+            <a:r>
+              <a:rPr lang="en-US" sz="1000" dirty="0"/>
+              <a:t>    ;; RETURNS: the weight of this shape</a:t>
+            </a:r>
+          </a:p>
+          <a:p>
+            <a:pPr>
+              <a:spcBef>
+                <a:spcPts val="0"/>
+              </a:spcBef>
+            </a:pPr>
+            <a:r>
+              <a:rPr lang="en-US" sz="1000" dirty="0"/>
+              <a:t>    ;; DETAILS: this shape is a square</a:t>
+            </a:r>
+          </a:p>
+          <a:p>
+            <a:pPr>
+              <a:spcBef>
+                <a:spcPts val="0"/>
+              </a:spcBef>
+            </a:pPr>
+            <a:r>
+              <a:rPr lang="en-US" sz="1000" dirty="0"/>
+              <a:t>    ;; STRATEGY: combine simpler </a:t>
+            </a:r>
+            <a:r>
+              <a:rPr lang="en-US" sz="1000" dirty="0" smtClean="0"/>
+              <a:t>functions</a:t>
+            </a:r>
+          </a:p>
+          <a:p>
+            <a:pPr>
+              <a:spcBef>
+                <a:spcPts val="0"/>
+              </a:spcBef>
+            </a:pPr>
+            <a:endParaRPr lang="en-US" sz="1000" dirty="0"/>
+          </a:p>
+          <a:p>
+            <a:pPr>
+              <a:spcBef>
+                <a:spcPts val="0"/>
+              </a:spcBef>
+            </a:pPr>
+            <a:r>
+              <a:rPr lang="en-US" sz="1000" dirty="0"/>
+              <a:t>    (define/public (weight) (* l l))</a:t>
+            </a:r>
+          </a:p>
+          <a:p>
+            <a:pPr>
+              <a:spcBef>
+                <a:spcPts val="0"/>
+              </a:spcBef>
+            </a:pPr>
+            <a:endParaRPr lang="en-US" sz="1000" dirty="0"/>
+          </a:p>
+          <a:p>
+            <a:pPr>
+              <a:spcBef>
+                <a:spcPts val="0"/>
+              </a:spcBef>
+            </a:pPr>
+            <a:r>
+              <a:rPr lang="en-US" sz="1000" dirty="0"/>
+              <a:t>    ;; add-to-scene : Scene -&gt; Scene</a:t>
+            </a:r>
+          </a:p>
+          <a:p>
+            <a:pPr>
+              <a:spcBef>
+                <a:spcPts val="0"/>
+              </a:spcBef>
+            </a:pPr>
+            <a:r>
+              <a:rPr lang="en-US" sz="1000" dirty="0"/>
+              <a:t>    ;; RETURNS: a scene like the given one, but with this shape</a:t>
+            </a:r>
+          </a:p>
+          <a:p>
+            <a:pPr>
+              <a:spcBef>
+                <a:spcPts val="0"/>
+              </a:spcBef>
+            </a:pPr>
+            <a:r>
+              <a:rPr lang="en-US" sz="1000" dirty="0"/>
+              <a:t>    ;; painted on it.</a:t>
+            </a:r>
+          </a:p>
+          <a:p>
+            <a:pPr>
+              <a:spcBef>
+                <a:spcPts val="0"/>
+              </a:spcBef>
+            </a:pPr>
+            <a:r>
+              <a:rPr lang="en-US" sz="1000" dirty="0"/>
+              <a:t>    ;; DETAILS: this shape is a square</a:t>
+            </a:r>
+          </a:p>
+          <a:p>
+            <a:pPr>
+              <a:spcBef>
+                <a:spcPts val="0"/>
+              </a:spcBef>
+            </a:pPr>
+            <a:r>
+              <a:rPr lang="en-US" sz="1000" dirty="0"/>
+              <a:t>    ;; STRATEGY: call a more general </a:t>
+            </a:r>
+            <a:r>
+              <a:rPr lang="en-US" sz="1000" dirty="0" smtClean="0"/>
+              <a:t>function</a:t>
+            </a:r>
+          </a:p>
+          <a:p>
+            <a:pPr>
+              <a:spcBef>
+                <a:spcPts val="0"/>
+              </a:spcBef>
+            </a:pPr>
+            <a:endParaRPr lang="en-US" sz="1000" dirty="0"/>
+          </a:p>
+          <a:p>
+            <a:pPr>
+              <a:spcBef>
+                <a:spcPts val="0"/>
+              </a:spcBef>
+            </a:pPr>
+            <a:r>
+              <a:rPr lang="en-US" sz="1000" dirty="0"/>
+              <a:t>    (define/public (add-to-scene s) (place-image IMG x y s))</a:t>
+            </a:r>
+          </a:p>
+          <a:p>
+            <a:pPr>
+              <a:spcBef>
+                <a:spcPts val="0"/>
+              </a:spcBef>
+            </a:pPr>
+            <a:endParaRPr lang="en-US" sz="1000" dirty="0"/>
+          </a:p>
+          <a:p>
+            <a:pPr>
+              <a:spcBef>
+                <a:spcPts val="0"/>
+              </a:spcBef>
+            </a:pPr>
+            <a:r>
+              <a:rPr lang="en-US" sz="1000" dirty="0"/>
+              <a:t>    ))</a:t>
+            </a:r>
+          </a:p>
+          <a:p>
+            <a:pPr>
+              <a:spcBef>
+                <a:spcPts val="0"/>
+              </a:spcBef>
+            </a:pPr>
+            <a:endParaRPr lang="en-US" sz="1000" dirty="0"/>
+          </a:p>
+        </p:txBody>
+      </p:sp>
+      <p:sp>
+        <p:nvSpPr>
+          <p:cNvPr id="5" name="Slide Number Placeholder 4"/>
+          <p:cNvSpPr>
+            <a:spLocks noGrp="1"/>
+          </p:cNvSpPr>
+          <p:nvPr>
+            <p:ph type="sldNum" sz="quarter" idx="12"/>
+          </p:nvPr>
+        </p:nvSpPr>
+        <p:spPr/>
+        <p:txBody>
+          <a:bodyPr/>
+          <a:lstStyle/>
+          <a:p>
+            <a:fld id="{2AF3B5EA-18B6-4040-9F78-6052AF49C681}" type="slidenum">
+              <a:rPr lang="en-US" smtClean="0"/>
+              <a:t>9</a:t>
+            </a:fld>
+            <a:endParaRPr lang="en-US"/>
+          </a:p>
+        </p:txBody>
+      </p:sp>
+    </p:spTree>
+    <p:extLst>
+      <p:ext uri="{BB962C8B-B14F-4D97-AF65-F5344CB8AC3E}">
+        <p14:creationId xmlns:p14="http://schemas.microsoft.com/office/powerpoint/2010/main" val="1601407395"/>
       </p:ext>
     </p:extLst>
   </p:cSld>

--- a/Slides/Lesson 9.3 Functions vs Classes.pptx
+++ b/Slides/Lesson 9.3 Functions vs Classes.pptx
@@ -230,7 +230,7 @@
           <a:p>
             <a:fld id="{36D53524-F9CC-4A8B-8CCD-2FA372311425}" type="datetimeFigureOut">
               <a:rPr lang="en-US" smtClean="0"/>
-              <a:t>11/4/2015</a:t>
+              <a:t>11/1/2016</a:t>
             </a:fld>
             <a:endParaRPr lang="en-US"/>
           </a:p>
@@ -294,38 +294,37 @@
           <a:p>
             <a:pPr lvl="0"/>
             <a:r>
-              <a:rPr lang="en-US" smtClean="0"/>
+              <a:rPr lang="en-US"/>
               <a:t>Click to edit Master text styles</a:t>
             </a:r>
           </a:p>
           <a:p>
             <a:pPr lvl="1"/>
             <a:r>
-              <a:rPr lang="en-US" smtClean="0"/>
+              <a:rPr lang="en-US"/>
               <a:t>Second level</a:t>
             </a:r>
           </a:p>
           <a:p>
             <a:pPr lvl="2"/>
             <a:r>
-              <a:rPr lang="en-US" smtClean="0"/>
+              <a:rPr lang="en-US"/>
               <a:t>Third level</a:t>
             </a:r>
           </a:p>
           <a:p>
             <a:pPr lvl="3"/>
             <a:r>
-              <a:rPr lang="en-US" smtClean="0"/>
+              <a:rPr lang="en-US"/>
               <a:t>Fourth level</a:t>
             </a:r>
           </a:p>
           <a:p>
             <a:pPr lvl="4"/>
             <a:r>
-              <a:rPr lang="en-US" smtClean="0"/>
+              <a:rPr lang="en-US"/>
               <a:t>Fifth level</a:t>
             </a:r>
-            <a:endParaRPr lang="en-US"/>
           </a:p>
         </p:txBody>
       </p:sp>
@@ -620,10 +619,9 @@
           <a:lstStyle/>
           <a:p>
             <a:r>
-              <a:rPr lang="en-US" smtClean="0"/>
+              <a:rPr lang="en-US"/>
               <a:t>Click to edit Master title style</a:t>
             </a:r>
-            <a:endParaRPr lang="en-US"/>
           </a:p>
         </p:txBody>
       </p:sp>
@@ -739,10 +737,9 @@
           </a:lstStyle>
           <a:p>
             <a:r>
-              <a:rPr lang="en-US" smtClean="0"/>
+              <a:rPr lang="en-US"/>
               <a:t>Click to edit Master subtitle style</a:t>
             </a:r>
-            <a:endParaRPr lang="en-US"/>
           </a:p>
         </p:txBody>
       </p:sp>
@@ -763,7 +760,7 @@
           <a:p>
             <a:fld id="{2F1F79F5-7BEC-496A-AFC7-876E38F64D71}" type="datetime1">
               <a:rPr lang="en-US" smtClean="0"/>
-              <a:t>11/4/2015</a:t>
+              <a:t>11/1/2016</a:t>
             </a:fld>
             <a:endParaRPr lang="en-US"/>
           </a:p>
@@ -821,13 +818,6 @@
   <p:clrMapOvr>
     <a:masterClrMapping/>
   </p:clrMapOvr>
-  <p:timing>
-    <p:tnLst>
-      <p:par>
-        <p:cTn id="1" dur="indefinite" restart="never" nodeType="tmRoot"/>
-      </p:par>
-    </p:tnLst>
-  </p:timing>
 </p:sldLayout>
 </file>
 
@@ -864,10 +854,9 @@
           <a:lstStyle/>
           <a:p>
             <a:r>
-              <a:rPr lang="en-US" smtClean="0"/>
+              <a:rPr lang="en-US"/>
               <a:t>Click to edit Master title style</a:t>
             </a:r>
-            <a:endParaRPr lang="en-US"/>
           </a:p>
         </p:txBody>
       </p:sp>
@@ -888,7 +877,7 @@
           <a:p>
             <a:fld id="{2F7B77F5-1464-4F6B-92A8-64FC8A508293}" type="datetime1">
               <a:rPr lang="en-US" smtClean="0"/>
-              <a:t>11/4/2015</a:t>
+              <a:t>11/1/2016</a:t>
             </a:fld>
             <a:endParaRPr lang="en-US"/>
           </a:p>
@@ -946,13 +935,6 @@
   <p:clrMapOvr>
     <a:masterClrMapping/>
   </p:clrMapOvr>
-  <p:timing>
-    <p:tnLst>
-      <p:par>
-        <p:cTn id="1" dur="indefinite" restart="never" nodeType="tmRoot"/>
-      </p:par>
-    </p:tnLst>
-  </p:timing>
 </p:sldLayout>
 </file>
 
@@ -990,7 +972,7 @@
           <a:p>
             <a:fld id="{0A05703A-7669-4FEA-9056-25299B4D29D4}" type="datetime1">
               <a:rPr lang="en-US" smtClean="0"/>
-              <a:t>11/4/2015</a:t>
+              <a:t>11/1/2016</a:t>
             </a:fld>
             <a:endParaRPr lang="en-US"/>
           </a:p>
@@ -1093,10 +1075,9 @@
           </a:lstStyle>
           <a:p>
             <a:r>
-              <a:rPr lang="en-US" smtClean="0"/>
+              <a:rPr lang="en-US"/>
               <a:t>Click to edit Master title style</a:t>
             </a:r>
-            <a:endParaRPr lang="en-US"/>
           </a:p>
         </p:txBody>
       </p:sp>
@@ -1150,38 +1131,37 @@
           <a:p>
             <a:pPr lvl="0"/>
             <a:r>
-              <a:rPr lang="en-US" smtClean="0"/>
+              <a:rPr lang="en-US"/>
               <a:t>Click to edit Master text styles</a:t>
             </a:r>
           </a:p>
           <a:p>
             <a:pPr lvl="1"/>
             <a:r>
-              <a:rPr lang="en-US" smtClean="0"/>
+              <a:rPr lang="en-US"/>
               <a:t>Second level</a:t>
             </a:r>
           </a:p>
           <a:p>
             <a:pPr lvl="2"/>
             <a:r>
-              <a:rPr lang="en-US" smtClean="0"/>
+              <a:rPr lang="en-US"/>
               <a:t>Third level</a:t>
             </a:r>
           </a:p>
           <a:p>
             <a:pPr lvl="3"/>
             <a:r>
-              <a:rPr lang="en-US" smtClean="0"/>
+              <a:rPr lang="en-US"/>
               <a:t>Fourth level</a:t>
             </a:r>
           </a:p>
           <a:p>
             <a:pPr lvl="4"/>
             <a:r>
-              <a:rPr lang="en-US" smtClean="0"/>
+              <a:rPr lang="en-US"/>
               <a:t>Fifth level</a:t>
             </a:r>
-            <a:endParaRPr lang="en-US"/>
           </a:p>
         </p:txBody>
       </p:sp>
@@ -1244,7 +1224,7 @@
           <a:p>
             <a:pPr lvl="0"/>
             <a:r>
-              <a:rPr lang="en-US" smtClean="0"/>
+              <a:rPr lang="en-US"/>
               <a:t>Click to edit Master text styles</a:t>
             </a:r>
           </a:p>
@@ -1267,7 +1247,7 @@
           <a:p>
             <a:fld id="{6E5077B5-BB57-49DB-88CA-226A139E5C01}" type="datetime1">
               <a:rPr lang="en-US" smtClean="0"/>
-              <a:t>11/4/2015</a:t>
+              <a:t>11/1/2016</a:t>
             </a:fld>
             <a:endParaRPr lang="en-US"/>
           </a:p>
@@ -1370,10 +1350,9 @@
           </a:lstStyle>
           <a:p>
             <a:r>
-              <a:rPr lang="en-US" smtClean="0"/>
+              <a:rPr lang="en-US"/>
               <a:t>Click to edit Master title style</a:t>
             </a:r>
-            <a:endParaRPr lang="en-US"/>
           </a:p>
         </p:txBody>
       </p:sp>
@@ -1497,7 +1476,7 @@
           <a:p>
             <a:pPr lvl="0"/>
             <a:r>
-              <a:rPr lang="en-US" smtClean="0"/>
+              <a:rPr lang="en-US"/>
               <a:t>Click to edit Master text styles</a:t>
             </a:r>
           </a:p>
@@ -1520,7 +1499,7 @@
           <a:p>
             <a:fld id="{C48D9447-CBD6-49A1-89FD-8512A8CF8999}" type="datetime1">
               <a:rPr lang="en-US" smtClean="0"/>
-              <a:t>11/4/2015</a:t>
+              <a:t>11/1/2016</a:t>
             </a:fld>
             <a:endParaRPr lang="en-US"/>
           </a:p>
@@ -1614,10 +1593,9 @@
           <a:lstStyle/>
           <a:p>
             <a:r>
-              <a:rPr lang="en-US" smtClean="0"/>
+              <a:rPr lang="en-US"/>
               <a:t>Click to edit Master title style</a:t>
             </a:r>
-            <a:endParaRPr lang="en-US"/>
           </a:p>
         </p:txBody>
       </p:sp>
@@ -1638,38 +1616,37 @@
           <a:p>
             <a:pPr lvl="0"/>
             <a:r>
-              <a:rPr lang="en-US" smtClean="0"/>
+              <a:rPr lang="en-US"/>
               <a:t>Click to edit Master text styles</a:t>
             </a:r>
           </a:p>
           <a:p>
             <a:pPr lvl="1"/>
             <a:r>
-              <a:rPr lang="en-US" smtClean="0"/>
+              <a:rPr lang="en-US"/>
               <a:t>Second level</a:t>
             </a:r>
           </a:p>
           <a:p>
             <a:pPr lvl="2"/>
             <a:r>
-              <a:rPr lang="en-US" smtClean="0"/>
+              <a:rPr lang="en-US"/>
               <a:t>Third level</a:t>
             </a:r>
           </a:p>
           <a:p>
             <a:pPr lvl="3"/>
             <a:r>
-              <a:rPr lang="en-US" smtClean="0"/>
+              <a:rPr lang="en-US"/>
               <a:t>Fourth level</a:t>
             </a:r>
           </a:p>
           <a:p>
             <a:pPr lvl="4"/>
             <a:r>
-              <a:rPr lang="en-US" smtClean="0"/>
+              <a:rPr lang="en-US"/>
               <a:t>Fifth level</a:t>
             </a:r>
-            <a:endParaRPr lang="en-US"/>
           </a:p>
         </p:txBody>
       </p:sp>
@@ -1690,7 +1667,7 @@
           <a:p>
             <a:fld id="{A3639A2A-823D-48B7-9ACE-7FAF42870BA9}" type="datetime1">
               <a:rPr lang="en-US" smtClean="0"/>
-              <a:t>11/4/2015</a:t>
+              <a:t>11/1/2016</a:t>
             </a:fld>
             <a:endParaRPr lang="en-US"/>
           </a:p>
@@ -1789,10 +1766,9 @@
           <a:lstStyle/>
           <a:p>
             <a:r>
-              <a:rPr lang="en-US" smtClean="0"/>
+              <a:rPr lang="en-US"/>
               <a:t>Click to edit Master title style</a:t>
             </a:r>
-            <a:endParaRPr lang="en-US"/>
           </a:p>
         </p:txBody>
       </p:sp>
@@ -1818,38 +1794,37 @@
           <a:p>
             <a:pPr lvl="0"/>
             <a:r>
-              <a:rPr lang="en-US" smtClean="0"/>
+              <a:rPr lang="en-US"/>
               <a:t>Click to edit Master text styles</a:t>
             </a:r>
           </a:p>
           <a:p>
             <a:pPr lvl="1"/>
             <a:r>
-              <a:rPr lang="en-US" smtClean="0"/>
+              <a:rPr lang="en-US"/>
               <a:t>Second level</a:t>
             </a:r>
           </a:p>
           <a:p>
             <a:pPr lvl="2"/>
             <a:r>
-              <a:rPr lang="en-US" smtClean="0"/>
+              <a:rPr lang="en-US"/>
               <a:t>Third level</a:t>
             </a:r>
           </a:p>
           <a:p>
             <a:pPr lvl="3"/>
             <a:r>
-              <a:rPr lang="en-US" smtClean="0"/>
+              <a:rPr lang="en-US"/>
               <a:t>Fourth level</a:t>
             </a:r>
           </a:p>
           <a:p>
             <a:pPr lvl="4"/>
             <a:r>
-              <a:rPr lang="en-US" smtClean="0"/>
+              <a:rPr lang="en-US"/>
               <a:t>Fifth level</a:t>
             </a:r>
-            <a:endParaRPr lang="en-US"/>
           </a:p>
         </p:txBody>
       </p:sp>
@@ -1870,7 +1845,7 @@
           <a:p>
             <a:fld id="{ED1B6996-82E9-463C-972C-7B56056E426C}" type="datetime1">
               <a:rPr lang="en-US" smtClean="0"/>
-              <a:t>11/4/2015</a:t>
+              <a:t>11/1/2016</a:t>
             </a:fld>
             <a:endParaRPr lang="en-US"/>
           </a:p>
@@ -1964,10 +1939,9 @@
           <a:lstStyle/>
           <a:p>
             <a:r>
-              <a:rPr lang="en-US" smtClean="0"/>
+              <a:rPr lang="en-US"/>
               <a:t>Click to edit Master title style</a:t>
             </a:r>
-            <a:endParaRPr lang="en-US"/>
           </a:p>
         </p:txBody>
       </p:sp>
@@ -2025,38 +1999,37 @@
           <a:p>
             <a:pPr lvl="0"/>
             <a:r>
-              <a:rPr lang="en-US" dirty="0" smtClean="0"/>
+              <a:rPr lang="en-US" dirty="0"/>
               <a:t>Click to edit Master text styles</a:t>
             </a:r>
           </a:p>
           <a:p>
             <a:pPr lvl="1"/>
             <a:r>
-              <a:rPr lang="en-US" dirty="0" smtClean="0"/>
+              <a:rPr lang="en-US" dirty="0"/>
               <a:t>Second level</a:t>
             </a:r>
           </a:p>
           <a:p>
             <a:pPr lvl="2"/>
             <a:r>
-              <a:rPr lang="en-US" dirty="0" smtClean="0"/>
+              <a:rPr lang="en-US" dirty="0"/>
               <a:t>Third level</a:t>
             </a:r>
           </a:p>
           <a:p>
             <a:pPr lvl="3"/>
             <a:r>
-              <a:rPr lang="en-US" dirty="0" smtClean="0"/>
+              <a:rPr lang="en-US" dirty="0"/>
               <a:t>Fourth level</a:t>
             </a:r>
           </a:p>
           <a:p>
             <a:pPr lvl="4"/>
             <a:r>
-              <a:rPr lang="en-US" dirty="0" smtClean="0"/>
+              <a:rPr lang="en-US" dirty="0"/>
               <a:t>Fifth level</a:t>
             </a:r>
-            <a:endParaRPr lang="en-US" dirty="0"/>
           </a:p>
         </p:txBody>
       </p:sp>
@@ -2114,38 +2087,37 @@
           <a:p>
             <a:pPr lvl="0"/>
             <a:r>
-              <a:rPr lang="en-US" dirty="0" smtClean="0"/>
+              <a:rPr lang="en-US" dirty="0"/>
               <a:t>Click to edit Master text styles</a:t>
             </a:r>
           </a:p>
           <a:p>
             <a:pPr lvl="1"/>
             <a:r>
-              <a:rPr lang="en-US" dirty="0" smtClean="0"/>
+              <a:rPr lang="en-US" dirty="0"/>
               <a:t>Second level</a:t>
             </a:r>
           </a:p>
           <a:p>
             <a:pPr lvl="2"/>
             <a:r>
-              <a:rPr lang="en-US" dirty="0" smtClean="0"/>
+              <a:rPr lang="en-US" dirty="0"/>
               <a:t>Third level</a:t>
             </a:r>
           </a:p>
           <a:p>
             <a:pPr lvl="3"/>
             <a:r>
-              <a:rPr lang="en-US" dirty="0" smtClean="0"/>
+              <a:rPr lang="en-US" dirty="0"/>
               <a:t>Fourth level</a:t>
             </a:r>
           </a:p>
           <a:p>
             <a:pPr lvl="4"/>
             <a:r>
-              <a:rPr lang="en-US" dirty="0" smtClean="0"/>
+              <a:rPr lang="en-US" dirty="0"/>
               <a:t>Fifth level</a:t>
             </a:r>
-            <a:endParaRPr lang="en-US" dirty="0"/>
           </a:p>
         </p:txBody>
       </p:sp>
@@ -2166,7 +2138,7 @@
           <a:p>
             <a:fld id="{5D1846AD-9252-4647-9435-4C2AC365653A}" type="datetime1">
               <a:rPr lang="en-US" smtClean="0"/>
-              <a:t>11/4/2015</a:t>
+              <a:t>11/1/2016</a:t>
             </a:fld>
             <a:endParaRPr lang="en-US"/>
           </a:p>
@@ -2266,10 +2238,9 @@
           <a:lstStyle/>
           <a:p>
             <a:r>
-              <a:rPr lang="en-US" dirty="0" smtClean="0"/>
+              <a:rPr lang="en-US" dirty="0"/>
               <a:t>Click to edit Master title style</a:t>
             </a:r>
-            <a:endParaRPr lang="en-US" dirty="0"/>
           </a:p>
         </p:txBody>
       </p:sp>
@@ -2290,38 +2261,37 @@
           <a:p>
             <a:pPr lvl="0"/>
             <a:r>
-              <a:rPr lang="en-US" smtClean="0"/>
+              <a:rPr lang="en-US"/>
               <a:t>Click to edit Master text styles</a:t>
             </a:r>
           </a:p>
           <a:p>
             <a:pPr lvl="1"/>
             <a:r>
-              <a:rPr lang="en-US" smtClean="0"/>
+              <a:rPr lang="en-US"/>
               <a:t>Second level</a:t>
             </a:r>
           </a:p>
           <a:p>
             <a:pPr lvl="2"/>
             <a:r>
-              <a:rPr lang="en-US" smtClean="0"/>
+              <a:rPr lang="en-US"/>
               <a:t>Third level</a:t>
             </a:r>
           </a:p>
           <a:p>
             <a:pPr lvl="3"/>
             <a:r>
-              <a:rPr lang="en-US" smtClean="0"/>
+              <a:rPr lang="en-US"/>
               <a:t>Fourth level</a:t>
             </a:r>
           </a:p>
           <a:p>
             <a:pPr lvl="4"/>
             <a:r>
-              <a:rPr lang="en-US" smtClean="0"/>
+              <a:rPr lang="en-US"/>
               <a:t>Fifth level</a:t>
             </a:r>
-            <a:endParaRPr lang="en-US"/>
           </a:p>
         </p:txBody>
       </p:sp>
@@ -2342,7 +2312,7 @@
           <a:p>
             <a:fld id="{E22ED4DA-448D-4BB1-B935-CC112220207B}" type="datetime1">
               <a:rPr lang="en-US" smtClean="0"/>
-              <a:t>11/4/2015</a:t>
+              <a:t>11/1/2016</a:t>
             </a:fld>
             <a:endParaRPr lang="en-US"/>
           </a:p>
@@ -2400,13 +2370,6 @@
   <p:clrMapOvr>
     <a:masterClrMapping/>
   </p:clrMapOvr>
-  <p:timing>
-    <p:tnLst>
-      <p:par>
-        <p:cTn id="1" dur="indefinite" restart="never" nodeType="tmRoot"/>
-      </p:par>
-    </p:tnLst>
-  </p:timing>
 </p:sldLayout>
 </file>
 
@@ -2443,10 +2406,9 @@
           <a:lstStyle/>
           <a:p>
             <a:r>
-              <a:rPr lang="en-US" smtClean="0"/>
+              <a:rPr lang="en-US"/>
               <a:t>Click to edit Master title style</a:t>
             </a:r>
-            <a:endParaRPr lang="en-US"/>
           </a:p>
         </p:txBody>
       </p:sp>
@@ -2472,38 +2434,37 @@
           <a:p>
             <a:pPr lvl="0"/>
             <a:r>
-              <a:rPr lang="en-US" dirty="0" smtClean="0"/>
+              <a:rPr lang="en-US" dirty="0"/>
               <a:t>Click to edit Master text styles</a:t>
             </a:r>
           </a:p>
           <a:p>
             <a:pPr lvl="1"/>
             <a:r>
-              <a:rPr lang="en-US" dirty="0" smtClean="0"/>
+              <a:rPr lang="en-US" dirty="0"/>
               <a:t>Second level</a:t>
             </a:r>
           </a:p>
           <a:p>
             <a:pPr lvl="2"/>
             <a:r>
-              <a:rPr lang="en-US" dirty="0" smtClean="0"/>
+              <a:rPr lang="en-US" dirty="0"/>
               <a:t>Third level</a:t>
             </a:r>
           </a:p>
           <a:p>
             <a:pPr lvl="3"/>
             <a:r>
-              <a:rPr lang="en-US" dirty="0" smtClean="0"/>
+              <a:rPr lang="en-US" dirty="0"/>
               <a:t>Fourth level</a:t>
             </a:r>
           </a:p>
           <a:p>
             <a:pPr lvl="4"/>
             <a:r>
-              <a:rPr lang="en-US" dirty="0" smtClean="0"/>
+              <a:rPr lang="en-US" dirty="0"/>
               <a:t>Fifth level</a:t>
             </a:r>
-            <a:endParaRPr lang="en-US" dirty="0"/>
           </a:p>
         </p:txBody>
       </p:sp>
@@ -2524,7 +2485,7 @@
           <a:p>
             <a:fld id="{E22ED4DA-448D-4BB1-B935-CC112220207B}" type="datetime1">
               <a:rPr lang="en-US" smtClean="0"/>
-              <a:t>11/4/2015</a:t>
+              <a:t>11/1/2016</a:t>
             </a:fld>
             <a:endParaRPr lang="en-US"/>
           </a:p>
@@ -2614,7 +2575,7 @@
           <a:lstStyle/>
           <a:p>
             <a:pPr algn="ctr"/>
-            <a:endParaRPr lang="en-US" dirty="0" smtClean="0">
+            <a:endParaRPr lang="en-US" dirty="0">
               <a:solidFill>
                 <a:schemeClr val="tx1"/>
               </a:solidFill>
@@ -2645,11 +2606,11 @@
           <a:lstStyle/>
           <a:p>
             <a:r>
-              <a:rPr lang="en-US" dirty="0" smtClean="0"/>
+              <a:rPr lang="en-US" dirty="0"/>
               <a:t>Resize video to this</a:t>
             </a:r>
             <a:r>
-              <a:rPr lang="en-US" baseline="0" dirty="0" smtClean="0"/>
+              <a:rPr lang="en-US" baseline="0" dirty="0"/>
               <a:t> box.</a:t>
             </a:r>
             <a:endParaRPr lang="en-US" dirty="0"/>
@@ -2666,13 +2627,6 @@
   <p:clrMapOvr>
     <a:masterClrMapping/>
   </p:clrMapOvr>
-  <p:timing>
-    <p:tnLst>
-      <p:par>
-        <p:cTn id="1" dur="indefinite" restart="never" nodeType="tmRoot"/>
-      </p:par>
-    </p:tnLst>
-  </p:timing>
 </p:sldLayout>
 </file>
 
@@ -2709,10 +2663,9 @@
           <a:lstStyle/>
           <a:p>
             <a:r>
-              <a:rPr lang="en-US" smtClean="0"/>
+              <a:rPr lang="en-US"/>
               <a:t>Click to edit Master title style</a:t>
             </a:r>
-            <a:endParaRPr lang="en-US"/>
           </a:p>
         </p:txBody>
       </p:sp>
@@ -2741,38 +2694,37 @@
           <a:p>
             <a:pPr lvl="0"/>
             <a:r>
-              <a:rPr lang="en-US" dirty="0" smtClean="0"/>
+              <a:rPr lang="en-US" dirty="0"/>
               <a:t>Click to edit Master text styles</a:t>
             </a:r>
           </a:p>
           <a:p>
             <a:pPr lvl="1"/>
             <a:r>
-              <a:rPr lang="en-US" dirty="0" smtClean="0"/>
+              <a:rPr lang="en-US" dirty="0"/>
               <a:t>Second level</a:t>
             </a:r>
           </a:p>
           <a:p>
             <a:pPr lvl="2"/>
             <a:r>
-              <a:rPr lang="en-US" dirty="0" smtClean="0"/>
+              <a:rPr lang="en-US" dirty="0"/>
               <a:t>Third level</a:t>
             </a:r>
           </a:p>
           <a:p>
             <a:pPr lvl="3"/>
             <a:r>
-              <a:rPr lang="en-US" dirty="0" smtClean="0"/>
+              <a:rPr lang="en-US" dirty="0"/>
               <a:t>Fourth level</a:t>
             </a:r>
           </a:p>
           <a:p>
             <a:pPr lvl="4"/>
             <a:r>
-              <a:rPr lang="en-US" dirty="0" smtClean="0"/>
+              <a:rPr lang="en-US" dirty="0"/>
               <a:t>Fifth level</a:t>
             </a:r>
-            <a:endParaRPr lang="en-US" dirty="0"/>
           </a:p>
         </p:txBody>
       </p:sp>
@@ -2793,7 +2745,7 @@
           <a:p>
             <a:fld id="{FF5D65A6-AB94-4435-B0B7-3743215FA46C}" type="datetime1">
               <a:rPr lang="en-US" smtClean="0"/>
-              <a:t>11/4/2015</a:t>
+              <a:t>11/1/2016</a:t>
             </a:fld>
             <a:endParaRPr lang="en-US"/>
           </a:p>
@@ -2851,13 +2803,6 @@
   <p:clrMapOvr>
     <a:masterClrMapping/>
   </p:clrMapOvr>
-  <p:timing>
-    <p:tnLst>
-      <p:par>
-        <p:cTn id="1" dur="indefinite" restart="never" nodeType="tmRoot"/>
-      </p:par>
-    </p:tnLst>
-  </p:timing>
 </p:sldLayout>
 </file>
 
@@ -2894,10 +2839,9 @@
           <a:lstStyle/>
           <a:p>
             <a:r>
-              <a:rPr lang="en-US" smtClean="0"/>
+              <a:rPr lang="en-US"/>
               <a:t>Click to edit Master title style</a:t>
             </a:r>
-            <a:endParaRPr lang="en-US"/>
           </a:p>
         </p:txBody>
       </p:sp>
@@ -2926,38 +2870,37 @@
           <a:p>
             <a:pPr lvl="0"/>
             <a:r>
-              <a:rPr lang="en-US" dirty="0" smtClean="0"/>
+              <a:rPr lang="en-US" dirty="0"/>
               <a:t>Click to edit Master text styles</a:t>
             </a:r>
           </a:p>
           <a:p>
             <a:pPr lvl="1"/>
             <a:r>
-              <a:rPr lang="en-US" dirty="0" smtClean="0"/>
+              <a:rPr lang="en-US" dirty="0"/>
               <a:t>Second level</a:t>
             </a:r>
           </a:p>
           <a:p>
             <a:pPr lvl="2"/>
             <a:r>
-              <a:rPr lang="en-US" dirty="0" smtClean="0"/>
+              <a:rPr lang="en-US" dirty="0"/>
               <a:t>Third level</a:t>
             </a:r>
           </a:p>
           <a:p>
             <a:pPr lvl="3"/>
             <a:r>
-              <a:rPr lang="en-US" dirty="0" smtClean="0"/>
+              <a:rPr lang="en-US" dirty="0"/>
               <a:t>Fourth level</a:t>
             </a:r>
           </a:p>
           <a:p>
             <a:pPr lvl="4"/>
             <a:r>
-              <a:rPr lang="en-US" dirty="0" smtClean="0"/>
+              <a:rPr lang="en-US" dirty="0"/>
               <a:t>Fifth level</a:t>
             </a:r>
-            <a:endParaRPr lang="en-US" dirty="0"/>
           </a:p>
         </p:txBody>
       </p:sp>
@@ -2978,7 +2921,7 @@
           <a:p>
             <a:fld id="{FF5D65A6-AB94-4435-B0B7-3743215FA46C}" type="datetime1">
               <a:rPr lang="en-US" smtClean="0"/>
-              <a:t>11/4/2015</a:t>
+              <a:t>11/1/2016</a:t>
             </a:fld>
             <a:endParaRPr lang="en-US"/>
           </a:p>
@@ -3085,13 +3028,6 @@
   <p:clrMapOvr>
     <a:masterClrMapping/>
   </p:clrMapOvr>
-  <p:timing>
-    <p:tnLst>
-      <p:par>
-        <p:cTn id="1" dur="indefinite" restart="never" nodeType="tmRoot"/>
-      </p:par>
-    </p:tnLst>
-  </p:timing>
 </p:sldLayout>
 </file>
 
@@ -3137,10 +3073,9 @@
           </a:lstStyle>
           <a:p>
             <a:r>
-              <a:rPr lang="en-US" smtClean="0"/>
+              <a:rPr lang="en-US"/>
               <a:t>Click to edit Master title style</a:t>
             </a:r>
-            <a:endParaRPr lang="en-US"/>
           </a:p>
         </p:txBody>
       </p:sp>
@@ -3257,7 +3192,7 @@
           <a:p>
             <a:pPr lvl="0"/>
             <a:r>
-              <a:rPr lang="en-US" smtClean="0"/>
+              <a:rPr lang="en-US"/>
               <a:t>Click to edit Master text styles</a:t>
             </a:r>
           </a:p>
@@ -3280,7 +3215,7 @@
           <a:p>
             <a:fld id="{7C193DC4-6EF0-48C9-B29C-616106A645E1}" type="datetime1">
               <a:rPr lang="en-US" smtClean="0"/>
-              <a:t>11/4/2015</a:t>
+              <a:t>11/1/2016</a:t>
             </a:fld>
             <a:endParaRPr lang="en-US"/>
           </a:p>
@@ -3374,10 +3309,9 @@
           <a:lstStyle/>
           <a:p>
             <a:r>
-              <a:rPr lang="en-US" smtClean="0"/>
+              <a:rPr lang="en-US"/>
               <a:t>Click to edit Master title style</a:t>
             </a:r>
-            <a:endParaRPr lang="en-US"/>
           </a:p>
         </p:txBody>
       </p:sp>
@@ -3431,38 +3365,37 @@
           <a:p>
             <a:pPr lvl="0"/>
             <a:r>
-              <a:rPr lang="en-US" smtClean="0"/>
+              <a:rPr lang="en-US"/>
               <a:t>Click to edit Master text styles</a:t>
             </a:r>
           </a:p>
           <a:p>
             <a:pPr lvl="1"/>
             <a:r>
-              <a:rPr lang="en-US" smtClean="0"/>
+              <a:rPr lang="en-US"/>
               <a:t>Second level</a:t>
             </a:r>
           </a:p>
           <a:p>
             <a:pPr lvl="2"/>
             <a:r>
-              <a:rPr lang="en-US" smtClean="0"/>
+              <a:rPr lang="en-US"/>
               <a:t>Third level</a:t>
             </a:r>
           </a:p>
           <a:p>
             <a:pPr lvl="3"/>
             <a:r>
-              <a:rPr lang="en-US" smtClean="0"/>
+              <a:rPr lang="en-US"/>
               <a:t>Fourth level</a:t>
             </a:r>
           </a:p>
           <a:p>
             <a:pPr lvl="4"/>
             <a:r>
-              <a:rPr lang="en-US" smtClean="0"/>
+              <a:rPr lang="en-US"/>
               <a:t>Fifth level</a:t>
             </a:r>
-            <a:endParaRPr lang="en-US"/>
           </a:p>
         </p:txBody>
       </p:sp>
@@ -3516,38 +3449,37 @@
           <a:p>
             <a:pPr lvl="0"/>
             <a:r>
-              <a:rPr lang="en-US" smtClean="0"/>
+              <a:rPr lang="en-US"/>
               <a:t>Click to edit Master text styles</a:t>
             </a:r>
           </a:p>
           <a:p>
             <a:pPr lvl="1"/>
             <a:r>
-              <a:rPr lang="en-US" smtClean="0"/>
+              <a:rPr lang="en-US"/>
               <a:t>Second level</a:t>
             </a:r>
           </a:p>
           <a:p>
             <a:pPr lvl="2"/>
             <a:r>
-              <a:rPr lang="en-US" smtClean="0"/>
+              <a:rPr lang="en-US"/>
               <a:t>Third level</a:t>
             </a:r>
           </a:p>
           <a:p>
             <a:pPr lvl="3"/>
             <a:r>
-              <a:rPr lang="en-US" smtClean="0"/>
+              <a:rPr lang="en-US"/>
               <a:t>Fourth level</a:t>
             </a:r>
           </a:p>
           <a:p>
             <a:pPr lvl="4"/>
             <a:r>
-              <a:rPr lang="en-US" smtClean="0"/>
+              <a:rPr lang="en-US"/>
               <a:t>Fifth level</a:t>
             </a:r>
-            <a:endParaRPr lang="en-US"/>
           </a:p>
         </p:txBody>
       </p:sp>
@@ -3568,7 +3500,7 @@
           <a:p>
             <a:fld id="{5D1846AD-9252-4647-9435-4C2AC365653A}" type="datetime1">
               <a:rPr lang="en-US" smtClean="0"/>
-              <a:t>11/4/2015</a:t>
+              <a:t>11/1/2016</a:t>
             </a:fld>
             <a:endParaRPr lang="en-US"/>
           </a:p>
@@ -3666,10 +3598,9 @@
           </a:lstStyle>
           <a:p>
             <a:r>
-              <a:rPr lang="en-US" smtClean="0"/>
+              <a:rPr lang="en-US"/>
               <a:t>Click to edit Master title style</a:t>
             </a:r>
-            <a:endParaRPr lang="en-US"/>
           </a:p>
         </p:txBody>
       </p:sp>
@@ -3732,7 +3663,7 @@
           <a:p>
             <a:pPr lvl="0"/>
             <a:r>
-              <a:rPr lang="en-US" smtClean="0"/>
+              <a:rPr lang="en-US"/>
               <a:t>Click to edit Master text styles</a:t>
             </a:r>
           </a:p>
@@ -3788,38 +3719,37 @@
           <a:p>
             <a:pPr lvl="0"/>
             <a:r>
-              <a:rPr lang="en-US" smtClean="0"/>
+              <a:rPr lang="en-US"/>
               <a:t>Click to edit Master text styles</a:t>
             </a:r>
           </a:p>
           <a:p>
             <a:pPr lvl="1"/>
             <a:r>
-              <a:rPr lang="en-US" smtClean="0"/>
+              <a:rPr lang="en-US"/>
               <a:t>Second level</a:t>
             </a:r>
           </a:p>
           <a:p>
             <a:pPr lvl="2"/>
             <a:r>
-              <a:rPr lang="en-US" smtClean="0"/>
+              <a:rPr lang="en-US"/>
               <a:t>Third level</a:t>
             </a:r>
           </a:p>
           <a:p>
             <a:pPr lvl="3"/>
             <a:r>
-              <a:rPr lang="en-US" smtClean="0"/>
+              <a:rPr lang="en-US"/>
               <a:t>Fourth level</a:t>
             </a:r>
           </a:p>
           <a:p>
             <a:pPr lvl="4"/>
             <a:r>
-              <a:rPr lang="en-US" smtClean="0"/>
+              <a:rPr lang="en-US"/>
               <a:t>Fifth level</a:t>
             </a:r>
-            <a:endParaRPr lang="en-US"/>
           </a:p>
         </p:txBody>
       </p:sp>
@@ -3882,7 +3812,7 @@
           <a:p>
             <a:pPr lvl="0"/>
             <a:r>
-              <a:rPr lang="en-US" smtClean="0"/>
+              <a:rPr lang="en-US"/>
               <a:t>Click to edit Master text styles</a:t>
             </a:r>
           </a:p>
@@ -3938,38 +3868,37 @@
           <a:p>
             <a:pPr lvl="0"/>
             <a:r>
-              <a:rPr lang="en-US" smtClean="0"/>
+              <a:rPr lang="en-US"/>
               <a:t>Click to edit Master text styles</a:t>
             </a:r>
           </a:p>
           <a:p>
             <a:pPr lvl="1"/>
             <a:r>
-              <a:rPr lang="en-US" smtClean="0"/>
+              <a:rPr lang="en-US"/>
               <a:t>Second level</a:t>
             </a:r>
           </a:p>
           <a:p>
             <a:pPr lvl="2"/>
             <a:r>
-              <a:rPr lang="en-US" smtClean="0"/>
+              <a:rPr lang="en-US"/>
               <a:t>Third level</a:t>
             </a:r>
           </a:p>
           <a:p>
             <a:pPr lvl="3"/>
             <a:r>
-              <a:rPr lang="en-US" smtClean="0"/>
+              <a:rPr lang="en-US"/>
               <a:t>Fourth level</a:t>
             </a:r>
           </a:p>
           <a:p>
             <a:pPr lvl="4"/>
             <a:r>
-              <a:rPr lang="en-US" smtClean="0"/>
+              <a:rPr lang="en-US"/>
               <a:t>Fifth level</a:t>
             </a:r>
-            <a:endParaRPr lang="en-US"/>
           </a:p>
         </p:txBody>
       </p:sp>
@@ -3990,7 +3919,7 @@
           <a:p>
             <a:fld id="{CE56DC10-3561-4063-A6AF-C1CC7A41040A}" type="datetime1">
               <a:rPr lang="en-US" smtClean="0"/>
-              <a:t>11/4/2015</a:t>
+              <a:t>11/1/2016</a:t>
             </a:fld>
             <a:endParaRPr lang="en-US"/>
           </a:p>
@@ -4111,10 +4040,9 @@
           <a:lstStyle/>
           <a:p>
             <a:r>
-              <a:rPr lang="en-US" smtClean="0"/>
+              <a:rPr lang="en-US"/>
               <a:t>Click to edit Master title style</a:t>
             </a:r>
-            <a:endParaRPr lang="en-US"/>
           </a:p>
         </p:txBody>
       </p:sp>
@@ -4145,38 +4073,37 @@
           <a:p>
             <a:pPr lvl="0"/>
             <a:r>
-              <a:rPr lang="en-US" smtClean="0"/>
+              <a:rPr lang="en-US"/>
               <a:t>Click to edit Master text styles</a:t>
             </a:r>
           </a:p>
           <a:p>
             <a:pPr lvl="1"/>
             <a:r>
-              <a:rPr lang="en-US" smtClean="0"/>
+              <a:rPr lang="en-US"/>
               <a:t>Second level</a:t>
             </a:r>
           </a:p>
           <a:p>
             <a:pPr lvl="2"/>
             <a:r>
-              <a:rPr lang="en-US" smtClean="0"/>
+              <a:rPr lang="en-US"/>
               <a:t>Third level</a:t>
             </a:r>
           </a:p>
           <a:p>
             <a:pPr lvl="3"/>
             <a:r>
-              <a:rPr lang="en-US" smtClean="0"/>
+              <a:rPr lang="en-US"/>
               <a:t>Fourth level</a:t>
             </a:r>
           </a:p>
           <a:p>
             <a:pPr lvl="4"/>
             <a:r>
-              <a:rPr lang="en-US" smtClean="0"/>
+              <a:rPr lang="en-US"/>
               <a:t>Fifth level</a:t>
             </a:r>
-            <a:endParaRPr lang="en-US"/>
           </a:p>
         </p:txBody>
       </p:sp>
@@ -4215,7 +4142,7 @@
           <a:p>
             <a:fld id="{02B3F677-983B-48DB-ADFD-63FE6CBC7FB2}" type="datetime1">
               <a:rPr lang="en-US" smtClean="0"/>
-              <a:t>11/4/2015</a:t>
+              <a:t>11/1/2016</a:t>
             </a:fld>
             <a:endParaRPr lang="en-US"/>
           </a:p>
@@ -4324,13 +4251,6 @@
     <p:sldLayoutId id="2147483675" r:id="rId14"/>
     <p:sldLayoutId id="2147483676" r:id="rId15"/>
   </p:sldLayoutIdLst>
-  <p:timing>
-    <p:tnLst>
-      <p:par>
-        <p:cTn id="1" dur="indefinite" restart="never" nodeType="tmRoot"/>
-      </p:par>
-    </p:tnLst>
-  </p:timing>
   <p:hf hdr="0" ftr="0" dt="0"/>
   <p:txStyles>
     <p:titleStyle>
@@ -4618,10 +4538,9 @@
           <a:lstStyle/>
           <a:p>
             <a:r>
-              <a:rPr lang="en-US" dirty="0" smtClean="0"/>
+              <a:rPr lang="en-US" dirty="0"/>
               <a:t>Functions vs. Classes</a:t>
             </a:r>
-            <a:endParaRPr lang="en-US" dirty="0"/>
           </a:p>
         </p:txBody>
       </p:sp>
@@ -4641,38 +4560,29 @@
           <a:lstStyle/>
           <a:p>
             <a:r>
-              <a:rPr lang="en-US" dirty="0" smtClean="0"/>
+              <a:rPr lang="en-US" dirty="0"/>
               <a:t>CS 5010 Program Design Paradigms</a:t>
             </a:r>
           </a:p>
           <a:p>
             <a:r>
-              <a:rPr lang="en-US" dirty="0" smtClean="0"/>
+              <a:rPr lang="en-US" dirty="0"/>
               <a:t>"</a:t>
             </a:r>
             <a:r>
-              <a:rPr lang="en-US" dirty="0" err="1" smtClean="0"/>
+              <a:rPr lang="en-US" dirty="0" err="1"/>
               <a:t>Bootcamp</a:t>
             </a:r>
             <a:r>
-              <a:rPr lang="en-US" dirty="0" smtClean="0"/>
+              <a:rPr lang="en-US" dirty="0"/>
               <a:t>"</a:t>
             </a:r>
           </a:p>
           <a:p>
             <a:r>
-              <a:rPr lang="en-US" dirty="0" smtClean="0"/>
-              <a:t>Lesson </a:t>
-            </a:r>
-            <a:r>
               <a:rPr lang="en-US" dirty="0"/>
-              <a:t>9</a:t>
-            </a:r>
-            <a:r>
-              <a:rPr lang="en-US" dirty="0" smtClean="0"/>
-              <a:t>.3</a:t>
-            </a:r>
-            <a:endParaRPr lang="en-US" dirty="0"/>
+              <a:t>Lesson 9.3</a:t>
+            </a:r>
           </a:p>
         </p:txBody>
       </p:sp>
@@ -4768,27 +4678,13 @@
             <a:p>
               <a:r>
                 <a:rPr lang="en-US" sz="1000" dirty="0"/>
-                <a:t>© Mitchell Wand, </a:t>
-              </a:r>
-              <a:r>
-                <a:rPr lang="en-US" sz="1000" dirty="0" smtClean="0"/>
-                <a:t>2012-2015</a:t>
+                <a:t>© Mitchell Wand, 2012-2015</a:t>
               </a:r>
             </a:p>
             <a:p>
               <a:r>
-                <a:rPr lang="en-US" sz="1000" dirty="0" smtClean="0"/>
+                <a:rPr lang="en-US" sz="1000" dirty="0"/>
                 <a:t>This work is licensed under a </a:t>
-              </a:r>
-              <a:r>
-                <a:rPr lang="en-US" altLang="en-US" sz="1000" dirty="0" smtClean="0">
-                  <a:solidFill>
-                    <a:srgbClr val="4374B7"/>
-                  </a:solidFill>
-                  <a:latin typeface="Helvetica Neue"/>
-                  <a:hlinkClick r:id="rId4"/>
-                </a:rPr>
-                <a:t>Creative </a:t>
               </a:r>
               <a:r>
                 <a:rPr lang="en-US" altLang="en-US" sz="1000" dirty="0">
@@ -4798,7 +4694,7 @@
                   <a:latin typeface="Helvetica Neue"/>
                   <a:hlinkClick r:id="rId4"/>
                 </a:rPr>
-                <a:t>Commons Attribution-</a:t>
+                <a:t>Creative Commons Attribution-</a:t>
               </a:r>
               <a:r>
                 <a:rPr lang="en-US" altLang="en-US" sz="1000" dirty="0" err="1">
@@ -4821,10 +4717,9 @@
                 <a:t> 4.0 International License</a:t>
               </a:r>
               <a:r>
-                <a:rPr lang="en-US" sz="1000" dirty="0" smtClean="0"/>
+                <a:rPr lang="en-US" sz="1000" dirty="0"/>
                 <a:t>.</a:t>
               </a:r>
-              <a:endParaRPr lang="en-US" sz="1000" dirty="0"/>
             </a:p>
           </p:txBody>
         </p:sp>
@@ -4834,13 +4729,6 @@
   <p:clrMapOvr>
     <a:masterClrMapping/>
   </p:clrMapOvr>
-  <p:timing>
-    <p:tnLst>
-      <p:par>
-        <p:cTn id="1" dur="indefinite" restart="never" nodeType="tmRoot"/>
-      </p:par>
-    </p:tnLst>
-  </p:timing>
 </p:sld>
 </file>
 
@@ -4877,10 +4765,9 @@
           <a:lstStyle/>
           <a:p>
             <a:r>
-              <a:rPr lang="en-US" dirty="0" smtClean="0"/>
+              <a:rPr lang="en-US" dirty="0"/>
               <a:t>Code Outline (OO:4)</a:t>
             </a:r>
-            <a:endParaRPr lang="en-US" dirty="0"/>
           </a:p>
         </p:txBody>
       </p:sp>
@@ -5308,10 +5195,9 @@
           <a:lstStyle/>
           <a:p>
             <a:r>
-              <a:rPr lang="en-US" dirty="0" smtClean="0"/>
+              <a:rPr lang="en-US" dirty="0"/>
               <a:t>The Big Picture</a:t>
             </a:r>
-            <a:endParaRPr lang="en-US" dirty="0"/>
           </a:p>
         </p:txBody>
       </p:sp>
@@ -5331,22 +5217,21 @@
           <a:lstStyle/>
           <a:p>
             <a:r>
-              <a:rPr lang="en-US" dirty="0" smtClean="0"/>
+              <a:rPr lang="en-US" dirty="0"/>
               <a:t>The functional version and the OO version are really the same.  They just have the pieces grouped differently.</a:t>
             </a:r>
           </a:p>
           <a:p>
             <a:r>
-              <a:rPr lang="en-US" dirty="0" smtClean="0"/>
+              <a:rPr lang="en-US" dirty="0"/>
               <a:t>Here are a couple of slides that illustrate what happened.</a:t>
             </a:r>
           </a:p>
           <a:p>
             <a:r>
-              <a:rPr lang="en-US" dirty="0" smtClean="0"/>
+              <a:rPr lang="en-US" dirty="0"/>
               <a:t>We had 6 little functions to write.  Let's see where they wound up in the functional version, and then in the OO version.</a:t>
             </a:r>
-            <a:endParaRPr lang="en-US" dirty="0"/>
           </a:p>
         </p:txBody>
       </p:sp>
@@ -5384,13 +5269,6 @@
   <p:clrMapOvr>
     <a:masterClrMapping/>
   </p:clrMapOvr>
-  <p:timing>
-    <p:tnLst>
-      <p:par>
-        <p:cTn id="1" dur="indefinite" restart="never" nodeType="tmRoot"/>
-      </p:par>
-    </p:tnLst>
-  </p:timing>
 </p:sld>
 </file>
 
@@ -5427,10 +5305,9 @@
           <a:lstStyle/>
           <a:p>
             <a:r>
-              <a:rPr lang="en-US" dirty="0" smtClean="0"/>
+              <a:rPr lang="en-US" dirty="0"/>
               <a:t>The Big Picture: Functional</a:t>
             </a:r>
-            <a:endParaRPr lang="en-US" dirty="0"/>
           </a:p>
         </p:txBody>
       </p:sp>
@@ -5486,11 +5363,11 @@
           <a:lstStyle/>
           <a:p>
             <a:r>
-              <a:rPr lang="en-US" dirty="0" smtClean="0"/>
+              <a:rPr lang="en-US" dirty="0"/>
               <a:t>my-</a:t>
             </a:r>
             <a:r>
-              <a:rPr lang="en-US" dirty="0" smtClean="0">
+              <a:rPr lang="en-US" dirty="0">
                 <a:solidFill>
                   <a:srgbClr val="FF0000"/>
                 </a:solidFill>
@@ -5498,22 +5375,17 @@
               <a:t>circle</a:t>
             </a:r>
             <a:r>
-              <a:rPr lang="en-US" dirty="0" smtClean="0"/>
+              <a:rPr lang="en-US" dirty="0"/>
               <a:t>-</a:t>
             </a:r>
             <a:r>
-              <a:rPr lang="en-US" dirty="0" smtClean="0">
+              <a:rPr lang="en-US" dirty="0">
                 <a:solidFill>
                   <a:srgbClr val="7030A0"/>
                 </a:solidFill>
               </a:rPr>
               <a:t>weight</a:t>
             </a:r>
-            <a:endParaRPr lang="en-US" dirty="0">
-              <a:solidFill>
-                <a:srgbClr val="7030A0"/>
-              </a:solidFill>
-            </a:endParaRPr>
           </a:p>
         </p:txBody>
       </p:sp>
@@ -5545,11 +5417,11 @@
           <a:lstStyle/>
           <a:p>
             <a:r>
-              <a:rPr lang="en-US" dirty="0" smtClean="0"/>
+              <a:rPr lang="en-US" dirty="0"/>
               <a:t>my-</a:t>
             </a:r>
             <a:r>
-              <a:rPr lang="en-US" dirty="0" smtClean="0">
+              <a:rPr lang="en-US" dirty="0">
                 <a:solidFill>
                   <a:schemeClr val="accent3">
                     <a:lumMod val="75000"/>
@@ -5559,22 +5431,17 @@
               <a:t>square</a:t>
             </a:r>
             <a:r>
-              <a:rPr lang="en-US" dirty="0" smtClean="0"/>
+              <a:rPr lang="en-US" dirty="0"/>
               <a:t>-</a:t>
             </a:r>
             <a:r>
-              <a:rPr lang="en-US" dirty="0" smtClean="0">
+              <a:rPr lang="en-US" dirty="0">
                 <a:solidFill>
                   <a:srgbClr val="7030A0"/>
                 </a:solidFill>
               </a:rPr>
               <a:t>weight</a:t>
             </a:r>
-            <a:endParaRPr lang="en-US" dirty="0">
-              <a:solidFill>
-                <a:srgbClr val="7030A0"/>
-              </a:solidFill>
-            </a:endParaRPr>
           </a:p>
         </p:txBody>
       </p:sp>
@@ -5606,11 +5473,11 @@
           <a:lstStyle/>
           <a:p>
             <a:r>
-              <a:rPr lang="en-US" dirty="0" smtClean="0"/>
+              <a:rPr lang="en-US" dirty="0"/>
               <a:t>my-</a:t>
             </a:r>
             <a:r>
-              <a:rPr lang="en-US" dirty="0" smtClean="0">
+              <a:rPr lang="en-US" dirty="0">
                 <a:solidFill>
                   <a:schemeClr val="accent1">
                     <a:lumMod val="60000"/>
@@ -5621,22 +5488,17 @@
               <a:t>composite</a:t>
             </a:r>
             <a:r>
-              <a:rPr lang="en-US" dirty="0" smtClean="0"/>
+              <a:rPr lang="en-US" dirty="0"/>
               <a:t>-</a:t>
             </a:r>
             <a:r>
-              <a:rPr lang="en-US" dirty="0" smtClean="0">
+              <a:rPr lang="en-US" dirty="0">
                 <a:solidFill>
                   <a:srgbClr val="7030A0"/>
                 </a:solidFill>
               </a:rPr>
               <a:t>weight</a:t>
             </a:r>
-            <a:endParaRPr lang="en-US" dirty="0">
-              <a:solidFill>
-                <a:srgbClr val="7030A0"/>
-              </a:solidFill>
-            </a:endParaRPr>
           </a:p>
         </p:txBody>
       </p:sp>
@@ -5668,11 +5530,11 @@
           <a:lstStyle/>
           <a:p>
             <a:r>
-              <a:rPr lang="en-US" dirty="0" smtClean="0"/>
+              <a:rPr lang="en-US" dirty="0"/>
               <a:t>my-</a:t>
             </a:r>
             <a:r>
-              <a:rPr lang="en-US" dirty="0" smtClean="0">
+              <a:rPr lang="en-US" dirty="0">
                 <a:solidFill>
                   <a:srgbClr val="FF0000"/>
                 </a:solidFill>
@@ -5680,22 +5542,17 @@
               <a:t>circle</a:t>
             </a:r>
             <a:r>
-              <a:rPr lang="en-US" dirty="0" smtClean="0"/>
+              <a:rPr lang="en-US" dirty="0"/>
               <a:t>-</a:t>
             </a:r>
             <a:r>
-              <a:rPr lang="en-US" dirty="0" smtClean="0">
+              <a:rPr lang="en-US" dirty="0">
                 <a:solidFill>
                   <a:srgbClr val="E335D7"/>
                 </a:solidFill>
               </a:rPr>
               <a:t>add-to-scene</a:t>
             </a:r>
-            <a:endParaRPr lang="en-US" dirty="0">
-              <a:solidFill>
-                <a:srgbClr val="E335D7"/>
-              </a:solidFill>
-            </a:endParaRPr>
           </a:p>
         </p:txBody>
       </p:sp>
@@ -5727,11 +5584,11 @@
           <a:lstStyle/>
           <a:p>
             <a:r>
-              <a:rPr lang="en-US" dirty="0" smtClean="0"/>
+              <a:rPr lang="en-US" dirty="0"/>
               <a:t>my-</a:t>
             </a:r>
             <a:r>
-              <a:rPr lang="en-US" dirty="0" smtClean="0">
+              <a:rPr lang="en-US" dirty="0">
                 <a:solidFill>
                   <a:schemeClr val="accent3">
                     <a:lumMod val="75000"/>
@@ -5741,22 +5598,17 @@
               <a:t>square</a:t>
             </a:r>
             <a:r>
-              <a:rPr lang="en-US" dirty="0" smtClean="0"/>
+              <a:rPr lang="en-US" dirty="0"/>
               <a:t>-</a:t>
             </a:r>
             <a:r>
-              <a:rPr lang="en-US" dirty="0" smtClean="0">
+              <a:rPr lang="en-US" dirty="0">
                 <a:solidFill>
                   <a:srgbClr val="E335D7"/>
                 </a:solidFill>
               </a:rPr>
               <a:t>add-to-scene</a:t>
             </a:r>
-            <a:endParaRPr lang="en-US" dirty="0">
-              <a:solidFill>
-                <a:srgbClr val="E335D7"/>
-              </a:solidFill>
-            </a:endParaRPr>
           </a:p>
         </p:txBody>
       </p:sp>
@@ -5788,11 +5640,11 @@
           <a:lstStyle/>
           <a:p>
             <a:r>
-              <a:rPr lang="en-US" dirty="0" smtClean="0"/>
+              <a:rPr lang="en-US" dirty="0"/>
               <a:t>my-</a:t>
             </a:r>
             <a:r>
-              <a:rPr lang="en-US" dirty="0" smtClean="0">
+              <a:rPr lang="en-US" dirty="0">
                 <a:solidFill>
                   <a:schemeClr val="accent1">
                     <a:lumMod val="60000"/>
@@ -5803,22 +5655,17 @@
               <a:t>composite</a:t>
             </a:r>
             <a:r>
-              <a:rPr lang="en-US" dirty="0" smtClean="0"/>
+              <a:rPr lang="en-US" dirty="0"/>
               <a:t>-</a:t>
             </a:r>
             <a:r>
-              <a:rPr lang="en-US" dirty="0" smtClean="0">
+              <a:rPr lang="en-US" dirty="0">
                 <a:solidFill>
                   <a:srgbClr val="E335D7"/>
                 </a:solidFill>
               </a:rPr>
               <a:t>add-to-scene</a:t>
             </a:r>
-            <a:endParaRPr lang="en-US" dirty="0">
-              <a:solidFill>
-                <a:srgbClr val="E335D7"/>
-              </a:solidFill>
-            </a:endParaRPr>
           </a:p>
         </p:txBody>
       </p:sp>
@@ -5866,7 +5713,7 @@
           <a:lstStyle/>
           <a:p>
             <a:pPr algn="ctr"/>
-            <a:endParaRPr lang="en-US" dirty="0" smtClean="0">
+            <a:endParaRPr lang="en-US" dirty="0">
               <a:solidFill>
                 <a:schemeClr val="tx1"/>
               </a:solidFill>
@@ -5902,11 +5749,11 @@
           <a:lstStyle/>
           <a:p>
             <a:r>
-              <a:rPr lang="en-US" dirty="0" smtClean="0"/>
+              <a:rPr lang="en-US" dirty="0"/>
               <a:t>my-</a:t>
             </a:r>
             <a:r>
-              <a:rPr lang="en-US" dirty="0" smtClean="0">
+              <a:rPr lang="en-US" dirty="0">
                 <a:solidFill>
                   <a:srgbClr val="FF0000"/>
                 </a:solidFill>
@@ -5914,22 +5761,17 @@
               <a:t>circle</a:t>
             </a:r>
             <a:r>
-              <a:rPr lang="en-US" dirty="0" smtClean="0"/>
+              <a:rPr lang="en-US" dirty="0"/>
               <a:t>-</a:t>
             </a:r>
             <a:r>
-              <a:rPr lang="en-US" dirty="0" smtClean="0">
+              <a:rPr lang="en-US" dirty="0">
                 <a:solidFill>
                   <a:srgbClr val="7030A0"/>
                 </a:solidFill>
               </a:rPr>
               <a:t>weight</a:t>
             </a:r>
-            <a:endParaRPr lang="en-US" dirty="0">
-              <a:solidFill>
-                <a:srgbClr val="7030A0"/>
-              </a:solidFill>
-            </a:endParaRPr>
           </a:p>
         </p:txBody>
       </p:sp>
@@ -5961,11 +5803,11 @@
           <a:lstStyle/>
           <a:p>
             <a:r>
-              <a:rPr lang="en-US" dirty="0" smtClean="0"/>
+              <a:rPr lang="en-US" dirty="0"/>
               <a:t>my-</a:t>
             </a:r>
             <a:r>
-              <a:rPr lang="en-US" dirty="0" smtClean="0">
+              <a:rPr lang="en-US" dirty="0">
                 <a:solidFill>
                   <a:schemeClr val="accent3">
                     <a:lumMod val="75000"/>
@@ -5975,22 +5817,17 @@
               <a:t>square</a:t>
             </a:r>
             <a:r>
-              <a:rPr lang="en-US" dirty="0" smtClean="0"/>
+              <a:rPr lang="en-US" dirty="0"/>
               <a:t>-</a:t>
             </a:r>
             <a:r>
-              <a:rPr lang="en-US" dirty="0" smtClean="0">
+              <a:rPr lang="en-US" dirty="0">
                 <a:solidFill>
                   <a:srgbClr val="7030A0"/>
                 </a:solidFill>
               </a:rPr>
               <a:t>weight</a:t>
             </a:r>
-            <a:endParaRPr lang="en-US" dirty="0">
-              <a:solidFill>
-                <a:srgbClr val="7030A0"/>
-              </a:solidFill>
-            </a:endParaRPr>
           </a:p>
         </p:txBody>
       </p:sp>
@@ -6022,11 +5859,11 @@
           <a:lstStyle/>
           <a:p>
             <a:r>
-              <a:rPr lang="en-US" dirty="0" smtClean="0"/>
+              <a:rPr lang="en-US" dirty="0"/>
               <a:t>my-</a:t>
             </a:r>
             <a:r>
-              <a:rPr lang="en-US" dirty="0" smtClean="0">
+              <a:rPr lang="en-US" dirty="0">
                 <a:solidFill>
                   <a:schemeClr val="accent1">
                     <a:lumMod val="60000"/>
@@ -6037,22 +5874,17 @@
               <a:t>composite</a:t>
             </a:r>
             <a:r>
-              <a:rPr lang="en-US" dirty="0" smtClean="0"/>
+              <a:rPr lang="en-US" dirty="0"/>
               <a:t>-</a:t>
             </a:r>
             <a:r>
-              <a:rPr lang="en-US" dirty="0" smtClean="0">
+              <a:rPr lang="en-US" dirty="0">
                 <a:solidFill>
                   <a:srgbClr val="7030A0"/>
                 </a:solidFill>
               </a:rPr>
               <a:t>weight</a:t>
             </a:r>
-            <a:endParaRPr lang="en-US" dirty="0">
-              <a:solidFill>
-                <a:srgbClr val="7030A0"/>
-              </a:solidFill>
-            </a:endParaRPr>
           </a:p>
         </p:txBody>
       </p:sp>
@@ -6100,7 +5932,7 @@
           <a:lstStyle/>
           <a:p>
             <a:pPr algn="ctr"/>
-            <a:endParaRPr lang="en-US" dirty="0" smtClean="0">
+            <a:endParaRPr lang="en-US" dirty="0">
               <a:solidFill>
                 <a:schemeClr val="tx1"/>
               </a:solidFill>
@@ -6136,11 +5968,11 @@
           <a:lstStyle/>
           <a:p>
             <a:r>
-              <a:rPr lang="en-US" dirty="0" smtClean="0"/>
+              <a:rPr lang="en-US" dirty="0"/>
               <a:t>my-</a:t>
             </a:r>
             <a:r>
-              <a:rPr lang="en-US" dirty="0" smtClean="0">
+              <a:rPr lang="en-US" dirty="0">
                 <a:solidFill>
                   <a:srgbClr val="FF0000"/>
                 </a:solidFill>
@@ -6148,22 +5980,17 @@
               <a:t>circle</a:t>
             </a:r>
             <a:r>
-              <a:rPr lang="en-US" dirty="0" smtClean="0"/>
+              <a:rPr lang="en-US" dirty="0"/>
               <a:t>-</a:t>
             </a:r>
             <a:r>
-              <a:rPr lang="en-US" dirty="0" smtClean="0">
+              <a:rPr lang="en-US" dirty="0">
                 <a:solidFill>
                   <a:srgbClr val="E335D7"/>
                 </a:solidFill>
               </a:rPr>
               <a:t>add-to-scene</a:t>
             </a:r>
-            <a:endParaRPr lang="en-US" dirty="0">
-              <a:solidFill>
-                <a:srgbClr val="E335D7"/>
-              </a:solidFill>
-            </a:endParaRPr>
           </a:p>
         </p:txBody>
       </p:sp>
@@ -6195,11 +6022,11 @@
           <a:lstStyle/>
           <a:p>
             <a:r>
-              <a:rPr lang="en-US" dirty="0" smtClean="0"/>
+              <a:rPr lang="en-US" dirty="0"/>
               <a:t>my-</a:t>
             </a:r>
             <a:r>
-              <a:rPr lang="en-US" dirty="0" smtClean="0">
+              <a:rPr lang="en-US" dirty="0">
                 <a:solidFill>
                   <a:schemeClr val="accent3">
                     <a:lumMod val="75000"/>
@@ -6209,22 +6036,17 @@
               <a:t>square</a:t>
             </a:r>
             <a:r>
-              <a:rPr lang="en-US" dirty="0" smtClean="0"/>
+              <a:rPr lang="en-US" dirty="0"/>
               <a:t>-</a:t>
             </a:r>
             <a:r>
-              <a:rPr lang="en-US" dirty="0" smtClean="0">
+              <a:rPr lang="en-US" dirty="0">
                 <a:solidFill>
                   <a:srgbClr val="E335D7"/>
                 </a:solidFill>
               </a:rPr>
               <a:t>add-to-scene</a:t>
             </a:r>
-            <a:endParaRPr lang="en-US" dirty="0">
-              <a:solidFill>
-                <a:srgbClr val="E335D7"/>
-              </a:solidFill>
-            </a:endParaRPr>
           </a:p>
         </p:txBody>
       </p:sp>
@@ -6256,11 +6078,11 @@
           <a:lstStyle/>
           <a:p>
             <a:r>
-              <a:rPr lang="en-US" dirty="0" smtClean="0"/>
+              <a:rPr lang="en-US" dirty="0"/>
               <a:t>my-</a:t>
             </a:r>
             <a:r>
-              <a:rPr lang="en-US" dirty="0" smtClean="0">
+              <a:rPr lang="en-US" dirty="0">
                 <a:solidFill>
                   <a:schemeClr val="accent1">
                     <a:lumMod val="60000"/>
@@ -6271,22 +6093,17 @@
               <a:t>composite</a:t>
             </a:r>
             <a:r>
-              <a:rPr lang="en-US" dirty="0" smtClean="0"/>
+              <a:rPr lang="en-US" dirty="0"/>
               <a:t>-</a:t>
             </a:r>
             <a:r>
-              <a:rPr lang="en-US" dirty="0" smtClean="0">
+              <a:rPr lang="en-US" dirty="0">
                 <a:solidFill>
                   <a:srgbClr val="E335D7"/>
                 </a:solidFill>
               </a:rPr>
               <a:t>add-to-scene</a:t>
             </a:r>
-            <a:endParaRPr lang="en-US" dirty="0">
-              <a:solidFill>
-                <a:srgbClr val="E335D7"/>
-              </a:solidFill>
-            </a:endParaRPr>
           </a:p>
         </p:txBody>
       </p:sp>
@@ -6313,18 +6130,13 @@
           <a:lstStyle/>
           <a:p>
             <a:r>
-              <a:rPr lang="en-US" dirty="0" smtClean="0">
+              <a:rPr lang="en-US" dirty="0">
                 <a:solidFill>
                   <a:srgbClr val="7030A0"/>
                 </a:solidFill>
               </a:rPr>
               <a:t>define weight:</a:t>
             </a:r>
-            <a:endParaRPr lang="en-US" dirty="0">
-              <a:solidFill>
-                <a:srgbClr val="7030A0"/>
-              </a:solidFill>
-            </a:endParaRPr>
           </a:p>
         </p:txBody>
       </p:sp>
@@ -6351,18 +6163,13 @@
           <a:lstStyle/>
           <a:p>
             <a:r>
-              <a:rPr lang="en-US" dirty="0" smtClean="0">
+              <a:rPr lang="en-US" dirty="0">
                 <a:solidFill>
                   <a:srgbClr val="7030A0"/>
                 </a:solidFill>
               </a:rPr>
               <a:t>define add-to-scene:</a:t>
             </a:r>
-            <a:endParaRPr lang="en-US" dirty="0">
-              <a:solidFill>
-                <a:srgbClr val="7030A0"/>
-              </a:solidFill>
-            </a:endParaRPr>
           </a:p>
         </p:txBody>
       </p:sp>
@@ -6413,11 +6220,7 @@
           <a:p>
             <a:r>
               <a:rPr lang="en-US" sz="1600" dirty="0"/>
-              <a:t>When we </a:t>
-            </a:r>
-            <a:r>
-              <a:rPr lang="en-US" sz="1600" dirty="0" smtClean="0"/>
-              <a:t>call </a:t>
+              <a:t>When we call </a:t>
             </a:r>
             <a:r>
               <a:rPr lang="en-US" sz="1600" b="1" dirty="0"/>
@@ -6433,15 +6236,7 @@
             </a:r>
             <a:r>
               <a:rPr lang="en-US" sz="1600" dirty="0"/>
-              <a:t>, we </a:t>
-            </a:r>
-            <a:r>
-              <a:rPr lang="en-US" sz="1600" dirty="0" smtClean="0"/>
-              <a:t>use </a:t>
-            </a:r>
-            <a:r>
-              <a:rPr lang="en-US" sz="1600" dirty="0"/>
-              <a:t>a </a:t>
+              <a:t>, we use a </a:t>
             </a:r>
             <a:r>
               <a:rPr lang="en-US" sz="1600" b="1" dirty="0" err="1"/>
@@ -6449,13 +6244,9 @@
             </a:r>
             <a:r>
               <a:rPr lang="en-US" sz="1600" dirty="0"/>
-              <a:t> expression to determine what kind of shape we were dealing with, </a:t>
-            </a:r>
-            <a:r>
-              <a:rPr lang="en-US" sz="1600" dirty="0" smtClean="0"/>
-              <a:t>so the appropriate code is evaluated.</a:t>
-            </a:r>
-            <a:endParaRPr lang="en-US" sz="1600" dirty="0" smtClean="0">
+              <a:t> expression to determine what kind of shape we were dealing with, so the appropriate code is evaluated.</a:t>
+            </a:r>
+            <a:endParaRPr lang="en-US" sz="1600" dirty="0">
               <a:solidFill>
                 <a:schemeClr val="tx1"/>
               </a:solidFill>
@@ -7166,10 +6957,9 @@
           <a:lstStyle/>
           <a:p>
             <a:r>
-              <a:rPr lang="en-US" dirty="0" smtClean="0"/>
+              <a:rPr lang="en-US" dirty="0"/>
               <a:t>The Big Picture: Classes</a:t>
             </a:r>
-            <a:endParaRPr lang="en-US" dirty="0"/>
           </a:p>
         </p:txBody>
       </p:sp>
@@ -7225,11 +7015,11 @@
           <a:lstStyle/>
           <a:p>
             <a:r>
-              <a:rPr lang="en-US" dirty="0" smtClean="0"/>
+              <a:rPr lang="en-US" dirty="0"/>
               <a:t>my-</a:t>
             </a:r>
             <a:r>
-              <a:rPr lang="en-US" dirty="0" smtClean="0">
+              <a:rPr lang="en-US" dirty="0">
                 <a:solidFill>
                   <a:srgbClr val="FF0000"/>
                 </a:solidFill>
@@ -7237,22 +7027,17 @@
               <a:t>circle</a:t>
             </a:r>
             <a:r>
-              <a:rPr lang="en-US" dirty="0" smtClean="0"/>
+              <a:rPr lang="en-US" dirty="0"/>
               <a:t>-</a:t>
             </a:r>
             <a:r>
-              <a:rPr lang="en-US" dirty="0" smtClean="0">
+              <a:rPr lang="en-US" dirty="0">
                 <a:solidFill>
                   <a:srgbClr val="7030A0"/>
                 </a:solidFill>
               </a:rPr>
               <a:t>weight</a:t>
             </a:r>
-            <a:endParaRPr lang="en-US" dirty="0">
-              <a:solidFill>
-                <a:srgbClr val="7030A0"/>
-              </a:solidFill>
-            </a:endParaRPr>
           </a:p>
         </p:txBody>
       </p:sp>
@@ -7284,11 +7069,11 @@
           <a:lstStyle/>
           <a:p>
             <a:r>
-              <a:rPr lang="en-US" dirty="0" smtClean="0"/>
+              <a:rPr lang="en-US" dirty="0"/>
               <a:t>my-</a:t>
             </a:r>
             <a:r>
-              <a:rPr lang="en-US" dirty="0" smtClean="0">
+              <a:rPr lang="en-US" dirty="0">
                 <a:solidFill>
                   <a:schemeClr val="accent3">
                     <a:lumMod val="75000"/>
@@ -7298,22 +7083,17 @@
               <a:t>square</a:t>
             </a:r>
             <a:r>
-              <a:rPr lang="en-US" dirty="0" smtClean="0"/>
+              <a:rPr lang="en-US" dirty="0"/>
               <a:t>-</a:t>
             </a:r>
             <a:r>
-              <a:rPr lang="en-US" dirty="0" smtClean="0">
+              <a:rPr lang="en-US" dirty="0">
                 <a:solidFill>
                   <a:srgbClr val="7030A0"/>
                 </a:solidFill>
               </a:rPr>
               <a:t>weight</a:t>
             </a:r>
-            <a:endParaRPr lang="en-US" dirty="0">
-              <a:solidFill>
-                <a:srgbClr val="7030A0"/>
-              </a:solidFill>
-            </a:endParaRPr>
           </a:p>
         </p:txBody>
       </p:sp>
@@ -7345,11 +7125,11 @@
           <a:lstStyle/>
           <a:p>
             <a:r>
-              <a:rPr lang="en-US" dirty="0" smtClean="0"/>
+              <a:rPr lang="en-US" dirty="0"/>
               <a:t>my-</a:t>
             </a:r>
             <a:r>
-              <a:rPr lang="en-US" dirty="0" smtClean="0">
+              <a:rPr lang="en-US" dirty="0">
                 <a:solidFill>
                   <a:schemeClr val="accent1">
                     <a:lumMod val="60000"/>
@@ -7360,22 +7140,17 @@
               <a:t>composite</a:t>
             </a:r>
             <a:r>
-              <a:rPr lang="en-US" dirty="0" smtClean="0"/>
+              <a:rPr lang="en-US" dirty="0"/>
               <a:t>-</a:t>
             </a:r>
             <a:r>
-              <a:rPr lang="en-US" dirty="0" smtClean="0">
+              <a:rPr lang="en-US" dirty="0">
                 <a:solidFill>
                   <a:srgbClr val="7030A0"/>
                 </a:solidFill>
               </a:rPr>
               <a:t>weight</a:t>
             </a:r>
-            <a:endParaRPr lang="en-US" dirty="0">
-              <a:solidFill>
-                <a:srgbClr val="7030A0"/>
-              </a:solidFill>
-            </a:endParaRPr>
           </a:p>
         </p:txBody>
       </p:sp>
@@ -7407,11 +7182,11 @@
           <a:lstStyle/>
           <a:p>
             <a:r>
-              <a:rPr lang="en-US" dirty="0" smtClean="0"/>
+              <a:rPr lang="en-US" dirty="0"/>
               <a:t>my-</a:t>
             </a:r>
             <a:r>
-              <a:rPr lang="en-US" dirty="0" smtClean="0">
+              <a:rPr lang="en-US" dirty="0">
                 <a:solidFill>
                   <a:srgbClr val="FF0000"/>
                 </a:solidFill>
@@ -7419,22 +7194,17 @@
               <a:t>circle</a:t>
             </a:r>
             <a:r>
-              <a:rPr lang="en-US" dirty="0" smtClean="0"/>
+              <a:rPr lang="en-US" dirty="0"/>
               <a:t>-</a:t>
             </a:r>
             <a:r>
-              <a:rPr lang="en-US" dirty="0" smtClean="0">
+              <a:rPr lang="en-US" dirty="0">
                 <a:solidFill>
                   <a:srgbClr val="E335D7"/>
                 </a:solidFill>
               </a:rPr>
               <a:t>add-to-scene</a:t>
             </a:r>
-            <a:endParaRPr lang="en-US" dirty="0">
-              <a:solidFill>
-                <a:srgbClr val="E335D7"/>
-              </a:solidFill>
-            </a:endParaRPr>
           </a:p>
         </p:txBody>
       </p:sp>
@@ -7466,11 +7236,11 @@
           <a:lstStyle/>
           <a:p>
             <a:r>
-              <a:rPr lang="en-US" dirty="0" smtClean="0"/>
+              <a:rPr lang="en-US" dirty="0"/>
               <a:t>my-</a:t>
             </a:r>
             <a:r>
-              <a:rPr lang="en-US" dirty="0" smtClean="0">
+              <a:rPr lang="en-US" dirty="0">
                 <a:solidFill>
                   <a:schemeClr val="accent3">
                     <a:lumMod val="75000"/>
@@ -7480,22 +7250,17 @@
               <a:t>square</a:t>
             </a:r>
             <a:r>
-              <a:rPr lang="en-US" dirty="0" smtClean="0"/>
+              <a:rPr lang="en-US" dirty="0"/>
               <a:t>-</a:t>
             </a:r>
             <a:r>
-              <a:rPr lang="en-US" dirty="0" smtClean="0">
+              <a:rPr lang="en-US" dirty="0">
                 <a:solidFill>
                   <a:srgbClr val="E335D7"/>
                 </a:solidFill>
               </a:rPr>
               <a:t>add-to-scene</a:t>
             </a:r>
-            <a:endParaRPr lang="en-US" dirty="0">
-              <a:solidFill>
-                <a:srgbClr val="E335D7"/>
-              </a:solidFill>
-            </a:endParaRPr>
           </a:p>
         </p:txBody>
       </p:sp>
@@ -7527,11 +7292,11 @@
           <a:lstStyle/>
           <a:p>
             <a:r>
-              <a:rPr lang="en-US" dirty="0" smtClean="0"/>
+              <a:rPr lang="en-US" dirty="0"/>
               <a:t>my-</a:t>
             </a:r>
             <a:r>
-              <a:rPr lang="en-US" dirty="0" smtClean="0">
+              <a:rPr lang="en-US" dirty="0">
                 <a:solidFill>
                   <a:schemeClr val="accent1">
                     <a:lumMod val="60000"/>
@@ -7542,22 +7307,17 @@
               <a:t>composite</a:t>
             </a:r>
             <a:r>
-              <a:rPr lang="en-US" dirty="0" smtClean="0"/>
+              <a:rPr lang="en-US" dirty="0"/>
               <a:t>-</a:t>
             </a:r>
             <a:r>
-              <a:rPr lang="en-US" dirty="0" smtClean="0">
+              <a:rPr lang="en-US" dirty="0">
                 <a:solidFill>
                   <a:srgbClr val="E335D7"/>
                 </a:solidFill>
               </a:rPr>
               <a:t>add-to-scene</a:t>
             </a:r>
-            <a:endParaRPr lang="en-US" dirty="0">
-              <a:solidFill>
-                <a:srgbClr val="E335D7"/>
-              </a:solidFill>
-            </a:endParaRPr>
           </a:p>
         </p:txBody>
       </p:sp>
@@ -7603,7 +7363,7 @@
           <a:lstStyle/>
           <a:p>
             <a:pPr algn="ctr"/>
-            <a:endParaRPr lang="en-US" dirty="0" smtClean="0">
+            <a:endParaRPr lang="en-US" dirty="0">
               <a:solidFill>
                 <a:schemeClr val="tx1"/>
               </a:solidFill>
@@ -7639,11 +7399,11 @@
           <a:lstStyle/>
           <a:p>
             <a:r>
-              <a:rPr lang="en-US" dirty="0" smtClean="0"/>
+              <a:rPr lang="en-US" dirty="0"/>
               <a:t>my-</a:t>
             </a:r>
             <a:r>
-              <a:rPr lang="en-US" dirty="0" smtClean="0">
+              <a:rPr lang="en-US" dirty="0">
                 <a:solidFill>
                   <a:srgbClr val="FF0000"/>
                 </a:solidFill>
@@ -7651,22 +7411,17 @@
               <a:t>circle</a:t>
             </a:r>
             <a:r>
-              <a:rPr lang="en-US" dirty="0" smtClean="0"/>
+              <a:rPr lang="en-US" dirty="0"/>
               <a:t>-</a:t>
             </a:r>
             <a:r>
-              <a:rPr lang="en-US" dirty="0" smtClean="0">
+              <a:rPr lang="en-US" dirty="0">
                 <a:solidFill>
                   <a:srgbClr val="7030A0"/>
                 </a:solidFill>
               </a:rPr>
               <a:t>weight</a:t>
             </a:r>
-            <a:endParaRPr lang="en-US" dirty="0">
-              <a:solidFill>
-                <a:srgbClr val="7030A0"/>
-              </a:solidFill>
-            </a:endParaRPr>
           </a:p>
         </p:txBody>
       </p:sp>
@@ -7698,11 +7453,11 @@
           <a:lstStyle/>
           <a:p>
             <a:r>
-              <a:rPr lang="en-US" dirty="0" smtClean="0"/>
+              <a:rPr lang="en-US" dirty="0"/>
               <a:t>my-</a:t>
             </a:r>
             <a:r>
-              <a:rPr lang="en-US" dirty="0" smtClean="0">
+              <a:rPr lang="en-US" dirty="0">
                 <a:solidFill>
                   <a:schemeClr val="accent3">
                     <a:lumMod val="75000"/>
@@ -7712,22 +7467,17 @@
               <a:t>square</a:t>
             </a:r>
             <a:r>
-              <a:rPr lang="en-US" dirty="0" smtClean="0"/>
+              <a:rPr lang="en-US" dirty="0"/>
               <a:t>-</a:t>
             </a:r>
             <a:r>
-              <a:rPr lang="en-US" dirty="0" smtClean="0">
+              <a:rPr lang="en-US" dirty="0">
                 <a:solidFill>
                   <a:srgbClr val="7030A0"/>
                 </a:solidFill>
               </a:rPr>
               <a:t>weight</a:t>
             </a:r>
-            <a:endParaRPr lang="en-US" dirty="0">
-              <a:solidFill>
-                <a:srgbClr val="7030A0"/>
-              </a:solidFill>
-            </a:endParaRPr>
           </a:p>
         </p:txBody>
       </p:sp>
@@ -7759,11 +7509,11 @@
           <a:lstStyle/>
           <a:p>
             <a:r>
-              <a:rPr lang="en-US" dirty="0" smtClean="0"/>
+              <a:rPr lang="en-US" dirty="0"/>
               <a:t>my-</a:t>
             </a:r>
             <a:r>
-              <a:rPr lang="en-US" dirty="0" smtClean="0">
+              <a:rPr lang="en-US" dirty="0">
                 <a:solidFill>
                   <a:schemeClr val="accent1">
                     <a:lumMod val="60000"/>
@@ -7774,22 +7524,17 @@
               <a:t>composite</a:t>
             </a:r>
             <a:r>
-              <a:rPr lang="en-US" dirty="0" smtClean="0"/>
+              <a:rPr lang="en-US" dirty="0"/>
               <a:t>-</a:t>
             </a:r>
             <a:r>
-              <a:rPr lang="en-US" dirty="0" smtClean="0">
+              <a:rPr lang="en-US" dirty="0">
                 <a:solidFill>
                   <a:srgbClr val="7030A0"/>
                 </a:solidFill>
               </a:rPr>
               <a:t>weight</a:t>
             </a:r>
-            <a:endParaRPr lang="en-US" dirty="0">
-              <a:solidFill>
-                <a:srgbClr val="7030A0"/>
-              </a:solidFill>
-            </a:endParaRPr>
           </a:p>
         </p:txBody>
       </p:sp>
@@ -7835,7 +7580,7 @@
           <a:lstStyle/>
           <a:p>
             <a:pPr algn="ctr"/>
-            <a:endParaRPr lang="en-US" dirty="0" smtClean="0">
+            <a:endParaRPr lang="en-US" dirty="0">
               <a:solidFill>
                 <a:schemeClr val="tx1"/>
               </a:solidFill>
@@ -7871,11 +7616,11 @@
           <a:lstStyle/>
           <a:p>
             <a:r>
-              <a:rPr lang="en-US" dirty="0" smtClean="0"/>
+              <a:rPr lang="en-US" dirty="0"/>
               <a:t>my-</a:t>
             </a:r>
             <a:r>
-              <a:rPr lang="en-US" dirty="0" smtClean="0">
+              <a:rPr lang="en-US" dirty="0">
                 <a:solidFill>
                   <a:srgbClr val="FF0000"/>
                 </a:solidFill>
@@ -7883,22 +7628,17 @@
               <a:t>circle</a:t>
             </a:r>
             <a:r>
-              <a:rPr lang="en-US" dirty="0" smtClean="0"/>
+              <a:rPr lang="en-US" dirty="0"/>
               <a:t>-</a:t>
             </a:r>
             <a:r>
-              <a:rPr lang="en-US" dirty="0" smtClean="0">
+              <a:rPr lang="en-US" dirty="0">
                 <a:solidFill>
                   <a:srgbClr val="E335D7"/>
                 </a:solidFill>
               </a:rPr>
               <a:t>add-to-scene</a:t>
             </a:r>
-            <a:endParaRPr lang="en-US" dirty="0">
-              <a:solidFill>
-                <a:srgbClr val="E335D7"/>
-              </a:solidFill>
-            </a:endParaRPr>
           </a:p>
         </p:txBody>
       </p:sp>
@@ -7930,11 +7670,11 @@
           <a:lstStyle/>
           <a:p>
             <a:r>
-              <a:rPr lang="en-US" dirty="0" smtClean="0"/>
+              <a:rPr lang="en-US" dirty="0"/>
               <a:t>my-</a:t>
             </a:r>
             <a:r>
-              <a:rPr lang="en-US" dirty="0" smtClean="0">
+              <a:rPr lang="en-US" dirty="0">
                 <a:solidFill>
                   <a:schemeClr val="accent3">
                     <a:lumMod val="75000"/>
@@ -7944,22 +7684,17 @@
               <a:t>square</a:t>
             </a:r>
             <a:r>
-              <a:rPr lang="en-US" dirty="0" smtClean="0"/>
+              <a:rPr lang="en-US" dirty="0"/>
               <a:t>-</a:t>
             </a:r>
             <a:r>
-              <a:rPr lang="en-US" dirty="0" smtClean="0">
+              <a:rPr lang="en-US" dirty="0">
                 <a:solidFill>
                   <a:srgbClr val="E335D7"/>
                 </a:solidFill>
               </a:rPr>
               <a:t>add-to-scene</a:t>
             </a:r>
-            <a:endParaRPr lang="en-US" dirty="0">
-              <a:solidFill>
-                <a:srgbClr val="E335D7"/>
-              </a:solidFill>
-            </a:endParaRPr>
           </a:p>
         </p:txBody>
       </p:sp>
@@ -7991,11 +7726,11 @@
           <a:lstStyle/>
           <a:p>
             <a:r>
-              <a:rPr lang="en-US" dirty="0" smtClean="0"/>
+              <a:rPr lang="en-US" dirty="0"/>
               <a:t>my-</a:t>
             </a:r>
             <a:r>
-              <a:rPr lang="en-US" dirty="0" smtClean="0">
+              <a:rPr lang="en-US" dirty="0">
                 <a:solidFill>
                   <a:schemeClr val="accent1">
                     <a:lumMod val="60000"/>
@@ -8006,22 +7741,17 @@
               <a:t>composite</a:t>
             </a:r>
             <a:r>
-              <a:rPr lang="en-US" dirty="0" smtClean="0"/>
+              <a:rPr lang="en-US" dirty="0"/>
               <a:t>-</a:t>
             </a:r>
             <a:r>
-              <a:rPr lang="en-US" dirty="0" smtClean="0">
+              <a:rPr lang="en-US" dirty="0">
                 <a:solidFill>
                   <a:srgbClr val="E335D7"/>
                 </a:solidFill>
               </a:rPr>
               <a:t>add-to-scene</a:t>
             </a:r>
-            <a:endParaRPr lang="en-US" dirty="0">
-              <a:solidFill>
-                <a:srgbClr val="E335D7"/>
-              </a:solidFill>
-            </a:endParaRPr>
           </a:p>
         </p:txBody>
       </p:sp>
@@ -8048,18 +7778,13 @@
           <a:lstStyle/>
           <a:p>
             <a:r>
-              <a:rPr lang="en-US" dirty="0" smtClean="0">
+              <a:rPr lang="en-US" dirty="0">
                 <a:solidFill>
                   <a:srgbClr val="7030A0"/>
                 </a:solidFill>
               </a:rPr>
               <a:t>class circle:</a:t>
             </a:r>
-            <a:endParaRPr lang="en-US" dirty="0">
-              <a:solidFill>
-                <a:srgbClr val="7030A0"/>
-              </a:solidFill>
-            </a:endParaRPr>
           </a:p>
         </p:txBody>
       </p:sp>
@@ -8086,18 +7811,13 @@
           <a:lstStyle/>
           <a:p>
             <a:r>
-              <a:rPr lang="en-US" dirty="0" smtClean="0">
+              <a:rPr lang="en-US" dirty="0">
                 <a:solidFill>
                   <a:srgbClr val="7030A0"/>
                 </a:solidFill>
               </a:rPr>
               <a:t>class square:</a:t>
             </a:r>
-            <a:endParaRPr lang="en-US" dirty="0">
-              <a:solidFill>
-                <a:srgbClr val="7030A0"/>
-              </a:solidFill>
-            </a:endParaRPr>
           </a:p>
         </p:txBody>
       </p:sp>
@@ -8143,7 +7863,7 @@
           <a:lstStyle/>
           <a:p>
             <a:pPr algn="ctr"/>
-            <a:endParaRPr lang="en-US" dirty="0" smtClean="0">
+            <a:endParaRPr lang="en-US" dirty="0">
               <a:solidFill>
                 <a:schemeClr val="tx1"/>
               </a:solidFill>
@@ -8174,18 +7894,13 @@
           <a:lstStyle/>
           <a:p>
             <a:r>
-              <a:rPr lang="en-US" dirty="0" smtClean="0">
+              <a:rPr lang="en-US" dirty="0">
                 <a:solidFill>
                   <a:srgbClr val="7030A0"/>
                 </a:solidFill>
               </a:rPr>
               <a:t>class composite:</a:t>
             </a:r>
-            <a:endParaRPr lang="en-US" dirty="0">
-              <a:solidFill>
-                <a:srgbClr val="7030A0"/>
-              </a:solidFill>
-            </a:endParaRPr>
           </a:p>
         </p:txBody>
       </p:sp>
@@ -8236,25 +7951,16 @@
           <a:p>
             <a:r>
               <a:rPr lang="en-US" sz="1600" dirty="0"/>
-              <a:t>When we </a:t>
-            </a:r>
-            <a:r>
-              <a:rPr lang="en-US" sz="1600" dirty="0" smtClean="0"/>
-              <a:t>invoke </a:t>
-            </a:r>
-            <a:r>
-              <a:rPr lang="en-US" sz="1600" dirty="0"/>
-              <a:t>a method on an object, the object already knows what class it belongs to, so the correct piece of code is evaluated directly.  We no longer need to write a </a:t>
+              <a:t>When we invoke a method on an object, the object already knows what class it belongs to, so the correct piece of code is evaluated directly.  We no longer need to write a </a:t>
             </a:r>
             <a:r>
               <a:rPr lang="en-US" sz="1600" b="1" dirty="0"/>
               <a:t>cond</a:t>
             </a:r>
             <a:r>
-              <a:rPr lang="en-US" sz="1600" dirty="0" smtClean="0"/>
+              <a:rPr lang="en-US" sz="1600" dirty="0"/>
               <a:t>.</a:t>
             </a:r>
-            <a:endParaRPr lang="en-US" sz="1600" dirty="0"/>
           </a:p>
         </p:txBody>
       </p:sp>
@@ -9033,10 +8739,9 @@
           <a:lstStyle/>
           <a:p>
             <a:r>
-              <a:rPr lang="en-US" dirty="0" smtClean="0"/>
+              <a:rPr lang="en-US" dirty="0"/>
               <a:t>Functional vs. OO organization</a:t>
             </a:r>
-            <a:endParaRPr lang="en-US" dirty="0"/>
           </a:p>
         </p:txBody>
       </p:sp>
@@ -9066,10 +8771,34 @@
                 <a:tableStyleId>{5C22544A-7EE6-4342-B048-85BDC9FD1C3A}</a:tableStyleId>
               </a:tblPr>
               <a:tblGrid>
-                <a:gridCol w="1645920"/>
-                <a:gridCol w="1645920"/>
-                <a:gridCol w="1645920"/>
-                <a:gridCol w="1645920"/>
+                <a:gridCol w="1645920">
+                  <a:extLst>
+                    <a:ext uri="{9D8B030D-6E8A-4147-A177-3AD203B41FA5}">
+                      <a16:colId xmlns:a16="http://schemas.microsoft.com/office/drawing/2014/main" val="20000"/>
+                    </a:ext>
+                  </a:extLst>
+                </a:gridCol>
+                <a:gridCol w="1645920">
+                  <a:extLst>
+                    <a:ext uri="{9D8B030D-6E8A-4147-A177-3AD203B41FA5}">
+                      <a16:colId xmlns:a16="http://schemas.microsoft.com/office/drawing/2014/main" val="20001"/>
+                    </a:ext>
+                  </a:extLst>
+                </a:gridCol>
+                <a:gridCol w="1645920">
+                  <a:extLst>
+                    <a:ext uri="{9D8B030D-6E8A-4147-A177-3AD203B41FA5}">
+                      <a16:colId xmlns:a16="http://schemas.microsoft.com/office/drawing/2014/main" val="20002"/>
+                    </a:ext>
+                  </a:extLst>
+                </a:gridCol>
+                <a:gridCol w="1645920">
+                  <a:extLst>
+                    <a:ext uri="{9D8B030D-6E8A-4147-A177-3AD203B41FA5}">
+                      <a16:colId xmlns:a16="http://schemas.microsoft.com/office/drawing/2014/main" val="20003"/>
+                    </a:ext>
+                  </a:extLst>
+                </a:gridCol>
               </a:tblGrid>
               <a:tr h="370840">
                 <a:tc>
@@ -9078,10 +8807,9 @@
                     <a:lstStyle/>
                     <a:p>
                       <a:r>
-                        <a:rPr lang="en-US" dirty="0" smtClean="0"/>
+                        <a:rPr lang="en-US" dirty="0"/>
                         <a:t>Functional:</a:t>
                       </a:r>
-                      <a:endParaRPr lang="en-US" dirty="0"/>
                     </a:p>
                   </a:txBody>
                   <a:tcPr/>
@@ -9092,10 +8820,9 @@
                     <a:lstStyle/>
                     <a:p>
                       <a:r>
-                        <a:rPr lang="en-US" dirty="0" smtClean="0"/>
+                        <a:rPr lang="en-US" dirty="0"/>
                         <a:t>Square</a:t>
                       </a:r>
-                      <a:endParaRPr lang="en-US" dirty="0"/>
                     </a:p>
                   </a:txBody>
                   <a:tcPr/>
@@ -9106,10 +8833,9 @@
                     <a:lstStyle/>
                     <a:p>
                       <a:r>
-                        <a:rPr lang="en-US" dirty="0" smtClean="0"/>
+                        <a:rPr lang="en-US" dirty="0"/>
                         <a:t>Circle</a:t>
                       </a:r>
-                      <a:endParaRPr lang="en-US" dirty="0"/>
                     </a:p>
                   </a:txBody>
                   <a:tcPr/>
@@ -9120,14 +8846,18 @@
                     <a:lstStyle/>
                     <a:p>
                       <a:r>
-                        <a:rPr lang="en-US" dirty="0" smtClean="0"/>
+                        <a:rPr lang="en-US" dirty="0"/>
                         <a:t>Composite</a:t>
                       </a:r>
-                      <a:endParaRPr lang="en-US" dirty="0"/>
                     </a:p>
                   </a:txBody>
                   <a:tcPr/>
                 </a:tc>
+                <a:extLst>
+                  <a:ext uri="{0D108BD9-81ED-4DB2-BD59-A6C34878D82A}">
+                    <a16:rowId xmlns:a16="http://schemas.microsoft.com/office/drawing/2014/main" val="10000"/>
+                  </a:ext>
+                </a:extLst>
               </a:tr>
               <a:tr h="370840">
                 <a:tc>
@@ -9136,7 +8866,7 @@
                     <a:lstStyle/>
                     <a:p>
                       <a:r>
-                        <a:rPr lang="en-US" dirty="0" smtClean="0"/>
+                        <a:rPr lang="en-US" dirty="0"/>
                         <a:t>weight</a:t>
                       </a:r>
                     </a:p>
@@ -9198,6 +8928,11 @@
                     </a:solidFill>
                   </a:tcPr>
                 </a:tc>
+                <a:extLst>
+                  <a:ext uri="{0D108BD9-81ED-4DB2-BD59-A6C34878D82A}">
+                    <a16:rowId xmlns:a16="http://schemas.microsoft.com/office/drawing/2014/main" val="10001"/>
+                  </a:ext>
+                </a:extLst>
               </a:tr>
               <a:tr h="370840">
                 <a:tc>
@@ -9206,10 +8941,9 @@
                     <a:lstStyle/>
                     <a:p>
                       <a:r>
-                        <a:rPr lang="en-US" dirty="0" smtClean="0"/>
+                        <a:rPr lang="en-US" dirty="0"/>
                         <a:t>add-to-scene</a:t>
                       </a:r>
-                      <a:endParaRPr lang="en-US" dirty="0"/>
                     </a:p>
                   </a:txBody>
                   <a:tcPr>
@@ -9269,6 +9003,11 @@
                     </a:solidFill>
                   </a:tcPr>
                 </a:tc>
+                <a:extLst>
+                  <a:ext uri="{0D108BD9-81ED-4DB2-BD59-A6C34878D82A}">
+                    <a16:rowId xmlns:a16="http://schemas.microsoft.com/office/drawing/2014/main" val="10002"/>
+                  </a:ext>
+                </a:extLst>
               </a:tr>
             </a:tbl>
           </a:graphicData>
@@ -9323,10 +9062,34 @@
                 <a:tableStyleId>{5C22544A-7EE6-4342-B048-85BDC9FD1C3A}</a:tableStyleId>
               </a:tblPr>
               <a:tblGrid>
-                <a:gridCol w="1645920"/>
-                <a:gridCol w="1645920"/>
-                <a:gridCol w="1645920"/>
-                <a:gridCol w="1645920"/>
+                <a:gridCol w="1645920">
+                  <a:extLst>
+                    <a:ext uri="{9D8B030D-6E8A-4147-A177-3AD203B41FA5}">
+                      <a16:colId xmlns:a16="http://schemas.microsoft.com/office/drawing/2014/main" val="20000"/>
+                    </a:ext>
+                  </a:extLst>
+                </a:gridCol>
+                <a:gridCol w="1645920">
+                  <a:extLst>
+                    <a:ext uri="{9D8B030D-6E8A-4147-A177-3AD203B41FA5}">
+                      <a16:colId xmlns:a16="http://schemas.microsoft.com/office/drawing/2014/main" val="20001"/>
+                    </a:ext>
+                  </a:extLst>
+                </a:gridCol>
+                <a:gridCol w="1645920">
+                  <a:extLst>
+                    <a:ext uri="{9D8B030D-6E8A-4147-A177-3AD203B41FA5}">
+                      <a16:colId xmlns:a16="http://schemas.microsoft.com/office/drawing/2014/main" val="20002"/>
+                    </a:ext>
+                  </a:extLst>
+                </a:gridCol>
+                <a:gridCol w="1645920">
+                  <a:extLst>
+                    <a:ext uri="{9D8B030D-6E8A-4147-A177-3AD203B41FA5}">
+                      <a16:colId xmlns:a16="http://schemas.microsoft.com/office/drawing/2014/main" val="20003"/>
+                    </a:ext>
+                  </a:extLst>
+                </a:gridCol>
               </a:tblGrid>
               <a:tr h="381000">
                 <a:tc>
@@ -9335,10 +9098,9 @@
                     <a:lstStyle/>
                     <a:p>
                       <a:r>
-                        <a:rPr lang="en-US" dirty="0" smtClean="0"/>
+                        <a:rPr lang="en-US" dirty="0"/>
                         <a:t>OO:</a:t>
                       </a:r>
-                      <a:endParaRPr lang="en-US" dirty="0"/>
                     </a:p>
                   </a:txBody>
                   <a:tcPr/>
@@ -9349,10 +9111,9 @@
                     <a:lstStyle/>
                     <a:p>
                       <a:r>
-                        <a:rPr lang="en-US" dirty="0" smtClean="0"/>
+                        <a:rPr lang="en-US" dirty="0"/>
                         <a:t>Square</a:t>
                       </a:r>
-                      <a:endParaRPr lang="en-US" dirty="0"/>
                     </a:p>
                   </a:txBody>
                   <a:tcPr/>
@@ -9363,10 +9124,9 @@
                     <a:lstStyle/>
                     <a:p>
                       <a:r>
-                        <a:rPr lang="en-US" dirty="0" smtClean="0"/>
+                        <a:rPr lang="en-US" dirty="0"/>
                         <a:t>Circle</a:t>
                       </a:r>
-                      <a:endParaRPr lang="en-US" dirty="0"/>
                     </a:p>
                   </a:txBody>
                   <a:tcPr/>
@@ -9377,14 +9137,18 @@
                     <a:lstStyle/>
                     <a:p>
                       <a:r>
-                        <a:rPr lang="en-US" dirty="0" smtClean="0"/>
+                        <a:rPr lang="en-US" dirty="0"/>
                         <a:t>Composite</a:t>
                       </a:r>
-                      <a:endParaRPr lang="en-US" dirty="0"/>
                     </a:p>
                   </a:txBody>
                   <a:tcPr/>
                 </a:tc>
+                <a:extLst>
+                  <a:ext uri="{0D108BD9-81ED-4DB2-BD59-A6C34878D82A}">
+                    <a16:rowId xmlns:a16="http://schemas.microsoft.com/office/drawing/2014/main" val="10000"/>
+                  </a:ext>
+                </a:extLst>
               </a:tr>
               <a:tr h="370840">
                 <a:tc>
@@ -9393,7 +9157,7 @@
                     <a:lstStyle/>
                     <a:p>
                       <a:r>
-                        <a:rPr lang="en-US" dirty="0" smtClean="0"/>
+                        <a:rPr lang="en-US" dirty="0"/>
                         <a:t>weight</a:t>
                       </a:r>
                     </a:p>
@@ -9448,6 +9212,11 @@
                     </a:solidFill>
                   </a:tcPr>
                 </a:tc>
+                <a:extLst>
+                  <a:ext uri="{0D108BD9-81ED-4DB2-BD59-A6C34878D82A}">
+                    <a16:rowId xmlns:a16="http://schemas.microsoft.com/office/drawing/2014/main" val="10001"/>
+                  </a:ext>
+                </a:extLst>
               </a:tr>
               <a:tr h="370840">
                 <a:tc>
@@ -9456,10 +9225,9 @@
                     <a:lstStyle/>
                     <a:p>
                       <a:r>
-                        <a:rPr lang="en-US" dirty="0" smtClean="0"/>
+                        <a:rPr lang="en-US" dirty="0"/>
                         <a:t>add-to-scene</a:t>
                       </a:r>
-                      <a:endParaRPr lang="en-US" dirty="0"/>
                     </a:p>
                   </a:txBody>
                   <a:tcPr/>
@@ -9512,6 +9280,11 @@
                     </a:solidFill>
                   </a:tcPr>
                 </a:tc>
+                <a:extLst>
+                  <a:ext uri="{0D108BD9-81ED-4DB2-BD59-A6C34878D82A}">
+                    <a16:rowId xmlns:a16="http://schemas.microsoft.com/office/drawing/2014/main" val="10002"/>
+                  </a:ext>
+                </a:extLst>
               </a:tr>
             </a:tbl>
           </a:graphicData>
@@ -9564,15 +9337,7 @@
           <a:p>
             <a:r>
               <a:rPr lang="en-US" sz="1600" dirty="0"/>
-              <a:t>Here's another way of visualizing the same </a:t>
-            </a:r>
-            <a:r>
-              <a:rPr lang="en-US" sz="1600" dirty="0" smtClean="0"/>
-              <a:t>thing. Here </a:t>
-            </a:r>
-            <a:r>
-              <a:rPr lang="en-US" sz="1600" dirty="0"/>
-              <a:t>we have six small rectangles corresponding to our six pieces of functionality.</a:t>
+              <a:t>Here's another way of visualizing the same thing. Here we have six small rectangles corresponding to our six pieces of functionality.</a:t>
             </a:r>
           </a:p>
         </p:txBody>
@@ -9632,15 +9397,7 @@
             </a:r>
             <a:r>
               <a:rPr lang="en-US" sz="1600" dirty="0"/>
-              <a:t> are written together (symbolized here by </a:t>
-            </a:r>
-            <a:r>
-              <a:rPr lang="en-US" sz="1600" dirty="0" smtClean="0"/>
-              <a:t>outlining them in red), </a:t>
-            </a:r>
-            <a:r>
-              <a:rPr lang="en-US" sz="1600" dirty="0"/>
-              <a:t>and all the pieces corresponding to </a:t>
+              <a:t> are written together (symbolized here by outlining them in red), and all the pieces corresponding to </a:t>
             </a:r>
             <a:r>
               <a:rPr lang="en-US" sz="1600" b="1" dirty="0"/>
@@ -9648,13 +9405,8 @@
             </a:r>
             <a:r>
               <a:rPr lang="en-US" sz="1600" dirty="0"/>
-              <a:t> are written together </a:t>
-            </a:r>
-            <a:r>
-              <a:rPr lang="en-US" sz="1600" dirty="0" smtClean="0"/>
-              <a:t>(outlined in green).</a:t>
-            </a:r>
-            <a:endParaRPr lang="en-US" sz="1600" dirty="0"/>
+              <a:t> are written together (outlined in green).</a:t>
+            </a:r>
           </a:p>
         </p:txBody>
       </p:sp>
@@ -9703,7 +9455,7 @@
           <a:lstStyle/>
           <a:p>
             <a:pPr algn="ctr"/>
-            <a:endParaRPr lang="en-US" sz="2000" dirty="0" smtClean="0">
+            <a:endParaRPr lang="en-US" sz="2000" dirty="0">
               <a:solidFill>
                 <a:schemeClr val="tx1"/>
               </a:solidFill>
@@ -9758,7 +9510,7 @@
           <a:lstStyle/>
           <a:p>
             <a:pPr algn="ctr"/>
-            <a:endParaRPr lang="en-US" sz="2000" dirty="0" smtClean="0">
+            <a:endParaRPr lang="en-US" sz="2000" dirty="0">
               <a:solidFill>
                 <a:schemeClr val="tx1"/>
               </a:solidFill>
@@ -9821,15 +9573,7 @@
             </a:r>
             <a:r>
               <a:rPr lang="en-US" sz="1600" dirty="0"/>
-              <a:t> are written together (the red </a:t>
-            </a:r>
-            <a:r>
-              <a:rPr lang="en-US" sz="1600" dirty="0" smtClean="0"/>
-              <a:t>outline </a:t>
-            </a:r>
-            <a:r>
-              <a:rPr lang="en-US" sz="1600" dirty="0"/>
-              <a:t>in the lower table), all the pieces for </a:t>
+              <a:t> are written together (the red outline in the lower table), all the pieces for </a:t>
             </a:r>
             <a:r>
               <a:rPr lang="en-US" sz="1600" b="1" dirty="0"/>
@@ -9837,21 +9581,8 @@
             </a:r>
             <a:r>
               <a:rPr lang="en-US" sz="1600" dirty="0"/>
-              <a:t> are written together (the orange </a:t>
-            </a:r>
-            <a:r>
-              <a:rPr lang="en-US" sz="1600" dirty="0" smtClean="0"/>
-              <a:t>outline), </a:t>
-            </a:r>
-            <a:r>
-              <a:rPr lang="en-US" sz="1600" dirty="0"/>
-              <a:t>and all the pieces for composite are written together (the purple </a:t>
-            </a:r>
-            <a:r>
-              <a:rPr lang="en-US" sz="1600" dirty="0" smtClean="0"/>
-              <a:t>outline).</a:t>
-            </a:r>
-            <a:endParaRPr lang="en-US" sz="1600" dirty="0"/>
+              <a:t> are written together (the orange outline), and all the pieces for composite are written together (the purple outline).</a:t>
+            </a:r>
           </a:p>
         </p:txBody>
       </p:sp>
@@ -9900,7 +9631,7 @@
           <a:lstStyle/>
           <a:p>
             <a:pPr algn="ctr"/>
-            <a:endParaRPr lang="en-US" sz="2000" dirty="0" smtClean="0">
+            <a:endParaRPr lang="en-US" sz="2000" dirty="0">
               <a:solidFill>
                 <a:schemeClr val="tx1"/>
               </a:solidFill>
@@ -9955,7 +9686,7 @@
           <a:lstStyle/>
           <a:p>
             <a:pPr algn="ctr"/>
-            <a:endParaRPr lang="en-US" sz="2000" dirty="0" smtClean="0">
+            <a:endParaRPr lang="en-US" sz="2000" dirty="0">
               <a:solidFill>
                 <a:schemeClr val="tx1"/>
               </a:solidFill>
@@ -10010,7 +9741,7 @@
           <a:lstStyle/>
           <a:p>
             <a:pPr algn="ctr"/>
-            <a:endParaRPr lang="en-US" sz="2000" dirty="0" smtClean="0">
+            <a:endParaRPr lang="en-US" sz="2000" dirty="0">
               <a:solidFill>
                 <a:schemeClr val="tx1"/>
               </a:solidFill>
@@ -10379,10 +10110,9 @@
           <a:lstStyle/>
           <a:p>
             <a:r>
-              <a:rPr lang="en-US" dirty="0" smtClean="0"/>
+              <a:rPr lang="en-US" dirty="0"/>
               <a:t>Adding a New Data Variant</a:t>
             </a:r>
-            <a:endParaRPr lang="en-US" dirty="0"/>
           </a:p>
         </p:txBody>
       </p:sp>
@@ -10412,11 +10142,41 @@
                 <a:tableStyleId>{5C22544A-7EE6-4342-B048-85BDC9FD1C3A}</a:tableStyleId>
               </a:tblPr>
               <a:tblGrid>
-                <a:gridCol w="1449523"/>
-                <a:gridCol w="1449523"/>
-                <a:gridCol w="1449523"/>
-                <a:gridCol w="1449523"/>
-                <a:gridCol w="1449523"/>
+                <a:gridCol w="1449523">
+                  <a:extLst>
+                    <a:ext uri="{9D8B030D-6E8A-4147-A177-3AD203B41FA5}">
+                      <a16:colId xmlns:a16="http://schemas.microsoft.com/office/drawing/2014/main" val="20000"/>
+                    </a:ext>
+                  </a:extLst>
+                </a:gridCol>
+                <a:gridCol w="1449523">
+                  <a:extLst>
+                    <a:ext uri="{9D8B030D-6E8A-4147-A177-3AD203B41FA5}">
+                      <a16:colId xmlns:a16="http://schemas.microsoft.com/office/drawing/2014/main" val="20001"/>
+                    </a:ext>
+                  </a:extLst>
+                </a:gridCol>
+                <a:gridCol w="1449523">
+                  <a:extLst>
+                    <a:ext uri="{9D8B030D-6E8A-4147-A177-3AD203B41FA5}">
+                      <a16:colId xmlns:a16="http://schemas.microsoft.com/office/drawing/2014/main" val="20002"/>
+                    </a:ext>
+                  </a:extLst>
+                </a:gridCol>
+                <a:gridCol w="1449523">
+                  <a:extLst>
+                    <a:ext uri="{9D8B030D-6E8A-4147-A177-3AD203B41FA5}">
+                      <a16:colId xmlns:a16="http://schemas.microsoft.com/office/drawing/2014/main" val="20003"/>
+                    </a:ext>
+                  </a:extLst>
+                </a:gridCol>
+                <a:gridCol w="1449523">
+                  <a:extLst>
+                    <a:ext uri="{9D8B030D-6E8A-4147-A177-3AD203B41FA5}">
+                      <a16:colId xmlns:a16="http://schemas.microsoft.com/office/drawing/2014/main" val="20004"/>
+                    </a:ext>
+                  </a:extLst>
+                </a:gridCol>
               </a:tblGrid>
               <a:tr h="370840">
                 <a:tc>
@@ -10425,10 +10185,9 @@
                     <a:lstStyle/>
                     <a:p>
                       <a:r>
-                        <a:rPr lang="en-US" dirty="0" smtClean="0"/>
+                        <a:rPr lang="en-US" dirty="0"/>
                         <a:t>Functional:</a:t>
                       </a:r>
-                      <a:endParaRPr lang="en-US" dirty="0"/>
                     </a:p>
                   </a:txBody>
                   <a:tcPr/>
@@ -10439,10 +10198,9 @@
                     <a:lstStyle/>
                     <a:p>
                       <a:r>
-                        <a:rPr lang="en-US" dirty="0" smtClean="0"/>
+                        <a:rPr lang="en-US" dirty="0"/>
                         <a:t>Square</a:t>
                       </a:r>
-                      <a:endParaRPr lang="en-US" dirty="0"/>
                     </a:p>
                   </a:txBody>
                   <a:tcPr/>
@@ -10453,10 +10211,9 @@
                     <a:lstStyle/>
                     <a:p>
                       <a:r>
-                        <a:rPr lang="en-US" dirty="0" smtClean="0"/>
+                        <a:rPr lang="en-US" dirty="0"/>
                         <a:t>Circle</a:t>
                       </a:r>
-                      <a:endParaRPr lang="en-US" dirty="0"/>
                     </a:p>
                   </a:txBody>
                   <a:tcPr/>
@@ -10467,10 +10224,9 @@
                     <a:lstStyle/>
                     <a:p>
                       <a:r>
-                        <a:rPr lang="en-US" dirty="0" smtClean="0"/>
+                        <a:rPr lang="en-US" dirty="0"/>
                         <a:t>Composite</a:t>
                       </a:r>
-                      <a:endParaRPr lang="en-US" dirty="0"/>
                     </a:p>
                   </a:txBody>
                   <a:tcPr/>
@@ -10481,14 +10237,18 @@
                     <a:lstStyle/>
                     <a:p>
                       <a:r>
-                        <a:rPr lang="en-US" dirty="0" smtClean="0"/>
+                        <a:rPr lang="en-US" dirty="0"/>
                         <a:t>Triangle</a:t>
                       </a:r>
-                      <a:endParaRPr lang="en-US" dirty="0"/>
                     </a:p>
                   </a:txBody>
                   <a:tcPr/>
                 </a:tc>
+                <a:extLst>
+                  <a:ext uri="{0D108BD9-81ED-4DB2-BD59-A6C34878D82A}">
+                    <a16:rowId xmlns:a16="http://schemas.microsoft.com/office/drawing/2014/main" val="10000"/>
+                  </a:ext>
+                </a:extLst>
               </a:tr>
               <a:tr h="370840">
                 <a:tc>
@@ -10497,7 +10257,7 @@
                     <a:lstStyle/>
                     <a:p>
                       <a:r>
-                        <a:rPr lang="en-US" dirty="0" smtClean="0"/>
+                        <a:rPr lang="en-US" dirty="0"/>
                         <a:t>weight</a:t>
                       </a:r>
                     </a:p>
@@ -10565,18 +10325,13 @@
                     <a:lstStyle/>
                     <a:p>
                       <a:r>
-                        <a:rPr lang="en-US" dirty="0" smtClean="0">
+                        <a:rPr lang="en-US" dirty="0">
                           <a:solidFill>
                             <a:schemeClr val="accent2"/>
                           </a:solidFill>
                         </a:rPr>
                         <a:t>New code</a:t>
                       </a:r>
-                      <a:endParaRPr lang="en-US" dirty="0">
-                        <a:solidFill>
-                          <a:schemeClr val="accent2"/>
-                        </a:solidFill>
-                      </a:endParaRPr>
                     </a:p>
                   </a:txBody>
                   <a:tcPr>
@@ -10587,6 +10342,11 @@
                     </a:solidFill>
                   </a:tcPr>
                 </a:tc>
+                <a:extLst>
+                  <a:ext uri="{0D108BD9-81ED-4DB2-BD59-A6C34878D82A}">
+                    <a16:rowId xmlns:a16="http://schemas.microsoft.com/office/drawing/2014/main" val="10001"/>
+                  </a:ext>
+                </a:extLst>
               </a:tr>
               <a:tr h="370840">
                 <a:tc>
@@ -10595,10 +10355,9 @@
                     <a:lstStyle/>
                     <a:p>
                       <a:r>
-                        <a:rPr lang="en-US" dirty="0" smtClean="0"/>
+                        <a:rPr lang="en-US" dirty="0"/>
                         <a:t>add-to-scene</a:t>
                       </a:r>
-                      <a:endParaRPr lang="en-US" dirty="0"/>
                     </a:p>
                   </a:txBody>
                   <a:tcPr>
@@ -10664,7 +10423,7 @@
                     <a:lstStyle/>
                     <a:p>
                       <a:r>
-                        <a:rPr lang="en-US" dirty="0" smtClean="0">
+                        <a:rPr lang="en-US" dirty="0">
                           <a:solidFill>
                             <a:schemeClr val="accent3">
                               <a:lumMod val="75000"/>
@@ -10673,13 +10432,6 @@
                         </a:rPr>
                         <a:t>New code</a:t>
                       </a:r>
-                      <a:endParaRPr lang="en-US" dirty="0">
-                        <a:solidFill>
-                          <a:schemeClr val="accent3">
-                            <a:lumMod val="75000"/>
-                          </a:schemeClr>
-                        </a:solidFill>
-                      </a:endParaRPr>
                     </a:p>
                   </a:txBody>
                   <a:tcPr>
@@ -10690,6 +10442,11 @@
                     </a:solidFill>
                   </a:tcPr>
                 </a:tc>
+                <a:extLst>
+                  <a:ext uri="{0D108BD9-81ED-4DB2-BD59-A6C34878D82A}">
+                    <a16:rowId xmlns:a16="http://schemas.microsoft.com/office/drawing/2014/main" val="10002"/>
+                  </a:ext>
+                </a:extLst>
               </a:tr>
             </a:tbl>
           </a:graphicData>
@@ -10744,11 +10501,41 @@
                 <a:tableStyleId>{5C22544A-7EE6-4342-B048-85BDC9FD1C3A}</a:tableStyleId>
               </a:tblPr>
               <a:tblGrid>
-                <a:gridCol w="1449523"/>
-                <a:gridCol w="1449523"/>
-                <a:gridCol w="1449523"/>
-                <a:gridCol w="1449523"/>
-                <a:gridCol w="1449523"/>
+                <a:gridCol w="1449523">
+                  <a:extLst>
+                    <a:ext uri="{9D8B030D-6E8A-4147-A177-3AD203B41FA5}">
+                      <a16:colId xmlns:a16="http://schemas.microsoft.com/office/drawing/2014/main" val="20000"/>
+                    </a:ext>
+                  </a:extLst>
+                </a:gridCol>
+                <a:gridCol w="1449523">
+                  <a:extLst>
+                    <a:ext uri="{9D8B030D-6E8A-4147-A177-3AD203B41FA5}">
+                      <a16:colId xmlns:a16="http://schemas.microsoft.com/office/drawing/2014/main" val="20001"/>
+                    </a:ext>
+                  </a:extLst>
+                </a:gridCol>
+                <a:gridCol w="1449523">
+                  <a:extLst>
+                    <a:ext uri="{9D8B030D-6E8A-4147-A177-3AD203B41FA5}">
+                      <a16:colId xmlns:a16="http://schemas.microsoft.com/office/drawing/2014/main" val="20002"/>
+                    </a:ext>
+                  </a:extLst>
+                </a:gridCol>
+                <a:gridCol w="1449523">
+                  <a:extLst>
+                    <a:ext uri="{9D8B030D-6E8A-4147-A177-3AD203B41FA5}">
+                      <a16:colId xmlns:a16="http://schemas.microsoft.com/office/drawing/2014/main" val="20003"/>
+                    </a:ext>
+                  </a:extLst>
+                </a:gridCol>
+                <a:gridCol w="1449523">
+                  <a:extLst>
+                    <a:ext uri="{9D8B030D-6E8A-4147-A177-3AD203B41FA5}">
+                      <a16:colId xmlns:a16="http://schemas.microsoft.com/office/drawing/2014/main" val="20004"/>
+                    </a:ext>
+                  </a:extLst>
+                </a:gridCol>
               </a:tblGrid>
               <a:tr h="381000">
                 <a:tc>
@@ -10757,10 +10544,9 @@
                     <a:lstStyle/>
                     <a:p>
                       <a:r>
-                        <a:rPr lang="en-US" dirty="0" smtClean="0"/>
+                        <a:rPr lang="en-US" dirty="0"/>
                         <a:t>OO:</a:t>
                       </a:r>
-                      <a:endParaRPr lang="en-US" dirty="0"/>
                     </a:p>
                   </a:txBody>
                   <a:tcPr/>
@@ -10771,10 +10557,9 @@
                     <a:lstStyle/>
                     <a:p>
                       <a:r>
-                        <a:rPr lang="en-US" dirty="0" smtClean="0"/>
+                        <a:rPr lang="en-US" dirty="0"/>
                         <a:t>Square</a:t>
                       </a:r>
-                      <a:endParaRPr lang="en-US" dirty="0"/>
                     </a:p>
                   </a:txBody>
                   <a:tcPr/>
@@ -10785,10 +10570,9 @@
                     <a:lstStyle/>
                     <a:p>
                       <a:r>
-                        <a:rPr lang="en-US" dirty="0" smtClean="0"/>
+                        <a:rPr lang="en-US" dirty="0"/>
                         <a:t>Circle</a:t>
                       </a:r>
-                      <a:endParaRPr lang="en-US" dirty="0"/>
                     </a:p>
                   </a:txBody>
                   <a:tcPr/>
@@ -10799,10 +10583,9 @@
                     <a:lstStyle/>
                     <a:p>
                       <a:r>
-                        <a:rPr lang="en-US" dirty="0" smtClean="0"/>
+                        <a:rPr lang="en-US" dirty="0"/>
                         <a:t>Composite</a:t>
                       </a:r>
-                      <a:endParaRPr lang="en-US" dirty="0"/>
                     </a:p>
                   </a:txBody>
                   <a:tcPr/>
@@ -10813,14 +10596,18 @@
                     <a:lstStyle/>
                     <a:p>
                       <a:r>
-                        <a:rPr lang="en-US" dirty="0" smtClean="0"/>
+                        <a:rPr lang="en-US" dirty="0"/>
                         <a:t>Triangle</a:t>
                       </a:r>
-                      <a:endParaRPr lang="en-US" dirty="0"/>
                     </a:p>
                   </a:txBody>
                   <a:tcPr/>
                 </a:tc>
+                <a:extLst>
+                  <a:ext uri="{0D108BD9-81ED-4DB2-BD59-A6C34878D82A}">
+                    <a16:rowId xmlns:a16="http://schemas.microsoft.com/office/drawing/2014/main" val="10000"/>
+                  </a:ext>
+                </a:extLst>
               </a:tr>
               <a:tr h="370840">
                 <a:tc>
@@ -10829,7 +10616,7 @@
                     <a:lstStyle/>
                     <a:p>
                       <a:r>
-                        <a:rPr lang="en-US" dirty="0" smtClean="0"/>
+                        <a:rPr lang="en-US" dirty="0"/>
                         <a:t>weight</a:t>
                       </a:r>
                     </a:p>
@@ -10890,18 +10677,13 @@
                     <a:lstStyle/>
                     <a:p>
                       <a:r>
-                        <a:rPr lang="en-US" dirty="0" smtClean="0">
+                        <a:rPr lang="en-US" dirty="0">
                           <a:solidFill>
                             <a:schemeClr val="accent1"/>
                           </a:solidFill>
                         </a:rPr>
                         <a:t>New code</a:t>
                       </a:r>
-                      <a:endParaRPr lang="en-US" dirty="0">
-                        <a:solidFill>
-                          <a:schemeClr val="accent1"/>
-                        </a:solidFill>
-                      </a:endParaRPr>
                     </a:p>
                   </a:txBody>
                   <a:tcPr>
@@ -10912,6 +10694,11 @@
                     </a:solidFill>
                   </a:tcPr>
                 </a:tc>
+                <a:extLst>
+                  <a:ext uri="{0D108BD9-81ED-4DB2-BD59-A6C34878D82A}">
+                    <a16:rowId xmlns:a16="http://schemas.microsoft.com/office/drawing/2014/main" val="10001"/>
+                  </a:ext>
+                </a:extLst>
               </a:tr>
               <a:tr h="370840">
                 <a:tc>
@@ -10920,10 +10707,9 @@
                     <a:lstStyle/>
                     <a:p>
                       <a:r>
-                        <a:rPr lang="en-US" dirty="0" smtClean="0"/>
+                        <a:rPr lang="en-US" dirty="0"/>
                         <a:t>add-to-scene</a:t>
                       </a:r>
-                      <a:endParaRPr lang="en-US" dirty="0"/>
                     </a:p>
                   </a:txBody>
                   <a:tcPr/>
@@ -10982,18 +10768,13 @@
                     <a:lstStyle/>
                     <a:p>
                       <a:r>
-                        <a:rPr lang="en-US" dirty="0" smtClean="0">
+                        <a:rPr lang="en-US" dirty="0">
                           <a:solidFill>
                             <a:schemeClr val="accent1"/>
                           </a:solidFill>
                         </a:rPr>
                         <a:t>New code</a:t>
                       </a:r>
-                      <a:endParaRPr lang="en-US" dirty="0">
-                        <a:solidFill>
-                          <a:schemeClr val="accent1"/>
-                        </a:solidFill>
-                      </a:endParaRPr>
                     </a:p>
                   </a:txBody>
                   <a:tcPr>
@@ -11004,6 +10785,11 @@
                     </a:solidFill>
                   </a:tcPr>
                 </a:tc>
+                <a:extLst>
+                  <a:ext uri="{0D108BD9-81ED-4DB2-BD59-A6C34878D82A}">
+                    <a16:rowId xmlns:a16="http://schemas.microsoft.com/office/drawing/2014/main" val="10002"/>
+                  </a:ext>
+                </a:extLst>
               </a:tr>
             </a:tbl>
           </a:graphicData>
@@ -11054,7 +10840,7 @@
           <a:lstStyle/>
           <a:p>
             <a:pPr algn="ctr"/>
-            <a:endParaRPr lang="en-US" sz="2000" dirty="0" smtClean="0">
+            <a:endParaRPr lang="en-US" sz="2000" dirty="0">
               <a:solidFill>
                 <a:schemeClr val="tx1"/>
               </a:solidFill>
@@ -11109,7 +10895,7 @@
           <a:lstStyle/>
           <a:p>
             <a:pPr algn="ctr"/>
-            <a:endParaRPr lang="en-US" sz="2000" dirty="0" smtClean="0">
+            <a:endParaRPr lang="en-US" sz="2000" dirty="0">
               <a:solidFill>
                 <a:schemeClr val="tx1"/>
               </a:solidFill>
@@ -11162,7 +10948,7 @@
           <a:lstStyle/>
           <a:p>
             <a:pPr algn="ctr"/>
-            <a:endParaRPr lang="en-US" sz="2000" dirty="0" smtClean="0">
+            <a:endParaRPr lang="en-US" sz="2000" dirty="0">
               <a:solidFill>
                 <a:schemeClr val="tx1"/>
               </a:solidFill>
@@ -11217,7 +11003,7 @@
           <a:lstStyle/>
           <a:p>
             <a:pPr algn="ctr"/>
-            <a:endParaRPr lang="en-US" sz="2000" dirty="0" smtClean="0">
+            <a:endParaRPr lang="en-US" sz="2000" dirty="0">
               <a:solidFill>
                 <a:schemeClr val="tx1"/>
               </a:solidFill>
@@ -11272,7 +11058,7 @@
           <a:lstStyle/>
           <a:p>
             <a:pPr algn="ctr"/>
-            <a:endParaRPr lang="en-US" sz="2000" dirty="0" smtClean="0">
+            <a:endParaRPr lang="en-US" sz="2000" dirty="0">
               <a:solidFill>
                 <a:schemeClr val="tx1"/>
               </a:solidFill>
@@ -11327,7 +11113,7 @@
           <a:lstStyle/>
           <a:p>
             <a:pPr algn="ctr"/>
-            <a:endParaRPr lang="en-US" sz="2000" dirty="0" smtClean="0">
+            <a:endParaRPr lang="en-US" sz="2000" dirty="0">
               <a:solidFill>
                 <a:schemeClr val="tx1"/>
               </a:solidFill>
@@ -11380,7 +11166,7 @@
           <a:lstStyle/>
           <a:p>
             <a:pPr algn="ctr"/>
-            <a:endParaRPr lang="en-US" sz="2000" dirty="0" smtClean="0">
+            <a:endParaRPr lang="en-US" sz="2000" dirty="0">
               <a:solidFill>
                 <a:schemeClr val="tx1"/>
               </a:solidFill>
@@ -11429,7 +11215,7 @@
           <a:lstStyle/>
           <a:p>
             <a:pPr algn="ctr"/>
-            <a:endParaRPr lang="en-US" sz="2000" dirty="0" smtClean="0">
+            <a:endParaRPr lang="en-US" sz="2000" dirty="0">
               <a:solidFill>
                 <a:schemeClr val="tx1"/>
               </a:solidFill>
@@ -11484,19 +11270,14 @@
           <a:p>
             <a:r>
               <a:rPr lang="en-US" sz="1400" dirty="0"/>
-              <a:t>If we add a new kind of data, such as a triangle, what will we need to </a:t>
-            </a:r>
-            <a:r>
-              <a:rPr lang="en-US" sz="1400" dirty="0" smtClean="0"/>
-              <a:t>change?</a:t>
-            </a:r>
-          </a:p>
-          <a:p>
-            <a:r>
-              <a:rPr lang="en-US" sz="1400" dirty="0" smtClean="0"/>
+              <a:t>If we add a new kind of data, such as a triangle, what will we need to change?</a:t>
+            </a:r>
+          </a:p>
+          <a:p>
+            <a:r>
+              <a:rPr lang="en-US" sz="1400" dirty="0"/>
               <a:t>We will need 2 pieces of code: to compute the weight of a triangle and to display it.</a:t>
             </a:r>
-            <a:endParaRPr lang="en-US" sz="1400" dirty="0"/>
           </a:p>
         </p:txBody>
       </p:sp>
@@ -11563,13 +11344,8 @@
             </a:r>
             <a:r>
               <a:rPr lang="en-US" sz="1600" dirty="0"/>
-              <a:t> function</a:t>
-            </a:r>
-            <a:r>
-              <a:rPr lang="en-US" sz="1600" dirty="0" smtClean="0"/>
-              <a:t>.</a:t>
-            </a:r>
-            <a:endParaRPr lang="en-US" sz="1600" dirty="0"/>
+              <a:t> function.</a:t>
+            </a:r>
           </a:p>
         </p:txBody>
       </p:sp>
@@ -11678,7 +11454,7 @@
           <a:lstStyle/>
           <a:p>
             <a:pPr algn="ctr"/>
-            <a:endParaRPr lang="en-US" sz="2000" dirty="0" smtClean="0">
+            <a:endParaRPr lang="en-US" sz="2000" dirty="0">
               <a:solidFill>
                 <a:schemeClr val="tx1"/>
               </a:solidFill>
@@ -11731,7 +11507,7 @@
           <a:lstStyle/>
           <a:p>
             <a:pPr algn="ctr"/>
-            <a:endParaRPr lang="en-US" sz="2000" dirty="0" smtClean="0">
+            <a:endParaRPr lang="en-US" sz="2000" dirty="0">
               <a:solidFill>
                 <a:schemeClr val="tx1"/>
               </a:solidFill>
@@ -12015,10 +11791,9 @@
           <a:lstStyle/>
           <a:p>
             <a:r>
-              <a:rPr lang="en-US" dirty="0" smtClean="0"/>
+              <a:rPr lang="en-US" dirty="0"/>
               <a:t>Adding a New Operation</a:t>
             </a:r>
-            <a:endParaRPr lang="en-US" dirty="0"/>
           </a:p>
         </p:txBody>
       </p:sp>
@@ -12048,10 +11823,34 @@
                 <a:tableStyleId>{5C22544A-7EE6-4342-B048-85BDC9FD1C3A}</a:tableStyleId>
               </a:tblPr>
               <a:tblGrid>
-                <a:gridCol w="1645920"/>
-                <a:gridCol w="1645920"/>
-                <a:gridCol w="1645920"/>
-                <a:gridCol w="1645920"/>
+                <a:gridCol w="1645920">
+                  <a:extLst>
+                    <a:ext uri="{9D8B030D-6E8A-4147-A177-3AD203B41FA5}">
+                      <a16:colId xmlns:a16="http://schemas.microsoft.com/office/drawing/2014/main" val="20000"/>
+                    </a:ext>
+                  </a:extLst>
+                </a:gridCol>
+                <a:gridCol w="1645920">
+                  <a:extLst>
+                    <a:ext uri="{9D8B030D-6E8A-4147-A177-3AD203B41FA5}">
+                      <a16:colId xmlns:a16="http://schemas.microsoft.com/office/drawing/2014/main" val="20001"/>
+                    </a:ext>
+                  </a:extLst>
+                </a:gridCol>
+                <a:gridCol w="1645920">
+                  <a:extLst>
+                    <a:ext uri="{9D8B030D-6E8A-4147-A177-3AD203B41FA5}">
+                      <a16:colId xmlns:a16="http://schemas.microsoft.com/office/drawing/2014/main" val="20002"/>
+                    </a:ext>
+                  </a:extLst>
+                </a:gridCol>
+                <a:gridCol w="1645920">
+                  <a:extLst>
+                    <a:ext uri="{9D8B030D-6E8A-4147-A177-3AD203B41FA5}">
+                      <a16:colId xmlns:a16="http://schemas.microsoft.com/office/drawing/2014/main" val="20003"/>
+                    </a:ext>
+                  </a:extLst>
+                </a:gridCol>
               </a:tblGrid>
               <a:tr h="370840">
                 <a:tc>
@@ -12060,10 +11859,9 @@
                     <a:lstStyle/>
                     <a:p>
                       <a:r>
-                        <a:rPr lang="en-US" dirty="0" smtClean="0"/>
+                        <a:rPr lang="en-US" dirty="0"/>
                         <a:t>Functional:</a:t>
                       </a:r>
-                      <a:endParaRPr lang="en-US" dirty="0"/>
                     </a:p>
                   </a:txBody>
                   <a:tcPr/>
@@ -12074,10 +11872,9 @@
                     <a:lstStyle/>
                     <a:p>
                       <a:r>
-                        <a:rPr lang="en-US" dirty="0" smtClean="0"/>
+                        <a:rPr lang="en-US" dirty="0"/>
                         <a:t>Square</a:t>
                       </a:r>
-                      <a:endParaRPr lang="en-US" dirty="0"/>
                     </a:p>
                   </a:txBody>
                   <a:tcPr/>
@@ -12088,10 +11885,9 @@
                     <a:lstStyle/>
                     <a:p>
                       <a:r>
-                        <a:rPr lang="en-US" dirty="0" smtClean="0"/>
+                        <a:rPr lang="en-US" dirty="0"/>
                         <a:t>Circle</a:t>
                       </a:r>
-                      <a:endParaRPr lang="en-US" dirty="0"/>
                     </a:p>
                   </a:txBody>
                   <a:tcPr/>
@@ -12102,14 +11898,18 @@
                     <a:lstStyle/>
                     <a:p>
                       <a:r>
-                        <a:rPr lang="en-US" dirty="0" smtClean="0"/>
+                        <a:rPr lang="en-US" dirty="0"/>
                         <a:t>Composite</a:t>
                       </a:r>
-                      <a:endParaRPr lang="en-US" dirty="0"/>
                     </a:p>
                   </a:txBody>
                   <a:tcPr/>
                 </a:tc>
+                <a:extLst>
+                  <a:ext uri="{0D108BD9-81ED-4DB2-BD59-A6C34878D82A}">
+                    <a16:rowId xmlns:a16="http://schemas.microsoft.com/office/drawing/2014/main" val="10000"/>
+                  </a:ext>
+                </a:extLst>
               </a:tr>
               <a:tr h="370840">
                 <a:tc>
@@ -12118,7 +11918,7 @@
                     <a:lstStyle/>
                     <a:p>
                       <a:r>
-                        <a:rPr lang="en-US" dirty="0" smtClean="0"/>
+                        <a:rPr lang="en-US" dirty="0"/>
                         <a:t>weight</a:t>
                       </a:r>
                     </a:p>
@@ -12180,6 +11980,11 @@
                     </a:solidFill>
                   </a:tcPr>
                 </a:tc>
+                <a:extLst>
+                  <a:ext uri="{0D108BD9-81ED-4DB2-BD59-A6C34878D82A}">
+                    <a16:rowId xmlns:a16="http://schemas.microsoft.com/office/drawing/2014/main" val="10001"/>
+                  </a:ext>
+                </a:extLst>
               </a:tr>
               <a:tr h="370840">
                 <a:tc>
@@ -12188,10 +11993,9 @@
                     <a:lstStyle/>
                     <a:p>
                       <a:r>
-                        <a:rPr lang="en-US" dirty="0" smtClean="0"/>
+                        <a:rPr lang="en-US" dirty="0"/>
                         <a:t>add-to-scene</a:t>
                       </a:r>
-                      <a:endParaRPr lang="en-US" dirty="0"/>
                     </a:p>
                   </a:txBody>
                   <a:tcPr>
@@ -12251,6 +12055,11 @@
                     </a:solidFill>
                   </a:tcPr>
                 </a:tc>
+                <a:extLst>
+                  <a:ext uri="{0D108BD9-81ED-4DB2-BD59-A6C34878D82A}">
+                    <a16:rowId xmlns:a16="http://schemas.microsoft.com/office/drawing/2014/main" val="10002"/>
+                  </a:ext>
+                </a:extLst>
               </a:tr>
               <a:tr h="370840">
                 <a:tc>
@@ -12259,10 +12068,9 @@
                     <a:lstStyle/>
                     <a:p>
                       <a:r>
-                        <a:rPr lang="en-US" dirty="0" smtClean="0"/>
+                        <a:rPr lang="en-US" dirty="0"/>
                         <a:t>move</a:t>
                       </a:r>
-                      <a:endParaRPr lang="en-US" dirty="0"/>
                     </a:p>
                   </a:txBody>
                   <a:tcPr>
@@ -12280,10 +12088,9 @@
                     <a:lstStyle/>
                     <a:p>
                       <a:r>
-                        <a:rPr lang="en-US" dirty="0" smtClean="0"/>
+                        <a:rPr lang="en-US" dirty="0"/>
                         <a:t>new code 1</a:t>
                       </a:r>
-                      <a:endParaRPr lang="en-US" dirty="0"/>
                     </a:p>
                   </a:txBody>
                   <a:tcPr>
@@ -12300,10 +12107,9 @@
                     <a:lstStyle/>
                     <a:p>
                       <a:r>
-                        <a:rPr lang="en-US" dirty="0" smtClean="0"/>
+                        <a:rPr lang="en-US" dirty="0"/>
                         <a:t>new code 2</a:t>
                       </a:r>
-                      <a:endParaRPr lang="en-US" dirty="0"/>
                     </a:p>
                   </a:txBody>
                   <a:tcPr>
@@ -12320,11 +12126,11 @@
                     <a:lstStyle/>
                     <a:p>
                       <a:r>
-                        <a:rPr lang="en-US" dirty="0" smtClean="0"/>
+                        <a:rPr lang="en-US" dirty="0"/>
                         <a:t>new</a:t>
                       </a:r>
                       <a:r>
-                        <a:rPr lang="en-US" baseline="0" dirty="0" smtClean="0"/>
+                        <a:rPr lang="en-US" baseline="0" dirty="0"/>
                         <a:t> code 3</a:t>
                       </a:r>
                       <a:endParaRPr lang="en-US" dirty="0"/>
@@ -12338,6 +12144,11 @@
                     </a:solidFill>
                   </a:tcPr>
                 </a:tc>
+                <a:extLst>
+                  <a:ext uri="{0D108BD9-81ED-4DB2-BD59-A6C34878D82A}">
+                    <a16:rowId xmlns:a16="http://schemas.microsoft.com/office/drawing/2014/main" val="10003"/>
+                  </a:ext>
+                </a:extLst>
               </a:tr>
             </a:tbl>
           </a:graphicData>
@@ -12412,7 +12223,7 @@
           <a:lstStyle/>
           <a:p>
             <a:pPr algn="ctr"/>
-            <a:endParaRPr lang="en-US" sz="2000" dirty="0" smtClean="0">
+            <a:endParaRPr lang="en-US" sz="2000" dirty="0">
               <a:solidFill>
                 <a:schemeClr val="tx1"/>
               </a:solidFill>
@@ -12467,7 +12278,7 @@
           <a:lstStyle/>
           <a:p>
             <a:pPr algn="ctr"/>
-            <a:endParaRPr lang="en-US" sz="2000" dirty="0" smtClean="0">
+            <a:endParaRPr lang="en-US" sz="2000" dirty="0">
               <a:solidFill>
                 <a:schemeClr val="tx1"/>
               </a:solidFill>
@@ -12516,7 +12327,7 @@
           <a:lstStyle/>
           <a:p>
             <a:pPr algn="ctr"/>
-            <a:endParaRPr lang="en-US" sz="2000" dirty="0" smtClean="0">
+            <a:endParaRPr lang="en-US" sz="2000" dirty="0">
               <a:solidFill>
                 <a:schemeClr val="tx1"/>
               </a:solidFill>
@@ -12549,10 +12360,34 @@
                 <a:tableStyleId>{5C22544A-7EE6-4342-B048-85BDC9FD1C3A}</a:tableStyleId>
               </a:tblPr>
               <a:tblGrid>
-                <a:gridCol w="1645920"/>
-                <a:gridCol w="1645920"/>
-                <a:gridCol w="1645920"/>
-                <a:gridCol w="1645920"/>
+                <a:gridCol w="1645920">
+                  <a:extLst>
+                    <a:ext uri="{9D8B030D-6E8A-4147-A177-3AD203B41FA5}">
+                      <a16:colId xmlns:a16="http://schemas.microsoft.com/office/drawing/2014/main" val="20000"/>
+                    </a:ext>
+                  </a:extLst>
+                </a:gridCol>
+                <a:gridCol w="1645920">
+                  <a:extLst>
+                    <a:ext uri="{9D8B030D-6E8A-4147-A177-3AD203B41FA5}">
+                      <a16:colId xmlns:a16="http://schemas.microsoft.com/office/drawing/2014/main" val="20001"/>
+                    </a:ext>
+                  </a:extLst>
+                </a:gridCol>
+                <a:gridCol w="1645920">
+                  <a:extLst>
+                    <a:ext uri="{9D8B030D-6E8A-4147-A177-3AD203B41FA5}">
+                      <a16:colId xmlns:a16="http://schemas.microsoft.com/office/drawing/2014/main" val="20002"/>
+                    </a:ext>
+                  </a:extLst>
+                </a:gridCol>
+                <a:gridCol w="1645920">
+                  <a:extLst>
+                    <a:ext uri="{9D8B030D-6E8A-4147-A177-3AD203B41FA5}">
+                      <a16:colId xmlns:a16="http://schemas.microsoft.com/office/drawing/2014/main" val="20003"/>
+                    </a:ext>
+                  </a:extLst>
+                </a:gridCol>
               </a:tblGrid>
               <a:tr h="381000">
                 <a:tc>
@@ -12561,10 +12396,9 @@
                     <a:lstStyle/>
                     <a:p>
                       <a:r>
-                        <a:rPr lang="en-US" dirty="0" smtClean="0"/>
+                        <a:rPr lang="en-US" dirty="0"/>
                         <a:t>OO:</a:t>
                       </a:r>
-                      <a:endParaRPr lang="en-US" dirty="0"/>
                     </a:p>
                   </a:txBody>
                   <a:tcPr/>
@@ -12575,10 +12409,9 @@
                     <a:lstStyle/>
                     <a:p>
                       <a:r>
-                        <a:rPr lang="en-US" dirty="0" smtClean="0"/>
+                        <a:rPr lang="en-US" dirty="0"/>
                         <a:t>Square</a:t>
                       </a:r>
-                      <a:endParaRPr lang="en-US" dirty="0"/>
                     </a:p>
                   </a:txBody>
                   <a:tcPr/>
@@ -12589,10 +12422,9 @@
                     <a:lstStyle/>
                     <a:p>
                       <a:r>
-                        <a:rPr lang="en-US" dirty="0" smtClean="0"/>
+                        <a:rPr lang="en-US" dirty="0"/>
                         <a:t>Circle</a:t>
                       </a:r>
-                      <a:endParaRPr lang="en-US" dirty="0"/>
                     </a:p>
                   </a:txBody>
                   <a:tcPr/>
@@ -12603,14 +12435,18 @@
                     <a:lstStyle/>
                     <a:p>
                       <a:r>
-                        <a:rPr lang="en-US" dirty="0" smtClean="0"/>
+                        <a:rPr lang="en-US" dirty="0"/>
                         <a:t>Composite</a:t>
                       </a:r>
-                      <a:endParaRPr lang="en-US" dirty="0"/>
                     </a:p>
                   </a:txBody>
                   <a:tcPr/>
                 </a:tc>
+                <a:extLst>
+                  <a:ext uri="{0D108BD9-81ED-4DB2-BD59-A6C34878D82A}">
+                    <a16:rowId xmlns:a16="http://schemas.microsoft.com/office/drawing/2014/main" val="10000"/>
+                  </a:ext>
+                </a:extLst>
               </a:tr>
               <a:tr h="370840">
                 <a:tc>
@@ -12619,7 +12455,7 @@
                     <a:lstStyle/>
                     <a:p>
                       <a:r>
-                        <a:rPr lang="en-US" dirty="0" smtClean="0"/>
+                        <a:rPr lang="en-US" dirty="0"/>
                         <a:t>weight</a:t>
                       </a:r>
                     </a:p>
@@ -12674,6 +12510,11 @@
                     </a:solidFill>
                   </a:tcPr>
                 </a:tc>
+                <a:extLst>
+                  <a:ext uri="{0D108BD9-81ED-4DB2-BD59-A6C34878D82A}">
+                    <a16:rowId xmlns:a16="http://schemas.microsoft.com/office/drawing/2014/main" val="10001"/>
+                  </a:ext>
+                </a:extLst>
               </a:tr>
               <a:tr h="370840">
                 <a:tc>
@@ -12682,10 +12523,9 @@
                     <a:lstStyle/>
                     <a:p>
                       <a:r>
-                        <a:rPr lang="en-US" dirty="0" smtClean="0"/>
+                        <a:rPr lang="en-US" dirty="0"/>
                         <a:t>add-to-scene</a:t>
                       </a:r>
-                      <a:endParaRPr lang="en-US" dirty="0"/>
                     </a:p>
                   </a:txBody>
                   <a:tcPr/>
@@ -12738,6 +12578,11 @@
                     </a:solidFill>
                   </a:tcPr>
                 </a:tc>
+                <a:extLst>
+                  <a:ext uri="{0D108BD9-81ED-4DB2-BD59-A6C34878D82A}">
+                    <a16:rowId xmlns:a16="http://schemas.microsoft.com/office/drawing/2014/main" val="10002"/>
+                  </a:ext>
+                </a:extLst>
               </a:tr>
               <a:tr h="370840">
                 <a:tc>
@@ -12746,10 +12591,9 @@
                     <a:lstStyle/>
                     <a:p>
                       <a:r>
-                        <a:rPr lang="en-US" dirty="0" smtClean="0"/>
+                        <a:rPr lang="en-US" dirty="0"/>
                         <a:t>move</a:t>
                       </a:r>
-                      <a:endParaRPr lang="en-US" dirty="0"/>
                     </a:p>
                   </a:txBody>
                   <a:tcPr/>
@@ -12760,10 +12604,9 @@
                     <a:lstStyle/>
                     <a:p>
                       <a:r>
-                        <a:rPr lang="en-US" dirty="0" smtClean="0"/>
+                        <a:rPr lang="en-US" dirty="0"/>
                         <a:t>new code 1</a:t>
                       </a:r>
-                      <a:endParaRPr lang="en-US" dirty="0"/>
                     </a:p>
                   </a:txBody>
                   <a:tcPr>
@@ -12780,10 +12623,9 @@
                     <a:lstStyle/>
                     <a:p>
                       <a:r>
-                        <a:rPr lang="en-US" dirty="0" smtClean="0"/>
+                        <a:rPr lang="en-US" dirty="0"/>
                         <a:t>new code 2</a:t>
                       </a:r>
-                      <a:endParaRPr lang="en-US" dirty="0"/>
                     </a:p>
                   </a:txBody>
                   <a:tcPr>
@@ -12800,10 +12642,9 @@
                     <a:lstStyle/>
                     <a:p>
                       <a:r>
-                        <a:rPr lang="en-US" dirty="0" smtClean="0"/>
+                        <a:rPr lang="en-US" dirty="0"/>
                         <a:t>new code 3</a:t>
                       </a:r>
-                      <a:endParaRPr lang="en-US" dirty="0"/>
                     </a:p>
                   </a:txBody>
                   <a:tcPr>
@@ -12814,6 +12655,11 @@
                     </a:solidFill>
                   </a:tcPr>
                 </a:tc>
+                <a:extLst>
+                  <a:ext uri="{0D108BD9-81ED-4DB2-BD59-A6C34878D82A}">
+                    <a16:rowId xmlns:a16="http://schemas.microsoft.com/office/drawing/2014/main" val="10003"/>
+                  </a:ext>
+                </a:extLst>
               </a:tr>
             </a:tbl>
           </a:graphicData>
@@ -12864,7 +12710,7 @@
           <a:lstStyle/>
           <a:p>
             <a:pPr algn="ctr"/>
-            <a:endParaRPr lang="en-US" sz="2000" dirty="0" smtClean="0">
+            <a:endParaRPr lang="en-US" sz="2000" dirty="0">
               <a:solidFill>
                 <a:schemeClr val="tx1"/>
               </a:solidFill>
@@ -12919,7 +12765,7 @@
           <a:lstStyle/>
           <a:p>
             <a:pPr algn="ctr"/>
-            <a:endParaRPr lang="en-US" sz="2000" dirty="0" smtClean="0">
+            <a:endParaRPr lang="en-US" sz="2000" dirty="0">
               <a:solidFill>
                 <a:schemeClr val="tx1"/>
               </a:solidFill>
@@ -12974,7 +12820,7 @@
           <a:lstStyle/>
           <a:p>
             <a:pPr algn="ctr"/>
-            <a:endParaRPr lang="en-US" sz="2000" dirty="0" smtClean="0">
+            <a:endParaRPr lang="en-US" sz="2000" dirty="0">
               <a:solidFill>
                 <a:schemeClr val="tx1"/>
               </a:solidFill>
@@ -13027,7 +12873,7 @@
           <a:lstStyle/>
           <a:p>
             <a:pPr algn="ctr"/>
-            <a:endParaRPr lang="en-US" sz="2000" dirty="0" smtClean="0">
+            <a:endParaRPr lang="en-US" sz="2000" dirty="0">
               <a:solidFill>
                 <a:schemeClr val="tx1"/>
               </a:solidFill>
@@ -13082,7 +12928,7 @@
           <a:lstStyle/>
           <a:p>
             <a:pPr algn="ctr"/>
-            <a:endParaRPr lang="en-US" sz="2000" dirty="0" smtClean="0">
+            <a:endParaRPr lang="en-US" sz="2000" dirty="0">
               <a:solidFill>
                 <a:schemeClr val="tx1"/>
               </a:solidFill>
@@ -13137,7 +12983,7 @@
           <a:lstStyle/>
           <a:p>
             <a:pPr algn="ctr"/>
-            <a:endParaRPr lang="en-US" sz="2000" dirty="0" smtClean="0">
+            <a:endParaRPr lang="en-US" sz="2000" dirty="0">
               <a:solidFill>
                 <a:schemeClr val="tx1"/>
               </a:solidFill>
@@ -13209,21 +13055,16 @@
           <a:p>
             <a:r>
               <a:rPr lang="en-US" sz="1400" dirty="0"/>
-              <a:t>In the functional organization, we add the new code in a single function definition, the </a:t>
-            </a:r>
-            <a:r>
-              <a:rPr lang="en-US" sz="1400" dirty="0" smtClean="0"/>
-              <a:t>function </a:t>
-            </a:r>
-            <a:r>
-              <a:rPr lang="en-US" sz="1400" b="1" dirty="0" smtClean="0"/>
+              <a:t>In the functional organization, we add the new code in a single function definition, the function </a:t>
+            </a:r>
+            <a:r>
+              <a:rPr lang="en-US" sz="1400" b="1" dirty="0"/>
               <a:t>move</a:t>
             </a:r>
             <a:r>
-              <a:rPr lang="en-US" sz="1400" dirty="0" smtClean="0"/>
+              <a:rPr lang="en-US" sz="1400" dirty="0"/>
               <a:t>, symbolized by the blue outline above.</a:t>
             </a:r>
-            <a:endParaRPr lang="en-US" sz="1400" dirty="0"/>
           </a:p>
         </p:txBody>
       </p:sp>
@@ -13286,7 +13127,7 @@
             </a:r>
           </a:p>
           <a:p>
-            <a:endParaRPr lang="en-US" sz="1400" dirty="0" smtClean="0">
+            <a:endParaRPr lang="en-US" sz="1400" dirty="0">
               <a:solidFill>
                 <a:schemeClr val="tx1"/>
               </a:solidFill>
@@ -13543,10 +13384,9 @@
           <a:lstStyle/>
           <a:p>
             <a:r>
-              <a:rPr lang="en-US" dirty="0" smtClean="0"/>
+              <a:rPr lang="en-US" dirty="0"/>
               <a:t>Extensibility</a:t>
             </a:r>
-            <a:endParaRPr lang="en-US" dirty="0"/>
           </a:p>
         </p:txBody>
       </p:sp>
@@ -13576,9 +13416,27 @@
                 <a:tableStyleId>{5C22544A-7EE6-4342-B048-85BDC9FD1C3A}</a:tableStyleId>
               </a:tblPr>
               <a:tblGrid>
-                <a:gridCol w="2743200"/>
-                <a:gridCol w="2743200"/>
-                <a:gridCol w="2743200"/>
+                <a:gridCol w="2743200">
+                  <a:extLst>
+                    <a:ext uri="{9D8B030D-6E8A-4147-A177-3AD203B41FA5}">
+                      <a16:colId xmlns:a16="http://schemas.microsoft.com/office/drawing/2014/main" val="20000"/>
+                    </a:ext>
+                  </a:extLst>
+                </a:gridCol>
+                <a:gridCol w="2743200">
+                  <a:extLst>
+                    <a:ext uri="{9D8B030D-6E8A-4147-A177-3AD203B41FA5}">
+                      <a16:colId xmlns:a16="http://schemas.microsoft.com/office/drawing/2014/main" val="20001"/>
+                    </a:ext>
+                  </a:extLst>
+                </a:gridCol>
+                <a:gridCol w="2743200">
+                  <a:extLst>
+                    <a:ext uri="{9D8B030D-6E8A-4147-A177-3AD203B41FA5}">
+                      <a16:colId xmlns:a16="http://schemas.microsoft.com/office/drawing/2014/main" val="20002"/>
+                    </a:ext>
+                  </a:extLst>
+                </a:gridCol>
               </a:tblGrid>
               <a:tr h="566531">
                 <a:tc>
@@ -13597,10 +13455,9 @@
                     <a:lstStyle/>
                     <a:p>
                       <a:r>
-                        <a:rPr lang="en-US" sz="2800" dirty="0" smtClean="0"/>
+                        <a:rPr lang="en-US" sz="2800" dirty="0"/>
                         <a:t>Functional Org.</a:t>
                       </a:r>
-                      <a:endParaRPr lang="en-US" sz="2800" dirty="0"/>
                     </a:p>
                   </a:txBody>
                   <a:tcPr/>
@@ -13611,14 +13468,18 @@
                     <a:lstStyle/>
                     <a:p>
                       <a:r>
-                        <a:rPr lang="en-US" sz="2800" dirty="0" smtClean="0"/>
+                        <a:rPr lang="en-US" sz="2800" dirty="0"/>
                         <a:t>O-O Org.</a:t>
                       </a:r>
-                      <a:endParaRPr lang="en-US" sz="2800" dirty="0"/>
                     </a:p>
                   </a:txBody>
                   <a:tcPr/>
                 </a:tc>
+                <a:extLst>
+                  <a:ext uri="{0D108BD9-81ED-4DB2-BD59-A6C34878D82A}">
+                    <a16:rowId xmlns:a16="http://schemas.microsoft.com/office/drawing/2014/main" val="10000"/>
+                  </a:ext>
+                </a:extLst>
               </a:tr>
               <a:tr h="779952">
                 <a:tc>
@@ -13627,11 +13488,11 @@
                     <a:lstStyle/>
                     <a:p>
                       <a:r>
-                        <a:rPr lang="en-US" sz="2800" dirty="0" smtClean="0"/>
+                        <a:rPr lang="en-US" sz="2800" dirty="0"/>
                         <a:t>New</a:t>
                       </a:r>
                       <a:r>
-                        <a:rPr lang="en-US" sz="2800" baseline="0" dirty="0" smtClean="0"/>
+                        <a:rPr lang="en-US" sz="2800" baseline="0" dirty="0"/>
                         <a:t> Data Variant</a:t>
                       </a:r>
                       <a:endParaRPr lang="en-US" sz="2800" dirty="0"/>
@@ -13645,10 +13506,9 @@
                     <a:lstStyle/>
                     <a:p>
                       <a:r>
-                        <a:rPr lang="en-US" sz="2000" dirty="0" smtClean="0"/>
+                        <a:rPr lang="en-US" sz="2000" dirty="0"/>
                         <a:t>requires editing in many places</a:t>
                       </a:r>
-                      <a:endParaRPr lang="en-US" sz="2000" dirty="0"/>
                     </a:p>
                   </a:txBody>
                   <a:tcPr/>
@@ -13676,14 +13536,14 @@
                         <a:defRPr/>
                       </a:pPr>
                       <a:r>
-                        <a:rPr lang="en-US" sz="2000" dirty="0" smtClean="0"/>
+                        <a:rPr lang="en-US" sz="2000" dirty="0"/>
                         <a:t>all</a:t>
                       </a:r>
                       <a:r>
-                        <a:rPr lang="en-US" sz="2000" baseline="0" dirty="0" smtClean="0"/>
+                        <a:rPr lang="en-US" sz="2000" baseline="0" dirty="0"/>
                         <a:t> edits in one place</a:t>
                       </a:r>
-                      <a:endParaRPr lang="en-US" sz="2000" dirty="0" smtClean="0"/>
+                      <a:endParaRPr lang="en-US" sz="2000" dirty="0"/>
                     </a:p>
                     <a:p>
                       <a:endParaRPr lang="en-US" sz="2000" dirty="0"/>
@@ -13691,6 +13551,11 @@
                   </a:txBody>
                   <a:tcPr/>
                 </a:tc>
+                <a:extLst>
+                  <a:ext uri="{0D108BD9-81ED-4DB2-BD59-A6C34878D82A}">
+                    <a16:rowId xmlns:a16="http://schemas.microsoft.com/office/drawing/2014/main" val="10001"/>
+                  </a:ext>
+                </a:extLst>
               </a:tr>
               <a:tr h="755374">
                 <a:tc>
@@ -13699,10 +13564,9 @@
                     <a:lstStyle/>
                     <a:p>
                       <a:r>
-                        <a:rPr lang="en-US" sz="2800" dirty="0" smtClean="0"/>
+                        <a:rPr lang="en-US" sz="2800" dirty="0"/>
                         <a:t>New Operation</a:t>
                       </a:r>
-                      <a:endParaRPr lang="en-US" sz="2800" dirty="0"/>
                     </a:p>
                   </a:txBody>
                   <a:tcPr/>
@@ -13713,11 +13577,11 @@
                     <a:lstStyle/>
                     <a:p>
                       <a:r>
-                        <a:rPr lang="en-US" sz="2000" dirty="0" smtClean="0"/>
+                        <a:rPr lang="en-US" sz="2000" dirty="0"/>
                         <a:t>all</a:t>
                       </a:r>
                       <a:r>
-                        <a:rPr lang="en-US" sz="2000" baseline="0" dirty="0" smtClean="0"/>
+                        <a:rPr lang="en-US" sz="2000" baseline="0" dirty="0"/>
                         <a:t> edits in one place</a:t>
                       </a:r>
                       <a:endParaRPr lang="en-US" sz="2000" dirty="0"/>
@@ -13748,14 +13612,18 @@
                         <a:defRPr/>
                       </a:pPr>
                       <a:r>
-                        <a:rPr lang="en-US" sz="2000" dirty="0" smtClean="0"/>
+                        <a:rPr lang="en-US" sz="2000" dirty="0"/>
                         <a:t>requires editing in many places</a:t>
                       </a:r>
-                      <a:endParaRPr lang="en-US" sz="2000" dirty="0"/>
                     </a:p>
                   </a:txBody>
                   <a:tcPr/>
                 </a:tc>
+                <a:extLst>
+                  <a:ext uri="{0D108BD9-81ED-4DB2-BD59-A6C34878D82A}">
+                    <a16:rowId xmlns:a16="http://schemas.microsoft.com/office/drawing/2014/main" val="10002"/>
+                  </a:ext>
+                </a:extLst>
               </a:tr>
             </a:tbl>
           </a:graphicData>
@@ -13795,13 +13663,6 @@
   <p:clrMapOvr>
     <a:masterClrMapping/>
   </p:clrMapOvr>
-  <p:timing>
-    <p:tnLst>
-      <p:par>
-        <p:cTn id="1" dur="indefinite" restart="never" nodeType="tmRoot"/>
-      </p:par>
-    </p:tnLst>
-  </p:timing>
 </p:sld>
 </file>
 
@@ -13838,10 +13699,9 @@
           <a:lstStyle/>
           <a:p>
             <a:r>
-              <a:rPr lang="en-US" dirty="0" smtClean="0"/>
+              <a:rPr lang="en-US" dirty="0"/>
               <a:t>What's the tradeoff?</a:t>
             </a:r>
-            <a:endParaRPr lang="en-US" dirty="0"/>
           </a:p>
         </p:txBody>
       </p:sp>
@@ -13863,56 +13723,55 @@
           <a:lstStyle/>
           <a:p>
             <a:r>
-              <a:rPr lang="en-US" dirty="0" smtClean="0"/>
+              <a:rPr lang="en-US" dirty="0"/>
               <a:t>Object-oriented organization is better when new data variants are more likely than new operations.</a:t>
             </a:r>
           </a:p>
           <a:p>
             <a:r>
-              <a:rPr lang="en-US" dirty="0" smtClean="0"/>
+              <a:rPr lang="en-US" dirty="0"/>
               <a:t>Functional organization is better when new operations are more likely than new data variants.</a:t>
             </a:r>
           </a:p>
           <a:p>
             <a:r>
-              <a:rPr lang="en-US" dirty="0" smtClean="0"/>
+              <a:rPr lang="en-US" dirty="0"/>
               <a:t>In the real world, you may not have a choice: </a:t>
             </a:r>
           </a:p>
           <a:p>
             <a:pPr lvl="1"/>
             <a:r>
-              <a:rPr lang="en-US" dirty="0" smtClean="0"/>
+              <a:rPr lang="en-US" dirty="0"/>
               <a:t>this decision is up to the system architects</a:t>
             </a:r>
           </a:p>
           <a:p>
             <a:pPr lvl="1"/>
             <a:r>
-              <a:rPr lang="en-US" dirty="0" smtClean="0"/>
+              <a:rPr lang="en-US" dirty="0"/>
               <a:t>or may need compatibility with an existing system</a:t>
             </a:r>
           </a:p>
           <a:p>
             <a:r>
-              <a:rPr lang="en-US" dirty="0" smtClean="0"/>
+              <a:rPr lang="en-US" dirty="0"/>
               <a:t>There are ways to get the best of both worlds </a:t>
             </a:r>
           </a:p>
           <a:p>
             <a:pPr lvl="1"/>
             <a:r>
-              <a:rPr lang="en-US" dirty="0" smtClean="0"/>
+              <a:rPr lang="en-US" dirty="0"/>
               <a:t>but these are beyond the scope of this course</a:t>
             </a:r>
           </a:p>
           <a:p>
             <a:pPr lvl="1"/>
             <a:r>
-              <a:rPr lang="en-US" dirty="0" smtClean="0"/>
+              <a:rPr lang="en-US" dirty="0"/>
               <a:t>this is called "the expression problem"</a:t>
             </a:r>
-            <a:endParaRPr lang="en-US" dirty="0"/>
           </a:p>
         </p:txBody>
       </p:sp>
@@ -13950,13 +13809,6 @@
   <p:clrMapOvr>
     <a:masterClrMapping/>
   </p:clrMapOvr>
-  <p:timing>
-    <p:tnLst>
-      <p:par>
-        <p:cTn id="1" dur="indefinite" restart="never" nodeType="tmRoot"/>
-      </p:par>
-    </p:tnLst>
-  </p:timing>
 </p:sld>
 </file>
 
@@ -13993,10 +13845,9 @@
           <a:lstStyle/>
           <a:p>
             <a:r>
-              <a:rPr lang="en-US" dirty="0" smtClean="0"/>
+              <a:rPr lang="en-US" dirty="0"/>
               <a:t>Summary</a:t>
             </a:r>
-            <a:endParaRPr lang="en-US" dirty="0"/>
           </a:p>
         </p:txBody>
       </p:sp>
@@ -14016,10 +13867,9 @@
           <a:lstStyle/>
           <a:p>
             <a:r>
-              <a:rPr lang="en-US" dirty="0" smtClean="0"/>
+              <a:rPr lang="en-US" dirty="0"/>
               <a:t>You should now be able to draw diagrams that explain the organization of O-O programs vs. functional programs.</a:t>
             </a:r>
-            <a:endParaRPr lang="en-US" dirty="0"/>
           </a:p>
         </p:txBody>
       </p:sp>
@@ -14056,13 +13906,6 @@
   <p:clrMapOvr>
     <a:masterClrMapping/>
   </p:clrMapOvr>
-  <p:timing>
-    <p:tnLst>
-      <p:par>
-        <p:cTn id="1" dur="indefinite" restart="never" nodeType="tmRoot"/>
-      </p:par>
-    </p:tnLst>
-  </p:timing>
 </p:sld>
 </file>
 
@@ -14099,10 +13942,9 @@
           <a:lstStyle/>
           <a:p>
             <a:r>
-              <a:rPr lang="en-US" dirty="0" smtClean="0"/>
+              <a:rPr lang="en-US" dirty="0"/>
               <a:t>Goals for this Lesson</a:t>
             </a:r>
-            <a:endParaRPr lang="en-US" dirty="0"/>
           </a:p>
         </p:txBody>
       </p:sp>
@@ -14122,10 +13964,9 @@
           <a:lstStyle/>
           <a:p>
             <a:r>
-              <a:rPr lang="en-US" dirty="0" smtClean="0"/>
+              <a:rPr lang="en-US" dirty="0"/>
               <a:t>In this lesson, we’ll illustrate the relationship between the functional version of the shapes and the object-oriented version.</a:t>
             </a:r>
-            <a:endParaRPr lang="en-US" dirty="0"/>
           </a:p>
         </p:txBody>
       </p:sp>
@@ -14199,10 +14040,9 @@
           <a:lstStyle/>
           <a:p>
             <a:r>
-              <a:rPr lang="en-US" dirty="0" smtClean="0"/>
+              <a:rPr lang="en-US" dirty="0"/>
               <a:t>Next Steps</a:t>
             </a:r>
-            <a:endParaRPr lang="en-US" dirty="0"/>
           </a:p>
         </p:txBody>
       </p:sp>
@@ -14222,22 +14062,29 @@
           <a:lstStyle/>
           <a:p>
             <a:r>
-              <a:rPr lang="en-US" dirty="0" smtClean="0"/>
-              <a:t>Review examples 09-3 through 09-5 in the examples folder.</a:t>
-            </a:r>
-          </a:p>
-          <a:p>
-            <a:r>
-              <a:rPr lang="en-US" dirty="0" smtClean="0"/>
+              <a:rPr lang="en-US" dirty="0"/>
+              <a:t>Review </a:t>
+            </a:r>
+            <a:r>
+              <a:rPr lang="en-US"/>
+              <a:t>examples 09-3-1 through 09-3-3 </a:t>
+            </a:r>
+            <a:r>
+              <a:rPr lang="en-US" dirty="0"/>
+              <a:t>in the examples folder.</a:t>
+            </a:r>
+          </a:p>
+          <a:p>
+            <a:r>
+              <a:rPr lang="en-US" dirty="0"/>
               <a:t>If you have questions about this lesson, ask them on the Discussion Board</a:t>
             </a:r>
           </a:p>
           <a:p>
             <a:r>
-              <a:rPr lang="en-US" dirty="0" smtClean="0"/>
+              <a:rPr lang="en-US" dirty="0"/>
               <a:t>Go on to the next lesson</a:t>
             </a:r>
-            <a:endParaRPr lang="en-US" dirty="0"/>
           </a:p>
         </p:txBody>
       </p:sp>
@@ -14274,13 +14121,6 @@
   <p:clrMapOvr>
     <a:masterClrMapping/>
   </p:clrMapOvr>
-  <p:timing>
-    <p:tnLst>
-      <p:par>
-        <p:cTn id="1" dur="indefinite" restart="never" nodeType="tmRoot"/>
-      </p:par>
-    </p:tnLst>
-  </p:timing>
 </p:sld>
 </file>
 
@@ -14317,10 +14157,9 @@
           <a:lstStyle/>
           <a:p>
             <a:r>
-              <a:rPr lang="en-US" dirty="0" smtClean="0"/>
+              <a:rPr lang="en-US" dirty="0"/>
               <a:t>System Requirements</a:t>
             </a:r>
-            <a:endParaRPr lang="en-US" dirty="0"/>
           </a:p>
         </p:txBody>
       </p:sp>
@@ -14342,65 +14181,64 @@
           <a:lstStyle/>
           <a:p>
             <a:r>
-              <a:rPr lang="en-US" dirty="0" smtClean="0"/>
+              <a:rPr lang="en-US" dirty="0"/>
               <a:t>Represent three kinds of shapes:</a:t>
             </a:r>
           </a:p>
           <a:p>
             <a:pPr lvl="1"/>
             <a:r>
-              <a:rPr lang="en-US" dirty="0" smtClean="0"/>
+              <a:rPr lang="en-US" dirty="0"/>
               <a:t>circle, </a:t>
             </a:r>
           </a:p>
           <a:p>
             <a:pPr lvl="1"/>
             <a:r>
-              <a:rPr lang="en-US" dirty="0" smtClean="0"/>
+              <a:rPr lang="en-US" dirty="0"/>
               <a:t>square</a:t>
             </a:r>
           </a:p>
           <a:p>
             <a:pPr lvl="1"/>
             <a:r>
-              <a:rPr lang="en-US" dirty="0" smtClean="0"/>
+              <a:rPr lang="en-US" dirty="0"/>
               <a:t>composite of two shapes </a:t>
             </a:r>
           </a:p>
           <a:p>
             <a:r>
-              <a:rPr lang="en-US" dirty="0" smtClean="0"/>
+              <a:rPr lang="en-US" dirty="0"/>
               <a:t>Operations on shapes</a:t>
             </a:r>
           </a:p>
           <a:p>
             <a:pPr lvl="1"/>
             <a:r>
-              <a:rPr lang="en-US" dirty="0" smtClean="0"/>
+              <a:rPr lang="en-US" dirty="0"/>
               <a:t>weight : Shape -&gt; Number</a:t>
             </a:r>
           </a:p>
           <a:p>
             <a:pPr lvl="2"/>
             <a:r>
-              <a:rPr lang="en-US" dirty="0" smtClean="0"/>
+              <a:rPr lang="en-US" dirty="0"/>
               <a:t>RETURNS: the weight of the given shape, assuming that each shape weighs 1 gram per pixel of area</a:t>
             </a:r>
           </a:p>
           <a:p>
             <a:pPr lvl="1"/>
             <a:r>
-              <a:rPr lang="en-US" dirty="0" smtClean="0"/>
+              <a:rPr lang="en-US" dirty="0"/>
               <a:t>add-to-scene : Shape Scene -&gt; Scene</a:t>
             </a:r>
           </a:p>
           <a:p>
             <a:pPr lvl="2"/>
             <a:r>
-              <a:rPr lang="en-US" dirty="0" smtClean="0"/>
+              <a:rPr lang="en-US" dirty="0"/>
               <a:t>RETURNS: a scene like the given one, except that the given shape has been painted on it.</a:t>
             </a:r>
-            <a:endParaRPr lang="en-US" dirty="0"/>
           </a:p>
         </p:txBody>
       </p:sp>
@@ -14438,13 +14276,6 @@
   <p:clrMapOvr>
     <a:masterClrMapping/>
   </p:clrMapOvr>
-  <p:timing>
-    <p:tnLst>
-      <p:par>
-        <p:cTn id="1" dur="indefinite" restart="never" nodeType="tmRoot"/>
-      </p:par>
-    </p:tnLst>
-  </p:timing>
 </p:sld>
 </file>
 
@@ -14481,10 +14312,9 @@
           <a:lstStyle/>
           <a:p>
             <a:r>
-              <a:rPr lang="en-US" dirty="0" smtClean="0"/>
+              <a:rPr lang="en-US" dirty="0"/>
               <a:t>Code outline (functional version)</a:t>
             </a:r>
-            <a:endParaRPr lang="en-US" dirty="0"/>
           </a:p>
         </p:txBody>
       </p:sp>
@@ -14515,13 +14345,8 @@
             </a:r>
             <a:r>
               <a:rPr lang="en-US" sz="2000" dirty="0"/>
-              <a:t> my-circle (x y r color</a:t>
-            </a:r>
-            <a:r>
-              <a:rPr lang="en-US" sz="2000" dirty="0" smtClean="0"/>
-              <a:t>))</a:t>
-            </a:r>
-            <a:endParaRPr lang="en-US" sz="2000" dirty="0"/>
+              <a:t> my-circle (x y r color))</a:t>
+            </a:r>
           </a:p>
           <a:p>
             <a:r>
@@ -14534,38 +14359,21 @@
             </a:r>
             <a:r>
               <a:rPr lang="en-US" sz="2000" dirty="0"/>
-              <a:t> my-square (x y l </a:t>
-            </a:r>
-            <a:r>
-              <a:rPr lang="en-US" sz="2000" dirty="0" smtClean="0"/>
-              <a:t>color))</a:t>
-            </a:r>
-            <a:endParaRPr lang="en-US" sz="2000" dirty="0"/>
+              <a:t> my-square (x y l color))</a:t>
+            </a:r>
           </a:p>
           <a:p>
             <a:r>
               <a:rPr lang="en-US" sz="2000" dirty="0"/>
-              <a:t>(</a:t>
-            </a:r>
-            <a:r>
-              <a:rPr lang="en-US" sz="2000" dirty="0" smtClean="0"/>
-              <a:t>define-</a:t>
-            </a:r>
-            <a:r>
-              <a:rPr lang="en-US" sz="2000" dirty="0" err="1" smtClean="0"/>
+              <a:t>(define-</a:t>
+            </a:r>
+            <a:r>
+              <a:rPr lang="en-US" sz="2000" dirty="0" err="1"/>
               <a:t>struct</a:t>
             </a:r>
             <a:r>
-              <a:rPr lang="en-US" sz="2000" dirty="0" smtClean="0"/>
-              <a:t> </a:t>
-            </a:r>
-            <a:r>
               <a:rPr lang="en-US" sz="2000" dirty="0"/>
-              <a:t>my-composite (front back</a:t>
-            </a:r>
-            <a:r>
-              <a:rPr lang="en-US" sz="2000" dirty="0" smtClean="0"/>
-              <a:t>))</a:t>
+              <a:t> my-composite (front back))</a:t>
             </a:r>
           </a:p>
           <a:p>
@@ -14644,7 +14452,7 @@
             </a:r>
           </a:p>
           <a:p>
-            <a:endParaRPr lang="en-US" sz="2000" dirty="0" smtClean="0"/>
+            <a:endParaRPr lang="en-US" sz="2000" dirty="0"/>
           </a:p>
           <a:p>
             <a:endParaRPr lang="en-US" sz="2000" dirty="0"/>
@@ -14723,10 +14531,9 @@
           <a:lstStyle/>
           <a:p>
             <a:r>
-              <a:rPr lang="en-US" dirty="0" smtClean="0"/>
+              <a:rPr lang="en-US" dirty="0"/>
               <a:t>Code outline (2)</a:t>
             </a:r>
-            <a:endParaRPr lang="en-US" dirty="0"/>
           </a:p>
         </p:txBody>
       </p:sp>
@@ -14803,13 +14610,8 @@
             </a:pPr>
             <a:r>
               <a:rPr lang="en-US" sz="1400" dirty="0"/>
-              <a:t>;; STRATEGY: Use template for </a:t>
-            </a:r>
-            <a:r>
-              <a:rPr lang="en-US" sz="1400" dirty="0" smtClean="0"/>
-              <a:t>Shape on s</a:t>
-            </a:r>
-            <a:endParaRPr lang="en-US" sz="1400" dirty="0"/>
+              <a:t>;; STRATEGY: Use template for Shape on s</a:t>
+            </a:r>
           </a:p>
           <a:p>
             <a:pPr>
@@ -14880,7 +14682,7 @@
                 <a:spcPts val="0"/>
               </a:spcBef>
             </a:pPr>
-            <a:endParaRPr lang="en-US" sz="1400" dirty="0" smtClean="0"/>
+            <a:endParaRPr lang="en-US" sz="1400" dirty="0"/>
           </a:p>
           <a:p>
             <a:pPr>
@@ -14889,12 +14691,8 @@
               </a:spcBef>
             </a:pPr>
             <a:r>
-              <a:rPr lang="en-US" sz="1400" dirty="0" smtClean="0"/>
-              <a:t>;; </a:t>
-            </a:r>
-            <a:r>
               <a:rPr lang="en-US" sz="1400" dirty="0"/>
-              <a:t>add-to-scene : Shape Scene -&gt; Scene</a:t>
+              <a:t>;; add-to-scene : Shape Scene -&gt; Scene</a:t>
             </a:r>
           </a:p>
           <a:p>
@@ -14905,11 +14703,7 @@
             </a:pPr>
             <a:r>
               <a:rPr lang="en-US" sz="1400" dirty="0"/>
-              <a:t>;; RETURNS: a scene like the given one, but with </a:t>
-            </a:r>
-            <a:r>
-              <a:rPr lang="en-US" sz="1400" dirty="0" smtClean="0"/>
-              <a:t>the</a:t>
+              <a:t>;; RETURNS: a scene like the given one, but with the</a:t>
             </a:r>
           </a:p>
           <a:p>
@@ -14919,20 +14713,8 @@
               </a:spcBef>
             </a:pPr>
             <a:r>
-              <a:rPr lang="en-US" sz="1400" dirty="0" smtClean="0"/>
-              <a:t>;; </a:t>
-            </a:r>
-            <a:r>
               <a:rPr lang="en-US" sz="1400" dirty="0"/>
-              <a:t>given </a:t>
-            </a:r>
-            <a:r>
-              <a:rPr lang="en-US" sz="1400" dirty="0" smtClean="0"/>
-              <a:t>shape </a:t>
-            </a:r>
-            <a:r>
-              <a:rPr lang="en-US" sz="1400" dirty="0"/>
-              <a:t>painted on it.</a:t>
+              <a:t>;; given shape painted on it.</a:t>
             </a:r>
           </a:p>
           <a:p>
@@ -14943,11 +14725,7 @@
             </a:pPr>
             <a:r>
               <a:rPr lang="en-US" sz="1400" dirty="0"/>
-              <a:t>;; STRATEGY: Use template for Shape on </a:t>
-            </a:r>
-            <a:r>
-              <a:rPr lang="en-US" sz="1400" dirty="0" smtClean="0"/>
-              <a:t>s</a:t>
+              <a:t>;; STRATEGY: Use template for Shape on s</a:t>
             </a:r>
           </a:p>
           <a:p>
@@ -15010,15 +14788,7 @@
             </a:pPr>
             <a:r>
               <a:rPr lang="en-US" sz="1400" dirty="0"/>
-              <a:t>    [(my-composite? s) </a:t>
-            </a:r>
-            <a:r>
-              <a:rPr lang="en-US" sz="1400" dirty="0" smtClean="0"/>
-              <a:t>(</a:t>
-            </a:r>
-            <a:r>
-              <a:rPr lang="en-US" sz="1400" dirty="0"/>
-              <a:t>my-composite-add-to-scene s scene)]))</a:t>
+              <a:t>    [(my-composite? s) (my-composite-add-to-scene s scene)]))</a:t>
             </a:r>
           </a:p>
         </p:txBody>
@@ -15092,7 +14862,7 @@
           <a:lstStyle/>
           <a:p>
             <a:r>
-              <a:rPr lang="en-US" sz="1600" dirty="0" smtClean="0">
+              <a:rPr lang="en-US" sz="1600" dirty="0">
                 <a:solidFill>
                   <a:schemeClr val="tx1"/>
                 </a:solidFill>
@@ -15106,7 +14876,7 @@
               <a:buChar char="•"/>
             </a:pPr>
             <a:r>
-              <a:rPr lang="en-US" sz="1600" dirty="0" smtClean="0">
+              <a:rPr lang="en-US" sz="1600" dirty="0">
                 <a:solidFill>
                   <a:schemeClr val="tx1"/>
                 </a:solidFill>
@@ -15120,7 +14890,7 @@
               <a:buChar char="•"/>
             </a:pPr>
             <a:r>
-              <a:rPr lang="en-US" sz="1600" dirty="0" smtClean="0">
+              <a:rPr lang="en-US" sz="1600" dirty="0">
                 <a:solidFill>
                   <a:schemeClr val="tx1"/>
                 </a:solidFill>
@@ -15134,7 +14904,7 @@
               <a:buChar char="•"/>
             </a:pPr>
             <a:r>
-              <a:rPr lang="en-US" sz="1600" dirty="0" smtClean="0">
+              <a:rPr lang="en-US" sz="1600" dirty="0">
                 <a:solidFill>
                   <a:schemeClr val="tx1"/>
                 </a:solidFill>
@@ -15148,7 +14918,7 @@
               <a:buChar char="•"/>
             </a:pPr>
             <a:r>
-              <a:rPr lang="en-US" sz="1600" dirty="0" smtClean="0">
+              <a:rPr lang="en-US" sz="1600" dirty="0">
                 <a:solidFill>
                   <a:schemeClr val="tx1"/>
                 </a:solidFill>
@@ -15162,7 +14932,7 @@
               <a:buChar char="•"/>
             </a:pPr>
             <a:r>
-              <a:rPr lang="en-US" sz="1600" dirty="0" smtClean="0">
+              <a:rPr lang="en-US" sz="1600" dirty="0">
                 <a:solidFill>
                   <a:schemeClr val="tx1"/>
                 </a:solidFill>
@@ -15176,18 +14946,13 @@
               <a:buChar char="•"/>
             </a:pPr>
             <a:r>
-              <a:rPr lang="en-US" sz="1600" dirty="0" smtClean="0">
+              <a:rPr lang="en-US" sz="1600" dirty="0">
                 <a:solidFill>
                   <a:schemeClr val="tx1"/>
                 </a:solidFill>
               </a:rPr>
               <a:t>my-composite-weight</a:t>
             </a:r>
-            <a:endParaRPr lang="en-US" sz="1600" dirty="0">
-              <a:solidFill>
-                <a:schemeClr val="tx1"/>
-              </a:solidFill>
-            </a:endParaRPr>
           </a:p>
         </p:txBody>
       </p:sp>
@@ -15237,18 +15002,13 @@
           <a:lstStyle/>
           <a:p>
             <a:r>
-              <a:rPr lang="en-US" sz="1600" dirty="0" smtClean="0">
+              <a:rPr lang="en-US" sz="1600" dirty="0">
                 <a:solidFill>
                   <a:schemeClr val="tx1"/>
                 </a:solidFill>
               </a:rPr>
               <a:t>In real code, I probably wouldn’t break these out into help functions, but I’ve done it here to help make my point. </a:t>
             </a:r>
-            <a:endParaRPr lang="en-US" sz="1600" dirty="0">
-              <a:solidFill>
-                <a:schemeClr val="tx1"/>
-              </a:solidFill>
-            </a:endParaRPr>
           </a:p>
         </p:txBody>
       </p:sp>
@@ -15339,11 +15099,7 @@
             </a:pPr>
             <a:r>
               <a:rPr lang="en-US" sz="1600" dirty="0"/>
-              <a:t>                                   (weight (my-composite-back s</a:t>
-            </a:r>
-            <a:r>
-              <a:rPr lang="en-US" sz="1600" dirty="0" smtClean="0"/>
-              <a:t>))))</a:t>
+              <a:t>                                   (weight (my-composite-back s))))</a:t>
             </a:r>
           </a:p>
           <a:p>
@@ -15361,12 +15117,8 @@
               </a:spcBef>
             </a:pPr>
             <a:r>
-              <a:rPr lang="en-US" sz="1600" dirty="0" smtClean="0"/>
-              <a:t>(</a:t>
-            </a:r>
-            <a:r>
               <a:rPr lang="en-US" sz="1600" dirty="0"/>
-              <a:t>define (my-composite-add-to-scene s scene)</a:t>
+              <a:t>(define (my-composite-add-to-scene s scene)</a:t>
             </a:r>
           </a:p>
           <a:p>
@@ -15379,7 +15131,6 @@
               <a:rPr lang="en-US" sz="1600" dirty="0"/>
               <a:t>  ;; paint the back image first, </a:t>
             </a:r>
-            <a:endParaRPr lang="en-US" sz="1600" dirty="0" smtClean="0"/>
           </a:p>
           <a:p>
             <a:pPr>
@@ -15389,15 +15140,7 @@
             </a:pPr>
             <a:r>
               <a:rPr lang="en-US" sz="1600" dirty="0"/>
-              <a:t> </a:t>
-            </a:r>
-            <a:r>
-              <a:rPr lang="en-US" sz="1600" dirty="0" smtClean="0"/>
-              <a:t> ;; then </a:t>
-            </a:r>
-            <a:r>
-              <a:rPr lang="en-US" sz="1600" dirty="0"/>
-              <a:t>the front image</a:t>
+              <a:t>  ;; then the front image</a:t>
             </a:r>
           </a:p>
           <a:p>
@@ -15451,10 +15194,9 @@
           <a:lstStyle/>
           <a:p>
             <a:r>
-              <a:rPr lang="en-US" dirty="0" smtClean="0"/>
+              <a:rPr lang="en-US" dirty="0"/>
               <a:t>A few of  the help functions</a:t>
             </a:r>
-            <a:endParaRPr lang="en-US" dirty="0"/>
           </a:p>
         </p:txBody>
       </p:sp>
@@ -15528,7 +15270,7 @@
           <a:p>
             <a:pPr algn="ctr"/>
             <a:r>
-              <a:rPr lang="en-US" dirty="0" smtClean="0">
+              <a:rPr lang="en-US" dirty="0">
                 <a:solidFill>
                   <a:schemeClr val="tx1"/>
                 </a:solidFill>
@@ -15536,18 +15278,13 @@
               <a:t>See how this recurs back  through </a:t>
             </a:r>
             <a:r>
-              <a:rPr lang="en-US" b="1" dirty="0" smtClean="0">
+              <a:rPr lang="en-US" b="1" dirty="0">
                 <a:solidFill>
                   <a:schemeClr val="tx1"/>
                 </a:solidFill>
               </a:rPr>
               <a:t>weight</a:t>
             </a:r>
-            <a:endParaRPr lang="en-US" b="1" dirty="0">
-              <a:solidFill>
-                <a:schemeClr val="tx1"/>
-              </a:solidFill>
-            </a:endParaRPr>
           </a:p>
         </p:txBody>
       </p:sp>
@@ -15632,10 +15369,9 @@
           <a:lstStyle/>
           <a:p>
             <a:r>
-              <a:rPr lang="en-US" dirty="0" smtClean="0"/>
+              <a:rPr lang="en-US" dirty="0"/>
               <a:t>Code  Outline (OO version)</a:t>
             </a:r>
-            <a:endParaRPr lang="en-US" dirty="0"/>
           </a:p>
         </p:txBody>
       </p:sp>
@@ -15673,11 +15409,7 @@
           <a:p>
             <a:r>
               <a:rPr lang="en-US" dirty="0"/>
-              <a:t>;; a Shape is an object of a class that implements Shape</a:t>
-            </a:r>
-            <a:r>
-              <a:rPr lang="en-US" dirty="0" smtClean="0"/>
-              <a:t>&lt;%&gt;.</a:t>
+              <a:t>;; a Shape is an object of a class that implements Shape&lt;%&gt;.</a:t>
             </a:r>
           </a:p>
           <a:p>
@@ -15823,10 +15555,9 @@
           <a:lstStyle/>
           <a:p>
             <a:r>
-              <a:rPr lang="en-US" dirty="0" smtClean="0"/>
+              <a:rPr lang="en-US" dirty="0"/>
               <a:t>Code Outline (OO:2)</a:t>
             </a:r>
-            <a:endParaRPr lang="en-US" dirty="0"/>
           </a:p>
         </p:txBody>
       </p:sp>
@@ -15853,14 +15584,9 @@
               </a:spcBef>
             </a:pPr>
             <a:r>
-              <a:rPr lang="en-US" sz="1200" dirty="0" smtClean="0"/>
-              <a:t>;; </a:t>
-            </a:r>
-            <a:r>
               <a:rPr lang="en-US" sz="1200" dirty="0"/>
-              <a:t>A Circle is a </a:t>
-            </a:r>
-            <a:endParaRPr lang="en-US" sz="1200" dirty="0" smtClean="0"/>
+              <a:t>;; A Circle is a </a:t>
+            </a:r>
           </a:p>
           <a:p>
             <a:pPr>
@@ -15869,16 +15595,8 @@
               </a:spcBef>
             </a:pPr>
             <a:r>
-              <a:rPr lang="en-US" sz="1200" dirty="0" smtClean="0"/>
-              <a:t>;; (</a:t>
-            </a:r>
-            <a:r>
               <a:rPr lang="en-US" sz="1200" dirty="0"/>
-              <a:t>new Circle% [x Integer][y Integer</a:t>
-            </a:r>
-            <a:r>
-              <a:rPr lang="en-US" sz="1200" dirty="0" smtClean="0"/>
-              <a:t>]</a:t>
+              <a:t>;; (new Circle% [x Integer][y Integer]</a:t>
             </a:r>
           </a:p>
           <a:p>
@@ -15888,12 +15606,8 @@
               </a:spcBef>
             </a:pPr>
             <a:r>
-              <a:rPr lang="en-US" sz="1200" dirty="0" smtClean="0"/>
-              <a:t>;;              [</a:t>
-            </a:r>
-            <a:r>
               <a:rPr lang="en-US" sz="1200" dirty="0"/>
-              <a:t>r Integer][c </a:t>
+              <a:t>;;              [r Integer][c </a:t>
             </a:r>
             <a:r>
               <a:rPr lang="en-US" sz="1200" dirty="0" err="1"/>
@@ -15964,21 +15678,8 @@
             </a:pPr>
             <a:r>
               <a:rPr lang="en-US" sz="1200" dirty="0"/>
-              <a:t>      x </a:t>
-            </a:r>
-            <a:r>
-              <a:rPr lang="en-US" sz="1200" dirty="0" smtClean="0"/>
-              <a:t> ; </a:t>
-            </a:r>
-            <a:r>
-              <a:rPr lang="en-US" sz="1200" dirty="0"/>
-              <a:t>Integer, </a:t>
-            </a:r>
-            <a:r>
-              <a:rPr lang="en-US" sz="1200" dirty="0" smtClean="0"/>
-              <a:t>x-position of center</a:t>
-            </a:r>
-            <a:endParaRPr lang="en-US" sz="1200" dirty="0"/>
+              <a:t>      x  ; Integer, x-position of center</a:t>
+            </a:r>
           </a:p>
           <a:p>
             <a:pPr>
@@ -15988,19 +15689,7 @@
             </a:pPr>
             <a:r>
               <a:rPr lang="en-US" sz="1200" dirty="0"/>
-              <a:t>      y  </a:t>
-            </a:r>
-            <a:r>
-              <a:rPr lang="en-US" sz="1200" dirty="0" smtClean="0"/>
-              <a:t>; </a:t>
-            </a:r>
-            <a:r>
-              <a:rPr lang="en-US" sz="1200" dirty="0"/>
-              <a:t>Integer, </a:t>
-            </a:r>
-            <a:r>
-              <a:rPr lang="en-US" sz="1200" dirty="0" smtClean="0"/>
-              <a:t>y-position of center </a:t>
+              <a:t>      y  ; Integer, y-position of center </a:t>
             </a:r>
           </a:p>
           <a:p>
@@ -16010,16 +15699,8 @@
               </a:spcBef>
             </a:pPr>
             <a:r>
-              <a:rPr lang="en-US" sz="1200" dirty="0" smtClean="0"/>
-              <a:t>      r  ; </a:t>
-            </a:r>
-            <a:r>
               <a:rPr lang="en-US" sz="1200" dirty="0"/>
-              <a:t>Integer, </a:t>
-            </a:r>
-            <a:r>
-              <a:rPr lang="en-US" sz="1200" dirty="0" smtClean="0"/>
-              <a:t>radius</a:t>
+              <a:t>      r  ; Integer, radius</a:t>
             </a:r>
           </a:p>
           <a:p>
@@ -16029,15 +15710,15 @@
               </a:spcBef>
             </a:pPr>
             <a:r>
-              <a:rPr lang="en-US" sz="1200" dirty="0" smtClean="0"/>
+              <a:rPr lang="en-US" sz="1200" dirty="0"/>
               <a:t>      c)  ; </a:t>
             </a:r>
             <a:r>
-              <a:rPr lang="en-US" sz="1200" dirty="0" err="1" smtClean="0"/>
+              <a:rPr lang="en-US" sz="1200" dirty="0" err="1"/>
               <a:t>ColorString</a:t>
             </a:r>
             <a:r>
-              <a:rPr lang="en-US" sz="1200" dirty="0" smtClean="0"/>
+              <a:rPr lang="en-US" sz="1200" dirty="0"/>
               <a:t>, color of circle </a:t>
             </a:r>
           </a:p>
@@ -16132,15 +15813,7 @@
             </a:pPr>
             <a:r>
               <a:rPr lang="en-US" sz="1200" dirty="0"/>
-              <a:t> </a:t>
-            </a:r>
-            <a:r>
-              <a:rPr lang="en-US" sz="1200" dirty="0" smtClean="0"/>
-              <a:t>   ;; </a:t>
-            </a:r>
-            <a:r>
-              <a:rPr lang="en-US" sz="1200" dirty="0"/>
-              <a:t>weight : -&gt; Integer</a:t>
+              <a:t>    ;; weight : -&gt; Integer</a:t>
             </a:r>
           </a:p>
           <a:p>
@@ -16214,11 +15887,7 @@
             </a:pPr>
             <a:r>
               <a:rPr lang="en-US" sz="1200" dirty="0"/>
-              <a:t>    ;; RETURNS: a scene like the given one</a:t>
-            </a:r>
-            <a:r>
-              <a:rPr lang="en-US" sz="1200" dirty="0" smtClean="0"/>
-              <a:t>,</a:t>
+              <a:t>    ;; RETURNS: a scene like the given one,</a:t>
             </a:r>
           </a:p>
           <a:p>
@@ -16228,20 +15897,8 @@
               </a:spcBef>
             </a:pPr>
             <a:r>
-              <a:rPr lang="en-US" sz="1200" dirty="0" smtClean="0"/>
-              <a:t>    ;; </a:t>
-            </a:r>
-            <a:r>
               <a:rPr lang="en-US" sz="1200" dirty="0"/>
-              <a:t>but with this </a:t>
-            </a:r>
-            <a:r>
-              <a:rPr lang="en-US" sz="1200" dirty="0" smtClean="0"/>
-              <a:t>shape </a:t>
-            </a:r>
-            <a:r>
-              <a:rPr lang="en-US" sz="1200" dirty="0"/>
-              <a:t>painted on it.</a:t>
+              <a:t>    ;; but with this shape painted on it.</a:t>
             </a:r>
           </a:p>
           <a:p>
@@ -16276,7 +15933,6 @@
               <a:rPr lang="en-US" sz="1200" dirty="0"/>
               <a:t>    (define/public (add-to-scene s) </a:t>
             </a:r>
-            <a:endParaRPr lang="en-US" sz="1200" dirty="0" smtClean="0"/>
           </a:p>
           <a:p>
             <a:pPr>
@@ -16286,15 +15942,7 @@
             </a:pPr>
             <a:r>
               <a:rPr lang="en-US" sz="1200" dirty="0"/>
-              <a:t> </a:t>
-            </a:r>
-            <a:r>
-              <a:rPr lang="en-US" sz="1200" dirty="0" smtClean="0"/>
-              <a:t>      (</a:t>
-            </a:r>
-            <a:r>
-              <a:rPr lang="en-US" sz="1200" dirty="0"/>
-              <a:t>place-image IMG x y s))</a:t>
+              <a:t>       (place-image IMG x y s))</a:t>
             </a:r>
           </a:p>
           <a:p>
@@ -16392,36 +16040,8 @@
               </a:spcBef>
             </a:pPr>
             <a:r>
-              <a:rPr lang="en-US" dirty="0" smtClean="0"/>
-              <a:t>For </a:t>
-            </a:r>
-            <a:r>
               <a:rPr lang="en-US" dirty="0"/>
-              <a:t>each method, we copy down the contract and </a:t>
-            </a:r>
-            <a:r>
-              <a:rPr lang="en-US" dirty="0" smtClean="0"/>
-              <a:t>purpose statement </a:t>
-            </a:r>
-            <a:r>
-              <a:rPr lang="en-US" dirty="0"/>
-              <a:t>from the </a:t>
-            </a:r>
-            <a:r>
-              <a:rPr lang="en-US" dirty="0" smtClean="0"/>
-              <a:t>interface, with </a:t>
-            </a:r>
-            <a:r>
-              <a:rPr lang="en-US" dirty="0"/>
-              <a:t>perhaps additional </a:t>
-            </a:r>
-            <a:r>
-              <a:rPr lang="en-US" dirty="0" smtClean="0"/>
-              <a:t>details relating </a:t>
-            </a:r>
-            <a:r>
-              <a:rPr lang="en-US" dirty="0"/>
-              <a:t>to this class.</a:t>
+              <a:t>For each method, we copy down the contract and purpose statement from the interface, with perhaps additional details relating to this class.</a:t>
             </a:r>
           </a:p>
         </p:txBody>
@@ -16542,10 +16162,9 @@
           <a:lstStyle/>
           <a:p>
             <a:r>
-              <a:rPr lang="en-US" dirty="0" smtClean="0"/>
+              <a:rPr lang="en-US" dirty="0"/>
               <a:t>Code Outline (OO:3)</a:t>
             </a:r>
-            <a:endParaRPr lang="en-US" dirty="0"/>
           </a:p>
         </p:txBody>
       </p:sp>
@@ -16573,15 +16192,7 @@
             </a:pPr>
             <a:r>
               <a:rPr lang="en-US" sz="1000" dirty="0"/>
-              <a:t>;; A Square is a (new Square% [x Integer][y Integer</a:t>
-            </a:r>
-            <a:r>
-              <a:rPr lang="en-US" sz="1000" dirty="0" smtClean="0"/>
-              <a:t>][</a:t>
-            </a:r>
-            <a:r>
-              <a:rPr lang="en-US" sz="1000" dirty="0"/>
-              <a:t>l Integer][c </a:t>
+              <a:t>;; A Square is a (new Square% [x Integer][y Integer][l Integer][c </a:t>
             </a:r>
             <a:r>
               <a:rPr lang="en-US" sz="1000" dirty="0" err="1"/>
@@ -16590,131 +16201,6 @@
             <a:r>
               <a:rPr lang="en-US" sz="1000" dirty="0"/>
               <a:t>])</a:t>
-            </a:r>
-          </a:p>
-          <a:p>
-            <a:pPr>
-              <a:spcBef>
-                <a:spcPts val="0"/>
-              </a:spcBef>
-            </a:pPr>
-            <a:endParaRPr lang="en-US" sz="1000" dirty="0" smtClean="0"/>
-          </a:p>
-          <a:p>
-            <a:pPr>
-              <a:spcBef>
-                <a:spcPts val="0"/>
-              </a:spcBef>
-            </a:pPr>
-            <a:r>
-              <a:rPr lang="en-US" sz="1000" dirty="0" smtClean="0"/>
-              <a:t>;; </a:t>
-            </a:r>
-            <a:r>
-              <a:rPr lang="en-US" sz="1000" dirty="0"/>
-              <a:t>REPRESENTS: a square parallel to sides of canvas </a:t>
-            </a:r>
-          </a:p>
-          <a:p>
-            <a:pPr>
-              <a:spcBef>
-                <a:spcPts val="0"/>
-              </a:spcBef>
-            </a:pPr>
-            <a:r>
-              <a:rPr lang="en-US" sz="1000" dirty="0"/>
-              <a:t>(define Square%</a:t>
-            </a:r>
-          </a:p>
-          <a:p>
-            <a:pPr>
-              <a:spcBef>
-                <a:spcPts val="0"/>
-              </a:spcBef>
-            </a:pPr>
-            <a:r>
-              <a:rPr lang="en-US" sz="1000" dirty="0"/>
-              <a:t>  (class* object% (Shape&lt;%&gt;)</a:t>
-            </a:r>
-          </a:p>
-          <a:p>
-            <a:pPr>
-              <a:spcBef>
-                <a:spcPts val="0"/>
-              </a:spcBef>
-            </a:pPr>
-            <a:r>
-              <a:rPr lang="en-US" sz="1000" dirty="0"/>
-              <a:t>    (</a:t>
-            </a:r>
-            <a:r>
-              <a:rPr lang="en-US" sz="1000" dirty="0" err="1"/>
-              <a:t>init</a:t>
-            </a:r>
-            <a:r>
-              <a:rPr lang="en-US" sz="1000" dirty="0"/>
-              <a:t>-field x  ; Integer, x pixels of center from left</a:t>
-            </a:r>
-          </a:p>
-          <a:p>
-            <a:pPr>
-              <a:spcBef>
-                <a:spcPts val="0"/>
-              </a:spcBef>
-            </a:pPr>
-            <a:r>
-              <a:rPr lang="en-US" sz="1000" dirty="0"/>
-              <a:t>                y  ; Integer, y pixels of center from </a:t>
-            </a:r>
-            <a:r>
-              <a:rPr lang="en-US" sz="1000" dirty="0" smtClean="0"/>
-              <a:t>top</a:t>
-            </a:r>
-          </a:p>
-          <a:p>
-            <a:pPr>
-              <a:spcBef>
-                <a:spcPts val="0"/>
-              </a:spcBef>
-            </a:pPr>
-            <a:r>
-              <a:rPr lang="en-US" sz="1000" dirty="0"/>
-              <a:t> </a:t>
-            </a:r>
-            <a:r>
-              <a:rPr lang="en-US" sz="1000" dirty="0" smtClean="0"/>
-              <a:t>               l  </a:t>
-            </a:r>
-            <a:r>
-              <a:rPr lang="en-US" sz="1000" dirty="0"/>
-              <a:t>; Integer, length of one side </a:t>
-            </a:r>
-          </a:p>
-          <a:p>
-            <a:pPr>
-              <a:spcBef>
-                <a:spcPts val="0"/>
-              </a:spcBef>
-            </a:pPr>
-            <a:r>
-              <a:rPr lang="en-US" sz="1000" dirty="0"/>
-              <a:t>	</a:t>
-            </a:r>
-            <a:r>
-              <a:rPr lang="en-US" sz="1000" dirty="0" smtClean="0"/>
-              <a:t>   c</a:t>
-            </a:r>
-            <a:r>
-              <a:rPr lang="en-US" sz="1000" dirty="0"/>
-              <a:t>) ; </a:t>
-            </a:r>
-            <a:r>
-              <a:rPr lang="en-US" sz="1000" dirty="0" err="1"/>
-              <a:t>ColorString</a:t>
-            </a:r>
-            <a:r>
-              <a:rPr lang="en-US" sz="1000" dirty="0"/>
-              <a:t> </a:t>
             </a:r>
           </a:p>
           <a:p>
@@ -16733,15 +16219,89 @@
             </a:pPr>
             <a:r>
               <a:rPr lang="en-US" sz="1000" dirty="0"/>
-              <a:t>    (field [IMG (rectangle l </a:t>
+              <a:t>;; REPRESENTS: a square parallel to sides of canvas </a:t>
+            </a:r>
+          </a:p>
+          <a:p>
+            <a:pPr>
+              <a:spcBef>
+                <a:spcPts val="0"/>
+              </a:spcBef>
+            </a:pPr>
+            <a:r>
+              <a:rPr lang="en-US" sz="1000" dirty="0"/>
+              <a:t>(define Square%</a:t>
+            </a:r>
+          </a:p>
+          <a:p>
+            <a:pPr>
+              <a:spcBef>
+                <a:spcPts val="0"/>
+              </a:spcBef>
+            </a:pPr>
+            <a:r>
+              <a:rPr lang="en-US" sz="1000" dirty="0"/>
+              <a:t>  (class* object% (Shape&lt;%&gt;)</a:t>
+            </a:r>
+          </a:p>
+          <a:p>
+            <a:pPr>
+              <a:spcBef>
+                <a:spcPts val="0"/>
+              </a:spcBef>
+            </a:pPr>
+            <a:r>
+              <a:rPr lang="en-US" sz="1000" dirty="0"/>
+              <a:t>    (</a:t>
             </a:r>
             <a:r>
               <a:rPr lang="en-US" sz="1000" dirty="0" err="1"/>
-              <a:t>l</a:t>
+              <a:t>init</a:t>
             </a:r>
             <a:r>
               <a:rPr lang="en-US" sz="1000" dirty="0"/>
-              <a:t> "solid" c)])</a:t>
+              <a:t>-field x  ; Integer, x pixels of center from left</a:t>
+            </a:r>
+          </a:p>
+          <a:p>
+            <a:pPr>
+              <a:spcBef>
+                <a:spcPts val="0"/>
+              </a:spcBef>
+            </a:pPr>
+            <a:r>
+              <a:rPr lang="en-US" sz="1000" dirty="0"/>
+              <a:t>                y  ; Integer, y pixels of center from top</a:t>
+            </a:r>
+          </a:p>
+          <a:p>
+            <a:pPr>
+              <a:spcBef>
+                <a:spcPts val="0"/>
+              </a:spcBef>
+            </a:pPr>
+            <a:r>
+              <a:rPr lang="en-US" sz="1000" dirty="0"/>
+              <a:t>                l  ; Integer, length of one side </a:t>
+            </a:r>
+          </a:p>
+          <a:p>
+            <a:pPr>
+              <a:spcBef>
+                <a:spcPts val="0"/>
+              </a:spcBef>
+            </a:pPr>
+            <a:r>
+              <a:rPr lang="en-US" sz="1000" dirty="0"/>
+              <a:t>	   c) ; </a:t>
+            </a:r>
+            <a:r>
+              <a:rPr lang="en-US" sz="1000" dirty="0" err="1"/>
+              <a:t>ColorString</a:t>
+            </a:r>
+            <a:r>
+              <a:rPr lang="en-US" sz="1000" dirty="0"/>
+              <a:t> </a:t>
             </a:r>
           </a:p>
           <a:p>
@@ -16760,7 +16320,15 @@
             </a:pPr>
             <a:r>
               <a:rPr lang="en-US" sz="1000" dirty="0"/>
-              <a:t>    (super-new)</a:t>
+              <a:t>    (field [IMG (rectangle l </a:t>
+            </a:r>
+            <a:r>
+              <a:rPr lang="en-US" sz="1000" dirty="0" err="1"/>
+              <a:t>l</a:t>
+            </a:r>
+            <a:r>
+              <a:rPr lang="en-US" sz="1000" dirty="0"/>
+              <a:t> "solid" c)])</a:t>
             </a:r>
           </a:p>
           <a:p>
@@ -16779,44 +16347,7 @@
             </a:pPr>
             <a:r>
               <a:rPr lang="en-US" sz="1000" dirty="0"/>
-              <a:t>    ;; weight : -&gt; Real</a:t>
-            </a:r>
-          </a:p>
-          <a:p>
-            <a:pPr>
-              <a:spcBef>
-                <a:spcPts val="0"/>
-              </a:spcBef>
-            </a:pPr>
-            <a:r>
-              <a:rPr lang="en-US" sz="1000" dirty="0"/>
-              <a:t>    ;; RETURNS: the weight of this shape</a:t>
-            </a:r>
-          </a:p>
-          <a:p>
-            <a:pPr>
-              <a:spcBef>
-                <a:spcPts val="0"/>
-              </a:spcBef>
-            </a:pPr>
-            <a:r>
-              <a:rPr lang="en-US" sz="1000" dirty="0"/>
-              <a:t>    ;; DETAILS: this shape is a square</a:t>
-            </a:r>
-          </a:p>
-          <a:p>
-            <a:pPr>
-              <a:spcBef>
-                <a:spcPts val="0"/>
-              </a:spcBef>
-            </a:pPr>
-            <a:r>
-              <a:rPr lang="en-US" sz="1000" dirty="0"/>
-              <a:t>    ;; STRATEGY: combine simpler </a:t>
-            </a:r>
-            <a:r>
-              <a:rPr lang="en-US" sz="1000" dirty="0" smtClean="0"/>
-              <a:t>functions</a:t>
+              <a:t>    (super-new)</a:t>
             </a:r>
           </a:p>
           <a:p>
@@ -16835,7 +16366,40 @@
             </a:pPr>
             <a:r>
               <a:rPr lang="en-US" sz="1000" dirty="0"/>
-              <a:t>    (define/public (weight) (* l l))</a:t>
+              <a:t>    ;; weight : -&gt; Real</a:t>
+            </a:r>
+          </a:p>
+          <a:p>
+            <a:pPr>
+              <a:spcBef>
+                <a:spcPts val="0"/>
+              </a:spcBef>
+            </a:pPr>
+            <a:r>
+              <a:rPr lang="en-US" sz="1000" dirty="0"/>
+              <a:t>    ;; RETURNS: the weight of this shape</a:t>
+            </a:r>
+          </a:p>
+          <a:p>
+            <a:pPr>
+              <a:spcBef>
+                <a:spcPts val="0"/>
+              </a:spcBef>
+            </a:pPr>
+            <a:r>
+              <a:rPr lang="en-US" sz="1000" dirty="0"/>
+              <a:t>    ;; DETAILS: this shape is a square</a:t>
+            </a:r>
+          </a:p>
+          <a:p>
+            <a:pPr>
+              <a:spcBef>
+                <a:spcPts val="0"/>
+              </a:spcBef>
+            </a:pPr>
+            <a:r>
+              <a:rPr lang="en-US" sz="1000" dirty="0"/>
+              <a:t>    ;; STRATEGY: combine simpler functions</a:t>
             </a:r>
           </a:p>
           <a:p>
@@ -16854,7 +16418,7 @@
             </a:pPr>
             <a:r>
               <a:rPr lang="en-US" sz="1000" dirty="0"/>
-              <a:t>    ;; add-to-scene : Scene -&gt; Scene</a:t>
+              <a:t>    (define/public (weight) (* l l))</a:t>
             </a:r>
           </a:p>
           <a:p>
@@ -16863,10 +16427,7 @@
                 <a:spcPts val="0"/>
               </a:spcBef>
             </a:pPr>
-            <a:r>
-              <a:rPr lang="en-US" sz="1000" dirty="0"/>
-              <a:t>    ;; RETURNS: a scene like the given one, but with this shape</a:t>
-            </a:r>
+            <a:endParaRPr lang="en-US" sz="1000" dirty="0"/>
           </a:p>
           <a:p>
             <a:pPr>
@@ -16876,7 +16437,7 @@
             </a:pPr>
             <a:r>
               <a:rPr lang="en-US" sz="1000" dirty="0"/>
-              <a:t>    ;; painted on it.</a:t>
+              <a:t>    ;; add-to-scene : Scene -&gt; Scene</a:t>
             </a:r>
           </a:p>
           <a:p>
@@ -16887,7 +16448,7 @@
             </a:pPr>
             <a:r>
               <a:rPr lang="en-US" sz="1000" dirty="0"/>
-              <a:t>    ;; DETAILS: this shape is a square</a:t>
+              <a:t>    ;; RETURNS: a scene like the given one, but with this shape</a:t>
             </a:r>
           </a:p>
           <a:p>
@@ -16898,11 +16459,29 @@
             </a:pPr>
             <a:r>
               <a:rPr lang="en-US" sz="1000" dirty="0"/>
-              <a:t>    ;; STRATEGY: call a more general </a:t>
-            </a:r>
-            <a:r>
-              <a:rPr lang="en-US" sz="1000" dirty="0" smtClean="0"/>
-              <a:t>function</a:t>
+              <a:t>    ;; painted on it.</a:t>
+            </a:r>
+          </a:p>
+          <a:p>
+            <a:pPr>
+              <a:spcBef>
+                <a:spcPts val="0"/>
+              </a:spcBef>
+            </a:pPr>
+            <a:r>
+              <a:rPr lang="en-US" sz="1000" dirty="0"/>
+              <a:t>    ;; DETAILS: this shape is a square</a:t>
+            </a:r>
+          </a:p>
+          <a:p>
+            <a:pPr>
+              <a:spcBef>
+                <a:spcPts val="0"/>
+              </a:spcBef>
+            </a:pPr>
+            <a:r>
+              <a:rPr lang="en-US" sz="1000" dirty="0"/>
+              <a:t>    ;; STRATEGY: call a more general function</a:t>
             </a:r>
           </a:p>
           <a:p>

--- a/Slides/Lesson 9.3 Functions vs Classes.pptx
+++ b/Slides/Lesson 9.3 Functions vs Classes.pptx
@@ -5,7 +5,7 @@
     <p:sldMasterId id="2147483661" r:id="rId1"/>
   </p:sldMasterIdLst>
   <p:notesMasterIdLst>
-    <p:notesMasterId r:id="rId22"/>
+    <p:notesMasterId r:id="rId23"/>
   </p:notesMasterIdLst>
   <p:sldIdLst>
     <p:sldId id="256" r:id="rId2"/>
@@ -14,25 +14,26 @@
     <p:sldId id="359" r:id="rId5"/>
     <p:sldId id="360" r:id="rId6"/>
     <p:sldId id="363" r:id="rId7"/>
-    <p:sldId id="361" r:id="rId8"/>
-    <p:sldId id="362" r:id="rId9"/>
-    <p:sldId id="364" r:id="rId10"/>
-    <p:sldId id="365" r:id="rId11"/>
-    <p:sldId id="349" r:id="rId12"/>
-    <p:sldId id="283" r:id="rId13"/>
-    <p:sldId id="284" r:id="rId14"/>
-    <p:sldId id="282" r:id="rId15"/>
-    <p:sldId id="350" r:id="rId16"/>
-    <p:sldId id="351" r:id="rId17"/>
-    <p:sldId id="352" r:id="rId18"/>
-    <p:sldId id="318" r:id="rId19"/>
-    <p:sldId id="355" r:id="rId20"/>
-    <p:sldId id="356" r:id="rId21"/>
+    <p:sldId id="366" r:id="rId8"/>
+    <p:sldId id="361" r:id="rId9"/>
+    <p:sldId id="362" r:id="rId10"/>
+    <p:sldId id="364" r:id="rId11"/>
+    <p:sldId id="365" r:id="rId12"/>
+    <p:sldId id="349" r:id="rId13"/>
+    <p:sldId id="283" r:id="rId14"/>
+    <p:sldId id="284" r:id="rId15"/>
+    <p:sldId id="282" r:id="rId16"/>
+    <p:sldId id="350" r:id="rId17"/>
+    <p:sldId id="351" r:id="rId18"/>
+    <p:sldId id="352" r:id="rId19"/>
+    <p:sldId id="318" r:id="rId20"/>
+    <p:sldId id="355" r:id="rId21"/>
+    <p:sldId id="356" r:id="rId22"/>
   </p:sldIdLst>
   <p:sldSz cx="9144000" cy="6858000" type="screen4x3"/>
   <p:notesSz cx="6858000" cy="9144000"/>
   <p:custDataLst>
-    <p:tags r:id="rId23"/>
+    <p:tags r:id="rId24"/>
   </p:custDataLst>
   <p:defaultTextStyle>
     <a:defPPr>
@@ -230,7 +231,7 @@
           <a:p>
             <a:fld id="{36D53524-F9CC-4A8B-8CCD-2FA372311425}" type="datetimeFigureOut">
               <a:rPr lang="en-US" smtClean="0"/>
-              <a:t>11/1/2016</a:t>
+              <a:t>11/2/2016</a:t>
             </a:fld>
             <a:endParaRPr lang="en-US"/>
           </a:p>
@@ -760,7 +761,7 @@
           <a:p>
             <a:fld id="{2F1F79F5-7BEC-496A-AFC7-876E38F64D71}" type="datetime1">
               <a:rPr lang="en-US" smtClean="0"/>
-              <a:t>11/1/2016</a:t>
+              <a:t>11/2/2016</a:t>
             </a:fld>
             <a:endParaRPr lang="en-US"/>
           </a:p>
@@ -877,7 +878,7 @@
           <a:p>
             <a:fld id="{2F7B77F5-1464-4F6B-92A8-64FC8A508293}" type="datetime1">
               <a:rPr lang="en-US" smtClean="0"/>
-              <a:t>11/1/2016</a:t>
+              <a:t>11/2/2016</a:t>
             </a:fld>
             <a:endParaRPr lang="en-US"/>
           </a:p>
@@ -972,7 +973,7 @@
           <a:p>
             <a:fld id="{0A05703A-7669-4FEA-9056-25299B4D29D4}" type="datetime1">
               <a:rPr lang="en-US" smtClean="0"/>
-              <a:t>11/1/2016</a:t>
+              <a:t>11/2/2016</a:t>
             </a:fld>
             <a:endParaRPr lang="en-US"/>
           </a:p>
@@ -1247,7 +1248,7 @@
           <a:p>
             <a:fld id="{6E5077B5-BB57-49DB-88CA-226A139E5C01}" type="datetime1">
               <a:rPr lang="en-US" smtClean="0"/>
-              <a:t>11/1/2016</a:t>
+              <a:t>11/2/2016</a:t>
             </a:fld>
             <a:endParaRPr lang="en-US"/>
           </a:p>
@@ -1499,7 +1500,7 @@
           <a:p>
             <a:fld id="{C48D9447-CBD6-49A1-89FD-8512A8CF8999}" type="datetime1">
               <a:rPr lang="en-US" smtClean="0"/>
-              <a:t>11/1/2016</a:t>
+              <a:t>11/2/2016</a:t>
             </a:fld>
             <a:endParaRPr lang="en-US"/>
           </a:p>
@@ -1667,7 +1668,7 @@
           <a:p>
             <a:fld id="{A3639A2A-823D-48B7-9ACE-7FAF42870BA9}" type="datetime1">
               <a:rPr lang="en-US" smtClean="0"/>
-              <a:t>11/1/2016</a:t>
+              <a:t>11/2/2016</a:t>
             </a:fld>
             <a:endParaRPr lang="en-US"/>
           </a:p>
@@ -1845,7 +1846,7 @@
           <a:p>
             <a:fld id="{ED1B6996-82E9-463C-972C-7B56056E426C}" type="datetime1">
               <a:rPr lang="en-US" smtClean="0"/>
-              <a:t>11/1/2016</a:t>
+              <a:t>11/2/2016</a:t>
             </a:fld>
             <a:endParaRPr lang="en-US"/>
           </a:p>
@@ -2138,7 +2139,7 @@
           <a:p>
             <a:fld id="{5D1846AD-9252-4647-9435-4C2AC365653A}" type="datetime1">
               <a:rPr lang="en-US" smtClean="0"/>
-              <a:t>11/1/2016</a:t>
+              <a:t>11/2/2016</a:t>
             </a:fld>
             <a:endParaRPr lang="en-US"/>
           </a:p>
@@ -2312,7 +2313,7 @@
           <a:p>
             <a:fld id="{E22ED4DA-448D-4BB1-B935-CC112220207B}" type="datetime1">
               <a:rPr lang="en-US" smtClean="0"/>
-              <a:t>11/1/2016</a:t>
+              <a:t>11/2/2016</a:t>
             </a:fld>
             <a:endParaRPr lang="en-US"/>
           </a:p>
@@ -2485,7 +2486,7 @@
           <a:p>
             <a:fld id="{E22ED4DA-448D-4BB1-B935-CC112220207B}" type="datetime1">
               <a:rPr lang="en-US" smtClean="0"/>
-              <a:t>11/1/2016</a:t>
+              <a:t>11/2/2016</a:t>
             </a:fld>
             <a:endParaRPr lang="en-US"/>
           </a:p>
@@ -2745,7 +2746,7 @@
           <a:p>
             <a:fld id="{FF5D65A6-AB94-4435-B0B7-3743215FA46C}" type="datetime1">
               <a:rPr lang="en-US" smtClean="0"/>
-              <a:t>11/1/2016</a:t>
+              <a:t>11/2/2016</a:t>
             </a:fld>
             <a:endParaRPr lang="en-US"/>
           </a:p>
@@ -2921,7 +2922,7 @@
           <a:p>
             <a:fld id="{FF5D65A6-AB94-4435-B0B7-3743215FA46C}" type="datetime1">
               <a:rPr lang="en-US" smtClean="0"/>
-              <a:t>11/1/2016</a:t>
+              <a:t>11/2/2016</a:t>
             </a:fld>
             <a:endParaRPr lang="en-US"/>
           </a:p>
@@ -3215,7 +3216,7 @@
           <a:p>
             <a:fld id="{7C193DC4-6EF0-48C9-B29C-616106A645E1}" type="datetime1">
               <a:rPr lang="en-US" smtClean="0"/>
-              <a:t>11/1/2016</a:t>
+              <a:t>11/2/2016</a:t>
             </a:fld>
             <a:endParaRPr lang="en-US"/>
           </a:p>
@@ -3500,7 +3501,7 @@
           <a:p>
             <a:fld id="{5D1846AD-9252-4647-9435-4C2AC365653A}" type="datetime1">
               <a:rPr lang="en-US" smtClean="0"/>
-              <a:t>11/1/2016</a:t>
+              <a:t>11/2/2016</a:t>
             </a:fld>
             <a:endParaRPr lang="en-US"/>
           </a:p>
@@ -3919,7 +3920,7 @@
           <a:p>
             <a:fld id="{CE56DC10-3561-4063-A6AF-C1CC7A41040A}" type="datetime1">
               <a:rPr lang="en-US" smtClean="0"/>
-              <a:t>11/1/2016</a:t>
+              <a:t>11/2/2016</a:t>
             </a:fld>
             <a:endParaRPr lang="en-US"/>
           </a:p>
@@ -4142,7 +4143,7 @@
           <a:p>
             <a:fld id="{02B3F677-983B-48DB-ADFD-63FE6CBC7FB2}" type="datetime1">
               <a:rPr lang="en-US" smtClean="0"/>
-              <a:t>11/1/2016</a:t>
+              <a:t>11/2/2016</a:t>
             </a:fld>
             <a:endParaRPr lang="en-US"/>
           </a:p>
@@ -4766,14 +4767,14 @@
           <a:p>
             <a:r>
               <a:rPr lang="en-US" dirty="0"/>
-              <a:t>Code Outline (OO:4)</a:t>
-            </a:r>
-          </a:p>
-        </p:txBody>
-      </p:sp>
-      <p:sp>
-        <p:nvSpPr>
-          <p:cNvPr id="4" name="Content Placeholder 3"/>
+              <a:t>Code Outline (OO:3)</a:t>
+            </a:r>
+          </a:p>
+        </p:txBody>
+      </p:sp>
+      <p:sp>
+        <p:nvSpPr>
+          <p:cNvPr id="3" name="Content Placeholder 2"/>
           <p:cNvSpPr>
             <a:spLocks noGrp="1"/>
           </p:cNvSpPr>
@@ -4795,7 +4796,7 @@
             </a:pPr>
             <a:r>
               <a:rPr lang="en-US" sz="1000" dirty="0"/>
-              <a:t>;; A Composite is a (new Composite% [front Shape][back Shape])</a:t>
+              <a:t>;; Constructor Template for Square%:</a:t>
             </a:r>
           </a:p>
           <a:p>
@@ -4806,7 +4807,15 @@
             </a:pPr>
             <a:r>
               <a:rPr lang="en-US" sz="1000" dirty="0"/>
-              <a:t>;; a composite of front and back</a:t>
+              <a:t>;; (new Square% [x Integer][y Integer][l Integer][c </a:t>
+            </a:r>
+            <a:r>
+              <a:rPr lang="en-US" sz="1000" dirty="0" err="1"/>
+              <a:t>ColorString</a:t>
+            </a:r>
+            <a:r>
+              <a:rPr lang="en-US" sz="1000" dirty="0"/>
+              <a:t>])</a:t>
             </a:r>
           </a:p>
           <a:p>
@@ -4817,70 +4826,7 @@
             </a:pPr>
             <a:r>
               <a:rPr lang="en-US" sz="1000" dirty="0"/>
-              <a:t>(define Composite%</a:t>
-            </a:r>
-          </a:p>
-          <a:p>
-            <a:pPr>
-              <a:spcBef>
-                <a:spcPts val="0"/>
-              </a:spcBef>
-            </a:pPr>
-            <a:r>
-              <a:rPr lang="en-US" sz="1000" dirty="0"/>
-              <a:t>  (class* object% (Shape&lt;%&gt;)</a:t>
-            </a:r>
-          </a:p>
-          <a:p>
-            <a:pPr>
-              <a:spcBef>
-                <a:spcPts val="0"/>
-              </a:spcBef>
-            </a:pPr>
-            <a:r>
-              <a:rPr lang="en-US" sz="1000" dirty="0"/>
-              <a:t>    (</a:t>
-            </a:r>
-            <a:r>
-              <a:rPr lang="en-US" sz="1000" dirty="0" err="1"/>
-              <a:t>init</a:t>
-            </a:r>
-            <a:r>
-              <a:rPr lang="en-US" sz="1000" dirty="0"/>
-              <a:t>-field </a:t>
-            </a:r>
-          </a:p>
-          <a:p>
-            <a:pPr>
-              <a:spcBef>
-                <a:spcPts val="0"/>
-              </a:spcBef>
-            </a:pPr>
-            <a:r>
-              <a:rPr lang="en-US" sz="1000" dirty="0"/>
-              <a:t>      front   ; Shape, the shape in front</a:t>
-            </a:r>
-          </a:p>
-          <a:p>
-            <a:pPr>
-              <a:spcBef>
-                <a:spcPts val="0"/>
-              </a:spcBef>
-            </a:pPr>
-            <a:r>
-              <a:rPr lang="en-US" sz="1000" dirty="0"/>
-              <a:t>      back    ; Shape, the shape in back</a:t>
-            </a:r>
-          </a:p>
-          <a:p>
-            <a:pPr>
-              <a:spcBef>
-                <a:spcPts val="0"/>
-              </a:spcBef>
-            </a:pPr>
-            <a:r>
-              <a:rPr lang="en-US" sz="1000" dirty="0"/>
-              <a:t>      )</a:t>
+              <a:t>;; Interpretation: a square parallel to sides of canvas </a:t>
             </a:r>
           </a:p>
           <a:p>
@@ -4899,7 +4845,78 @@
             </a:pPr>
             <a:r>
               <a:rPr lang="en-US" sz="1000" dirty="0"/>
-              <a:t>    (super-new)</a:t>
+              <a:t>(define Square%</a:t>
+            </a:r>
+          </a:p>
+          <a:p>
+            <a:pPr>
+              <a:spcBef>
+                <a:spcPts val="0"/>
+              </a:spcBef>
+            </a:pPr>
+            <a:r>
+              <a:rPr lang="en-US" sz="1000" dirty="0"/>
+              <a:t>  (class* object% (Shape&lt;%&gt;)</a:t>
+            </a:r>
+          </a:p>
+          <a:p>
+            <a:pPr>
+              <a:spcBef>
+                <a:spcPts val="0"/>
+              </a:spcBef>
+            </a:pPr>
+            <a:r>
+              <a:rPr lang="en-US" sz="1000" dirty="0"/>
+              <a:t>    (</a:t>
+            </a:r>
+            <a:r>
+              <a:rPr lang="en-US" sz="1000" dirty="0" err="1"/>
+              <a:t>init</a:t>
+            </a:r>
+            <a:r>
+              <a:rPr lang="en-US" sz="1000" dirty="0"/>
+              <a:t>-field x  ; Integer, x pixels of center from left</a:t>
+            </a:r>
+          </a:p>
+          <a:p>
+            <a:pPr>
+              <a:spcBef>
+                <a:spcPts val="0"/>
+              </a:spcBef>
+            </a:pPr>
+            <a:r>
+              <a:rPr lang="en-US" sz="1000" dirty="0"/>
+              <a:t>                y  ; Integer, y pixels of center from top</a:t>
+            </a:r>
+          </a:p>
+          <a:p>
+            <a:pPr>
+              <a:spcBef>
+                <a:spcPts val="0"/>
+              </a:spcBef>
+            </a:pPr>
+            <a:r>
+              <a:rPr lang="en-US" sz="1000" dirty="0"/>
+              <a:t>                l  ; Integer, length of one side </a:t>
+            </a:r>
+          </a:p>
+          <a:p>
+            <a:pPr>
+              <a:spcBef>
+                <a:spcPts val="0"/>
+              </a:spcBef>
+            </a:pPr>
+            <a:r>
+              <a:rPr lang="en-US" sz="1000" dirty="0"/>
+              <a:t>	   c) ; </a:t>
+            </a:r>
+            <a:r>
+              <a:rPr lang="en-US" sz="1000" dirty="0" err="1"/>
+              <a:t>ColorString</a:t>
+            </a:r>
+            <a:r>
+              <a:rPr lang="en-US" sz="1000" dirty="0"/>
+              <a:t> </a:t>
             </a:r>
           </a:p>
           <a:p>
@@ -4918,18 +4935,15 @@
             </a:pPr>
             <a:r>
               <a:rPr lang="en-US" sz="1000" dirty="0"/>
-              <a:t>    ;; all we know here is that front and back implement Shape&lt;%&gt;.</a:t>
-            </a:r>
-          </a:p>
-          <a:p>
-            <a:pPr>
-              <a:spcBef>
-                <a:spcPts val="0"/>
-              </a:spcBef>
-            </a:pPr>
+              <a:t>    (field [IMG (rectangle l </a:t>
+            </a:r>
+            <a:r>
+              <a:rPr lang="en-US" sz="1000" dirty="0" err="1"/>
+              <a:t>l</a:t>
+            </a:r>
             <a:r>
               <a:rPr lang="en-US" sz="1000" dirty="0"/>
-              <a:t>    ;; we don't know if they are circles, squares, or other composites!</a:t>
+              <a:t> "solid" c)])</a:t>
             </a:r>
           </a:p>
           <a:p>
@@ -4948,62 +4962,7 @@
             </a:pPr>
             <a:r>
               <a:rPr lang="en-US" sz="1000" dirty="0"/>
-              <a:t>    ;; weight : -&gt; Number</a:t>
-            </a:r>
-          </a:p>
-          <a:p>
-            <a:pPr>
-              <a:spcBef>
-                <a:spcPts val="0"/>
-              </a:spcBef>
-            </a:pPr>
-            <a:r>
-              <a:rPr lang="en-US" sz="1000" dirty="0"/>
-              <a:t>    ;; RETURNS: the weight of this shape</a:t>
-            </a:r>
-          </a:p>
-          <a:p>
-            <a:pPr>
-              <a:spcBef>
-                <a:spcPts val="0"/>
-              </a:spcBef>
-            </a:pPr>
-            <a:r>
-              <a:rPr lang="en-US" sz="1000" dirty="0"/>
-              <a:t>    ;; DETAILS: this shape is a composite</a:t>
-            </a:r>
-          </a:p>
-          <a:p>
-            <a:pPr>
-              <a:spcBef>
-                <a:spcPts val="0"/>
-              </a:spcBef>
-            </a:pPr>
-            <a:r>
-              <a:rPr lang="en-US" sz="1000" dirty="0"/>
-              <a:t>    ;; STRATEGY: recur on the components</a:t>
-            </a:r>
-          </a:p>
-          <a:p>
-            <a:pPr>
-              <a:spcBef>
-                <a:spcPts val="0"/>
-              </a:spcBef>
-            </a:pPr>
-            <a:r>
-              <a:rPr lang="en-US" sz="1000" dirty="0"/>
-              <a:t>    (define/public (weight) (+ (send front weight)</a:t>
-            </a:r>
-          </a:p>
-          <a:p>
-            <a:pPr>
-              <a:spcBef>
-                <a:spcPts val="0"/>
-              </a:spcBef>
-            </a:pPr>
-            <a:r>
-              <a:rPr lang="en-US" sz="1000" dirty="0"/>
-              <a:t>                              (send back weight)))</a:t>
+              <a:t>    (super-new)</a:t>
             </a:r>
           </a:p>
           <a:p>
@@ -5022,7 +4981,7 @@
             </a:pPr>
             <a:r>
               <a:rPr lang="en-US" sz="1000" dirty="0"/>
-              <a:t>    ;; add-to-scene : Scene -&gt; Scene</a:t>
+              <a:t>    ;; weight : -&gt; Real</a:t>
             </a:r>
           </a:p>
           <a:p>
@@ -5033,7 +4992,7 @@
             </a:pPr>
             <a:r>
               <a:rPr lang="en-US" sz="1000" dirty="0"/>
-              <a:t>    ;; RETURNS: a scene like the given one, but with this shape</a:t>
+              <a:t>    ;; RETURNS: the weight of this shape</a:t>
             </a:r>
           </a:p>
           <a:p>
@@ -5044,7 +5003,7 @@
             </a:pPr>
             <a:r>
               <a:rPr lang="en-US" sz="1000" dirty="0"/>
-              <a:t>    ;; painted on it.</a:t>
+              <a:t>    ;; DETAILS: this shape is a square</a:t>
             </a:r>
           </a:p>
           <a:p>
@@ -5055,7 +5014,7 @@
             </a:pPr>
             <a:r>
               <a:rPr lang="en-US" sz="1000" dirty="0"/>
-              <a:t>    ;; DETAILS: this shape is a composite</a:t>
+              <a:t>    ;; STRATEGY: combine simpler functions</a:t>
             </a:r>
           </a:p>
           <a:p>
@@ -5064,10 +5023,7 @@
                 <a:spcPts val="0"/>
               </a:spcBef>
             </a:pPr>
-            <a:r>
-              <a:rPr lang="en-US" sz="1000" dirty="0"/>
-              <a:t>    ;; strategy: recur on the components</a:t>
-            </a:r>
+            <a:endParaRPr lang="en-US" sz="1000" dirty="0"/>
           </a:p>
           <a:p>
             <a:pPr>
@@ -5077,7 +5033,7 @@
             </a:pPr>
             <a:r>
               <a:rPr lang="en-US" sz="1000" dirty="0"/>
-              <a:t>    (define/public (add-to-scene scene)</a:t>
+              <a:t>    (define/public (weight) (* l l))</a:t>
             </a:r>
           </a:p>
           <a:p>
@@ -5086,10 +5042,7 @@
                 <a:spcPts val="0"/>
               </a:spcBef>
             </a:pPr>
-            <a:r>
-              <a:rPr lang="en-US" sz="1000" dirty="0"/>
-              <a:t>      (send front add-to-scene</a:t>
-            </a:r>
+            <a:endParaRPr lang="en-US" sz="1000" dirty="0"/>
           </a:p>
           <a:p>
             <a:pPr>
@@ -5099,7 +5052,7 @@
             </a:pPr>
             <a:r>
               <a:rPr lang="en-US" sz="1000" dirty="0"/>
-              <a:t>        (send back add-to-scene scene)))</a:t>
+              <a:t>    ;; add-to-scene : Scene -&gt; Scene</a:t>
             </a:r>
           </a:p>
           <a:p>
@@ -5110,7 +5063,7 @@
             </a:pPr>
             <a:r>
               <a:rPr lang="en-US" sz="1000" dirty="0"/>
-              <a:t>     </a:t>
+              <a:t>    ;; RETURNS: a scene like the given one, but with this shape</a:t>
             </a:r>
           </a:p>
           <a:p>
@@ -5121,8 +5074,76 @@
             </a:pPr>
             <a:r>
               <a:rPr lang="en-US" sz="1000" dirty="0"/>
+              <a:t>    ;; painted on it.</a:t>
+            </a:r>
+          </a:p>
+          <a:p>
+            <a:pPr>
+              <a:spcBef>
+                <a:spcPts val="0"/>
+              </a:spcBef>
+            </a:pPr>
+            <a:r>
+              <a:rPr lang="en-US" sz="1000" dirty="0"/>
+              <a:t>    ;; DETAILS: this shape is a square</a:t>
+            </a:r>
+          </a:p>
+          <a:p>
+            <a:pPr>
+              <a:spcBef>
+                <a:spcPts val="0"/>
+              </a:spcBef>
+            </a:pPr>
+            <a:r>
+              <a:rPr lang="en-US" sz="1000" dirty="0"/>
+              <a:t>    ;; STRATEGY: call a more general function</a:t>
+            </a:r>
+          </a:p>
+          <a:p>
+            <a:pPr>
+              <a:spcBef>
+                <a:spcPts val="0"/>
+              </a:spcBef>
+            </a:pPr>
+            <a:endParaRPr lang="en-US" sz="1000" dirty="0"/>
+          </a:p>
+          <a:p>
+            <a:pPr>
+              <a:spcBef>
+                <a:spcPts val="0"/>
+              </a:spcBef>
+            </a:pPr>
+            <a:r>
+              <a:rPr lang="en-US" sz="1000" dirty="0"/>
+              <a:t>    (define/public (add-to-scene s) (place-image IMG x y s))</a:t>
+            </a:r>
+          </a:p>
+          <a:p>
+            <a:pPr>
+              <a:spcBef>
+                <a:spcPts val="0"/>
+              </a:spcBef>
+            </a:pPr>
+            <a:endParaRPr lang="en-US" sz="1000" dirty="0"/>
+          </a:p>
+          <a:p>
+            <a:pPr>
+              <a:spcBef>
+                <a:spcPts val="0"/>
+              </a:spcBef>
+            </a:pPr>
+            <a:r>
+              <a:rPr lang="en-US" sz="1000" dirty="0"/>
               <a:t>    ))</a:t>
             </a:r>
+          </a:p>
+          <a:p>
+            <a:pPr>
+              <a:spcBef>
+                <a:spcPts val="0"/>
+              </a:spcBef>
+            </a:pPr>
+            <a:endParaRPr lang="en-US" sz="1000" dirty="0"/>
           </a:p>
         </p:txBody>
       </p:sp>
@@ -5152,7 +5173,7 @@
     </p:spTree>
     <p:extLst>
       <p:ext uri="{BB962C8B-B14F-4D97-AF65-F5344CB8AC3E}">
-        <p14:creationId xmlns:p14="http://schemas.microsoft.com/office/powerpoint/2010/main" val="1007364634"/>
+        <p14:creationId xmlns:p14="http://schemas.microsoft.com/office/powerpoint/2010/main" val="1601407395"/>
       </p:ext>
     </p:extLst>
   </p:cSld>
@@ -5196,14 +5217,14 @@
           <a:p>
             <a:r>
               <a:rPr lang="en-US" dirty="0"/>
-              <a:t>The Big Picture</a:t>
-            </a:r>
-          </a:p>
-        </p:txBody>
-      </p:sp>
-      <p:sp>
-        <p:nvSpPr>
-          <p:cNvPr id="3" name="Content Placeholder 2"/>
+              <a:t>Code Outline (OO:4)</a:t>
+            </a:r>
+          </a:p>
+        </p:txBody>
+      </p:sp>
+      <p:sp>
+        <p:nvSpPr>
+          <p:cNvPr id="4" name="Content Placeholder 3"/>
           <p:cNvSpPr>
             <a:spLocks noGrp="1"/>
           </p:cNvSpPr>
@@ -5213,31 +5234,363 @@
         </p:nvSpPr>
         <p:spPr/>
         <p:txBody>
-          <a:bodyPr/>
-          <a:lstStyle/>
-          <a:p>
-            <a:r>
-              <a:rPr lang="en-US" dirty="0"/>
-              <a:t>The functional version and the OO version are really the same.  They just have the pieces grouped differently.</a:t>
-            </a:r>
-          </a:p>
-          <a:p>
-            <a:r>
-              <a:rPr lang="en-US" dirty="0"/>
-              <a:t>Here are a couple of slides that illustrate what happened.</a:t>
-            </a:r>
-          </a:p>
-          <a:p>
-            <a:r>
-              <a:rPr lang="en-US" dirty="0"/>
-              <a:t>We had 6 little functions to write.  Let's see where they wound up in the functional version, and then in the OO version.</a:t>
-            </a:r>
-          </a:p>
-        </p:txBody>
-      </p:sp>
-      <p:sp>
-        <p:nvSpPr>
-          <p:cNvPr id="4" name="Slide Number Placeholder 3"/>
+          <a:bodyPr>
+            <a:noAutofit/>
+          </a:bodyPr>
+          <a:lstStyle/>
+          <a:p>
+            <a:pPr>
+              <a:spcBef>
+                <a:spcPts val="0"/>
+              </a:spcBef>
+            </a:pPr>
+            <a:r>
+              <a:rPr lang="en-US" sz="1000" dirty="0"/>
+              <a:t>;; Constructor Template for Composite%</a:t>
+            </a:r>
+          </a:p>
+          <a:p>
+            <a:pPr>
+              <a:spcBef>
+                <a:spcPts val="0"/>
+              </a:spcBef>
+            </a:pPr>
+            <a:r>
+              <a:rPr lang="en-US" sz="1000" dirty="0"/>
+              <a:t>;; a (new Composite% [front Shape][back Shape])</a:t>
+            </a:r>
+          </a:p>
+          <a:p>
+            <a:pPr>
+              <a:spcBef>
+                <a:spcPts val="0"/>
+              </a:spcBef>
+            </a:pPr>
+            <a:r>
+              <a:rPr lang="en-US" sz="1000" dirty="0"/>
+              <a:t>;; Interpretation: a composite of front and back shapes</a:t>
+            </a:r>
+          </a:p>
+          <a:p>
+            <a:pPr>
+              <a:spcBef>
+                <a:spcPts val="0"/>
+              </a:spcBef>
+            </a:pPr>
+            <a:r>
+              <a:rPr lang="en-US" sz="1000" dirty="0"/>
+              <a:t>:(define Composite%</a:t>
+            </a:r>
+          </a:p>
+          <a:p>
+            <a:pPr>
+              <a:spcBef>
+                <a:spcPts val="0"/>
+              </a:spcBef>
+            </a:pPr>
+            <a:r>
+              <a:rPr lang="en-US" sz="1000" dirty="0"/>
+              <a:t>  (class* object% (Shape&lt;%&gt;)</a:t>
+            </a:r>
+          </a:p>
+          <a:p>
+            <a:pPr>
+              <a:spcBef>
+                <a:spcPts val="0"/>
+              </a:spcBef>
+            </a:pPr>
+            <a:r>
+              <a:rPr lang="en-US" sz="1000" dirty="0"/>
+              <a:t>    (</a:t>
+            </a:r>
+            <a:r>
+              <a:rPr lang="en-US" sz="1000" dirty="0" err="1"/>
+              <a:t>init</a:t>
+            </a:r>
+            <a:r>
+              <a:rPr lang="en-US" sz="1000" dirty="0"/>
+              <a:t>-field </a:t>
+            </a:r>
+          </a:p>
+          <a:p>
+            <a:pPr>
+              <a:spcBef>
+                <a:spcPts val="0"/>
+              </a:spcBef>
+            </a:pPr>
+            <a:r>
+              <a:rPr lang="en-US" sz="1000" dirty="0"/>
+              <a:t>      front   ; Shape, the shape in front</a:t>
+            </a:r>
+          </a:p>
+          <a:p>
+            <a:pPr>
+              <a:spcBef>
+                <a:spcPts val="0"/>
+              </a:spcBef>
+            </a:pPr>
+            <a:r>
+              <a:rPr lang="en-US" sz="1000" dirty="0"/>
+              <a:t>      back    ; Shape, the shape in back</a:t>
+            </a:r>
+          </a:p>
+          <a:p>
+            <a:pPr>
+              <a:spcBef>
+                <a:spcPts val="0"/>
+              </a:spcBef>
+            </a:pPr>
+            <a:r>
+              <a:rPr lang="en-US" sz="1000" dirty="0"/>
+              <a:t>      )</a:t>
+            </a:r>
+          </a:p>
+          <a:p>
+            <a:pPr>
+              <a:spcBef>
+                <a:spcPts val="0"/>
+              </a:spcBef>
+            </a:pPr>
+            <a:endParaRPr lang="en-US" sz="1000" dirty="0"/>
+          </a:p>
+          <a:p>
+            <a:pPr>
+              <a:spcBef>
+                <a:spcPts val="0"/>
+              </a:spcBef>
+            </a:pPr>
+            <a:r>
+              <a:rPr lang="en-US" sz="1000" dirty="0"/>
+              <a:t>    (super-new)</a:t>
+            </a:r>
+          </a:p>
+          <a:p>
+            <a:pPr>
+              <a:spcBef>
+                <a:spcPts val="0"/>
+              </a:spcBef>
+            </a:pPr>
+            <a:endParaRPr lang="en-US" sz="1000" dirty="0"/>
+          </a:p>
+          <a:p>
+            <a:pPr>
+              <a:spcBef>
+                <a:spcPts val="0"/>
+              </a:spcBef>
+            </a:pPr>
+            <a:r>
+              <a:rPr lang="en-US" sz="1000" dirty="0"/>
+              <a:t>    ;; all we know here is that front and back implement Shape&lt;%&gt;.</a:t>
+            </a:r>
+          </a:p>
+          <a:p>
+            <a:pPr>
+              <a:spcBef>
+                <a:spcPts val="0"/>
+              </a:spcBef>
+            </a:pPr>
+            <a:r>
+              <a:rPr lang="en-US" sz="1000" dirty="0"/>
+              <a:t>    ;; we don't know if they are circles, squares, or other composites!</a:t>
+            </a:r>
+          </a:p>
+          <a:p>
+            <a:pPr>
+              <a:spcBef>
+                <a:spcPts val="0"/>
+              </a:spcBef>
+            </a:pPr>
+            <a:endParaRPr lang="en-US" sz="1000" dirty="0"/>
+          </a:p>
+          <a:p>
+            <a:pPr>
+              <a:spcBef>
+                <a:spcPts val="0"/>
+              </a:spcBef>
+            </a:pPr>
+            <a:r>
+              <a:rPr lang="en-US" sz="1000" dirty="0"/>
+              <a:t>    ;; weight : -&gt; Number</a:t>
+            </a:r>
+          </a:p>
+          <a:p>
+            <a:pPr>
+              <a:spcBef>
+                <a:spcPts val="0"/>
+              </a:spcBef>
+            </a:pPr>
+            <a:r>
+              <a:rPr lang="en-US" sz="1000" dirty="0"/>
+              <a:t>    ;; RETURNS: the weight of this shape</a:t>
+            </a:r>
+          </a:p>
+          <a:p>
+            <a:pPr>
+              <a:spcBef>
+                <a:spcPts val="0"/>
+              </a:spcBef>
+            </a:pPr>
+            <a:r>
+              <a:rPr lang="en-US" sz="1000" dirty="0"/>
+              <a:t>    ;; DETAILS: this shape is a composite</a:t>
+            </a:r>
+          </a:p>
+          <a:p>
+            <a:pPr>
+              <a:spcBef>
+                <a:spcPts val="0"/>
+              </a:spcBef>
+            </a:pPr>
+            <a:r>
+              <a:rPr lang="en-US" sz="1000" dirty="0"/>
+              <a:t>    ;; STRATEGY: recur on the components</a:t>
+            </a:r>
+          </a:p>
+          <a:p>
+            <a:pPr>
+              <a:spcBef>
+                <a:spcPts val="0"/>
+              </a:spcBef>
+            </a:pPr>
+            <a:r>
+              <a:rPr lang="en-US" sz="1000" dirty="0"/>
+              <a:t>    (define/public (weight) (+ (send front weight)</a:t>
+            </a:r>
+          </a:p>
+          <a:p>
+            <a:pPr>
+              <a:spcBef>
+                <a:spcPts val="0"/>
+              </a:spcBef>
+            </a:pPr>
+            <a:r>
+              <a:rPr lang="en-US" sz="1000" dirty="0"/>
+              <a:t>                              (send back weight)))</a:t>
+            </a:r>
+          </a:p>
+          <a:p>
+            <a:pPr>
+              <a:spcBef>
+                <a:spcPts val="0"/>
+              </a:spcBef>
+            </a:pPr>
+            <a:endParaRPr lang="en-US" sz="1000" dirty="0"/>
+          </a:p>
+          <a:p>
+            <a:pPr>
+              <a:spcBef>
+                <a:spcPts val="0"/>
+              </a:spcBef>
+            </a:pPr>
+            <a:r>
+              <a:rPr lang="en-US" sz="1000" dirty="0"/>
+              <a:t>    ;; add-to-scene : Scene -&gt; Scene</a:t>
+            </a:r>
+          </a:p>
+          <a:p>
+            <a:pPr>
+              <a:spcBef>
+                <a:spcPts val="0"/>
+              </a:spcBef>
+            </a:pPr>
+            <a:r>
+              <a:rPr lang="en-US" sz="1000" dirty="0"/>
+              <a:t>    ;; RETURNS: a scene like the given one, but with this shape</a:t>
+            </a:r>
+          </a:p>
+          <a:p>
+            <a:pPr>
+              <a:spcBef>
+                <a:spcPts val="0"/>
+              </a:spcBef>
+            </a:pPr>
+            <a:r>
+              <a:rPr lang="en-US" sz="1000" dirty="0"/>
+              <a:t>    ;; painted on it.</a:t>
+            </a:r>
+          </a:p>
+          <a:p>
+            <a:pPr>
+              <a:spcBef>
+                <a:spcPts val="0"/>
+              </a:spcBef>
+            </a:pPr>
+            <a:r>
+              <a:rPr lang="en-US" sz="1000" dirty="0"/>
+              <a:t>    ;; DETAILS: this shape is a composite</a:t>
+            </a:r>
+          </a:p>
+          <a:p>
+            <a:pPr>
+              <a:spcBef>
+                <a:spcPts val="0"/>
+              </a:spcBef>
+            </a:pPr>
+            <a:r>
+              <a:rPr lang="en-US" sz="1000" dirty="0"/>
+              <a:t>    ;; strategy: recur on the components</a:t>
+            </a:r>
+          </a:p>
+          <a:p>
+            <a:pPr>
+              <a:spcBef>
+                <a:spcPts val="0"/>
+              </a:spcBef>
+            </a:pPr>
+            <a:r>
+              <a:rPr lang="en-US" sz="1000" dirty="0"/>
+              <a:t>    (define/public (add-to-scene scene)</a:t>
+            </a:r>
+          </a:p>
+          <a:p>
+            <a:pPr>
+              <a:spcBef>
+                <a:spcPts val="0"/>
+              </a:spcBef>
+            </a:pPr>
+            <a:r>
+              <a:rPr lang="en-US" sz="1000" dirty="0"/>
+              <a:t>      (send front add-to-scene</a:t>
+            </a:r>
+          </a:p>
+          <a:p>
+            <a:pPr>
+              <a:spcBef>
+                <a:spcPts val="0"/>
+              </a:spcBef>
+            </a:pPr>
+            <a:r>
+              <a:rPr lang="en-US" sz="1000" dirty="0"/>
+              <a:t>        (send back add-to-scene scene)))</a:t>
+            </a:r>
+          </a:p>
+          <a:p>
+            <a:pPr>
+              <a:spcBef>
+                <a:spcPts val="0"/>
+              </a:spcBef>
+            </a:pPr>
+            <a:r>
+              <a:rPr lang="en-US" sz="1000" dirty="0"/>
+              <a:t>     </a:t>
+            </a:r>
+          </a:p>
+          <a:p>
+            <a:pPr>
+              <a:spcBef>
+                <a:spcPts val="0"/>
+              </a:spcBef>
+            </a:pPr>
+            <a:r>
+              <a:rPr lang="en-US" sz="1000" dirty="0"/>
+              <a:t>    ))</a:t>
+            </a:r>
+          </a:p>
+        </p:txBody>
+      </p:sp>
+      <p:sp>
+        <p:nvSpPr>
+          <p:cNvPr id="5" name="Slide Number Placeholder 4"/>
           <p:cNvSpPr>
             <a:spLocks noGrp="1"/>
           </p:cNvSpPr>
@@ -5250,9 +5603,8 @@
           <a:bodyPr/>
           <a:lstStyle/>
           <a:p>
-            <a:fld id="{B6F15528-21DE-4FAA-801E-634DDDAF4B2B}" type="slidenum">
+            <a:fld id="{2AF3B5EA-18B6-4040-9F78-6052AF49C681}" type="slidenum">
               <a:rPr lang="en-US" smtClean="0"/>
-              <a:pPr/>
               <a:t>11</a:t>
             </a:fld>
             <a:endParaRPr lang="en-US"/>
@@ -5262,7 +5614,7 @@
     </p:spTree>
     <p:extLst>
       <p:ext uri="{BB962C8B-B14F-4D97-AF65-F5344CB8AC3E}">
-        <p14:creationId xmlns:p14="http://schemas.microsoft.com/office/powerpoint/2010/main" val="1845265975"/>
+        <p14:creationId xmlns:p14="http://schemas.microsoft.com/office/powerpoint/2010/main" val="1007364634"/>
       </p:ext>
     </p:extLst>
   </p:cSld>
@@ -5306,6 +5658,116 @@
           <a:p>
             <a:r>
               <a:rPr lang="en-US" dirty="0"/>
+              <a:t>The Big Picture</a:t>
+            </a:r>
+          </a:p>
+        </p:txBody>
+      </p:sp>
+      <p:sp>
+        <p:nvSpPr>
+          <p:cNvPr id="3" name="Content Placeholder 2"/>
+          <p:cNvSpPr>
+            <a:spLocks noGrp="1"/>
+          </p:cNvSpPr>
+          <p:nvPr>
+            <p:ph idx="1"/>
+          </p:nvPr>
+        </p:nvSpPr>
+        <p:spPr/>
+        <p:txBody>
+          <a:bodyPr/>
+          <a:lstStyle/>
+          <a:p>
+            <a:r>
+              <a:rPr lang="en-US" dirty="0"/>
+              <a:t>The functional version and the OO version are really the same.  They just have the pieces grouped differently.</a:t>
+            </a:r>
+          </a:p>
+          <a:p>
+            <a:r>
+              <a:rPr lang="en-US" dirty="0"/>
+              <a:t>Here are a couple of slides that illustrate what happened.</a:t>
+            </a:r>
+          </a:p>
+          <a:p>
+            <a:r>
+              <a:rPr lang="en-US" dirty="0"/>
+              <a:t>We had 6 little functions to write.  Let's see where they wound up in the functional version, and then in the OO version.</a:t>
+            </a:r>
+          </a:p>
+        </p:txBody>
+      </p:sp>
+      <p:sp>
+        <p:nvSpPr>
+          <p:cNvPr id="4" name="Slide Number Placeholder 3"/>
+          <p:cNvSpPr>
+            <a:spLocks noGrp="1"/>
+          </p:cNvSpPr>
+          <p:nvPr>
+            <p:ph type="sldNum" sz="quarter" idx="12"/>
+          </p:nvPr>
+        </p:nvSpPr>
+        <p:spPr/>
+        <p:txBody>
+          <a:bodyPr/>
+          <a:lstStyle/>
+          <a:p>
+            <a:fld id="{B6F15528-21DE-4FAA-801E-634DDDAF4B2B}" type="slidenum">
+              <a:rPr lang="en-US" smtClean="0"/>
+              <a:pPr/>
+              <a:t>12</a:t>
+            </a:fld>
+            <a:endParaRPr lang="en-US"/>
+          </a:p>
+        </p:txBody>
+      </p:sp>
+    </p:spTree>
+    <p:extLst>
+      <p:ext uri="{BB962C8B-B14F-4D97-AF65-F5344CB8AC3E}">
+        <p14:creationId xmlns:p14="http://schemas.microsoft.com/office/powerpoint/2010/main" val="1845265975"/>
+      </p:ext>
+    </p:extLst>
+  </p:cSld>
+  <p:clrMapOvr>
+    <a:masterClrMapping/>
+  </p:clrMapOvr>
+</p:sld>
+</file>
+
+<file path=ppt/slides/slide13.xml><?xml version="1.0" encoding="utf-8"?>
+<p:sld xmlns:a="http://schemas.openxmlformats.org/drawingml/2006/main" xmlns:r="http://schemas.openxmlformats.org/officeDocument/2006/relationships" xmlns:p="http://schemas.openxmlformats.org/presentationml/2006/main">
+  <p:cSld>
+    <p:spTree>
+      <p:nvGrpSpPr>
+        <p:cNvPr id="1" name=""/>
+        <p:cNvGrpSpPr/>
+        <p:nvPr/>
+      </p:nvGrpSpPr>
+      <p:grpSpPr>
+        <a:xfrm>
+          <a:off x="0" y="0"/>
+          <a:ext cx="0" cy="0"/>
+          <a:chOff x="0" y="0"/>
+          <a:chExt cx="0" cy="0"/>
+        </a:xfrm>
+      </p:grpSpPr>
+      <p:sp>
+        <p:nvSpPr>
+          <p:cNvPr id="2" name="Title 1"/>
+          <p:cNvSpPr>
+            <a:spLocks noGrp="1"/>
+          </p:cNvSpPr>
+          <p:nvPr>
+            <p:ph type="title"/>
+          </p:nvPr>
+        </p:nvSpPr>
+        <p:spPr/>
+        <p:txBody>
+          <a:bodyPr/>
+          <a:lstStyle/>
+          <a:p>
+            <a:r>
+              <a:rPr lang="en-US" dirty="0"/>
               <a:t>The Big Picture: Functional</a:t>
             </a:r>
           </a:p>
@@ -5329,7 +5791,7 @@
             <a:fld id="{B6F15528-21DE-4FAA-801E-634DDDAF4B2B}" type="slidenum">
               <a:rPr lang="en-US" smtClean="0"/>
               <a:pPr/>
-              <a:t>12</a:t>
+              <a:t>13</a:t>
             </a:fld>
             <a:endParaRPr lang="en-US"/>
           </a:p>
@@ -6188,12 +6650,14 @@
             <a:avLst/>
           </a:prstGeom>
           <a:solidFill>
-            <a:schemeClr val="accent3">
-              <a:lumMod val="40000"/>
-              <a:lumOff val="60000"/>
+            <a:schemeClr val="accent1">
+              <a:lumMod val="20000"/>
+              <a:lumOff val="80000"/>
             </a:schemeClr>
           </a:solidFill>
-          <a:ln/>
+          <a:ln>
+            <a:noFill/>
+          </a:ln>
         </p:spPr>
         <p:style>
           <a:lnRef idx="2">
@@ -6924,7 +7388,7 @@
 </p:sld>
 </file>
 
-<file path=ppt/slides/slide13.xml><?xml version="1.0" encoding="utf-8"?>
+<file path=ppt/slides/slide14.xml><?xml version="1.0" encoding="utf-8"?>
 <p:sld xmlns:a="http://schemas.openxmlformats.org/drawingml/2006/main" xmlns:r="http://schemas.openxmlformats.org/officeDocument/2006/relationships" xmlns:p="http://schemas.openxmlformats.org/presentationml/2006/main">
   <p:cSld>
     <p:spTree>
@@ -6981,7 +7445,7 @@
             <a:fld id="{B6F15528-21DE-4FAA-801E-634DDDAF4B2B}" type="slidenum">
               <a:rPr lang="en-US" smtClean="0"/>
               <a:pPr/>
-              <a:t>13</a:t>
+              <a:t>14</a:t>
             </a:fld>
             <a:endParaRPr lang="en-US"/>
           </a:p>
@@ -7919,12 +8383,14 @@
             <a:avLst/>
           </a:prstGeom>
           <a:solidFill>
-            <a:schemeClr val="accent3">
-              <a:lumMod val="40000"/>
-              <a:lumOff val="60000"/>
+            <a:schemeClr val="accent1">
+              <a:lumMod val="20000"/>
+              <a:lumOff val="80000"/>
             </a:schemeClr>
           </a:solidFill>
-          <a:ln/>
+          <a:ln>
+            <a:noFill/>
+          </a:ln>
         </p:spPr>
         <p:style>
           <a:lnRef idx="2">
@@ -8706,7 +9172,7 @@
 </p:sld>
 </file>
 
-<file path=ppt/slides/slide14.xml><?xml version="1.0" encoding="utf-8"?>
+<file path=ppt/slides/slide15.xml><?xml version="1.0" encoding="utf-8"?>
 <p:sld xmlns:a="http://schemas.openxmlformats.org/drawingml/2006/main" xmlns:r="http://schemas.openxmlformats.org/officeDocument/2006/relationships" xmlns:p="http://schemas.openxmlformats.org/presentationml/2006/main">
   <p:cSld>
     <p:spTree>
@@ -9031,7 +9497,7 @@
             <a:fld id="{B6F15528-21DE-4FAA-801E-634DDDAF4B2B}" type="slidenum">
               <a:rPr lang="en-US" smtClean="0"/>
               <a:pPr/>
-              <a:t>14</a:t>
+              <a:t>15</a:t>
             </a:fld>
             <a:endParaRPr lang="en-US"/>
           </a:p>
@@ -9305,12 +9771,14 @@
             <a:avLst/>
           </a:prstGeom>
           <a:solidFill>
-            <a:schemeClr val="accent3">
-              <a:lumMod val="40000"/>
-              <a:lumOff val="60000"/>
+            <a:schemeClr val="accent1">
+              <a:lumMod val="20000"/>
+              <a:lumOff val="80000"/>
             </a:schemeClr>
           </a:solidFill>
-          <a:ln/>
+          <a:ln>
+            <a:noFill/>
+          </a:ln>
         </p:spPr>
         <p:style>
           <a:lnRef idx="2">
@@ -9357,12 +9825,14 @@
             <a:avLst/>
           </a:prstGeom>
           <a:solidFill>
-            <a:schemeClr val="accent3">
-              <a:lumMod val="40000"/>
-              <a:lumOff val="60000"/>
+            <a:schemeClr val="accent1">
+              <a:lumMod val="20000"/>
+              <a:lumOff val="80000"/>
             </a:schemeClr>
           </a:solidFill>
-          <a:ln/>
+          <a:ln>
+            <a:noFill/>
+          </a:ln>
         </p:spPr>
         <p:style>
           <a:lnRef idx="2">
@@ -9533,12 +10003,14 @@
             <a:avLst/>
           </a:prstGeom>
           <a:solidFill>
-            <a:schemeClr val="accent3">
-              <a:lumMod val="40000"/>
-              <a:lumOff val="60000"/>
+            <a:schemeClr val="accent1">
+              <a:lumMod val="20000"/>
+              <a:lumOff val="80000"/>
             </a:schemeClr>
           </a:solidFill>
-          <a:ln/>
+          <a:ln>
+            <a:noFill/>
+          </a:ln>
         </p:spPr>
         <p:style>
           <a:lnRef idx="2">
@@ -10077,7 +10549,7 @@
 </p:sld>
 </file>
 
-<file path=ppt/slides/slide15.xml><?xml version="1.0" encoding="utf-8"?>
+<file path=ppt/slides/slide16.xml><?xml version="1.0" encoding="utf-8"?>
 <p:sld xmlns:a="http://schemas.openxmlformats.org/drawingml/2006/main" xmlns:r="http://schemas.openxmlformats.org/officeDocument/2006/relationships" xmlns:p="http://schemas.openxmlformats.org/presentationml/2006/main">
   <p:cSld>
     <p:spTree>
@@ -10470,7 +10942,7 @@
             <a:fld id="{B6F15528-21DE-4FAA-801E-634DDDAF4B2B}" type="slidenum">
               <a:rPr lang="en-US" smtClean="0"/>
               <a:pPr/>
-              <a:t>15</a:t>
+              <a:t>16</a:t>
             </a:fld>
             <a:endParaRPr lang="en-US"/>
           </a:p>
@@ -11238,12 +11710,14 @@
             <a:avLst/>
           </a:prstGeom>
           <a:solidFill>
-            <a:schemeClr val="accent3">
-              <a:lumMod val="40000"/>
-              <a:lumOff val="60000"/>
+            <a:schemeClr val="accent1">
+              <a:lumMod val="20000"/>
+              <a:lumOff val="80000"/>
             </a:schemeClr>
           </a:solidFill>
-          <a:ln/>
+          <a:ln>
+            <a:noFill/>
+          </a:ln>
         </p:spPr>
         <p:style>
           <a:lnRef idx="2">
@@ -11296,12 +11770,14 @@
             <a:avLst/>
           </a:prstGeom>
           <a:solidFill>
-            <a:schemeClr val="accent3">
-              <a:lumMod val="40000"/>
-              <a:lumOff val="60000"/>
+            <a:schemeClr val="accent1">
+              <a:lumMod val="20000"/>
+              <a:lumOff val="80000"/>
             </a:schemeClr>
           </a:solidFill>
-          <a:ln/>
+          <a:ln>
+            <a:noFill/>
+          </a:ln>
         </p:spPr>
         <p:style>
           <a:lnRef idx="2">
@@ -11364,12 +11840,14 @@
             <a:avLst/>
           </a:prstGeom>
           <a:solidFill>
-            <a:schemeClr val="accent3">
-              <a:lumMod val="40000"/>
-              <a:lumOff val="60000"/>
+            <a:schemeClr val="accent1">
+              <a:lumMod val="20000"/>
+              <a:lumOff val="80000"/>
             </a:schemeClr>
           </a:solidFill>
-          <a:ln/>
+          <a:ln>
+            <a:noFill/>
+          </a:ln>
         </p:spPr>
         <p:style>
           <a:lnRef idx="2">
@@ -11758,7 +12236,7 @@
 </p:sld>
 </file>
 
-<file path=ppt/slides/slide16.xml><?xml version="1.0" encoding="utf-8"?>
+<file path=ppt/slides/slide17.xml><?xml version="1.0" encoding="utf-8"?>
 <p:sld xmlns:a="http://schemas.openxmlformats.org/drawingml/2006/main" xmlns:r="http://schemas.openxmlformats.org/officeDocument/2006/relationships" xmlns:p="http://schemas.openxmlformats.org/presentationml/2006/main">
   <p:cSld>
     <p:spTree>
@@ -12172,7 +12650,7 @@
             <a:fld id="{B6F15528-21DE-4FAA-801E-634DDDAF4B2B}" type="slidenum">
               <a:rPr lang="en-US" smtClean="0"/>
               <a:pPr/>
-              <a:t>16</a:t>
+              <a:t>17</a:t>
             </a:fld>
             <a:endParaRPr lang="en-US"/>
           </a:p>
@@ -13006,12 +13484,14 @@
             <a:avLst/>
           </a:prstGeom>
           <a:solidFill>
-            <a:schemeClr val="accent3">
-              <a:lumMod val="40000"/>
-              <a:lumOff val="60000"/>
+            <a:schemeClr val="accent1">
+              <a:lumMod val="20000"/>
+              <a:lumOff val="80000"/>
             </a:schemeClr>
           </a:solidFill>
-          <a:ln/>
+          <a:ln>
+            <a:noFill/>
+          </a:ln>
         </p:spPr>
         <p:style>
           <a:lnRef idx="2">
@@ -13083,12 +13563,14 @@
             <a:avLst/>
           </a:prstGeom>
           <a:solidFill>
-            <a:schemeClr val="accent3">
-              <a:lumMod val="40000"/>
-              <a:lumOff val="60000"/>
+            <a:schemeClr val="accent1">
+              <a:lumMod val="20000"/>
+              <a:lumOff val="80000"/>
             </a:schemeClr>
           </a:solidFill>
-          <a:ln/>
+          <a:ln>
+            <a:noFill/>
+          </a:ln>
         </p:spPr>
         <p:style>
           <a:lnRef idx="2">
@@ -13351,7 +13833,7 @@
 </p:sld>
 </file>
 
-<file path=ppt/slides/slide17.xml><?xml version="1.0" encoding="utf-8"?>
+<file path=ppt/slides/slide18.xml><?xml version="1.0" encoding="utf-8"?>
 <p:sld xmlns:a="http://schemas.openxmlformats.org/drawingml/2006/main" xmlns:r="http://schemas.openxmlformats.org/officeDocument/2006/relationships" xmlns:p="http://schemas.openxmlformats.org/presentationml/2006/main">
   <p:cSld>
     <p:spTree>
@@ -13647,7 +14129,7 @@
             <a:fld id="{B6F15528-21DE-4FAA-801E-634DDDAF4B2B}" type="slidenum">
               <a:rPr lang="en-US" smtClean="0"/>
               <a:pPr/>
-              <a:t>17</a:t>
+              <a:t>18</a:t>
             </a:fld>
             <a:endParaRPr lang="en-US"/>
           </a:p>
@@ -13657,152 +14139,6 @@
     <p:extLst>
       <p:ext uri="{BB962C8B-B14F-4D97-AF65-F5344CB8AC3E}">
         <p14:creationId xmlns:p14="http://schemas.microsoft.com/office/powerpoint/2010/main" val="3974906101"/>
-      </p:ext>
-    </p:extLst>
-  </p:cSld>
-  <p:clrMapOvr>
-    <a:masterClrMapping/>
-  </p:clrMapOvr>
-</p:sld>
-</file>
-
-<file path=ppt/slides/slide18.xml><?xml version="1.0" encoding="utf-8"?>
-<p:sld xmlns:a="http://schemas.openxmlformats.org/drawingml/2006/main" xmlns:r="http://schemas.openxmlformats.org/officeDocument/2006/relationships" xmlns:p="http://schemas.openxmlformats.org/presentationml/2006/main">
-  <p:cSld>
-    <p:spTree>
-      <p:nvGrpSpPr>
-        <p:cNvPr id="1" name=""/>
-        <p:cNvGrpSpPr/>
-        <p:nvPr/>
-      </p:nvGrpSpPr>
-      <p:grpSpPr>
-        <a:xfrm>
-          <a:off x="0" y="0"/>
-          <a:ext cx="0" cy="0"/>
-          <a:chOff x="0" y="0"/>
-          <a:chExt cx="0" cy="0"/>
-        </a:xfrm>
-      </p:grpSpPr>
-      <p:sp>
-        <p:nvSpPr>
-          <p:cNvPr id="2" name="Title 1"/>
-          <p:cNvSpPr>
-            <a:spLocks noGrp="1"/>
-          </p:cNvSpPr>
-          <p:nvPr>
-            <p:ph type="title"/>
-          </p:nvPr>
-        </p:nvSpPr>
-        <p:spPr/>
-        <p:txBody>
-          <a:bodyPr/>
-          <a:lstStyle/>
-          <a:p>
-            <a:r>
-              <a:rPr lang="en-US" dirty="0"/>
-              <a:t>What's the tradeoff?</a:t>
-            </a:r>
-          </a:p>
-        </p:txBody>
-      </p:sp>
-      <p:sp>
-        <p:nvSpPr>
-          <p:cNvPr id="3" name="Content Placeholder 2"/>
-          <p:cNvSpPr>
-            <a:spLocks noGrp="1"/>
-          </p:cNvSpPr>
-          <p:nvPr>
-            <p:ph idx="1"/>
-          </p:nvPr>
-        </p:nvSpPr>
-        <p:spPr/>
-        <p:txBody>
-          <a:bodyPr>
-            <a:normAutofit fontScale="85000" lnSpcReduction="10000"/>
-          </a:bodyPr>
-          <a:lstStyle/>
-          <a:p>
-            <a:r>
-              <a:rPr lang="en-US" dirty="0"/>
-              <a:t>Object-oriented organization is better when new data variants are more likely than new operations.</a:t>
-            </a:r>
-          </a:p>
-          <a:p>
-            <a:r>
-              <a:rPr lang="en-US" dirty="0"/>
-              <a:t>Functional organization is better when new operations are more likely than new data variants.</a:t>
-            </a:r>
-          </a:p>
-          <a:p>
-            <a:r>
-              <a:rPr lang="en-US" dirty="0"/>
-              <a:t>In the real world, you may not have a choice: </a:t>
-            </a:r>
-          </a:p>
-          <a:p>
-            <a:pPr lvl="1"/>
-            <a:r>
-              <a:rPr lang="en-US" dirty="0"/>
-              <a:t>this decision is up to the system architects</a:t>
-            </a:r>
-          </a:p>
-          <a:p>
-            <a:pPr lvl="1"/>
-            <a:r>
-              <a:rPr lang="en-US" dirty="0"/>
-              <a:t>or may need compatibility with an existing system</a:t>
-            </a:r>
-          </a:p>
-          <a:p>
-            <a:r>
-              <a:rPr lang="en-US" dirty="0"/>
-              <a:t>There are ways to get the best of both worlds </a:t>
-            </a:r>
-          </a:p>
-          <a:p>
-            <a:pPr lvl="1"/>
-            <a:r>
-              <a:rPr lang="en-US" dirty="0"/>
-              <a:t>but these are beyond the scope of this course</a:t>
-            </a:r>
-          </a:p>
-          <a:p>
-            <a:pPr lvl="1"/>
-            <a:r>
-              <a:rPr lang="en-US" dirty="0"/>
-              <a:t>this is called "the expression problem"</a:t>
-            </a:r>
-          </a:p>
-        </p:txBody>
-      </p:sp>
-      <p:sp>
-        <p:nvSpPr>
-          <p:cNvPr id="4" name="Slide Number Placeholder 3"/>
-          <p:cNvSpPr>
-            <a:spLocks noGrp="1"/>
-          </p:cNvSpPr>
-          <p:nvPr>
-            <p:ph type="sldNum" sz="quarter" idx="12"/>
-          </p:nvPr>
-        </p:nvSpPr>
-        <p:spPr/>
-        <p:txBody>
-          <a:bodyPr/>
-          <a:lstStyle/>
-          <a:p>
-            <a:fld id="{B6F15528-21DE-4FAA-801E-634DDDAF4B2B}" type="slidenum">
-              <a:rPr lang="en-US" smtClean="0"/>
-              <a:pPr/>
-              <a:t>18</a:t>
-            </a:fld>
-            <a:endParaRPr lang="en-US"/>
-          </a:p>
-        </p:txBody>
-      </p:sp>
-    </p:spTree>
-    <p:extLst>
-      <p:ext uri="{BB962C8B-B14F-4D97-AF65-F5344CB8AC3E}">
-        <p14:creationId xmlns:p14="http://schemas.microsoft.com/office/powerpoint/2010/main" val="3746357049"/>
       </p:ext>
     </p:extLst>
   </p:cSld>
@@ -13846,7 +14182,7 @@
           <a:p>
             <a:r>
               <a:rPr lang="en-US" dirty="0"/>
-              <a:t>Summary</a:t>
+              <a:t>What's the tradeoff?</a:t>
             </a:r>
           </a:p>
         </p:txBody>
@@ -13863,12 +14199,60 @@
         </p:nvSpPr>
         <p:spPr/>
         <p:txBody>
-          <a:bodyPr/>
+          <a:bodyPr>
+            <a:normAutofit fontScale="85000" lnSpcReduction="10000"/>
+          </a:bodyPr>
           <a:lstStyle/>
           <a:p>
             <a:r>
               <a:rPr lang="en-US" dirty="0"/>
-              <a:t>You should now be able to draw diagrams that explain the organization of O-O programs vs. functional programs.</a:t>
+              <a:t>Object-oriented organization is better when new data variants are more likely than new operations.</a:t>
+            </a:r>
+          </a:p>
+          <a:p>
+            <a:r>
+              <a:rPr lang="en-US" dirty="0"/>
+              <a:t>Functional organization is better when new operations are more likely than new data variants.</a:t>
+            </a:r>
+          </a:p>
+          <a:p>
+            <a:r>
+              <a:rPr lang="en-US" dirty="0"/>
+              <a:t>In the real world, you may not have a choice: </a:t>
+            </a:r>
+          </a:p>
+          <a:p>
+            <a:pPr lvl="1"/>
+            <a:r>
+              <a:rPr lang="en-US" dirty="0"/>
+              <a:t>this decision is up to the system architects</a:t>
+            </a:r>
+          </a:p>
+          <a:p>
+            <a:pPr lvl="1"/>
+            <a:r>
+              <a:rPr lang="en-US" dirty="0"/>
+              <a:t>or may need compatibility with an existing system</a:t>
+            </a:r>
+          </a:p>
+          <a:p>
+            <a:r>
+              <a:rPr lang="en-US" dirty="0"/>
+              <a:t>There are ways to get the best of both worlds </a:t>
+            </a:r>
+          </a:p>
+          <a:p>
+            <a:pPr lvl="1"/>
+            <a:r>
+              <a:rPr lang="en-US" dirty="0"/>
+              <a:t>but these are beyond the scope of this course</a:t>
+            </a:r>
+          </a:p>
+          <a:p>
+            <a:pPr lvl="1"/>
+            <a:r>
+              <a:rPr lang="en-US" dirty="0"/>
+              <a:t>this is called "the expression problem"</a:t>
             </a:r>
           </a:p>
         </p:txBody>
@@ -13888,8 +14272,9 @@
           <a:bodyPr/>
           <a:lstStyle/>
           <a:p>
-            <a:fld id="{2AF3B5EA-18B6-4040-9F78-6052AF49C681}" type="slidenum">
+            <a:fld id="{B6F15528-21DE-4FAA-801E-634DDDAF4B2B}" type="slidenum">
               <a:rPr lang="en-US" smtClean="0"/>
+              <a:pPr/>
               <a:t>19</a:t>
             </a:fld>
             <a:endParaRPr lang="en-US"/>
@@ -13899,7 +14284,7 @@
     </p:spTree>
     <p:extLst>
       <p:ext uri="{BB962C8B-B14F-4D97-AF65-F5344CB8AC3E}">
-        <p14:creationId xmlns:p14="http://schemas.microsoft.com/office/powerpoint/2010/main" val="110263791"/>
+        <p14:creationId xmlns:p14="http://schemas.microsoft.com/office/powerpoint/2010/main" val="3746357049"/>
       </p:ext>
     </p:extLst>
   </p:cSld>
@@ -14041,7 +14426,7 @@
           <a:p>
             <a:r>
               <a:rPr lang="en-US" dirty="0"/>
-              <a:t>Next Steps</a:t>
+              <a:t>Summary</a:t>
             </a:r>
           </a:p>
         </p:txBody>
@@ -14063,27 +14448,7 @@
           <a:p>
             <a:r>
               <a:rPr lang="en-US" dirty="0"/>
-              <a:t>Review </a:t>
-            </a:r>
-            <a:r>
-              <a:rPr lang="en-US"/>
-              <a:t>examples 09-3-1 through 09-3-3 </a:t>
-            </a:r>
-            <a:r>
-              <a:rPr lang="en-US" dirty="0"/>
-              <a:t>in the examples folder.</a:t>
-            </a:r>
-          </a:p>
-          <a:p>
-            <a:r>
-              <a:rPr lang="en-US" dirty="0"/>
-              <a:t>If you have questions about this lesson, ask them on the Discussion Board</a:t>
-            </a:r>
-          </a:p>
-          <a:p>
-            <a:r>
-              <a:rPr lang="en-US" dirty="0"/>
-              <a:t>Go on to the next lesson</a:t>
+              <a:t>You should now be able to draw diagrams that explain the organization of O-O programs vs. functional programs.</a:t>
             </a:r>
           </a:p>
         </p:txBody>
@@ -14106,6 +14471,123 @@
             <a:fld id="{2AF3B5EA-18B6-4040-9F78-6052AF49C681}" type="slidenum">
               <a:rPr lang="en-US" smtClean="0"/>
               <a:t>20</a:t>
+            </a:fld>
+            <a:endParaRPr lang="en-US"/>
+          </a:p>
+        </p:txBody>
+      </p:sp>
+    </p:spTree>
+    <p:extLst>
+      <p:ext uri="{BB962C8B-B14F-4D97-AF65-F5344CB8AC3E}">
+        <p14:creationId xmlns:p14="http://schemas.microsoft.com/office/powerpoint/2010/main" val="110263791"/>
+      </p:ext>
+    </p:extLst>
+  </p:cSld>
+  <p:clrMapOvr>
+    <a:masterClrMapping/>
+  </p:clrMapOvr>
+</p:sld>
+</file>
+
+<file path=ppt/slides/slide21.xml><?xml version="1.0" encoding="utf-8"?>
+<p:sld xmlns:a="http://schemas.openxmlformats.org/drawingml/2006/main" xmlns:r="http://schemas.openxmlformats.org/officeDocument/2006/relationships" xmlns:p="http://schemas.openxmlformats.org/presentationml/2006/main">
+  <p:cSld>
+    <p:spTree>
+      <p:nvGrpSpPr>
+        <p:cNvPr id="1" name=""/>
+        <p:cNvGrpSpPr/>
+        <p:nvPr/>
+      </p:nvGrpSpPr>
+      <p:grpSpPr>
+        <a:xfrm>
+          <a:off x="0" y="0"/>
+          <a:ext cx="0" cy="0"/>
+          <a:chOff x="0" y="0"/>
+          <a:chExt cx="0" cy="0"/>
+        </a:xfrm>
+      </p:grpSpPr>
+      <p:sp>
+        <p:nvSpPr>
+          <p:cNvPr id="2" name="Title 1"/>
+          <p:cNvSpPr>
+            <a:spLocks noGrp="1"/>
+          </p:cNvSpPr>
+          <p:nvPr>
+            <p:ph type="title"/>
+          </p:nvPr>
+        </p:nvSpPr>
+        <p:spPr/>
+        <p:txBody>
+          <a:bodyPr/>
+          <a:lstStyle/>
+          <a:p>
+            <a:r>
+              <a:rPr lang="en-US" dirty="0"/>
+              <a:t>Next Steps</a:t>
+            </a:r>
+          </a:p>
+        </p:txBody>
+      </p:sp>
+      <p:sp>
+        <p:nvSpPr>
+          <p:cNvPr id="3" name="Content Placeholder 2"/>
+          <p:cNvSpPr>
+            <a:spLocks noGrp="1"/>
+          </p:cNvSpPr>
+          <p:nvPr>
+            <p:ph idx="1"/>
+          </p:nvPr>
+        </p:nvSpPr>
+        <p:spPr/>
+        <p:txBody>
+          <a:bodyPr/>
+          <a:lstStyle/>
+          <a:p>
+            <a:r>
+              <a:rPr lang="en-US" dirty="0"/>
+              <a:t>Review </a:t>
+            </a:r>
+            <a:r>
+              <a:rPr lang="en-US"/>
+              <a:t>examples 09-3-1 through 09-3-3 </a:t>
+            </a:r>
+            <a:r>
+              <a:rPr lang="en-US" dirty="0"/>
+              <a:t>in the examples folder.</a:t>
+            </a:r>
+          </a:p>
+          <a:p>
+            <a:r>
+              <a:rPr lang="en-US" dirty="0"/>
+              <a:t>If you have questions about this lesson, ask them on the Discussion Board</a:t>
+            </a:r>
+          </a:p>
+          <a:p>
+            <a:r>
+              <a:rPr lang="en-US" dirty="0"/>
+              <a:t>Go on to the next lesson</a:t>
+            </a:r>
+          </a:p>
+        </p:txBody>
+      </p:sp>
+      <p:sp>
+        <p:nvSpPr>
+          <p:cNvPr id="4" name="Slide Number Placeholder 3"/>
+          <p:cNvSpPr>
+            <a:spLocks noGrp="1"/>
+          </p:cNvSpPr>
+          <p:nvPr>
+            <p:ph type="sldNum" sz="quarter" idx="12"/>
+          </p:nvPr>
+        </p:nvSpPr>
+        <p:spPr/>
+        <p:txBody>
+          <a:bodyPr/>
+          <a:lstStyle/>
+          <a:p>
+            <a:fld id="{2AF3B5EA-18B6-4040-9F78-6052AF49C681}" type="slidenum">
+              <a:rPr lang="en-US" smtClean="0"/>
+              <a:t>21</a:t>
             </a:fld>
             <a:endParaRPr lang="en-US"/>
           </a:p>
@@ -14824,19 +15306,21 @@
         </p:nvSpPr>
         <p:spPr>
           <a:xfrm>
-            <a:off x="6276753" y="3427227"/>
-            <a:ext cx="2772904" cy="2133600"/>
+            <a:off x="5913783" y="3427227"/>
+            <a:ext cx="3135874" cy="2133600"/>
           </a:xfrm>
           <a:prstGeom prst="rect">
             <a:avLst/>
           </a:prstGeom>
           <a:solidFill>
-            <a:schemeClr val="accent3">
-              <a:lumMod val="40000"/>
-              <a:lumOff val="60000"/>
+            <a:schemeClr val="accent1">
+              <a:lumMod val="20000"/>
+              <a:lumOff val="80000"/>
             </a:schemeClr>
           </a:solidFill>
-          <a:ln/>
+          <a:ln>
+            <a:noFill/>
+          </a:ln>
         </p:spPr>
         <p:style>
           <a:lnRef idx="2">
@@ -14971,12 +15455,14 @@
             <a:avLst/>
           </a:prstGeom>
           <a:solidFill>
-            <a:schemeClr val="accent3">
-              <a:lumMod val="40000"/>
-              <a:lumOff val="60000"/>
+            <a:schemeClr val="accent1">
+              <a:lumMod val="20000"/>
+              <a:lumOff val="80000"/>
             </a:schemeClr>
           </a:solidFill>
-          <a:ln/>
+          <a:ln>
+            <a:noFill/>
+          </a:ln>
         </p:spPr>
         <p:style>
           <a:lnRef idx="2">
@@ -15238,12 +15724,14 @@
             <a:avLst/>
           </a:prstGeom>
           <a:solidFill>
-            <a:schemeClr val="accent3">
-              <a:lumMod val="40000"/>
-              <a:lumOff val="60000"/>
+            <a:schemeClr val="accent1">
+              <a:lumMod val="20000"/>
+              <a:lumOff val="80000"/>
             </a:schemeClr>
           </a:solidFill>
-          <a:ln/>
+          <a:ln>
+            <a:noFill/>
+          </a:ln>
         </p:spPr>
         <p:style>
           <a:lnRef idx="2">
@@ -15370,118 +15858,11 @@
           <a:p>
             <a:r>
               <a:rPr lang="en-US" dirty="0"/>
-              <a:t>Code  Outline (OO version)</a:t>
-            </a:r>
-          </a:p>
-        </p:txBody>
-      </p:sp>
-      <p:sp>
-        <p:nvSpPr>
-          <p:cNvPr id="3" name="Content Placeholder 2"/>
-          <p:cNvSpPr>
-            <a:spLocks noGrp="1"/>
-          </p:cNvSpPr>
-          <p:nvPr>
-            <p:ph idx="1"/>
-          </p:nvPr>
-        </p:nvSpPr>
-        <p:spPr/>
-        <p:txBody>
-          <a:bodyPr>
-            <a:normAutofit fontScale="47500" lnSpcReduction="20000"/>
-          </a:bodyPr>
-          <a:lstStyle/>
-          <a:p>
-            <a:r>
-              <a:rPr lang="en-US" dirty="0"/>
-              <a:t>;;; INTERFACE:</a:t>
-            </a:r>
-          </a:p>
-          <a:p>
-            <a:endParaRPr lang="en-US" dirty="0"/>
-          </a:p>
-          <a:p>
-            <a:r>
-              <a:rPr lang="en-US" dirty="0"/>
-              <a:t>;; all geometric shapes support these methods in all contexts</a:t>
-            </a:r>
-          </a:p>
-          <a:p>
-            <a:r>
-              <a:rPr lang="en-US" dirty="0"/>
-              <a:t>;; a Shape is an object of a class that implements Shape&lt;%&gt;.</a:t>
-            </a:r>
-          </a:p>
-          <a:p>
-            <a:endParaRPr lang="en-US" dirty="0"/>
-          </a:p>
-          <a:p>
-            <a:r>
-              <a:rPr lang="en-US" dirty="0"/>
-              <a:t>(define Shape&lt;%&gt; </a:t>
-            </a:r>
-          </a:p>
-          <a:p>
-            <a:r>
-              <a:rPr lang="en-US" dirty="0"/>
-              <a:t>  (interface ()</a:t>
-            </a:r>
-          </a:p>
-          <a:p>
-            <a:endParaRPr lang="en-US" dirty="0"/>
-          </a:p>
-          <a:p>
-            <a:r>
-              <a:rPr lang="en-US" dirty="0"/>
-              <a:t>    ;; weight : -&gt; Number</a:t>
-            </a:r>
-          </a:p>
-          <a:p>
-            <a:r>
-              <a:rPr lang="en-US" dirty="0"/>
-              <a:t>    ;; RETURNS: the weight of this shape</a:t>
-            </a:r>
-          </a:p>
-          <a:p>
-            <a:r>
-              <a:rPr lang="en-US" dirty="0"/>
-              <a:t>    weight </a:t>
-            </a:r>
-          </a:p>
-          <a:p>
-            <a:endParaRPr lang="en-US" dirty="0"/>
-          </a:p>
-          <a:p>
-            <a:r>
-              <a:rPr lang="en-US" dirty="0"/>
-              <a:t>    ;; add-to-scene : Scene -&gt; Scene</a:t>
-            </a:r>
-          </a:p>
-          <a:p>
-            <a:r>
-              <a:rPr lang="en-US" dirty="0"/>
-              <a:t>    ;; RETURNS: a scene like the given one, but with this shape</a:t>
-            </a:r>
-          </a:p>
-          <a:p>
-            <a:r>
-              <a:rPr lang="en-US" dirty="0"/>
-              <a:t>    ;; painted on it.</a:t>
-            </a:r>
-          </a:p>
-          <a:p>
-            <a:r>
-              <a:rPr lang="en-US" dirty="0"/>
-              <a:t>    add-to-scene</a:t>
-            </a:r>
-          </a:p>
-          <a:p>
-            <a:endParaRPr lang="en-US" dirty="0"/>
-          </a:p>
-          <a:p>
-            <a:r>
-              <a:rPr lang="en-US" dirty="0"/>
-              <a:t>    ))</a:t>
+              <a:t>Call Graph for </a:t>
+            </a:r>
+            <a:r>
+              <a:rPr lang="en-US" b="1" dirty="0"/>
+              <a:t>weight</a:t>
             </a:r>
           </a:p>
         </p:txBody>
@@ -15509,10 +15890,574 @@
           </a:p>
         </p:txBody>
       </p:sp>
+      <p:sp>
+        <p:nvSpPr>
+          <p:cNvPr id="8" name="TextBox 7"/>
+          <p:cNvSpPr txBox="1"/>
+          <p:nvPr/>
+        </p:nvSpPr>
+        <p:spPr>
+          <a:xfrm>
+            <a:off x="1623809" y="2842158"/>
+            <a:ext cx="1832112" cy="369332"/>
+          </a:xfrm>
+          <a:prstGeom prst="rect">
+            <a:avLst/>
+          </a:prstGeom>
+          <a:noFill/>
+          <a:ln>
+            <a:solidFill>
+              <a:schemeClr val="accent1"/>
+            </a:solidFill>
+          </a:ln>
+        </p:spPr>
+        <p:txBody>
+          <a:bodyPr wrap="square" rtlCol="0">
+            <a:spAutoFit/>
+          </a:bodyPr>
+          <a:lstStyle/>
+          <a:p>
+            <a:r>
+              <a:rPr lang="en-US" dirty="0"/>
+              <a:t>my-circle-weight</a:t>
+            </a:r>
+          </a:p>
+        </p:txBody>
+      </p:sp>
+      <p:sp>
+        <p:nvSpPr>
+          <p:cNvPr id="9" name="TextBox 8"/>
+          <p:cNvSpPr txBox="1"/>
+          <p:nvPr/>
+        </p:nvSpPr>
+        <p:spPr>
+          <a:xfrm>
+            <a:off x="4089952" y="1786495"/>
+            <a:ext cx="964095" cy="369332"/>
+          </a:xfrm>
+          <a:prstGeom prst="rect">
+            <a:avLst/>
+          </a:prstGeom>
+          <a:noFill/>
+          <a:ln>
+            <a:solidFill>
+              <a:schemeClr val="accent1"/>
+            </a:solidFill>
+          </a:ln>
+        </p:spPr>
+        <p:txBody>
+          <a:bodyPr wrap="square" rtlCol="0">
+            <a:spAutoFit/>
+          </a:bodyPr>
+          <a:lstStyle/>
+          <a:p>
+            <a:r>
+              <a:rPr lang="en-US" dirty="0"/>
+              <a:t>weight</a:t>
+            </a:r>
+          </a:p>
+        </p:txBody>
+      </p:sp>
+      <p:sp>
+        <p:nvSpPr>
+          <p:cNvPr id="11" name="TextBox 10"/>
+          <p:cNvSpPr txBox="1"/>
+          <p:nvPr/>
+        </p:nvSpPr>
+        <p:spPr>
+          <a:xfrm>
+            <a:off x="5703816" y="2841725"/>
+            <a:ext cx="2305879" cy="369332"/>
+          </a:xfrm>
+          <a:prstGeom prst="rect">
+            <a:avLst/>
+          </a:prstGeom>
+          <a:noFill/>
+          <a:ln>
+            <a:solidFill>
+              <a:schemeClr val="accent1"/>
+            </a:solidFill>
+          </a:ln>
+        </p:spPr>
+        <p:txBody>
+          <a:bodyPr wrap="square" rtlCol="0">
+            <a:spAutoFit/>
+          </a:bodyPr>
+          <a:lstStyle/>
+          <a:p>
+            <a:r>
+              <a:rPr lang="en-US" dirty="0"/>
+              <a:t>my-composite-weight</a:t>
+            </a:r>
+          </a:p>
+        </p:txBody>
+      </p:sp>
+      <p:sp>
+        <p:nvSpPr>
+          <p:cNvPr id="12" name="TextBox 11"/>
+          <p:cNvSpPr txBox="1"/>
+          <p:nvPr/>
+        </p:nvSpPr>
+        <p:spPr>
+          <a:xfrm>
+            <a:off x="3641862" y="2847344"/>
+            <a:ext cx="1891750" cy="369332"/>
+          </a:xfrm>
+          <a:prstGeom prst="rect">
+            <a:avLst/>
+          </a:prstGeom>
+          <a:noFill/>
+          <a:ln>
+            <a:solidFill>
+              <a:schemeClr val="accent1"/>
+            </a:solidFill>
+          </a:ln>
+        </p:spPr>
+        <p:txBody>
+          <a:bodyPr wrap="square" rtlCol="0">
+            <a:spAutoFit/>
+          </a:bodyPr>
+          <a:lstStyle/>
+          <a:p>
+            <a:r>
+              <a:rPr lang="en-US" dirty="0"/>
+              <a:t>my-square-weight</a:t>
+            </a:r>
+          </a:p>
+        </p:txBody>
+      </p:sp>
+      <p:cxnSp>
+        <p:nvCxnSpPr>
+          <p:cNvPr id="14" name="Straight Arrow Connector 13"/>
+          <p:cNvCxnSpPr>
+            <a:stCxn id="9" idx="2"/>
+            <a:endCxn id="8" idx="0"/>
+          </p:cNvCxnSpPr>
+          <p:nvPr/>
+        </p:nvCxnSpPr>
+        <p:spPr>
+          <a:xfrm flipH="1">
+            <a:off x="2539865" y="2155827"/>
+            <a:ext cx="2032135" cy="686331"/>
+          </a:xfrm>
+          <a:prstGeom prst="straightConnector1">
+            <a:avLst/>
+          </a:prstGeom>
+          <a:ln w="38100" cmpd="dbl">
+            <a:headEnd type="oval"/>
+            <a:tailEnd type="triangle"/>
+          </a:ln>
+        </p:spPr>
+        <p:style>
+          <a:lnRef idx="1">
+            <a:schemeClr val="accent1"/>
+          </a:lnRef>
+          <a:fillRef idx="0">
+            <a:schemeClr val="accent1"/>
+          </a:fillRef>
+          <a:effectRef idx="0">
+            <a:schemeClr val="accent1"/>
+          </a:effectRef>
+          <a:fontRef idx="minor">
+            <a:schemeClr val="tx1"/>
+          </a:fontRef>
+        </p:style>
+      </p:cxnSp>
+      <p:cxnSp>
+        <p:nvCxnSpPr>
+          <p:cNvPr id="15" name="Straight Arrow Connector 14"/>
+          <p:cNvCxnSpPr>
+            <a:stCxn id="9" idx="2"/>
+            <a:endCxn id="12" idx="0"/>
+          </p:cNvCxnSpPr>
+          <p:nvPr/>
+        </p:nvCxnSpPr>
+        <p:spPr>
+          <a:xfrm>
+            <a:off x="4572000" y="2155827"/>
+            <a:ext cx="15737" cy="691517"/>
+          </a:xfrm>
+          <a:prstGeom prst="straightConnector1">
+            <a:avLst/>
+          </a:prstGeom>
+          <a:ln w="38100" cmpd="dbl">
+            <a:headEnd type="oval"/>
+            <a:tailEnd type="triangle"/>
+          </a:ln>
+        </p:spPr>
+        <p:style>
+          <a:lnRef idx="1">
+            <a:schemeClr val="accent1"/>
+          </a:lnRef>
+          <a:fillRef idx="0">
+            <a:schemeClr val="accent1"/>
+          </a:fillRef>
+          <a:effectRef idx="0">
+            <a:schemeClr val="accent1"/>
+          </a:effectRef>
+          <a:fontRef idx="minor">
+            <a:schemeClr val="tx1"/>
+          </a:fontRef>
+        </p:style>
+      </p:cxnSp>
+      <p:cxnSp>
+        <p:nvCxnSpPr>
+          <p:cNvPr id="16" name="Straight Arrow Connector 15"/>
+          <p:cNvCxnSpPr/>
+          <p:nvPr/>
+        </p:nvCxnSpPr>
+        <p:spPr>
+          <a:xfrm>
+            <a:off x="4587737" y="2155827"/>
+            <a:ext cx="2514599" cy="691517"/>
+          </a:xfrm>
+          <a:prstGeom prst="straightConnector1">
+            <a:avLst/>
+          </a:prstGeom>
+          <a:ln w="38100" cmpd="dbl">
+            <a:headEnd type="oval"/>
+            <a:tailEnd type="triangle"/>
+          </a:ln>
+        </p:spPr>
+        <p:style>
+          <a:lnRef idx="1">
+            <a:schemeClr val="accent1"/>
+          </a:lnRef>
+          <a:fillRef idx="0">
+            <a:schemeClr val="accent1"/>
+          </a:fillRef>
+          <a:effectRef idx="0">
+            <a:schemeClr val="accent1"/>
+          </a:effectRef>
+          <a:fontRef idx="minor">
+            <a:schemeClr val="tx1"/>
+          </a:fontRef>
+        </p:style>
+      </p:cxnSp>
+      <p:sp>
+        <p:nvSpPr>
+          <p:cNvPr id="23" name="Freeform 22"/>
+          <p:cNvSpPr/>
+          <p:nvPr/>
+        </p:nvSpPr>
+        <p:spPr>
+          <a:xfrm>
+            <a:off x="5059016" y="1952405"/>
+            <a:ext cx="3478877" cy="1874158"/>
+          </a:xfrm>
+          <a:custGeom>
+            <a:avLst/>
+            <a:gdLst>
+              <a:gd name="connsiteX0" fmla="*/ 1789044 w 4056275"/>
+              <a:gd name="connsiteY0" fmla="*/ 1350342 h 2503931"/>
+              <a:gd name="connsiteX1" fmla="*/ 1759226 w 4056275"/>
+              <a:gd name="connsiteY1" fmla="*/ 2393950 h 2503931"/>
+              <a:gd name="connsiteX2" fmla="*/ 3528392 w 4056275"/>
+              <a:gd name="connsiteY2" fmla="*/ 2234924 h 2503931"/>
+              <a:gd name="connsiteX3" fmla="*/ 3786809 w 4056275"/>
+              <a:gd name="connsiteY3" fmla="*/ 286855 h 2503931"/>
+              <a:gd name="connsiteX4" fmla="*/ 0 w 4056275"/>
+              <a:gd name="connsiteY4" fmla="*/ 48316 h 2503931"/>
+              <a:gd name="connsiteX0" fmla="*/ 1838740 w 4056275"/>
+              <a:gd name="connsiteY0" fmla="*/ 1290707 h 2508052"/>
+              <a:gd name="connsiteX1" fmla="*/ 1759226 w 4056275"/>
+              <a:gd name="connsiteY1" fmla="*/ 2393950 h 2508052"/>
+              <a:gd name="connsiteX2" fmla="*/ 3528392 w 4056275"/>
+              <a:gd name="connsiteY2" fmla="*/ 2234924 h 2508052"/>
+              <a:gd name="connsiteX3" fmla="*/ 3786809 w 4056275"/>
+              <a:gd name="connsiteY3" fmla="*/ 286855 h 2508052"/>
+              <a:gd name="connsiteX4" fmla="*/ 0 w 4056275"/>
+              <a:gd name="connsiteY4" fmla="*/ 48316 h 2508052"/>
+              <a:gd name="connsiteX0" fmla="*/ 1838740 w 4027279"/>
+              <a:gd name="connsiteY0" fmla="*/ 1290707 h 2683202"/>
+              <a:gd name="connsiteX1" fmla="*/ 2613992 w 4027279"/>
+              <a:gd name="connsiteY1" fmla="*/ 2622550 h 2683202"/>
+              <a:gd name="connsiteX2" fmla="*/ 3528392 w 4027279"/>
+              <a:gd name="connsiteY2" fmla="*/ 2234924 h 2683202"/>
+              <a:gd name="connsiteX3" fmla="*/ 3786809 w 4027279"/>
+              <a:gd name="connsiteY3" fmla="*/ 286855 h 2683202"/>
+              <a:gd name="connsiteX4" fmla="*/ 0 w 4027279"/>
+              <a:gd name="connsiteY4" fmla="*/ 48316 h 2683202"/>
+              <a:gd name="connsiteX0" fmla="*/ 1838740 w 4027279"/>
+              <a:gd name="connsiteY0" fmla="*/ 1290707 h 2683202"/>
+              <a:gd name="connsiteX1" fmla="*/ 2613992 w 4027279"/>
+              <a:gd name="connsiteY1" fmla="*/ 2622550 h 2683202"/>
+              <a:gd name="connsiteX2" fmla="*/ 3528392 w 4027279"/>
+              <a:gd name="connsiteY2" fmla="*/ 2234924 h 2683202"/>
+              <a:gd name="connsiteX3" fmla="*/ 3786809 w 4027279"/>
+              <a:gd name="connsiteY3" fmla="*/ 286855 h 2683202"/>
+              <a:gd name="connsiteX4" fmla="*/ 0 w 4027279"/>
+              <a:gd name="connsiteY4" fmla="*/ 48316 h 2683202"/>
+              <a:gd name="connsiteX0" fmla="*/ 1838740 w 4018253"/>
+              <a:gd name="connsiteY0" fmla="*/ 1290707 h 2717711"/>
+              <a:gd name="connsiteX1" fmla="*/ 2912166 w 4018253"/>
+              <a:gd name="connsiteY1" fmla="*/ 2662306 h 2717711"/>
+              <a:gd name="connsiteX2" fmla="*/ 3528392 w 4018253"/>
+              <a:gd name="connsiteY2" fmla="*/ 2234924 h 2717711"/>
+              <a:gd name="connsiteX3" fmla="*/ 3786809 w 4018253"/>
+              <a:gd name="connsiteY3" fmla="*/ 286855 h 2717711"/>
+              <a:gd name="connsiteX4" fmla="*/ 0 w 4018253"/>
+              <a:gd name="connsiteY4" fmla="*/ 48316 h 2717711"/>
+              <a:gd name="connsiteX0" fmla="*/ 1838740 w 4018253"/>
+              <a:gd name="connsiteY0" fmla="*/ 1290707 h 2663233"/>
+              <a:gd name="connsiteX1" fmla="*/ 2912166 w 4018253"/>
+              <a:gd name="connsiteY1" fmla="*/ 2662306 h 2663233"/>
+              <a:gd name="connsiteX2" fmla="*/ 3528392 w 4018253"/>
+              <a:gd name="connsiteY2" fmla="*/ 2234924 h 2663233"/>
+              <a:gd name="connsiteX3" fmla="*/ 3786809 w 4018253"/>
+              <a:gd name="connsiteY3" fmla="*/ 286855 h 2663233"/>
+              <a:gd name="connsiteX4" fmla="*/ 0 w 4018253"/>
+              <a:gd name="connsiteY4" fmla="*/ 48316 h 2663233"/>
+              <a:gd name="connsiteX0" fmla="*/ 1838740 w 4020311"/>
+              <a:gd name="connsiteY0" fmla="*/ 1290707 h 2377758"/>
+              <a:gd name="connsiteX1" fmla="*/ 2842592 w 4020311"/>
+              <a:gd name="connsiteY1" fmla="*/ 2224984 h 2377758"/>
+              <a:gd name="connsiteX2" fmla="*/ 3528392 w 4020311"/>
+              <a:gd name="connsiteY2" fmla="*/ 2234924 h 2377758"/>
+              <a:gd name="connsiteX3" fmla="*/ 3786809 w 4020311"/>
+              <a:gd name="connsiteY3" fmla="*/ 286855 h 2377758"/>
+              <a:gd name="connsiteX4" fmla="*/ 0 w 4020311"/>
+              <a:gd name="connsiteY4" fmla="*/ 48316 h 2377758"/>
+              <a:gd name="connsiteX0" fmla="*/ 1838740 w 4076124"/>
+              <a:gd name="connsiteY0" fmla="*/ 1271023 h 2216537"/>
+              <a:gd name="connsiteX1" fmla="*/ 2842592 w 4076124"/>
+              <a:gd name="connsiteY1" fmla="*/ 2205300 h 2216537"/>
+              <a:gd name="connsiteX2" fmla="*/ 3707296 w 4076124"/>
+              <a:gd name="connsiteY2" fmla="*/ 1688466 h 2216537"/>
+              <a:gd name="connsiteX3" fmla="*/ 3786809 w 4076124"/>
+              <a:gd name="connsiteY3" fmla="*/ 267171 h 2216537"/>
+              <a:gd name="connsiteX4" fmla="*/ 0 w 4076124"/>
+              <a:gd name="connsiteY4" fmla="*/ 28632 h 2216537"/>
+              <a:gd name="connsiteX0" fmla="*/ 1838740 w 4051912"/>
+              <a:gd name="connsiteY0" fmla="*/ 1271023 h 2216537"/>
+              <a:gd name="connsiteX1" fmla="*/ 2842592 w 4051912"/>
+              <a:gd name="connsiteY1" fmla="*/ 2205300 h 2216537"/>
+              <a:gd name="connsiteX2" fmla="*/ 3707296 w 4051912"/>
+              <a:gd name="connsiteY2" fmla="*/ 1688466 h 2216537"/>
+              <a:gd name="connsiteX3" fmla="*/ 3786809 w 4051912"/>
+              <a:gd name="connsiteY3" fmla="*/ 267171 h 2216537"/>
+              <a:gd name="connsiteX4" fmla="*/ 0 w 4051912"/>
+              <a:gd name="connsiteY4" fmla="*/ 28632 h 2216537"/>
+              <a:gd name="connsiteX0" fmla="*/ 1838740 w 4080862"/>
+              <a:gd name="connsiteY0" fmla="*/ 1271023 h 2216227"/>
+              <a:gd name="connsiteX1" fmla="*/ 2842592 w 4080862"/>
+              <a:gd name="connsiteY1" fmla="*/ 2205300 h 2216227"/>
+              <a:gd name="connsiteX2" fmla="*/ 3707296 w 4080862"/>
+              <a:gd name="connsiteY2" fmla="*/ 1688466 h 2216227"/>
+              <a:gd name="connsiteX3" fmla="*/ 3786809 w 4080862"/>
+              <a:gd name="connsiteY3" fmla="*/ 267171 h 2216227"/>
+              <a:gd name="connsiteX4" fmla="*/ 0 w 4080862"/>
+              <a:gd name="connsiteY4" fmla="*/ 28632 h 2216227"/>
+              <a:gd name="connsiteX0" fmla="*/ 1838740 w 3749754"/>
+              <a:gd name="connsiteY0" fmla="*/ 1283283 h 2229067"/>
+              <a:gd name="connsiteX1" fmla="*/ 2842592 w 3749754"/>
+              <a:gd name="connsiteY1" fmla="*/ 2217560 h 2229067"/>
+              <a:gd name="connsiteX2" fmla="*/ 3707296 w 3749754"/>
+              <a:gd name="connsiteY2" fmla="*/ 1700726 h 2229067"/>
+              <a:gd name="connsiteX3" fmla="*/ 3230218 w 3749754"/>
+              <a:gd name="connsiteY3" fmla="*/ 229735 h 2229067"/>
+              <a:gd name="connsiteX4" fmla="*/ 0 w 3749754"/>
+              <a:gd name="connsiteY4" fmla="*/ 40892 h 2229067"/>
+              <a:gd name="connsiteX0" fmla="*/ 1838740 w 3402397"/>
+              <a:gd name="connsiteY0" fmla="*/ 1283283 h 2250720"/>
+              <a:gd name="connsiteX1" fmla="*/ 2842592 w 3402397"/>
+              <a:gd name="connsiteY1" fmla="*/ 2217560 h 2250720"/>
+              <a:gd name="connsiteX2" fmla="*/ 3230218 w 3402397"/>
+              <a:gd name="connsiteY2" fmla="*/ 229735 h 2250720"/>
+              <a:gd name="connsiteX3" fmla="*/ 0 w 3402397"/>
+              <a:gd name="connsiteY3" fmla="*/ 40892 h 2250720"/>
+              <a:gd name="connsiteX0" fmla="*/ 1838740 w 3621195"/>
+              <a:gd name="connsiteY0" fmla="*/ 1246219 h 2184435"/>
+              <a:gd name="connsiteX1" fmla="*/ 2842592 w 3621195"/>
+              <a:gd name="connsiteY1" fmla="*/ 2180496 h 2184435"/>
+              <a:gd name="connsiteX2" fmla="*/ 3478696 w 3621195"/>
+              <a:gd name="connsiteY2" fmla="*/ 948045 h 2184435"/>
+              <a:gd name="connsiteX3" fmla="*/ 0 w 3621195"/>
+              <a:gd name="connsiteY3" fmla="*/ 3828 h 2184435"/>
+              <a:gd name="connsiteX0" fmla="*/ 1838740 w 3479254"/>
+              <a:gd name="connsiteY0" fmla="*/ 1248368 h 2186584"/>
+              <a:gd name="connsiteX1" fmla="*/ 2842592 w 3479254"/>
+              <a:gd name="connsiteY1" fmla="*/ 2182645 h 2186584"/>
+              <a:gd name="connsiteX2" fmla="*/ 3478696 w 3479254"/>
+              <a:gd name="connsiteY2" fmla="*/ 950194 h 2186584"/>
+              <a:gd name="connsiteX3" fmla="*/ 0 w 3479254"/>
+              <a:gd name="connsiteY3" fmla="*/ 5977 h 2186584"/>
+              <a:gd name="connsiteX0" fmla="*/ 1838740 w 3593419"/>
+              <a:gd name="connsiteY0" fmla="*/ 1246394 h 1882827"/>
+              <a:gd name="connsiteX1" fmla="*/ 2673626 w 3593419"/>
+              <a:gd name="connsiteY1" fmla="*/ 1872558 h 1882827"/>
+              <a:gd name="connsiteX2" fmla="*/ 3478696 w 3593419"/>
+              <a:gd name="connsiteY2" fmla="*/ 948220 h 1882827"/>
+              <a:gd name="connsiteX3" fmla="*/ 0 w 3593419"/>
+              <a:gd name="connsiteY3" fmla="*/ 4003 h 1882827"/>
+              <a:gd name="connsiteX0" fmla="*/ 1838740 w 3590294"/>
+              <a:gd name="connsiteY0" fmla="*/ 1246394 h 1872558"/>
+              <a:gd name="connsiteX1" fmla="*/ 2673626 w 3590294"/>
+              <a:gd name="connsiteY1" fmla="*/ 1872558 h 1872558"/>
+              <a:gd name="connsiteX2" fmla="*/ 3478696 w 3590294"/>
+              <a:gd name="connsiteY2" fmla="*/ 948220 h 1872558"/>
+              <a:gd name="connsiteX3" fmla="*/ 0 w 3590294"/>
+              <a:gd name="connsiteY3" fmla="*/ 4003 h 1872558"/>
+              <a:gd name="connsiteX0" fmla="*/ 1838740 w 3478877"/>
+              <a:gd name="connsiteY0" fmla="*/ 1247994 h 1874158"/>
+              <a:gd name="connsiteX1" fmla="*/ 2673626 w 3478877"/>
+              <a:gd name="connsiteY1" fmla="*/ 1874158 h 1874158"/>
+              <a:gd name="connsiteX2" fmla="*/ 3478696 w 3478877"/>
+              <a:gd name="connsiteY2" fmla="*/ 949820 h 1874158"/>
+              <a:gd name="connsiteX3" fmla="*/ 0 w 3478877"/>
+              <a:gd name="connsiteY3" fmla="*/ 5603 h 1874158"/>
+            </a:gdLst>
+            <a:ahLst/>
+            <a:cxnLst>
+              <a:cxn ang="0">
+                <a:pos x="connsiteX0" y="connsiteY0"/>
+              </a:cxn>
+              <a:cxn ang="0">
+                <a:pos x="connsiteX1" y="connsiteY1"/>
+              </a:cxn>
+              <a:cxn ang="0">
+                <a:pos x="connsiteX2" y="connsiteY2"/>
+              </a:cxn>
+              <a:cxn ang="0">
+                <a:pos x="connsiteX3" y="connsiteY3"/>
+              </a:cxn>
+            </a:cxnLst>
+            <a:rect l="l" t="t" r="r" b="b"/>
+            <a:pathLst>
+              <a:path w="3478877" h="1874158">
+                <a:moveTo>
+                  <a:pt x="1838740" y="1247994"/>
+                </a:moveTo>
+                <a:cubicBezTo>
+                  <a:pt x="1847850" y="1805414"/>
+                  <a:pt x="2440057" y="1874159"/>
+                  <a:pt x="2673626" y="1874158"/>
+                </a:cubicBezTo>
+                <a:cubicBezTo>
+                  <a:pt x="2907195" y="1874157"/>
+                  <a:pt x="3457161" y="1479907"/>
+                  <a:pt x="3478696" y="949820"/>
+                </a:cubicBezTo>
+                <a:cubicBezTo>
+                  <a:pt x="3500231" y="419733"/>
+                  <a:pt x="1599372" y="-57345"/>
+                  <a:pt x="0" y="5603"/>
+                </a:cubicBezTo>
+              </a:path>
+            </a:pathLst>
+          </a:custGeom>
+          <a:noFill/>
+          <a:ln w="38100" cmpd="dbl">
+            <a:headEnd type="oval"/>
+            <a:tailEnd type="stealth" w="lg" len="lg"/>
+          </a:ln>
+        </p:spPr>
+        <p:style>
+          <a:lnRef idx="2">
+            <a:schemeClr val="accent1"/>
+          </a:lnRef>
+          <a:fillRef idx="1">
+            <a:schemeClr val="lt1"/>
+          </a:fillRef>
+          <a:effectRef idx="0">
+            <a:schemeClr val="accent1"/>
+          </a:effectRef>
+          <a:fontRef idx="minor">
+            <a:schemeClr val="dk1"/>
+          </a:fontRef>
+        </p:style>
+        <p:txBody>
+          <a:bodyPr rtlCol="0" anchor="ctr"/>
+          <a:lstStyle/>
+          <a:p>
+            <a:pPr algn="ctr"/>
+            <a:endParaRPr lang="en-US" dirty="0"/>
+          </a:p>
+        </p:txBody>
+      </p:sp>
+      <p:sp>
+        <p:nvSpPr>
+          <p:cNvPr id="24" name="TextBox 23"/>
+          <p:cNvSpPr txBox="1"/>
+          <p:nvPr/>
+        </p:nvSpPr>
+        <p:spPr>
+          <a:xfrm>
+            <a:off x="7500731" y="3736509"/>
+            <a:ext cx="427382" cy="646331"/>
+          </a:xfrm>
+          <a:prstGeom prst="rect">
+            <a:avLst/>
+          </a:prstGeom>
+          <a:noFill/>
+        </p:spPr>
+        <p:txBody>
+          <a:bodyPr wrap="square" rtlCol="0">
+            <a:spAutoFit/>
+          </a:bodyPr>
+          <a:lstStyle/>
+          <a:p>
+            <a:r>
+              <a:rPr lang="en-US" sz="3600" dirty="0"/>
+              <a:t>&gt;</a:t>
+            </a:r>
+          </a:p>
+        </p:txBody>
+      </p:sp>
+      <p:sp>
+        <p:nvSpPr>
+          <p:cNvPr id="25" name="TextBox 24"/>
+          <p:cNvSpPr txBox="1"/>
+          <p:nvPr/>
+        </p:nvSpPr>
+        <p:spPr>
+          <a:xfrm>
+            <a:off x="2057400" y="4563980"/>
+            <a:ext cx="5016053" cy="1477328"/>
+          </a:xfrm>
+          <a:prstGeom prst="rect">
+            <a:avLst/>
+          </a:prstGeom>
+          <a:noFill/>
+        </p:spPr>
+        <p:txBody>
+          <a:bodyPr wrap="none" rtlCol="0">
+            <a:spAutoFit/>
+          </a:bodyPr>
+          <a:lstStyle/>
+          <a:p>
+            <a:r>
+              <a:rPr lang="en-US" dirty="0"/>
+              <a:t>HALTING MEASURE: total number of shapes</a:t>
+            </a:r>
+          </a:p>
+          <a:p>
+            <a:r>
+              <a:rPr lang="en-US" dirty="0"/>
+              <a:t>in the shape (#circles + #squares + #composites).</a:t>
+            </a:r>
+          </a:p>
+          <a:p>
+            <a:endParaRPr lang="en-US" dirty="0"/>
+          </a:p>
+          <a:p>
+            <a:r>
+              <a:rPr lang="en-US" dirty="0"/>
+              <a:t>The halting measure decreases at the recursive call,</a:t>
+            </a:r>
+          </a:p>
+          <a:p>
+            <a:r>
+              <a:rPr lang="en-US" dirty="0"/>
+              <a:t>as illustrated.</a:t>
+            </a:r>
+          </a:p>
+        </p:txBody>
+      </p:sp>
     </p:spTree>
     <p:extLst>
       <p:ext uri="{BB962C8B-B14F-4D97-AF65-F5344CB8AC3E}">
-        <p14:creationId xmlns:p14="http://schemas.microsoft.com/office/powerpoint/2010/main" val="3383924093"/>
+        <p14:creationId xmlns:p14="http://schemas.microsoft.com/office/powerpoint/2010/main" val="3216645893"/>
       </p:ext>
     </p:extLst>
   </p:cSld>
@@ -15556,6 +16501,186 @@
           <a:p>
             <a:r>
               <a:rPr lang="en-US" dirty="0"/>
+              <a:t>Code  Outline (OO version)</a:t>
+            </a:r>
+          </a:p>
+        </p:txBody>
+      </p:sp>
+      <p:sp>
+        <p:nvSpPr>
+          <p:cNvPr id="3" name="Content Placeholder 2"/>
+          <p:cNvSpPr>
+            <a:spLocks noGrp="1"/>
+          </p:cNvSpPr>
+          <p:nvPr>
+            <p:ph idx="1"/>
+          </p:nvPr>
+        </p:nvSpPr>
+        <p:spPr/>
+        <p:txBody>
+          <a:bodyPr>
+            <a:normAutofit fontScale="47500" lnSpcReduction="20000"/>
+          </a:bodyPr>
+          <a:lstStyle/>
+          <a:p>
+            <a:r>
+              <a:rPr lang="en-US" dirty="0"/>
+              <a:t>;;; INTERFACE:</a:t>
+            </a:r>
+          </a:p>
+          <a:p>
+            <a:endParaRPr lang="en-US" dirty="0"/>
+          </a:p>
+          <a:p>
+            <a:r>
+              <a:rPr lang="en-US" dirty="0"/>
+              <a:t>;; a Shape is any object of a class that implements Shape&lt;%&gt;.</a:t>
+            </a:r>
+          </a:p>
+          <a:p>
+            <a:endParaRPr lang="en-US" dirty="0"/>
+          </a:p>
+          <a:p>
+            <a:r>
+              <a:rPr lang="en-US" dirty="0"/>
+              <a:t>(define Shape&lt;%&gt; </a:t>
+            </a:r>
+          </a:p>
+          <a:p>
+            <a:r>
+              <a:rPr lang="en-US" dirty="0"/>
+              <a:t>  (interface ()</a:t>
+            </a:r>
+          </a:p>
+          <a:p>
+            <a:endParaRPr lang="en-US" dirty="0"/>
+          </a:p>
+          <a:p>
+            <a:r>
+              <a:rPr lang="en-US" dirty="0"/>
+              <a:t>    ;; weight : -&gt; Number</a:t>
+            </a:r>
+          </a:p>
+          <a:p>
+            <a:r>
+              <a:rPr lang="en-US" dirty="0"/>
+              <a:t>    ;; RETURNS: the weight of this shape</a:t>
+            </a:r>
+          </a:p>
+          <a:p>
+            <a:r>
+              <a:rPr lang="en-US" dirty="0"/>
+              <a:t>    weight </a:t>
+            </a:r>
+          </a:p>
+          <a:p>
+            <a:endParaRPr lang="en-US" dirty="0"/>
+          </a:p>
+          <a:p>
+            <a:r>
+              <a:rPr lang="en-US" dirty="0"/>
+              <a:t>    ;; add-to-scene : Scene -&gt; Scene</a:t>
+            </a:r>
+          </a:p>
+          <a:p>
+            <a:r>
+              <a:rPr lang="en-US" dirty="0"/>
+              <a:t>    ;; RETURNS: a scene like the given one, but with this shape</a:t>
+            </a:r>
+          </a:p>
+          <a:p>
+            <a:r>
+              <a:rPr lang="en-US" dirty="0"/>
+              <a:t>    ;; painted on it.</a:t>
+            </a:r>
+          </a:p>
+          <a:p>
+            <a:r>
+              <a:rPr lang="en-US" dirty="0"/>
+              <a:t>    add-to-scene</a:t>
+            </a:r>
+          </a:p>
+          <a:p>
+            <a:endParaRPr lang="en-US" dirty="0"/>
+          </a:p>
+          <a:p>
+            <a:r>
+              <a:rPr lang="en-US" dirty="0"/>
+              <a:t>    ))</a:t>
+            </a:r>
+          </a:p>
+        </p:txBody>
+      </p:sp>
+      <p:sp>
+        <p:nvSpPr>
+          <p:cNvPr id="4" name="Slide Number Placeholder 3"/>
+          <p:cNvSpPr>
+            <a:spLocks noGrp="1"/>
+          </p:cNvSpPr>
+          <p:nvPr>
+            <p:ph type="sldNum" sz="quarter" idx="12"/>
+          </p:nvPr>
+        </p:nvSpPr>
+        <p:spPr/>
+        <p:txBody>
+          <a:bodyPr/>
+          <a:lstStyle/>
+          <a:p>
+            <a:fld id="{2AF3B5EA-18B6-4040-9F78-6052AF49C681}" type="slidenum">
+              <a:rPr lang="en-US" smtClean="0"/>
+              <a:t>8</a:t>
+            </a:fld>
+            <a:endParaRPr lang="en-US"/>
+          </a:p>
+        </p:txBody>
+      </p:sp>
+    </p:spTree>
+    <p:extLst>
+      <p:ext uri="{BB962C8B-B14F-4D97-AF65-F5344CB8AC3E}">
+        <p14:creationId xmlns:p14="http://schemas.microsoft.com/office/powerpoint/2010/main" val="3383924093"/>
+      </p:ext>
+    </p:extLst>
+  </p:cSld>
+  <p:clrMapOvr>
+    <a:masterClrMapping/>
+  </p:clrMapOvr>
+</p:sld>
+</file>
+
+<file path=ppt/slides/slide9.xml><?xml version="1.0" encoding="utf-8"?>
+<p:sld xmlns:a="http://schemas.openxmlformats.org/drawingml/2006/main" xmlns:r="http://schemas.openxmlformats.org/officeDocument/2006/relationships" xmlns:p="http://schemas.openxmlformats.org/presentationml/2006/main">
+  <p:cSld>
+    <p:spTree>
+      <p:nvGrpSpPr>
+        <p:cNvPr id="1" name=""/>
+        <p:cNvGrpSpPr/>
+        <p:nvPr/>
+      </p:nvGrpSpPr>
+      <p:grpSpPr>
+        <a:xfrm>
+          <a:off x="0" y="0"/>
+          <a:ext cx="0" cy="0"/>
+          <a:chOff x="0" y="0"/>
+          <a:chExt cx="0" cy="0"/>
+        </a:xfrm>
+      </p:grpSpPr>
+      <p:sp>
+        <p:nvSpPr>
+          <p:cNvPr id="2" name="Title 1"/>
+          <p:cNvSpPr>
+            <a:spLocks noGrp="1"/>
+          </p:cNvSpPr>
+          <p:nvPr>
+            <p:ph type="title"/>
+          </p:nvPr>
+        </p:nvSpPr>
+        <p:spPr/>
+        <p:txBody>
+          <a:bodyPr/>
+          <a:lstStyle/>
+          <a:p>
+            <a:r>
+              <a:rPr lang="en-US" dirty="0"/>
               <a:t>Code Outline (OO:2)</a:t>
             </a:r>
           </a:p>
@@ -15585,7 +16710,7 @@
             </a:pPr>
             <a:r>
               <a:rPr lang="en-US" sz="1200" dirty="0"/>
-              <a:t>;; A Circle is a </a:t>
+              <a:t>;; Constructor Template for Circle%</a:t>
             </a:r>
           </a:p>
           <a:p>
@@ -15626,8 +16751,16 @@
             </a:pPr>
             <a:r>
               <a:rPr lang="en-US" sz="1200" dirty="0"/>
-              <a:t>;; REPRESENTS: a circle on the canvas</a:t>
-            </a:r>
+              <a:t>;; Interpretation: a circle on the canvas.</a:t>
+            </a:r>
+          </a:p>
+          <a:p>
+            <a:pPr>
+              <a:spcBef>
+                <a:spcPts val="0"/>
+              </a:spcBef>
+            </a:pPr>
+            <a:endParaRPr lang="en-US" sz="1200" dirty="0"/>
           </a:p>
           <a:p>
             <a:pPr>
@@ -15983,7 +17116,7 @@
           <a:p>
             <a:fld id="{2AF3B5EA-18B6-4040-9F78-6052AF49C681}" type="slidenum">
               <a:rPr lang="en-US" smtClean="0"/>
-              <a:t>8</a:t>
+              <a:t>9</a:t>
             </a:fld>
             <a:endParaRPr lang="en-US"/>
           </a:p>
@@ -15997,19 +17130,21 @@
         </p:nvSpPr>
         <p:spPr>
           <a:xfrm>
-            <a:off x="564243" y="4580165"/>
-            <a:ext cx="3824514" cy="1255712"/>
+            <a:off x="564243" y="4808578"/>
+            <a:ext cx="3824514" cy="1545998"/>
           </a:xfrm>
           <a:prstGeom prst="rect">
             <a:avLst/>
           </a:prstGeom>
           <a:solidFill>
-            <a:schemeClr val="accent3">
-              <a:lumMod val="40000"/>
-              <a:lumOff val="60000"/>
+            <a:schemeClr val="accent1">
+              <a:lumMod val="20000"/>
+              <a:lumOff val="80000"/>
             </a:schemeClr>
           </a:solidFill>
-          <a:ln/>
+          <a:ln>
+            <a:noFill/>
+          </a:ln>
         </p:spPr>
         <p:style>
           <a:lnRef idx="2">
@@ -16041,7 +17176,7 @@
             </a:pPr>
             <a:r>
               <a:rPr lang="en-US" dirty="0"/>
-              <a:t>For each method, we copy down the contract and purpose statement from the interface, with perhaps additional details relating to this class.</a:t>
+              <a:t>For each method, we copy down the contract and purpose statement from the interface, with whatever additional information is necessary to specialize the purpose statement to this class.</a:t>
             </a:r>
           </a:p>
         </p:txBody>
@@ -16056,8 +17191,8 @@
         </p:nvCxnSpPr>
         <p:spPr>
           <a:xfrm flipV="1">
-            <a:off x="4388757" y="2191657"/>
-            <a:ext cx="604157" cy="3016364"/>
+            <a:off x="4388757" y="2420071"/>
+            <a:ext cx="604157" cy="3161506"/>
           </a:xfrm>
           <a:prstGeom prst="straightConnector1">
             <a:avLst/>
@@ -16091,8 +17226,8 @@
         </p:nvCxnSpPr>
         <p:spPr>
           <a:xfrm flipV="1">
-            <a:off x="4388757" y="3468914"/>
-            <a:ext cx="604157" cy="1739107"/>
+            <a:off x="4388757" y="3697329"/>
+            <a:ext cx="604157" cy="1884248"/>
           </a:xfrm>
           <a:prstGeom prst="straightConnector1">
             <a:avLst/>
@@ -16120,445 +17255,6 @@
     <p:extLst>
       <p:ext uri="{BB962C8B-B14F-4D97-AF65-F5344CB8AC3E}">
         <p14:creationId xmlns:p14="http://schemas.microsoft.com/office/powerpoint/2010/main" val="2352158669"/>
-      </p:ext>
-    </p:extLst>
-  </p:cSld>
-  <p:clrMapOvr>
-    <a:masterClrMapping/>
-  </p:clrMapOvr>
-</p:sld>
-</file>
-
-<file path=ppt/slides/slide9.xml><?xml version="1.0" encoding="utf-8"?>
-<p:sld xmlns:a="http://schemas.openxmlformats.org/drawingml/2006/main" xmlns:r="http://schemas.openxmlformats.org/officeDocument/2006/relationships" xmlns:p="http://schemas.openxmlformats.org/presentationml/2006/main">
-  <p:cSld>
-    <p:spTree>
-      <p:nvGrpSpPr>
-        <p:cNvPr id="1" name=""/>
-        <p:cNvGrpSpPr/>
-        <p:nvPr/>
-      </p:nvGrpSpPr>
-      <p:grpSpPr>
-        <a:xfrm>
-          <a:off x="0" y="0"/>
-          <a:ext cx="0" cy="0"/>
-          <a:chOff x="0" y="0"/>
-          <a:chExt cx="0" cy="0"/>
-        </a:xfrm>
-      </p:grpSpPr>
-      <p:sp>
-        <p:nvSpPr>
-          <p:cNvPr id="2" name="Title 1"/>
-          <p:cNvSpPr>
-            <a:spLocks noGrp="1"/>
-          </p:cNvSpPr>
-          <p:nvPr>
-            <p:ph type="title"/>
-          </p:nvPr>
-        </p:nvSpPr>
-        <p:spPr/>
-        <p:txBody>
-          <a:bodyPr/>
-          <a:lstStyle/>
-          <a:p>
-            <a:r>
-              <a:rPr lang="en-US" dirty="0"/>
-              <a:t>Code Outline (OO:3)</a:t>
-            </a:r>
-          </a:p>
-        </p:txBody>
-      </p:sp>
-      <p:sp>
-        <p:nvSpPr>
-          <p:cNvPr id="3" name="Content Placeholder 2"/>
-          <p:cNvSpPr>
-            <a:spLocks noGrp="1"/>
-          </p:cNvSpPr>
-          <p:nvPr>
-            <p:ph idx="1"/>
-          </p:nvPr>
-        </p:nvSpPr>
-        <p:spPr/>
-        <p:txBody>
-          <a:bodyPr>
-            <a:noAutofit/>
-          </a:bodyPr>
-          <a:lstStyle/>
-          <a:p>
-            <a:pPr>
-              <a:spcBef>
-                <a:spcPts val="0"/>
-              </a:spcBef>
-            </a:pPr>
-            <a:r>
-              <a:rPr lang="en-US" sz="1000" dirty="0"/>
-              <a:t>;; A Square is a (new Square% [x Integer][y Integer][l Integer][c </a:t>
-            </a:r>
-            <a:r>
-              <a:rPr lang="en-US" sz="1000" dirty="0" err="1"/>
-              <a:t>ColorString</a:t>
-            </a:r>
-            <a:r>
-              <a:rPr lang="en-US" sz="1000" dirty="0"/>
-              <a:t>])</a:t>
-            </a:r>
-          </a:p>
-          <a:p>
-            <a:pPr>
-              <a:spcBef>
-                <a:spcPts val="0"/>
-              </a:spcBef>
-            </a:pPr>
-            <a:endParaRPr lang="en-US" sz="1000" dirty="0"/>
-          </a:p>
-          <a:p>
-            <a:pPr>
-              <a:spcBef>
-                <a:spcPts val="0"/>
-              </a:spcBef>
-            </a:pPr>
-            <a:r>
-              <a:rPr lang="en-US" sz="1000" dirty="0"/>
-              <a:t>;; REPRESENTS: a square parallel to sides of canvas </a:t>
-            </a:r>
-          </a:p>
-          <a:p>
-            <a:pPr>
-              <a:spcBef>
-                <a:spcPts val="0"/>
-              </a:spcBef>
-            </a:pPr>
-            <a:r>
-              <a:rPr lang="en-US" sz="1000" dirty="0"/>
-              <a:t>(define Square%</a:t>
-            </a:r>
-          </a:p>
-          <a:p>
-            <a:pPr>
-              <a:spcBef>
-                <a:spcPts val="0"/>
-              </a:spcBef>
-            </a:pPr>
-            <a:r>
-              <a:rPr lang="en-US" sz="1000" dirty="0"/>
-              <a:t>  (class* object% (Shape&lt;%&gt;)</a:t>
-            </a:r>
-          </a:p>
-          <a:p>
-            <a:pPr>
-              <a:spcBef>
-                <a:spcPts val="0"/>
-              </a:spcBef>
-            </a:pPr>
-            <a:r>
-              <a:rPr lang="en-US" sz="1000" dirty="0"/>
-              <a:t>    (</a:t>
-            </a:r>
-            <a:r>
-              <a:rPr lang="en-US" sz="1000" dirty="0" err="1"/>
-              <a:t>init</a:t>
-            </a:r>
-            <a:r>
-              <a:rPr lang="en-US" sz="1000" dirty="0"/>
-              <a:t>-field x  ; Integer, x pixels of center from left</a:t>
-            </a:r>
-          </a:p>
-          <a:p>
-            <a:pPr>
-              <a:spcBef>
-                <a:spcPts val="0"/>
-              </a:spcBef>
-            </a:pPr>
-            <a:r>
-              <a:rPr lang="en-US" sz="1000" dirty="0"/>
-              <a:t>                y  ; Integer, y pixels of center from top</a:t>
-            </a:r>
-          </a:p>
-          <a:p>
-            <a:pPr>
-              <a:spcBef>
-                <a:spcPts val="0"/>
-              </a:spcBef>
-            </a:pPr>
-            <a:r>
-              <a:rPr lang="en-US" sz="1000" dirty="0"/>
-              <a:t>                l  ; Integer, length of one side </a:t>
-            </a:r>
-          </a:p>
-          <a:p>
-            <a:pPr>
-              <a:spcBef>
-                <a:spcPts val="0"/>
-              </a:spcBef>
-            </a:pPr>
-            <a:r>
-              <a:rPr lang="en-US" sz="1000" dirty="0"/>
-              <a:t>	   c) ; </a:t>
-            </a:r>
-            <a:r>
-              <a:rPr lang="en-US" sz="1000" dirty="0" err="1"/>
-              <a:t>ColorString</a:t>
-            </a:r>
-            <a:r>
-              <a:rPr lang="en-US" sz="1000" dirty="0"/>
-              <a:t> </a:t>
-            </a:r>
-          </a:p>
-          <a:p>
-            <a:pPr>
-              <a:spcBef>
-                <a:spcPts val="0"/>
-              </a:spcBef>
-            </a:pPr>
-            <a:endParaRPr lang="en-US" sz="1000" dirty="0"/>
-          </a:p>
-          <a:p>
-            <a:pPr>
-              <a:spcBef>
-                <a:spcPts val="0"/>
-              </a:spcBef>
-            </a:pPr>
-            <a:r>
-              <a:rPr lang="en-US" sz="1000" dirty="0"/>
-              <a:t>    (field [IMG (rectangle l </a:t>
-            </a:r>
-            <a:r>
-              <a:rPr lang="en-US" sz="1000" dirty="0" err="1"/>
-              <a:t>l</a:t>
-            </a:r>
-            <a:r>
-              <a:rPr lang="en-US" sz="1000" dirty="0"/>
-              <a:t> "solid" c)])</a:t>
-            </a:r>
-          </a:p>
-          <a:p>
-            <a:pPr>
-              <a:spcBef>
-                <a:spcPts val="0"/>
-              </a:spcBef>
-            </a:pPr>
-            <a:endParaRPr lang="en-US" sz="1000" dirty="0"/>
-          </a:p>
-          <a:p>
-            <a:pPr>
-              <a:spcBef>
-                <a:spcPts val="0"/>
-              </a:spcBef>
-            </a:pPr>
-            <a:r>
-              <a:rPr lang="en-US" sz="1000" dirty="0"/>
-              <a:t>    (super-new)</a:t>
-            </a:r>
-          </a:p>
-          <a:p>
-            <a:pPr>
-              <a:spcBef>
-                <a:spcPts val="0"/>
-              </a:spcBef>
-            </a:pPr>
-            <a:endParaRPr lang="en-US" sz="1000" dirty="0"/>
-          </a:p>
-          <a:p>
-            <a:pPr>
-              <a:spcBef>
-                <a:spcPts val="0"/>
-              </a:spcBef>
-            </a:pPr>
-            <a:r>
-              <a:rPr lang="en-US" sz="1000" dirty="0"/>
-              <a:t>    ;; weight : -&gt; Real</a:t>
-            </a:r>
-          </a:p>
-          <a:p>
-            <a:pPr>
-              <a:spcBef>
-                <a:spcPts val="0"/>
-              </a:spcBef>
-            </a:pPr>
-            <a:r>
-              <a:rPr lang="en-US" sz="1000" dirty="0"/>
-              <a:t>    ;; RETURNS: the weight of this shape</a:t>
-            </a:r>
-          </a:p>
-          <a:p>
-            <a:pPr>
-              <a:spcBef>
-                <a:spcPts val="0"/>
-              </a:spcBef>
-            </a:pPr>
-            <a:r>
-              <a:rPr lang="en-US" sz="1000" dirty="0"/>
-              <a:t>    ;; DETAILS: this shape is a square</a:t>
-            </a:r>
-          </a:p>
-          <a:p>
-            <a:pPr>
-              <a:spcBef>
-                <a:spcPts val="0"/>
-              </a:spcBef>
-            </a:pPr>
-            <a:r>
-              <a:rPr lang="en-US" sz="1000" dirty="0"/>
-              <a:t>    ;; STRATEGY: combine simpler functions</a:t>
-            </a:r>
-          </a:p>
-          <a:p>
-            <a:pPr>
-              <a:spcBef>
-                <a:spcPts val="0"/>
-              </a:spcBef>
-            </a:pPr>
-            <a:endParaRPr lang="en-US" sz="1000" dirty="0"/>
-          </a:p>
-          <a:p>
-            <a:pPr>
-              <a:spcBef>
-                <a:spcPts val="0"/>
-              </a:spcBef>
-            </a:pPr>
-            <a:r>
-              <a:rPr lang="en-US" sz="1000" dirty="0"/>
-              <a:t>    (define/public (weight) (* l l))</a:t>
-            </a:r>
-          </a:p>
-          <a:p>
-            <a:pPr>
-              <a:spcBef>
-                <a:spcPts val="0"/>
-              </a:spcBef>
-            </a:pPr>
-            <a:endParaRPr lang="en-US" sz="1000" dirty="0"/>
-          </a:p>
-          <a:p>
-            <a:pPr>
-              <a:spcBef>
-                <a:spcPts val="0"/>
-              </a:spcBef>
-            </a:pPr>
-            <a:r>
-              <a:rPr lang="en-US" sz="1000" dirty="0"/>
-              <a:t>    ;; add-to-scene : Scene -&gt; Scene</a:t>
-            </a:r>
-          </a:p>
-          <a:p>
-            <a:pPr>
-              <a:spcBef>
-                <a:spcPts val="0"/>
-              </a:spcBef>
-            </a:pPr>
-            <a:r>
-              <a:rPr lang="en-US" sz="1000" dirty="0"/>
-              <a:t>    ;; RETURNS: a scene like the given one, but with this shape</a:t>
-            </a:r>
-          </a:p>
-          <a:p>
-            <a:pPr>
-              <a:spcBef>
-                <a:spcPts val="0"/>
-              </a:spcBef>
-            </a:pPr>
-            <a:r>
-              <a:rPr lang="en-US" sz="1000" dirty="0"/>
-              <a:t>    ;; painted on it.</a:t>
-            </a:r>
-          </a:p>
-          <a:p>
-            <a:pPr>
-              <a:spcBef>
-                <a:spcPts val="0"/>
-              </a:spcBef>
-            </a:pPr>
-            <a:r>
-              <a:rPr lang="en-US" sz="1000" dirty="0"/>
-              <a:t>    ;; DETAILS: this shape is a square</a:t>
-            </a:r>
-          </a:p>
-          <a:p>
-            <a:pPr>
-              <a:spcBef>
-                <a:spcPts val="0"/>
-              </a:spcBef>
-            </a:pPr>
-            <a:r>
-              <a:rPr lang="en-US" sz="1000" dirty="0"/>
-              <a:t>    ;; STRATEGY: call a more general function</a:t>
-            </a:r>
-          </a:p>
-          <a:p>
-            <a:pPr>
-              <a:spcBef>
-                <a:spcPts val="0"/>
-              </a:spcBef>
-            </a:pPr>
-            <a:endParaRPr lang="en-US" sz="1000" dirty="0"/>
-          </a:p>
-          <a:p>
-            <a:pPr>
-              <a:spcBef>
-                <a:spcPts val="0"/>
-              </a:spcBef>
-            </a:pPr>
-            <a:r>
-              <a:rPr lang="en-US" sz="1000" dirty="0"/>
-              <a:t>    (define/public (add-to-scene s) (place-image IMG x y s))</a:t>
-            </a:r>
-          </a:p>
-          <a:p>
-            <a:pPr>
-              <a:spcBef>
-                <a:spcPts val="0"/>
-              </a:spcBef>
-            </a:pPr>
-            <a:endParaRPr lang="en-US" sz="1000" dirty="0"/>
-          </a:p>
-          <a:p>
-            <a:pPr>
-              <a:spcBef>
-                <a:spcPts val="0"/>
-              </a:spcBef>
-            </a:pPr>
-            <a:r>
-              <a:rPr lang="en-US" sz="1000" dirty="0"/>
-              <a:t>    ))</a:t>
-            </a:r>
-          </a:p>
-          <a:p>
-            <a:pPr>
-              <a:spcBef>
-                <a:spcPts val="0"/>
-              </a:spcBef>
-            </a:pPr>
-            <a:endParaRPr lang="en-US" sz="1000" dirty="0"/>
-          </a:p>
-        </p:txBody>
-      </p:sp>
-      <p:sp>
-        <p:nvSpPr>
-          <p:cNvPr id="5" name="Slide Number Placeholder 4"/>
-          <p:cNvSpPr>
-            <a:spLocks noGrp="1"/>
-          </p:cNvSpPr>
-          <p:nvPr>
-            <p:ph type="sldNum" sz="quarter" idx="12"/>
-          </p:nvPr>
-        </p:nvSpPr>
-        <p:spPr/>
-        <p:txBody>
-          <a:bodyPr/>
-          <a:lstStyle/>
-          <a:p>
-            <a:fld id="{2AF3B5EA-18B6-4040-9F78-6052AF49C681}" type="slidenum">
-              <a:rPr lang="en-US" smtClean="0"/>
-              <a:t>9</a:t>
-            </a:fld>
-            <a:endParaRPr lang="en-US"/>
-          </a:p>
-        </p:txBody>
-      </p:sp>
-    </p:spTree>
-    <p:extLst>
-      <p:ext uri="{BB962C8B-B14F-4D97-AF65-F5344CB8AC3E}">
-        <p14:creationId xmlns:p14="http://schemas.microsoft.com/office/powerpoint/2010/main" val="1601407395"/>
       </p:ext>
     </p:extLst>
   </p:cSld>
